--- a/Documentation/storyboarding.pptx
+++ b/Documentation/storyboarding.pptx
@@ -2,17 +2,19 @@
 <file path=ppt/presentation.xml><?xml version="1.0" encoding="utf-8"?>
 <p:presentation xmlns:a="http://schemas.openxmlformats.org/drawingml/2006/main" xmlns:r="http://schemas.openxmlformats.org/officeDocument/2006/relationships" xmlns:p="http://schemas.openxmlformats.org/presentationml/2006/main" saveSubsetFonts="1">
   <p:sldMasterIdLst>
-    <p:sldMasterId id="2147483648" r:id="rId25"/>
+    <p:sldMasterId id="2147483648" r:id="rId31"/>
   </p:sldMasterIdLst>
   <p:notesMasterIdLst>
-    <p:notesMasterId r:id="rId31"/>
+    <p:notesMasterId r:id="rId39"/>
   </p:notesMasterIdLst>
   <p:sldIdLst>
-    <p:sldId id="256" r:id="rId26"/>
-    <p:sldId id="257" r:id="rId27"/>
-    <p:sldId id="258" r:id="rId28"/>
-    <p:sldId id="259" r:id="rId29"/>
-    <p:sldId id="260" r:id="rId30"/>
+    <p:sldId id="256" r:id="rId32"/>
+    <p:sldId id="257" r:id="rId33"/>
+    <p:sldId id="258" r:id="rId34"/>
+    <p:sldId id="261" r:id="rId35"/>
+    <p:sldId id="259" r:id="rId36"/>
+    <p:sldId id="262" r:id="rId37"/>
+    <p:sldId id="260" r:id="rId38"/>
   </p:sldIdLst>
   <p:sldSz cx="12192000" cy="6858000"/>
   <p:notesSz cx="6858000" cy="9144000"/>
@@ -111,6 +113,11 @@
       </a:defRPr>
     </a:lvl9pPr>
   </p:defaultTextStyle>
+  <p:extLst>
+    <p:ext uri="{EFAFB233-063F-42B5-8137-9DF3F51BA10A}">
+      <p15:sldGuideLst xmlns:p15="http://schemas.microsoft.com/office/powerpoint/2012/main"/>
+    </p:ext>
+  </p:extLst>
 </p:presentation>
 </file>
 
@@ -196,7 +203,7 @@
           <a:p>
             <a:fld id="{C9E7DD8B-3E70-42E3-A025-A1D35F9AA722}" type="datetimeFigureOut">
               <a:rPr lang="en-US" smtClean="0"/>
-              <a:t>4/27/2018</a:t>
+              <a:t>4/30/2018</a:t>
             </a:fld>
             <a:endParaRPr lang="en-US"/>
           </a:p>
@@ -610,7 +617,7 @@
           <a:p>
             <a:fld id="{A0FACC8E-6E4C-4AED-9B4C-DAFC277AA627}" type="datetimeFigureOut">
               <a:rPr lang="en-US" smtClean="0"/>
-              <a:t>4/27/2018</a:t>
+              <a:t>4/30/2018</a:t>
             </a:fld>
             <a:endParaRPr lang="en-US"/>
           </a:p>
@@ -808,7 +815,7 @@
           <a:p>
             <a:fld id="{A0FACC8E-6E4C-4AED-9B4C-DAFC277AA627}" type="datetimeFigureOut">
               <a:rPr lang="en-US" smtClean="0"/>
-              <a:t>4/27/2018</a:t>
+              <a:t>4/30/2018</a:t>
             </a:fld>
             <a:endParaRPr lang="en-US"/>
           </a:p>
@@ -1016,7 +1023,7 @@
           <a:p>
             <a:fld id="{A0FACC8E-6E4C-4AED-9B4C-DAFC277AA627}" type="datetimeFigureOut">
               <a:rPr lang="en-US" smtClean="0"/>
-              <a:t>4/27/2018</a:t>
+              <a:t>4/30/2018</a:t>
             </a:fld>
             <a:endParaRPr lang="en-US"/>
           </a:p>
@@ -1214,7 +1221,7 @@
           <a:p>
             <a:fld id="{A0FACC8E-6E4C-4AED-9B4C-DAFC277AA627}" type="datetimeFigureOut">
               <a:rPr lang="en-US" smtClean="0"/>
-              <a:t>4/27/2018</a:t>
+              <a:t>4/30/2018</a:t>
             </a:fld>
             <a:endParaRPr lang="en-US"/>
           </a:p>
@@ -1489,7 +1496,7 @@
           <a:p>
             <a:fld id="{A0FACC8E-6E4C-4AED-9B4C-DAFC277AA627}" type="datetimeFigureOut">
               <a:rPr lang="en-US" smtClean="0"/>
-              <a:t>4/27/2018</a:t>
+              <a:t>4/30/2018</a:t>
             </a:fld>
             <a:endParaRPr lang="en-US"/>
           </a:p>
@@ -1754,7 +1761,7 @@
           <a:p>
             <a:fld id="{A0FACC8E-6E4C-4AED-9B4C-DAFC277AA627}" type="datetimeFigureOut">
               <a:rPr lang="en-US" smtClean="0"/>
-              <a:t>4/27/2018</a:t>
+              <a:t>4/30/2018</a:t>
             </a:fld>
             <a:endParaRPr lang="en-US"/>
           </a:p>
@@ -2166,7 +2173,7 @@
           <a:p>
             <a:fld id="{A0FACC8E-6E4C-4AED-9B4C-DAFC277AA627}" type="datetimeFigureOut">
               <a:rPr lang="en-US" smtClean="0"/>
-              <a:t>4/27/2018</a:t>
+              <a:t>4/30/2018</a:t>
             </a:fld>
             <a:endParaRPr lang="en-US"/>
           </a:p>
@@ -2307,7 +2314,7 @@
           <a:p>
             <a:fld id="{A0FACC8E-6E4C-4AED-9B4C-DAFC277AA627}" type="datetimeFigureOut">
               <a:rPr lang="en-US" smtClean="0"/>
-              <a:t>4/27/2018</a:t>
+              <a:t>4/30/2018</a:t>
             </a:fld>
             <a:endParaRPr lang="en-US"/>
           </a:p>
@@ -2420,7 +2427,7 @@
           <a:p>
             <a:fld id="{A0FACC8E-6E4C-4AED-9B4C-DAFC277AA627}" type="datetimeFigureOut">
               <a:rPr lang="en-US" smtClean="0"/>
-              <a:t>4/27/2018</a:t>
+              <a:t>4/30/2018</a:t>
             </a:fld>
             <a:endParaRPr lang="en-US"/>
           </a:p>
@@ -2731,7 +2738,7 @@
           <a:p>
             <a:fld id="{A0FACC8E-6E4C-4AED-9B4C-DAFC277AA627}" type="datetimeFigureOut">
               <a:rPr lang="en-US" smtClean="0"/>
-              <a:t>4/27/2018</a:t>
+              <a:t>4/30/2018</a:t>
             </a:fld>
             <a:endParaRPr lang="en-US"/>
           </a:p>
@@ -3019,7 +3026,7 @@
           <a:p>
             <a:fld id="{A0FACC8E-6E4C-4AED-9B4C-DAFC277AA627}" type="datetimeFigureOut">
               <a:rPr lang="en-US" smtClean="0"/>
-              <a:t>4/27/2018</a:t>
+              <a:t>4/30/2018</a:t>
             </a:fld>
             <a:endParaRPr lang="en-US"/>
           </a:p>
@@ -3260,7 +3267,7 @@
           <a:p>
             <a:fld id="{A0FACC8E-6E4C-4AED-9B4C-DAFC277AA627}" type="datetimeFigureOut">
               <a:rPr lang="en-US" smtClean="0"/>
-              <a:t>4/27/2018</a:t>
+              <a:t>4/30/2018</a:t>
             </a:fld>
             <a:endParaRPr lang="en-US"/>
           </a:p>
@@ -4992,7 +4999,7 @@
         <p:spPr>
           <a:xfrm>
             <a:off x="2042948" y="763843"/>
-            <a:ext cx="1512000" cy="262248"/>
+            <a:ext cx="1260000" cy="262248"/>
           </a:xfrm>
           <a:prstGeom prst="rect">
             <a:avLst/>
@@ -5055,7 +5062,134 @@
         </p:nvSpPr>
         <p:spPr>
           <a:xfrm>
-            <a:off x="3631148" y="767011"/>
+            <a:off x="3333089" y="760643"/>
+            <a:ext cx="1260000" cy="262800"/>
+          </a:xfrm>
+          <a:prstGeom prst="rect">
+            <a:avLst/>
+          </a:prstGeom>
+          <a:solidFill>
+            <a:schemeClr val="tx2"/>
+          </a:solidFill>
+          <a:ln>
+            <a:solidFill>
+              <a:schemeClr val="accent3"/>
+            </a:solidFill>
+          </a:ln>
+        </p:spPr>
+        <p:style>
+          <a:lnRef idx="2">
+            <a:schemeClr val="dk1"/>
+          </a:lnRef>
+          <a:fillRef idx="1">
+            <a:schemeClr val="lt1"/>
+          </a:fillRef>
+          <a:effectRef idx="0">
+            <a:schemeClr val="dk1"/>
+          </a:effectRef>
+          <a:fontRef idx="minor">
+            <a:schemeClr val="dk1"/>
+          </a:fontRef>
+        </p:style>
+        <p:txBody>
+          <a:bodyPr rtlCol="0" anchor="ctr"/>
+          <a:lstStyle/>
+          <a:p>
+            <a:pPr algn="ctr"/>
+            <a:r>
+              <a:rPr lang="en-MY" dirty="0">
+                <a:solidFill>
+                  <a:schemeClr val="bg1"/>
+                </a:solidFill>
+              </a:rPr>
+              <a:t>About</a:t>
+            </a:r>
+            <a:endParaRPr lang="en-US" dirty="0">
+              <a:solidFill>
+                <a:schemeClr val="bg1"/>
+              </a:solidFill>
+            </a:endParaRPr>
+          </a:p>
+        </p:txBody>
+      </p:sp>
+      <p:sp>
+        <p:nvSpPr>
+          <p:cNvPr id="39" name="Rectangle 38">
+            <a:extLst>
+              <a:ext uri="{FF2B5EF4-FFF2-40B4-BE49-F238E27FC236}">
+                <a16:creationId xmlns:a16="http://schemas.microsoft.com/office/drawing/2014/main" id="{2E578CFC-98BF-4938-88F1-88533D2E7F35}"/>
+              </a:ext>
+            </a:extLst>
+          </p:cNvPr>
+          <p:cNvSpPr/>
+          <p:nvPr/>
+        </p:nvSpPr>
+        <p:spPr>
+          <a:xfrm>
+            <a:off x="4621263" y="753989"/>
+            <a:ext cx="1260000" cy="262800"/>
+          </a:xfrm>
+          <a:prstGeom prst="rect">
+            <a:avLst/>
+          </a:prstGeom>
+          <a:solidFill>
+            <a:schemeClr val="tx2"/>
+          </a:solidFill>
+          <a:ln>
+            <a:solidFill>
+              <a:schemeClr val="accent3"/>
+            </a:solidFill>
+          </a:ln>
+        </p:spPr>
+        <p:style>
+          <a:lnRef idx="2">
+            <a:schemeClr val="dk1"/>
+          </a:lnRef>
+          <a:fillRef idx="1">
+            <a:schemeClr val="lt1"/>
+          </a:fillRef>
+          <a:effectRef idx="0">
+            <a:schemeClr val="dk1"/>
+          </a:effectRef>
+          <a:fontRef idx="minor">
+            <a:schemeClr val="dk1"/>
+          </a:fontRef>
+        </p:style>
+        <p:txBody>
+          <a:bodyPr rtlCol="0" anchor="ctr"/>
+          <a:lstStyle/>
+          <a:p>
+            <a:r>
+              <a:rPr lang="en-MY" dirty="0">
+                <a:solidFill>
+                  <a:schemeClr val="bg1"/>
+                </a:solidFill>
+              </a:rPr>
+              <a:t>Beginner</a:t>
+            </a:r>
+            <a:endParaRPr lang="en-US" dirty="0">
+              <a:solidFill>
+                <a:schemeClr val="bg1"/>
+              </a:solidFill>
+            </a:endParaRPr>
+          </a:p>
+        </p:txBody>
+      </p:sp>
+      <p:sp>
+        <p:nvSpPr>
+          <p:cNvPr id="74" name="Rectangle 73">
+            <a:extLst>
+              <a:ext uri="{FF2B5EF4-FFF2-40B4-BE49-F238E27FC236}">
+                <a16:creationId xmlns:a16="http://schemas.microsoft.com/office/drawing/2014/main" id="{5C6AACD6-C553-4F30-B021-077D13246D3D}"/>
+              </a:ext>
+            </a:extLst>
+          </p:cNvPr>
+          <p:cNvSpPr/>
+          <p:nvPr/>
+        </p:nvSpPr>
+        <p:spPr>
+          <a:xfrm>
+            <a:off x="5926314" y="760643"/>
             <a:ext cx="1512000" cy="262800"/>
           </a:xfrm>
           <a:prstGeom prst="rect">
@@ -5088,133 +5222,6 @@
           <a:bodyPr rtlCol="0" anchor="ctr"/>
           <a:lstStyle/>
           <a:p>
-            <a:pPr algn="ctr"/>
-            <a:r>
-              <a:rPr lang="en-MY" dirty="0">
-                <a:solidFill>
-                  <a:schemeClr val="bg1"/>
-                </a:solidFill>
-              </a:rPr>
-              <a:t>About</a:t>
-            </a:r>
-            <a:endParaRPr lang="en-US" dirty="0">
-              <a:solidFill>
-                <a:schemeClr val="bg1"/>
-              </a:solidFill>
-            </a:endParaRPr>
-          </a:p>
-        </p:txBody>
-      </p:sp>
-      <p:sp>
-        <p:nvSpPr>
-          <p:cNvPr id="39" name="Rectangle 38">
-            <a:extLst>
-              <a:ext uri="{FF2B5EF4-FFF2-40B4-BE49-F238E27FC236}">
-                <a16:creationId xmlns:a16="http://schemas.microsoft.com/office/drawing/2014/main" id="{2E578CFC-98BF-4938-88F1-88533D2E7F35}"/>
-              </a:ext>
-            </a:extLst>
-          </p:cNvPr>
-          <p:cNvSpPr/>
-          <p:nvPr/>
-        </p:nvSpPr>
-        <p:spPr>
-          <a:xfrm>
-            <a:off x="5218396" y="773847"/>
-            <a:ext cx="1512000" cy="262800"/>
-          </a:xfrm>
-          <a:prstGeom prst="rect">
-            <a:avLst/>
-          </a:prstGeom>
-          <a:solidFill>
-            <a:schemeClr val="tx2"/>
-          </a:solidFill>
-          <a:ln>
-            <a:solidFill>
-              <a:schemeClr val="accent3"/>
-            </a:solidFill>
-          </a:ln>
-        </p:spPr>
-        <p:style>
-          <a:lnRef idx="2">
-            <a:schemeClr val="dk1"/>
-          </a:lnRef>
-          <a:fillRef idx="1">
-            <a:schemeClr val="lt1"/>
-          </a:fillRef>
-          <a:effectRef idx="0">
-            <a:schemeClr val="dk1"/>
-          </a:effectRef>
-          <a:fontRef idx="minor">
-            <a:schemeClr val="dk1"/>
-          </a:fontRef>
-        </p:style>
-        <p:txBody>
-          <a:bodyPr rtlCol="0" anchor="ctr"/>
-          <a:lstStyle/>
-          <a:p>
-            <a:r>
-              <a:rPr lang="en-MY" dirty="0">
-                <a:solidFill>
-                  <a:schemeClr val="bg1"/>
-                </a:solidFill>
-              </a:rPr>
-              <a:t>Beginner</a:t>
-            </a:r>
-            <a:endParaRPr lang="en-US" dirty="0">
-              <a:solidFill>
-                <a:schemeClr val="bg1"/>
-              </a:solidFill>
-            </a:endParaRPr>
-          </a:p>
-        </p:txBody>
-      </p:sp>
-      <p:sp>
-        <p:nvSpPr>
-          <p:cNvPr id="74" name="Rectangle 73">
-            <a:extLst>
-              <a:ext uri="{FF2B5EF4-FFF2-40B4-BE49-F238E27FC236}">
-                <a16:creationId xmlns:a16="http://schemas.microsoft.com/office/drawing/2014/main" id="{5C6AACD6-C553-4F30-B021-077D13246D3D}"/>
-              </a:ext>
-            </a:extLst>
-          </p:cNvPr>
-          <p:cNvSpPr/>
-          <p:nvPr/>
-        </p:nvSpPr>
-        <p:spPr>
-          <a:xfrm>
-            <a:off x="6809646" y="778283"/>
-            <a:ext cx="1512000" cy="262800"/>
-          </a:xfrm>
-          <a:prstGeom prst="rect">
-            <a:avLst/>
-          </a:prstGeom>
-          <a:solidFill>
-            <a:schemeClr val="tx2"/>
-          </a:solidFill>
-          <a:ln>
-            <a:solidFill>
-              <a:schemeClr val="accent3"/>
-            </a:solidFill>
-          </a:ln>
-        </p:spPr>
-        <p:style>
-          <a:lnRef idx="2">
-            <a:schemeClr val="dk1"/>
-          </a:lnRef>
-          <a:fillRef idx="1">
-            <a:schemeClr val="lt1"/>
-          </a:fillRef>
-          <a:effectRef idx="0">
-            <a:schemeClr val="dk1"/>
-          </a:effectRef>
-          <a:fontRef idx="minor">
-            <a:schemeClr val="dk1"/>
-          </a:fontRef>
-        </p:style>
-        <p:txBody>
-          <a:bodyPr rtlCol="0" anchor="ctr"/>
-          <a:lstStyle/>
-          <a:p>
             <a:r>
               <a:rPr lang="en-MY" dirty="0">
                 <a:solidFill>
@@ -5245,8 +5252,8 @@
         </p:nvSpPr>
         <p:spPr>
           <a:xfrm>
-            <a:off x="8401593" y="783425"/>
-            <a:ext cx="1512000" cy="262800"/>
+            <a:off x="7491289" y="760643"/>
+            <a:ext cx="1260000" cy="262800"/>
           </a:xfrm>
           <a:prstGeom prst="rect">
             <a:avLst/>
@@ -5638,7 +5645,7 @@
         </p:nvSpPr>
         <p:spPr>
           <a:xfrm>
-            <a:off x="6469010" y="885389"/>
+            <a:off x="5622337" y="869689"/>
             <a:ext cx="89124" cy="77524"/>
           </a:xfrm>
           <a:prstGeom prst="flowChartMerge">
@@ -5692,7 +5699,7 @@
         </p:nvSpPr>
         <p:spPr>
           <a:xfrm>
-            <a:off x="9728015" y="885389"/>
+            <a:off x="8580813" y="870338"/>
             <a:ext cx="89124" cy="77524"/>
           </a:xfrm>
           <a:prstGeom prst="flowChartMerge">
@@ -5746,7 +5753,7 @@
         </p:nvSpPr>
         <p:spPr>
           <a:xfrm>
-            <a:off x="8166104" y="885389"/>
+            <a:off x="7282772" y="867749"/>
             <a:ext cx="89124" cy="77524"/>
           </a:xfrm>
           <a:prstGeom prst="flowChartMerge">
@@ -5783,6 +5790,70 @@
           <a:p>
             <a:pPr algn="ctr"/>
             <a:endParaRPr lang="en-US"/>
+          </a:p>
+        </p:txBody>
+      </p:sp>
+      <p:sp>
+        <p:nvSpPr>
+          <p:cNvPr id="49" name="Rectangle 48">
+            <a:extLst>
+              <a:ext uri="{FF2B5EF4-FFF2-40B4-BE49-F238E27FC236}">
+                <a16:creationId xmlns:a16="http://schemas.microsoft.com/office/drawing/2014/main" id="{600DE5F5-B0E1-4EBC-8A62-F5843B8BD8C9}"/>
+              </a:ext>
+            </a:extLst>
+          </p:cNvPr>
+          <p:cNvSpPr/>
+          <p:nvPr/>
+        </p:nvSpPr>
+        <p:spPr>
+          <a:xfrm>
+            <a:off x="8784350" y="765583"/>
+            <a:ext cx="1260000" cy="262248"/>
+          </a:xfrm>
+          <a:prstGeom prst="rect">
+            <a:avLst/>
+          </a:prstGeom>
+          <a:solidFill>
+            <a:schemeClr val="tx2"/>
+          </a:solidFill>
+          <a:ln>
+            <a:solidFill>
+              <a:schemeClr val="accent3"/>
+            </a:solidFill>
+          </a:ln>
+        </p:spPr>
+        <p:style>
+          <a:lnRef idx="2">
+            <a:schemeClr val="dk1"/>
+          </a:lnRef>
+          <a:fillRef idx="1">
+            <a:schemeClr val="lt1"/>
+          </a:fillRef>
+          <a:effectRef idx="0">
+            <a:schemeClr val="dk1"/>
+          </a:effectRef>
+          <a:fontRef idx="minor">
+            <a:schemeClr val="dk1"/>
+          </a:fontRef>
+        </p:style>
+        <p:txBody>
+          <a:bodyPr rtlCol="0" anchor="ctr"/>
+          <a:lstStyle/>
+          <a:p>
+            <a:pPr algn="ctr"/>
+            <a:r>
+              <a:rPr lang="en-MY" dirty="0">
+                <a:solidFill>
+                  <a:schemeClr val="bg1"/>
+                </a:solidFill>
+              </a:rPr>
+              <a:t>Forum</a:t>
+            </a:r>
+            <a:endParaRPr lang="en-US" dirty="0">
+              <a:solidFill>
+                <a:schemeClr val="bg1"/>
+              </a:solidFill>
+            </a:endParaRPr>
           </a:p>
         </p:txBody>
       </p:sp>
@@ -7623,10 +7694,10 @@
       </p:sp>
       <p:pic>
         <p:nvPicPr>
-          <p:cNvPr id="164" name="Picture 163" descr="A close up of a logo&#10;&#10;Description generated with very high confidence">
+          <p:cNvPr id="53" name="Picture 52" descr="A close up of a logo&#10;&#10;Description generated with very high confidence">
             <a:extLst>
               <a:ext uri="{FF2B5EF4-FFF2-40B4-BE49-F238E27FC236}">
-                <a16:creationId xmlns:a16="http://schemas.microsoft.com/office/drawing/2014/main" id="{06F1F7F5-7038-49CC-B421-EE014F454AD4}"/>
+                <a16:creationId xmlns:a16="http://schemas.microsoft.com/office/drawing/2014/main" id="{A8917BED-6E58-4F20-86CE-864670814A47}"/>
               </a:ext>
             </a:extLst>
           </p:cNvPr>
@@ -7659,10 +7730,10 @@
       </p:pic>
       <p:cxnSp>
         <p:nvCxnSpPr>
-          <p:cNvPr id="165" name="Straight Connector 164">
+          <p:cNvPr id="54" name="Straight Connector 53">
             <a:extLst>
               <a:ext uri="{FF2B5EF4-FFF2-40B4-BE49-F238E27FC236}">
-                <a16:creationId xmlns:a16="http://schemas.microsoft.com/office/drawing/2014/main" id="{02F18CA7-A645-4904-A4B2-398886F1C9C4}"/>
+                <a16:creationId xmlns:a16="http://schemas.microsoft.com/office/drawing/2014/main" id="{456D0E44-B7FB-4FC0-A932-757DA8D0B615}"/>
               </a:ext>
             </a:extLst>
           </p:cNvPr>
@@ -7695,10 +7766,10 @@
       </p:cxnSp>
       <p:sp>
         <p:nvSpPr>
-          <p:cNvPr id="166" name="Rectangle 165">
+          <p:cNvPr id="55" name="Rectangle 54">
             <a:extLst>
               <a:ext uri="{FF2B5EF4-FFF2-40B4-BE49-F238E27FC236}">
-                <a16:creationId xmlns:a16="http://schemas.microsoft.com/office/drawing/2014/main" id="{83CB72A4-BCF7-48D3-9C3B-B6B2C21924A6}"/>
+                <a16:creationId xmlns:a16="http://schemas.microsoft.com/office/drawing/2014/main" id="{97008C40-051B-4098-984E-B685E340D92D}"/>
               </a:ext>
             </a:extLst>
           </p:cNvPr>
@@ -7708,7 +7779,7 @@
         <p:spPr>
           <a:xfrm>
             <a:off x="2042948" y="763843"/>
-            <a:ext cx="1512000" cy="262248"/>
+            <a:ext cx="1260000" cy="262248"/>
           </a:xfrm>
           <a:prstGeom prst="rect">
             <a:avLst/>
@@ -7759,10 +7830,10 @@
       </p:sp>
       <p:sp>
         <p:nvSpPr>
-          <p:cNvPr id="167" name="Rectangle 166">
+          <p:cNvPr id="56" name="Rectangle 55">
             <a:extLst>
               <a:ext uri="{FF2B5EF4-FFF2-40B4-BE49-F238E27FC236}">
-                <a16:creationId xmlns:a16="http://schemas.microsoft.com/office/drawing/2014/main" id="{89F6A6D0-5D69-40A5-B3F6-E68884BECD1F}"/>
+                <a16:creationId xmlns:a16="http://schemas.microsoft.com/office/drawing/2014/main" id="{8FBD309D-92B5-469D-83B8-A22E6E98D343}"/>
               </a:ext>
             </a:extLst>
           </p:cNvPr>
@@ -7771,7 +7842,134 @@
         </p:nvSpPr>
         <p:spPr>
           <a:xfrm>
-            <a:off x="3631148" y="767011"/>
+            <a:off x="3333089" y="760643"/>
+            <a:ext cx="1260000" cy="262800"/>
+          </a:xfrm>
+          <a:prstGeom prst="rect">
+            <a:avLst/>
+          </a:prstGeom>
+          <a:solidFill>
+            <a:schemeClr val="tx2"/>
+          </a:solidFill>
+          <a:ln>
+            <a:solidFill>
+              <a:schemeClr val="accent3"/>
+            </a:solidFill>
+          </a:ln>
+        </p:spPr>
+        <p:style>
+          <a:lnRef idx="2">
+            <a:schemeClr val="dk1"/>
+          </a:lnRef>
+          <a:fillRef idx="1">
+            <a:schemeClr val="lt1"/>
+          </a:fillRef>
+          <a:effectRef idx="0">
+            <a:schemeClr val="dk1"/>
+          </a:effectRef>
+          <a:fontRef idx="minor">
+            <a:schemeClr val="dk1"/>
+          </a:fontRef>
+        </p:style>
+        <p:txBody>
+          <a:bodyPr rtlCol="0" anchor="ctr"/>
+          <a:lstStyle/>
+          <a:p>
+            <a:pPr algn="ctr"/>
+            <a:r>
+              <a:rPr lang="en-MY" dirty="0">
+                <a:solidFill>
+                  <a:schemeClr val="bg1"/>
+                </a:solidFill>
+              </a:rPr>
+              <a:t>About</a:t>
+            </a:r>
+            <a:endParaRPr lang="en-US" dirty="0">
+              <a:solidFill>
+                <a:schemeClr val="bg1"/>
+              </a:solidFill>
+            </a:endParaRPr>
+          </a:p>
+        </p:txBody>
+      </p:sp>
+      <p:sp>
+        <p:nvSpPr>
+          <p:cNvPr id="57" name="Rectangle 56">
+            <a:extLst>
+              <a:ext uri="{FF2B5EF4-FFF2-40B4-BE49-F238E27FC236}">
+                <a16:creationId xmlns:a16="http://schemas.microsoft.com/office/drawing/2014/main" id="{7D7F1CCA-DA02-4BB4-82C1-3E7D3E117103}"/>
+              </a:ext>
+            </a:extLst>
+          </p:cNvPr>
+          <p:cNvSpPr/>
+          <p:nvPr/>
+        </p:nvSpPr>
+        <p:spPr>
+          <a:xfrm>
+            <a:off x="4621263" y="753989"/>
+            <a:ext cx="1260000" cy="262800"/>
+          </a:xfrm>
+          <a:prstGeom prst="rect">
+            <a:avLst/>
+          </a:prstGeom>
+          <a:solidFill>
+            <a:schemeClr val="tx2"/>
+          </a:solidFill>
+          <a:ln>
+            <a:solidFill>
+              <a:schemeClr val="accent3"/>
+            </a:solidFill>
+          </a:ln>
+        </p:spPr>
+        <p:style>
+          <a:lnRef idx="2">
+            <a:schemeClr val="dk1"/>
+          </a:lnRef>
+          <a:fillRef idx="1">
+            <a:schemeClr val="lt1"/>
+          </a:fillRef>
+          <a:effectRef idx="0">
+            <a:schemeClr val="dk1"/>
+          </a:effectRef>
+          <a:fontRef idx="minor">
+            <a:schemeClr val="dk1"/>
+          </a:fontRef>
+        </p:style>
+        <p:txBody>
+          <a:bodyPr rtlCol="0" anchor="ctr"/>
+          <a:lstStyle/>
+          <a:p>
+            <a:r>
+              <a:rPr lang="en-MY" dirty="0">
+                <a:solidFill>
+                  <a:schemeClr val="bg1"/>
+                </a:solidFill>
+              </a:rPr>
+              <a:t>Beginner</a:t>
+            </a:r>
+            <a:endParaRPr lang="en-US" dirty="0">
+              <a:solidFill>
+                <a:schemeClr val="bg1"/>
+              </a:solidFill>
+            </a:endParaRPr>
+          </a:p>
+        </p:txBody>
+      </p:sp>
+      <p:sp>
+        <p:nvSpPr>
+          <p:cNvPr id="58" name="Rectangle 57">
+            <a:extLst>
+              <a:ext uri="{FF2B5EF4-FFF2-40B4-BE49-F238E27FC236}">
+                <a16:creationId xmlns:a16="http://schemas.microsoft.com/office/drawing/2014/main" id="{6AE3621C-134C-4DC8-A5CA-0F4D007EC617}"/>
+              </a:ext>
+            </a:extLst>
+          </p:cNvPr>
+          <p:cNvSpPr/>
+          <p:nvPr/>
+        </p:nvSpPr>
+        <p:spPr>
+          <a:xfrm>
+            <a:off x="5926314" y="760643"/>
             <a:ext cx="1512000" cy="262800"/>
           </a:xfrm>
           <a:prstGeom prst="rect">
@@ -7804,14 +8002,13 @@
           <a:bodyPr rtlCol="0" anchor="ctr"/>
           <a:lstStyle/>
           <a:p>
-            <a:pPr algn="ctr"/>
             <a:r>
               <a:rPr lang="en-MY" dirty="0">
                 <a:solidFill>
                   <a:schemeClr val="bg1"/>
                 </a:solidFill>
               </a:rPr>
-              <a:t>About</a:t>
+              <a:t>Intermediate</a:t>
             </a:r>
             <a:endParaRPr lang="en-US" dirty="0">
               <a:solidFill>
@@ -7823,10 +8020,10 @@
       </p:sp>
       <p:sp>
         <p:nvSpPr>
-          <p:cNvPr id="168" name="Rectangle 167">
+          <p:cNvPr id="59" name="Rectangle 58">
             <a:extLst>
               <a:ext uri="{FF2B5EF4-FFF2-40B4-BE49-F238E27FC236}">
-                <a16:creationId xmlns:a16="http://schemas.microsoft.com/office/drawing/2014/main" id="{C1D12353-8857-4417-B5DB-E87F54EC3E6D}"/>
+                <a16:creationId xmlns:a16="http://schemas.microsoft.com/office/drawing/2014/main" id="{68513C68-F917-4219-8506-5D74E8B9A3C3}"/>
               </a:ext>
             </a:extLst>
           </p:cNvPr>
@@ -7835,8 +8032,8 @@
         </p:nvSpPr>
         <p:spPr>
           <a:xfrm>
-            <a:off x="5218396" y="773847"/>
-            <a:ext cx="1512000" cy="262800"/>
+            <a:off x="7491289" y="760643"/>
+            <a:ext cx="1260000" cy="262800"/>
           </a:xfrm>
           <a:prstGeom prst="rect">
             <a:avLst/>
@@ -7874,132 +8071,6 @@
                   <a:schemeClr val="bg1"/>
                 </a:solidFill>
               </a:rPr>
-              <a:t>Beginner</a:t>
-            </a:r>
-            <a:endParaRPr lang="en-US" dirty="0">
-              <a:solidFill>
-                <a:schemeClr val="bg1"/>
-              </a:solidFill>
-            </a:endParaRPr>
-          </a:p>
-        </p:txBody>
-      </p:sp>
-      <p:sp>
-        <p:nvSpPr>
-          <p:cNvPr id="169" name="Rectangle 168">
-            <a:extLst>
-              <a:ext uri="{FF2B5EF4-FFF2-40B4-BE49-F238E27FC236}">
-                <a16:creationId xmlns:a16="http://schemas.microsoft.com/office/drawing/2014/main" id="{7CB5B84C-DF89-499D-A0BD-56B0285409F7}"/>
-              </a:ext>
-            </a:extLst>
-          </p:cNvPr>
-          <p:cNvSpPr/>
-          <p:nvPr/>
-        </p:nvSpPr>
-        <p:spPr>
-          <a:xfrm>
-            <a:off x="6809646" y="778283"/>
-            <a:ext cx="1512000" cy="262800"/>
-          </a:xfrm>
-          <a:prstGeom prst="rect">
-            <a:avLst/>
-          </a:prstGeom>
-          <a:solidFill>
-            <a:schemeClr val="tx2"/>
-          </a:solidFill>
-          <a:ln>
-            <a:solidFill>
-              <a:schemeClr val="accent3"/>
-            </a:solidFill>
-          </a:ln>
-        </p:spPr>
-        <p:style>
-          <a:lnRef idx="2">
-            <a:schemeClr val="dk1"/>
-          </a:lnRef>
-          <a:fillRef idx="1">
-            <a:schemeClr val="lt1"/>
-          </a:fillRef>
-          <a:effectRef idx="0">
-            <a:schemeClr val="dk1"/>
-          </a:effectRef>
-          <a:fontRef idx="minor">
-            <a:schemeClr val="dk1"/>
-          </a:fontRef>
-        </p:style>
-        <p:txBody>
-          <a:bodyPr rtlCol="0" anchor="ctr"/>
-          <a:lstStyle/>
-          <a:p>
-            <a:r>
-              <a:rPr lang="en-MY" dirty="0">
-                <a:solidFill>
-                  <a:schemeClr val="bg1"/>
-                </a:solidFill>
-              </a:rPr>
-              <a:t>Intermediate</a:t>
-            </a:r>
-            <a:endParaRPr lang="en-US" dirty="0">
-              <a:solidFill>
-                <a:schemeClr val="bg1"/>
-              </a:solidFill>
-            </a:endParaRPr>
-          </a:p>
-        </p:txBody>
-      </p:sp>
-      <p:sp>
-        <p:nvSpPr>
-          <p:cNvPr id="170" name="Rectangle 169">
-            <a:extLst>
-              <a:ext uri="{FF2B5EF4-FFF2-40B4-BE49-F238E27FC236}">
-                <a16:creationId xmlns:a16="http://schemas.microsoft.com/office/drawing/2014/main" id="{5E5674F5-2FFF-45A0-90A3-D01FFD4987D8}"/>
-              </a:ext>
-            </a:extLst>
-          </p:cNvPr>
-          <p:cNvSpPr/>
-          <p:nvPr/>
-        </p:nvSpPr>
-        <p:spPr>
-          <a:xfrm>
-            <a:off x="8401593" y="783425"/>
-            <a:ext cx="1512000" cy="262800"/>
-          </a:xfrm>
-          <a:prstGeom prst="rect">
-            <a:avLst/>
-          </a:prstGeom>
-          <a:solidFill>
-            <a:schemeClr val="tx2"/>
-          </a:solidFill>
-          <a:ln>
-            <a:solidFill>
-              <a:schemeClr val="accent3"/>
-            </a:solidFill>
-          </a:ln>
-        </p:spPr>
-        <p:style>
-          <a:lnRef idx="2">
-            <a:schemeClr val="dk1"/>
-          </a:lnRef>
-          <a:fillRef idx="1">
-            <a:schemeClr val="lt1"/>
-          </a:fillRef>
-          <a:effectRef idx="0">
-            <a:schemeClr val="dk1"/>
-          </a:effectRef>
-          <a:fontRef idx="minor">
-            <a:schemeClr val="dk1"/>
-          </a:fontRef>
-        </p:style>
-        <p:txBody>
-          <a:bodyPr rtlCol="0" anchor="ctr"/>
-          <a:lstStyle/>
-          <a:p>
-            <a:r>
-              <a:rPr lang="en-MY" dirty="0">
-                <a:solidFill>
-                  <a:schemeClr val="bg1"/>
-                </a:solidFill>
-              </a:rPr>
               <a:t>Advanced</a:t>
             </a:r>
             <a:endParaRPr lang="en-US" dirty="0">
@@ -8012,10 +8083,10 @@
       </p:sp>
       <p:pic>
         <p:nvPicPr>
-          <p:cNvPr id="171" name="Picture 170">
+          <p:cNvPr id="60" name="Picture 59">
             <a:extLst>
               <a:ext uri="{FF2B5EF4-FFF2-40B4-BE49-F238E27FC236}">
-                <a16:creationId xmlns:a16="http://schemas.microsoft.com/office/drawing/2014/main" id="{BD436929-1DC9-412B-917D-E45B158F2D97}"/>
+                <a16:creationId xmlns:a16="http://schemas.microsoft.com/office/drawing/2014/main" id="{CCDDF7C4-D521-4177-B170-211D974858E6}"/>
               </a:ext>
             </a:extLst>
           </p:cNvPr>
@@ -8055,10 +8126,10 @@
       </p:pic>
       <p:sp>
         <p:nvSpPr>
-          <p:cNvPr id="172" name="Flowchart: Merge 171">
+          <p:cNvPr id="61" name="Flowchart: Merge 60">
             <a:extLst>
               <a:ext uri="{FF2B5EF4-FFF2-40B4-BE49-F238E27FC236}">
-                <a16:creationId xmlns:a16="http://schemas.microsoft.com/office/drawing/2014/main" id="{B74CA4FC-6068-4F96-A9F8-1872A78A664F}"/>
+                <a16:creationId xmlns:a16="http://schemas.microsoft.com/office/drawing/2014/main" id="{1901BCCF-A5C5-44AA-9C3D-9E5FD33007DE}"/>
               </a:ext>
             </a:extLst>
           </p:cNvPr>
@@ -8067,7 +8138,7 @@
         </p:nvSpPr>
         <p:spPr>
           <a:xfrm>
-            <a:off x="6469010" y="885389"/>
+            <a:off x="5622337" y="869689"/>
             <a:ext cx="89124" cy="77524"/>
           </a:xfrm>
           <a:prstGeom prst="flowChartMerge">
@@ -8109,10 +8180,10 @@
       </p:sp>
       <p:sp>
         <p:nvSpPr>
-          <p:cNvPr id="173" name="Flowchart: Merge 172">
+          <p:cNvPr id="62" name="Flowchart: Merge 61">
             <a:extLst>
               <a:ext uri="{FF2B5EF4-FFF2-40B4-BE49-F238E27FC236}">
-                <a16:creationId xmlns:a16="http://schemas.microsoft.com/office/drawing/2014/main" id="{774399F3-E5C6-4DB1-A888-28B43817C867}"/>
+                <a16:creationId xmlns:a16="http://schemas.microsoft.com/office/drawing/2014/main" id="{70B41932-63C1-4693-8EF5-EAC2E09BE389}"/>
               </a:ext>
             </a:extLst>
           </p:cNvPr>
@@ -8121,7 +8192,7 @@
         </p:nvSpPr>
         <p:spPr>
           <a:xfrm>
-            <a:off x="9728015" y="885389"/>
+            <a:off x="8580813" y="870338"/>
             <a:ext cx="89124" cy="77524"/>
           </a:xfrm>
           <a:prstGeom prst="flowChartMerge">
@@ -8163,10 +8234,10 @@
       </p:sp>
       <p:sp>
         <p:nvSpPr>
-          <p:cNvPr id="174" name="Flowchart: Merge 173">
+          <p:cNvPr id="63" name="Flowchart: Merge 62">
             <a:extLst>
               <a:ext uri="{FF2B5EF4-FFF2-40B4-BE49-F238E27FC236}">
-                <a16:creationId xmlns:a16="http://schemas.microsoft.com/office/drawing/2014/main" id="{47403D52-72F3-42CE-BD4E-AF288776516C}"/>
+                <a16:creationId xmlns:a16="http://schemas.microsoft.com/office/drawing/2014/main" id="{F0C4D1D1-2FEF-4357-8152-B7D98A3D9016}"/>
               </a:ext>
             </a:extLst>
           </p:cNvPr>
@@ -8175,7 +8246,7 @@
         </p:nvSpPr>
         <p:spPr>
           <a:xfrm>
-            <a:off x="8166104" y="885389"/>
+            <a:off x="7282772" y="867749"/>
             <a:ext cx="89124" cy="77524"/>
           </a:xfrm>
           <a:prstGeom prst="flowChartMerge">
@@ -8212,6 +8283,70 @@
           <a:p>
             <a:pPr algn="ctr"/>
             <a:endParaRPr lang="en-US"/>
+          </a:p>
+        </p:txBody>
+      </p:sp>
+      <p:sp>
+        <p:nvSpPr>
+          <p:cNvPr id="64" name="Rectangle 63">
+            <a:extLst>
+              <a:ext uri="{FF2B5EF4-FFF2-40B4-BE49-F238E27FC236}">
+                <a16:creationId xmlns:a16="http://schemas.microsoft.com/office/drawing/2014/main" id="{199623E7-5345-4F7E-B34C-57CA91F8051E}"/>
+              </a:ext>
+            </a:extLst>
+          </p:cNvPr>
+          <p:cNvSpPr/>
+          <p:nvPr/>
+        </p:nvSpPr>
+        <p:spPr>
+          <a:xfrm>
+            <a:off x="8784350" y="765583"/>
+            <a:ext cx="1260000" cy="262248"/>
+          </a:xfrm>
+          <a:prstGeom prst="rect">
+            <a:avLst/>
+          </a:prstGeom>
+          <a:solidFill>
+            <a:schemeClr val="tx2"/>
+          </a:solidFill>
+          <a:ln>
+            <a:solidFill>
+              <a:schemeClr val="accent3"/>
+            </a:solidFill>
+          </a:ln>
+        </p:spPr>
+        <p:style>
+          <a:lnRef idx="2">
+            <a:schemeClr val="dk1"/>
+          </a:lnRef>
+          <a:fillRef idx="1">
+            <a:schemeClr val="lt1"/>
+          </a:fillRef>
+          <a:effectRef idx="0">
+            <a:schemeClr val="dk1"/>
+          </a:effectRef>
+          <a:fontRef idx="minor">
+            <a:schemeClr val="dk1"/>
+          </a:fontRef>
+        </p:style>
+        <p:txBody>
+          <a:bodyPr rtlCol="0" anchor="ctr"/>
+          <a:lstStyle/>
+          <a:p>
+            <a:pPr algn="ctr"/>
+            <a:r>
+              <a:rPr lang="en-MY" dirty="0">
+                <a:solidFill>
+                  <a:schemeClr val="bg1"/>
+                </a:solidFill>
+              </a:rPr>
+              <a:t>Forum</a:t>
+            </a:r>
+            <a:endParaRPr lang="en-US" dirty="0">
+              <a:solidFill>
+                <a:schemeClr val="bg1"/>
+              </a:solidFill>
+            </a:endParaRPr>
           </a:p>
         </p:txBody>
       </p:sp>
@@ -9962,10 +10097,10 @@
       </p:sp>
       <p:pic>
         <p:nvPicPr>
-          <p:cNvPr id="96" name="Picture 95" descr="A close up of a logo&#10;&#10;Description generated with very high confidence">
+          <p:cNvPr id="77" name="Picture 76" descr="A close up of a logo&#10;&#10;Description generated with very high confidence">
             <a:extLst>
               <a:ext uri="{FF2B5EF4-FFF2-40B4-BE49-F238E27FC236}">
-                <a16:creationId xmlns:a16="http://schemas.microsoft.com/office/drawing/2014/main" id="{FD8E869F-5810-458B-B465-ACF55157E2CE}"/>
+                <a16:creationId xmlns:a16="http://schemas.microsoft.com/office/drawing/2014/main" id="{024E8DFE-3906-4AE7-A352-BC9EEDC6CFDE}"/>
               </a:ext>
             </a:extLst>
           </p:cNvPr>
@@ -9998,10 +10133,10 @@
       </p:pic>
       <p:cxnSp>
         <p:nvCxnSpPr>
-          <p:cNvPr id="97" name="Straight Connector 96">
+          <p:cNvPr id="78" name="Straight Connector 77">
             <a:extLst>
               <a:ext uri="{FF2B5EF4-FFF2-40B4-BE49-F238E27FC236}">
-                <a16:creationId xmlns:a16="http://schemas.microsoft.com/office/drawing/2014/main" id="{86EEBD0B-427A-4529-B7F8-0E2D0A3F2875}"/>
+                <a16:creationId xmlns:a16="http://schemas.microsoft.com/office/drawing/2014/main" id="{6E89D9AD-6402-41B7-806C-9908CDB4625A}"/>
               </a:ext>
             </a:extLst>
           </p:cNvPr>
@@ -10034,10 +10169,10 @@
       </p:cxnSp>
       <p:sp>
         <p:nvSpPr>
-          <p:cNvPr id="98" name="Rectangle 97">
+          <p:cNvPr id="79" name="Rectangle 78">
             <a:extLst>
               <a:ext uri="{FF2B5EF4-FFF2-40B4-BE49-F238E27FC236}">
-                <a16:creationId xmlns:a16="http://schemas.microsoft.com/office/drawing/2014/main" id="{F9D1AC41-0637-43A1-B973-7445948A3D74}"/>
+                <a16:creationId xmlns:a16="http://schemas.microsoft.com/office/drawing/2014/main" id="{A393A7AD-1909-44A9-A740-A68028A0768A}"/>
               </a:ext>
             </a:extLst>
           </p:cNvPr>
@@ -10047,7 +10182,7 @@
         <p:spPr>
           <a:xfrm>
             <a:off x="2042948" y="763843"/>
-            <a:ext cx="1512000" cy="262248"/>
+            <a:ext cx="1260000" cy="262248"/>
           </a:xfrm>
           <a:prstGeom prst="rect">
             <a:avLst/>
@@ -10098,10 +10233,10 @@
       </p:sp>
       <p:sp>
         <p:nvSpPr>
-          <p:cNvPr id="99" name="Rectangle 98">
+          <p:cNvPr id="80" name="Rectangle 79">
             <a:extLst>
               <a:ext uri="{FF2B5EF4-FFF2-40B4-BE49-F238E27FC236}">
-                <a16:creationId xmlns:a16="http://schemas.microsoft.com/office/drawing/2014/main" id="{BFF0AB27-DA15-4316-82CF-F0285C6610A3}"/>
+                <a16:creationId xmlns:a16="http://schemas.microsoft.com/office/drawing/2014/main" id="{C1A8D55A-88A0-4A56-88DE-21097F21DBCD}"/>
               </a:ext>
             </a:extLst>
           </p:cNvPr>
@@ -10110,7 +10245,134 @@
         </p:nvSpPr>
         <p:spPr>
           <a:xfrm>
-            <a:off x="3631148" y="767011"/>
+            <a:off x="3333089" y="760643"/>
+            <a:ext cx="1260000" cy="262800"/>
+          </a:xfrm>
+          <a:prstGeom prst="rect">
+            <a:avLst/>
+          </a:prstGeom>
+          <a:solidFill>
+            <a:schemeClr val="tx2"/>
+          </a:solidFill>
+          <a:ln>
+            <a:solidFill>
+              <a:schemeClr val="accent3"/>
+            </a:solidFill>
+          </a:ln>
+        </p:spPr>
+        <p:style>
+          <a:lnRef idx="2">
+            <a:schemeClr val="dk1"/>
+          </a:lnRef>
+          <a:fillRef idx="1">
+            <a:schemeClr val="lt1"/>
+          </a:fillRef>
+          <a:effectRef idx="0">
+            <a:schemeClr val="dk1"/>
+          </a:effectRef>
+          <a:fontRef idx="minor">
+            <a:schemeClr val="dk1"/>
+          </a:fontRef>
+        </p:style>
+        <p:txBody>
+          <a:bodyPr rtlCol="0" anchor="ctr"/>
+          <a:lstStyle/>
+          <a:p>
+            <a:pPr algn="ctr"/>
+            <a:r>
+              <a:rPr lang="en-MY" dirty="0">
+                <a:solidFill>
+                  <a:schemeClr val="bg1"/>
+                </a:solidFill>
+              </a:rPr>
+              <a:t>About</a:t>
+            </a:r>
+            <a:endParaRPr lang="en-US" dirty="0">
+              <a:solidFill>
+                <a:schemeClr val="bg1"/>
+              </a:solidFill>
+            </a:endParaRPr>
+          </a:p>
+        </p:txBody>
+      </p:sp>
+      <p:sp>
+        <p:nvSpPr>
+          <p:cNvPr id="81" name="Rectangle 80">
+            <a:extLst>
+              <a:ext uri="{FF2B5EF4-FFF2-40B4-BE49-F238E27FC236}">
+                <a16:creationId xmlns:a16="http://schemas.microsoft.com/office/drawing/2014/main" id="{BA0576C3-B653-46A9-94C6-5E41576A0681}"/>
+              </a:ext>
+            </a:extLst>
+          </p:cNvPr>
+          <p:cNvSpPr/>
+          <p:nvPr/>
+        </p:nvSpPr>
+        <p:spPr>
+          <a:xfrm>
+            <a:off x="4621263" y="753989"/>
+            <a:ext cx="1260000" cy="262800"/>
+          </a:xfrm>
+          <a:prstGeom prst="rect">
+            <a:avLst/>
+          </a:prstGeom>
+          <a:solidFill>
+            <a:schemeClr val="tx2"/>
+          </a:solidFill>
+          <a:ln>
+            <a:solidFill>
+              <a:schemeClr val="accent3"/>
+            </a:solidFill>
+          </a:ln>
+        </p:spPr>
+        <p:style>
+          <a:lnRef idx="2">
+            <a:schemeClr val="dk1"/>
+          </a:lnRef>
+          <a:fillRef idx="1">
+            <a:schemeClr val="lt1"/>
+          </a:fillRef>
+          <a:effectRef idx="0">
+            <a:schemeClr val="dk1"/>
+          </a:effectRef>
+          <a:fontRef idx="minor">
+            <a:schemeClr val="dk1"/>
+          </a:fontRef>
+        </p:style>
+        <p:txBody>
+          <a:bodyPr rtlCol="0" anchor="ctr"/>
+          <a:lstStyle/>
+          <a:p>
+            <a:r>
+              <a:rPr lang="en-MY" dirty="0">
+                <a:solidFill>
+                  <a:schemeClr val="bg1"/>
+                </a:solidFill>
+              </a:rPr>
+              <a:t>Beginner</a:t>
+            </a:r>
+            <a:endParaRPr lang="en-US" dirty="0">
+              <a:solidFill>
+                <a:schemeClr val="bg1"/>
+              </a:solidFill>
+            </a:endParaRPr>
+          </a:p>
+        </p:txBody>
+      </p:sp>
+      <p:sp>
+        <p:nvSpPr>
+          <p:cNvPr id="82" name="Rectangle 81">
+            <a:extLst>
+              <a:ext uri="{FF2B5EF4-FFF2-40B4-BE49-F238E27FC236}">
+                <a16:creationId xmlns:a16="http://schemas.microsoft.com/office/drawing/2014/main" id="{0ADE1E77-B269-4A44-86AE-030FD145B179}"/>
+              </a:ext>
+            </a:extLst>
+          </p:cNvPr>
+          <p:cNvSpPr/>
+          <p:nvPr/>
+        </p:nvSpPr>
+        <p:spPr>
+          <a:xfrm>
+            <a:off x="5926314" y="760643"/>
             <a:ext cx="1512000" cy="262800"/>
           </a:xfrm>
           <a:prstGeom prst="rect">
@@ -10143,14 +10405,13 @@
           <a:bodyPr rtlCol="0" anchor="ctr"/>
           <a:lstStyle/>
           <a:p>
-            <a:pPr algn="ctr"/>
             <a:r>
               <a:rPr lang="en-MY" dirty="0">
                 <a:solidFill>
                   <a:schemeClr val="bg1"/>
                 </a:solidFill>
               </a:rPr>
-              <a:t>About</a:t>
+              <a:t>Intermediate</a:t>
             </a:r>
             <a:endParaRPr lang="en-US" dirty="0">
               <a:solidFill>
@@ -10162,10 +10423,10 @@
       </p:sp>
       <p:sp>
         <p:nvSpPr>
-          <p:cNvPr id="100" name="Rectangle 99">
+          <p:cNvPr id="83" name="Rectangle 82">
             <a:extLst>
               <a:ext uri="{FF2B5EF4-FFF2-40B4-BE49-F238E27FC236}">
-                <a16:creationId xmlns:a16="http://schemas.microsoft.com/office/drawing/2014/main" id="{89A38150-AB7D-4522-987C-77722B007647}"/>
+                <a16:creationId xmlns:a16="http://schemas.microsoft.com/office/drawing/2014/main" id="{D449B8F9-A9D1-4539-8CF8-996BDF86F2AA}"/>
               </a:ext>
             </a:extLst>
           </p:cNvPr>
@@ -10174,8 +10435,8 @@
         </p:nvSpPr>
         <p:spPr>
           <a:xfrm>
-            <a:off x="5218396" y="773847"/>
-            <a:ext cx="1512000" cy="262800"/>
+            <a:off x="7491289" y="760643"/>
+            <a:ext cx="1260000" cy="262800"/>
           </a:xfrm>
           <a:prstGeom prst="rect">
             <a:avLst/>
@@ -10213,132 +10474,6 @@
                   <a:schemeClr val="bg1"/>
                 </a:solidFill>
               </a:rPr>
-              <a:t>Beginner</a:t>
-            </a:r>
-            <a:endParaRPr lang="en-US" dirty="0">
-              <a:solidFill>
-                <a:schemeClr val="bg1"/>
-              </a:solidFill>
-            </a:endParaRPr>
-          </a:p>
-        </p:txBody>
-      </p:sp>
-      <p:sp>
-        <p:nvSpPr>
-          <p:cNvPr id="101" name="Rectangle 100">
-            <a:extLst>
-              <a:ext uri="{FF2B5EF4-FFF2-40B4-BE49-F238E27FC236}">
-                <a16:creationId xmlns:a16="http://schemas.microsoft.com/office/drawing/2014/main" id="{6523702D-0B35-474F-B4A3-A2175DE0EE05}"/>
-              </a:ext>
-            </a:extLst>
-          </p:cNvPr>
-          <p:cNvSpPr/>
-          <p:nvPr/>
-        </p:nvSpPr>
-        <p:spPr>
-          <a:xfrm>
-            <a:off x="6809646" y="778283"/>
-            <a:ext cx="1512000" cy="262800"/>
-          </a:xfrm>
-          <a:prstGeom prst="rect">
-            <a:avLst/>
-          </a:prstGeom>
-          <a:solidFill>
-            <a:schemeClr val="tx2"/>
-          </a:solidFill>
-          <a:ln>
-            <a:solidFill>
-              <a:schemeClr val="accent3"/>
-            </a:solidFill>
-          </a:ln>
-        </p:spPr>
-        <p:style>
-          <a:lnRef idx="2">
-            <a:schemeClr val="dk1"/>
-          </a:lnRef>
-          <a:fillRef idx="1">
-            <a:schemeClr val="lt1"/>
-          </a:fillRef>
-          <a:effectRef idx="0">
-            <a:schemeClr val="dk1"/>
-          </a:effectRef>
-          <a:fontRef idx="minor">
-            <a:schemeClr val="dk1"/>
-          </a:fontRef>
-        </p:style>
-        <p:txBody>
-          <a:bodyPr rtlCol="0" anchor="ctr"/>
-          <a:lstStyle/>
-          <a:p>
-            <a:r>
-              <a:rPr lang="en-MY" dirty="0">
-                <a:solidFill>
-                  <a:schemeClr val="bg1"/>
-                </a:solidFill>
-              </a:rPr>
-              <a:t>Intermediate</a:t>
-            </a:r>
-            <a:endParaRPr lang="en-US" dirty="0">
-              <a:solidFill>
-                <a:schemeClr val="bg1"/>
-              </a:solidFill>
-            </a:endParaRPr>
-          </a:p>
-        </p:txBody>
-      </p:sp>
-      <p:sp>
-        <p:nvSpPr>
-          <p:cNvPr id="102" name="Rectangle 101">
-            <a:extLst>
-              <a:ext uri="{FF2B5EF4-FFF2-40B4-BE49-F238E27FC236}">
-                <a16:creationId xmlns:a16="http://schemas.microsoft.com/office/drawing/2014/main" id="{C2828ACE-964F-4B9A-97DF-4093FF059550}"/>
-              </a:ext>
-            </a:extLst>
-          </p:cNvPr>
-          <p:cNvSpPr/>
-          <p:nvPr/>
-        </p:nvSpPr>
-        <p:spPr>
-          <a:xfrm>
-            <a:off x="8401593" y="783425"/>
-            <a:ext cx="1512000" cy="262800"/>
-          </a:xfrm>
-          <a:prstGeom prst="rect">
-            <a:avLst/>
-          </a:prstGeom>
-          <a:solidFill>
-            <a:schemeClr val="tx2"/>
-          </a:solidFill>
-          <a:ln>
-            <a:solidFill>
-              <a:schemeClr val="accent3"/>
-            </a:solidFill>
-          </a:ln>
-        </p:spPr>
-        <p:style>
-          <a:lnRef idx="2">
-            <a:schemeClr val="dk1"/>
-          </a:lnRef>
-          <a:fillRef idx="1">
-            <a:schemeClr val="lt1"/>
-          </a:fillRef>
-          <a:effectRef idx="0">
-            <a:schemeClr val="dk1"/>
-          </a:effectRef>
-          <a:fontRef idx="minor">
-            <a:schemeClr val="dk1"/>
-          </a:fontRef>
-        </p:style>
-        <p:txBody>
-          <a:bodyPr rtlCol="0" anchor="ctr"/>
-          <a:lstStyle/>
-          <a:p>
-            <a:r>
-              <a:rPr lang="en-MY" dirty="0">
-                <a:solidFill>
-                  <a:schemeClr val="bg1"/>
-                </a:solidFill>
-              </a:rPr>
               <a:t>Advanced</a:t>
             </a:r>
             <a:endParaRPr lang="en-US" dirty="0">
@@ -10351,10 +10486,10 @@
       </p:sp>
       <p:pic>
         <p:nvPicPr>
-          <p:cNvPr id="103" name="Picture 102">
+          <p:cNvPr id="84" name="Picture 83">
             <a:extLst>
               <a:ext uri="{FF2B5EF4-FFF2-40B4-BE49-F238E27FC236}">
-                <a16:creationId xmlns:a16="http://schemas.microsoft.com/office/drawing/2014/main" id="{0AA74BA0-D015-4ECD-AE47-0BE0324B31F4}"/>
+                <a16:creationId xmlns:a16="http://schemas.microsoft.com/office/drawing/2014/main" id="{06C10CBD-392A-4CF4-B3C8-EF58B5075B6B}"/>
               </a:ext>
             </a:extLst>
           </p:cNvPr>
@@ -10394,10 +10529,10 @@
       </p:pic>
       <p:sp>
         <p:nvSpPr>
-          <p:cNvPr id="104" name="Flowchart: Merge 103">
+          <p:cNvPr id="107" name="Flowchart: Merge 106">
             <a:extLst>
               <a:ext uri="{FF2B5EF4-FFF2-40B4-BE49-F238E27FC236}">
-                <a16:creationId xmlns:a16="http://schemas.microsoft.com/office/drawing/2014/main" id="{79D0D144-4398-43D2-812A-D0F32236EBC9}"/>
+                <a16:creationId xmlns:a16="http://schemas.microsoft.com/office/drawing/2014/main" id="{9BB3A4D7-3EAD-4DE7-A429-17EEBB4663C3}"/>
               </a:ext>
             </a:extLst>
           </p:cNvPr>
@@ -10406,7 +10541,7 @@
         </p:nvSpPr>
         <p:spPr>
           <a:xfrm>
-            <a:off x="6469010" y="885389"/>
+            <a:off x="5622337" y="869689"/>
             <a:ext cx="89124" cy="77524"/>
           </a:xfrm>
           <a:prstGeom prst="flowChartMerge">
@@ -10448,10 +10583,10 @@
       </p:sp>
       <p:sp>
         <p:nvSpPr>
-          <p:cNvPr id="105" name="Flowchart: Merge 104">
+          <p:cNvPr id="108" name="Flowchart: Merge 107">
             <a:extLst>
               <a:ext uri="{FF2B5EF4-FFF2-40B4-BE49-F238E27FC236}">
-                <a16:creationId xmlns:a16="http://schemas.microsoft.com/office/drawing/2014/main" id="{ECF8AAA9-5484-40BA-95C1-7647D31F1633}"/>
+                <a16:creationId xmlns:a16="http://schemas.microsoft.com/office/drawing/2014/main" id="{9AAC1252-241D-45A5-896F-EBF316B705CF}"/>
               </a:ext>
             </a:extLst>
           </p:cNvPr>
@@ -10460,7 +10595,7 @@
         </p:nvSpPr>
         <p:spPr>
           <a:xfrm>
-            <a:off x="9728015" y="885389"/>
+            <a:off x="8580813" y="870338"/>
             <a:ext cx="89124" cy="77524"/>
           </a:xfrm>
           <a:prstGeom prst="flowChartMerge">
@@ -10502,10 +10637,10 @@
       </p:sp>
       <p:sp>
         <p:nvSpPr>
-          <p:cNvPr id="106" name="Flowchart: Merge 105">
+          <p:cNvPr id="109" name="Flowchart: Merge 108">
             <a:extLst>
               <a:ext uri="{FF2B5EF4-FFF2-40B4-BE49-F238E27FC236}">
-                <a16:creationId xmlns:a16="http://schemas.microsoft.com/office/drawing/2014/main" id="{4C198BFE-0C52-4FC3-9435-7D99DA8C04F4}"/>
+                <a16:creationId xmlns:a16="http://schemas.microsoft.com/office/drawing/2014/main" id="{A6D6EE34-D11E-471C-955C-71BBA58515E5}"/>
               </a:ext>
             </a:extLst>
           </p:cNvPr>
@@ -10514,7 +10649,7 @@
         </p:nvSpPr>
         <p:spPr>
           <a:xfrm>
-            <a:off x="8166104" y="885389"/>
+            <a:off x="7282772" y="867749"/>
             <a:ext cx="89124" cy="77524"/>
           </a:xfrm>
           <a:prstGeom prst="flowChartMerge">
@@ -10554,6 +10689,70 @@
           </a:p>
         </p:txBody>
       </p:sp>
+      <p:sp>
+        <p:nvSpPr>
+          <p:cNvPr id="110" name="Rectangle 109">
+            <a:extLst>
+              <a:ext uri="{FF2B5EF4-FFF2-40B4-BE49-F238E27FC236}">
+                <a16:creationId xmlns:a16="http://schemas.microsoft.com/office/drawing/2014/main" id="{0AD4EF26-CAB5-4657-84BC-398AA07DD332}"/>
+              </a:ext>
+            </a:extLst>
+          </p:cNvPr>
+          <p:cNvSpPr/>
+          <p:nvPr/>
+        </p:nvSpPr>
+        <p:spPr>
+          <a:xfrm>
+            <a:off x="8784350" y="765583"/>
+            <a:ext cx="1260000" cy="262248"/>
+          </a:xfrm>
+          <a:prstGeom prst="rect">
+            <a:avLst/>
+          </a:prstGeom>
+          <a:solidFill>
+            <a:schemeClr val="tx2"/>
+          </a:solidFill>
+          <a:ln>
+            <a:solidFill>
+              <a:schemeClr val="accent3"/>
+            </a:solidFill>
+          </a:ln>
+        </p:spPr>
+        <p:style>
+          <a:lnRef idx="2">
+            <a:schemeClr val="dk1"/>
+          </a:lnRef>
+          <a:fillRef idx="1">
+            <a:schemeClr val="lt1"/>
+          </a:fillRef>
+          <a:effectRef idx="0">
+            <a:schemeClr val="dk1"/>
+          </a:effectRef>
+          <a:fontRef idx="minor">
+            <a:schemeClr val="dk1"/>
+          </a:fontRef>
+        </p:style>
+        <p:txBody>
+          <a:bodyPr rtlCol="0" anchor="ctr"/>
+          <a:lstStyle/>
+          <a:p>
+            <a:pPr algn="ctr"/>
+            <a:r>
+              <a:rPr lang="en-MY" dirty="0">
+                <a:solidFill>
+                  <a:schemeClr val="bg1"/>
+                </a:solidFill>
+              </a:rPr>
+              <a:t>Forum</a:t>
+            </a:r>
+            <a:endParaRPr lang="en-US" dirty="0">
+              <a:solidFill>
+                <a:schemeClr val="bg1"/>
+              </a:solidFill>
+            </a:endParaRPr>
+          </a:p>
+        </p:txBody>
+      </p:sp>
     </p:spTree>
     <p:extLst>
       <p:ext uri="{BB962C8B-B14F-4D97-AF65-F5344CB8AC3E}">
@@ -10568,6 +10767,2297 @@
 </file>
 
 <file path=ppt/slides/slide4.xml><?xml version="1.0" encoding="utf-8"?>
+<p:sld xmlns:a="http://schemas.openxmlformats.org/drawingml/2006/main" xmlns:r="http://schemas.openxmlformats.org/officeDocument/2006/relationships" xmlns:p="http://schemas.openxmlformats.org/presentationml/2006/main">
+  <p:cSld>
+    <p:spTree>
+      <p:nvGrpSpPr>
+        <p:cNvPr id="1" name=""/>
+        <p:cNvGrpSpPr/>
+        <p:nvPr/>
+      </p:nvGrpSpPr>
+      <p:grpSpPr>
+        <a:xfrm>
+          <a:off x="0" y="0"/>
+          <a:ext cx="0" cy="0"/>
+          <a:chOff x="0" y="0"/>
+          <a:chExt cx="0" cy="0"/>
+        </a:xfrm>
+      </p:grpSpPr>
+      <p:grpSp>
+        <p:nvGrpSpPr>
+          <p:cNvPr id="2" name="WebBrowser">
+            <a:extLst>
+              <a:ext uri="{FF2B5EF4-FFF2-40B4-BE49-F238E27FC236}">
+                <a16:creationId xmlns:a16="http://schemas.microsoft.com/office/drawing/2014/main" id="{1B870D86-AFD4-49F7-B323-09BBC9D5C3CC}"/>
+              </a:ext>
+            </a:extLst>
+          </p:cNvPr>
+          <p:cNvGrpSpPr/>
+          <p:nvPr>
+            <p:custDataLst>
+              <p:custData r:id="rId1"/>
+            </p:custDataLst>
+          </p:nvPr>
+        </p:nvGrpSpPr>
+        <p:grpSpPr>
+          <a:xfrm>
+            <a:off x="1524000" y="0"/>
+            <a:ext cx="9144000" cy="6858000"/>
+            <a:chOff x="0" y="0"/>
+            <a:chExt cx="9144000" cy="6858000"/>
+          </a:xfrm>
+        </p:grpSpPr>
+        <p:sp>
+          <p:nvSpPr>
+            <p:cNvPr id="3" name="Background">
+              <a:extLst>
+                <a:ext uri="{FF2B5EF4-FFF2-40B4-BE49-F238E27FC236}">
+                  <a16:creationId xmlns:a16="http://schemas.microsoft.com/office/drawing/2014/main" id="{63A915D7-9E89-4821-A171-7CA3B5D446EF}"/>
+                </a:ext>
+              </a:extLst>
+            </p:cNvPr>
+            <p:cNvSpPr/>
+            <p:nvPr/>
+          </p:nvSpPr>
+          <p:spPr>
+            <a:xfrm>
+              <a:off x="0" y="0"/>
+              <a:ext cx="9144000" cy="6858000"/>
+            </a:xfrm>
+            <a:prstGeom prst="rect">
+              <a:avLst/>
+            </a:prstGeom>
+            <a:ln/>
+          </p:spPr>
+          <p:style>
+            <a:lnRef idx="2">
+              <a:schemeClr val="dk1"/>
+            </a:lnRef>
+            <a:fillRef idx="1">
+              <a:schemeClr val="lt1"/>
+            </a:fillRef>
+            <a:effectRef idx="0">
+              <a:schemeClr val="dk1"/>
+            </a:effectRef>
+            <a:fontRef idx="minor">
+              <a:schemeClr val="dk1"/>
+            </a:fontRef>
+          </p:style>
+          <p:txBody>
+            <a:bodyPr rtlCol="0" anchor="ctr"/>
+            <a:lstStyle/>
+            <a:p>
+              <a:pPr algn="ctr"/>
+              <a:endParaRPr lang="en-US" sz="1050" kern="0" dirty="0">
+                <a:solidFill>
+                  <a:prstClr val="white"/>
+                </a:solidFill>
+                <a:latin typeface="Segoe UI"/>
+              </a:endParaRPr>
+            </a:p>
+          </p:txBody>
+        </p:sp>
+        <p:grpSp>
+          <p:nvGrpSpPr>
+            <p:cNvPr id="4" name="Group 3">
+              <a:extLst>
+                <a:ext uri="{FF2B5EF4-FFF2-40B4-BE49-F238E27FC236}">
+                  <a16:creationId xmlns:a16="http://schemas.microsoft.com/office/drawing/2014/main" id="{6C9A5C32-D155-4699-981B-71984C3B2CFC}"/>
+                </a:ext>
+              </a:extLst>
+            </p:cNvPr>
+            <p:cNvGrpSpPr/>
+            <p:nvPr/>
+          </p:nvGrpSpPr>
+          <p:grpSpPr>
+            <a:xfrm>
+              <a:off x="81598" y="286385"/>
+              <a:ext cx="320040" cy="316520"/>
+              <a:chOff x="72073" y="221749"/>
+              <a:chExt cx="320040" cy="316520"/>
+            </a:xfrm>
+          </p:grpSpPr>
+          <p:sp>
+            <p:nvSpPr>
+              <p:cNvPr id="28" name="Oval 27">
+                <a:extLst>
+                  <a:ext uri="{FF2B5EF4-FFF2-40B4-BE49-F238E27FC236}">
+                    <a16:creationId xmlns:a16="http://schemas.microsoft.com/office/drawing/2014/main" id="{8AA31930-8B77-4596-AB0D-E2A1C87D2A55}"/>
+                  </a:ext>
+                </a:extLst>
+              </p:cNvPr>
+              <p:cNvSpPr/>
+              <p:nvPr/>
+            </p:nvSpPr>
+            <p:spPr>
+              <a:xfrm>
+                <a:off x="72073" y="221749"/>
+                <a:ext cx="320040" cy="316520"/>
+              </a:xfrm>
+              <a:prstGeom prst="ellipse">
+                <a:avLst/>
+              </a:prstGeom>
+              <a:ln/>
+            </p:spPr>
+            <p:style>
+              <a:lnRef idx="2">
+                <a:schemeClr val="dk1"/>
+              </a:lnRef>
+              <a:fillRef idx="1">
+                <a:schemeClr val="lt1"/>
+              </a:fillRef>
+              <a:effectRef idx="0">
+                <a:schemeClr val="dk1"/>
+              </a:effectRef>
+              <a:fontRef idx="minor">
+                <a:schemeClr val="dk1"/>
+              </a:fontRef>
+            </p:style>
+            <p:txBody>
+              <a:bodyPr rtlCol="0" anchor="ctr"/>
+              <a:lstStyle/>
+              <a:p>
+                <a:pPr algn="ctr"/>
+                <a:endParaRPr lang="en-US" sz="1050" u="sng">
+                  <a:solidFill>
+                    <a:prstClr val="white"/>
+                  </a:solidFill>
+                </a:endParaRPr>
+              </a:p>
+            </p:txBody>
+          </p:sp>
+          <p:sp>
+            <p:nvSpPr>
+              <p:cNvPr id="29" name="Left Arrow 29">
+                <a:extLst>
+                  <a:ext uri="{FF2B5EF4-FFF2-40B4-BE49-F238E27FC236}">
+                    <a16:creationId xmlns:a16="http://schemas.microsoft.com/office/drawing/2014/main" id="{6D907972-8C5D-496C-958E-76AF210C3496}"/>
+                  </a:ext>
+                </a:extLst>
+              </p:cNvPr>
+              <p:cNvSpPr/>
+              <p:nvPr/>
+            </p:nvSpPr>
+            <p:spPr>
+              <a:xfrm>
+                <a:off x="109358" y="275511"/>
+                <a:ext cx="223134" cy="208997"/>
+              </a:xfrm>
+              <a:prstGeom prst="leftArrow">
+                <a:avLst/>
+              </a:prstGeom>
+              <a:ln/>
+            </p:spPr>
+            <p:style>
+              <a:lnRef idx="2">
+                <a:schemeClr val="dk1"/>
+              </a:lnRef>
+              <a:fillRef idx="1">
+                <a:schemeClr val="lt1"/>
+              </a:fillRef>
+              <a:effectRef idx="0">
+                <a:schemeClr val="dk1"/>
+              </a:effectRef>
+              <a:fontRef idx="minor">
+                <a:schemeClr val="dk1"/>
+              </a:fontRef>
+            </p:style>
+            <p:txBody>
+              <a:bodyPr rtlCol="0" anchor="ctr"/>
+              <a:lstStyle/>
+              <a:p>
+                <a:pPr algn="ctr"/>
+                <a:endParaRPr lang="en-US" sz="1050" kern="0">
+                  <a:solidFill>
+                    <a:prstClr val="white"/>
+                  </a:solidFill>
+                  <a:latin typeface="Segoe UI"/>
+                </a:endParaRPr>
+              </a:p>
+            </p:txBody>
+          </p:sp>
+        </p:grpSp>
+        <p:grpSp>
+          <p:nvGrpSpPr>
+            <p:cNvPr id="5" name="Group 4">
+              <a:extLst>
+                <a:ext uri="{FF2B5EF4-FFF2-40B4-BE49-F238E27FC236}">
+                  <a16:creationId xmlns:a16="http://schemas.microsoft.com/office/drawing/2014/main" id="{CF460C09-C794-4956-A899-5AF4C38D483F}"/>
+                </a:ext>
+              </a:extLst>
+            </p:cNvPr>
+            <p:cNvGrpSpPr/>
+            <p:nvPr/>
+          </p:nvGrpSpPr>
+          <p:grpSpPr>
+            <a:xfrm>
+              <a:off x="453671" y="286384"/>
+              <a:ext cx="320040" cy="316520"/>
+              <a:chOff x="444146" y="221748"/>
+              <a:chExt cx="320040" cy="316520"/>
+            </a:xfrm>
+          </p:grpSpPr>
+          <p:sp>
+            <p:nvSpPr>
+              <p:cNvPr id="26" name="Oval 25">
+                <a:extLst>
+                  <a:ext uri="{FF2B5EF4-FFF2-40B4-BE49-F238E27FC236}">
+                    <a16:creationId xmlns:a16="http://schemas.microsoft.com/office/drawing/2014/main" id="{727D01F9-322C-42D9-ACD4-3101C24943F4}"/>
+                  </a:ext>
+                </a:extLst>
+              </p:cNvPr>
+              <p:cNvSpPr/>
+              <p:nvPr/>
+            </p:nvSpPr>
+            <p:spPr>
+              <a:xfrm>
+                <a:off x="444146" y="221748"/>
+                <a:ext cx="320040" cy="316520"/>
+              </a:xfrm>
+              <a:prstGeom prst="ellipse">
+                <a:avLst/>
+              </a:prstGeom>
+              <a:ln/>
+            </p:spPr>
+            <p:style>
+              <a:lnRef idx="2">
+                <a:schemeClr val="dk1"/>
+              </a:lnRef>
+              <a:fillRef idx="1">
+                <a:schemeClr val="lt1"/>
+              </a:fillRef>
+              <a:effectRef idx="0">
+                <a:schemeClr val="dk1"/>
+              </a:effectRef>
+              <a:fontRef idx="minor">
+                <a:schemeClr val="dk1"/>
+              </a:fontRef>
+            </p:style>
+            <p:txBody>
+              <a:bodyPr rtlCol="0" anchor="ctr"/>
+              <a:lstStyle/>
+              <a:p>
+                <a:pPr algn="ctr"/>
+                <a:endParaRPr lang="en-US" sz="1050" u="sng">
+                  <a:solidFill>
+                    <a:prstClr val="white"/>
+                  </a:solidFill>
+                </a:endParaRPr>
+              </a:p>
+            </p:txBody>
+          </p:sp>
+          <p:sp>
+            <p:nvSpPr>
+              <p:cNvPr id="27" name="Right Arrow 27">
+                <a:extLst>
+                  <a:ext uri="{FF2B5EF4-FFF2-40B4-BE49-F238E27FC236}">
+                    <a16:creationId xmlns:a16="http://schemas.microsoft.com/office/drawing/2014/main" id="{F46ED5BB-7B15-4DB9-AA5C-C2AC443C2470}"/>
+                  </a:ext>
+                </a:extLst>
+              </p:cNvPr>
+              <p:cNvSpPr/>
+              <p:nvPr/>
+            </p:nvSpPr>
+            <p:spPr>
+              <a:xfrm>
+                <a:off x="481249" y="275509"/>
+                <a:ext cx="257146" cy="208999"/>
+              </a:xfrm>
+              <a:prstGeom prst="rightArrow">
+                <a:avLst/>
+              </a:prstGeom>
+              <a:ln/>
+            </p:spPr>
+            <p:style>
+              <a:lnRef idx="2">
+                <a:schemeClr val="dk1"/>
+              </a:lnRef>
+              <a:fillRef idx="1">
+                <a:schemeClr val="lt1"/>
+              </a:fillRef>
+              <a:effectRef idx="0">
+                <a:schemeClr val="dk1"/>
+              </a:effectRef>
+              <a:fontRef idx="minor">
+                <a:schemeClr val="dk1"/>
+              </a:fontRef>
+            </p:style>
+            <p:txBody>
+              <a:bodyPr rtlCol="0" anchor="ctr"/>
+              <a:lstStyle/>
+              <a:p>
+                <a:pPr algn="ctr"/>
+                <a:endParaRPr lang="en-US" sz="1050" kern="0">
+                  <a:solidFill>
+                    <a:prstClr val="white"/>
+                  </a:solidFill>
+                  <a:latin typeface="Segoe UI"/>
+                </a:endParaRPr>
+              </a:p>
+            </p:txBody>
+          </p:sp>
+        </p:grpSp>
+        <p:grpSp>
+          <p:nvGrpSpPr>
+            <p:cNvPr id="6" name="Minimize - Maximize - Close">
+              <a:extLst>
+                <a:ext uri="{FF2B5EF4-FFF2-40B4-BE49-F238E27FC236}">
+                  <a16:creationId xmlns:a16="http://schemas.microsoft.com/office/drawing/2014/main" id="{2AEA96D6-64F4-4583-B2FC-B5E58CF0217E}"/>
+                </a:ext>
+              </a:extLst>
+            </p:cNvPr>
+            <p:cNvGrpSpPr/>
+            <p:nvPr/>
+          </p:nvGrpSpPr>
+          <p:grpSpPr>
+            <a:xfrm>
+              <a:off x="8632311" y="92599"/>
+              <a:ext cx="384527" cy="78032"/>
+              <a:chOff x="9347642" y="131588"/>
+              <a:chExt cx="384527" cy="78032"/>
+            </a:xfrm>
+          </p:grpSpPr>
+          <p:cxnSp>
+            <p:nvCxnSpPr>
+              <p:cNvPr id="21" name="Line">
+                <a:extLst>
+                  <a:ext uri="{FF2B5EF4-FFF2-40B4-BE49-F238E27FC236}">
+                    <a16:creationId xmlns:a16="http://schemas.microsoft.com/office/drawing/2014/main" id="{2FF8A788-5CAC-4D5E-B982-AB8452B9F38E}"/>
+                  </a:ext>
+                </a:extLst>
+              </p:cNvPr>
+              <p:cNvCxnSpPr/>
+              <p:nvPr/>
+            </p:nvCxnSpPr>
+            <p:spPr>
+              <a:xfrm>
+                <a:off x="9661396" y="131588"/>
+                <a:ext cx="70773" cy="76200"/>
+              </a:xfrm>
+              <a:prstGeom prst="line">
+                <a:avLst/>
+              </a:prstGeom>
+              <a:ln/>
+            </p:spPr>
+            <p:style>
+              <a:lnRef idx="2">
+                <a:schemeClr val="dk1"/>
+              </a:lnRef>
+              <a:fillRef idx="1">
+                <a:schemeClr val="lt1"/>
+              </a:fillRef>
+              <a:effectRef idx="0">
+                <a:schemeClr val="dk1"/>
+              </a:effectRef>
+              <a:fontRef idx="minor">
+                <a:schemeClr val="dk1"/>
+              </a:fontRef>
+            </p:style>
+          </p:cxnSp>
+          <p:cxnSp>
+            <p:nvCxnSpPr>
+              <p:cNvPr id="22" name="Line">
+                <a:extLst>
+                  <a:ext uri="{FF2B5EF4-FFF2-40B4-BE49-F238E27FC236}">
+                    <a16:creationId xmlns:a16="http://schemas.microsoft.com/office/drawing/2014/main" id="{84275753-EA4F-4C14-BCEF-9D61172981E0}"/>
+                  </a:ext>
+                </a:extLst>
+              </p:cNvPr>
+              <p:cNvCxnSpPr/>
+              <p:nvPr/>
+            </p:nvCxnSpPr>
+            <p:spPr>
+              <a:xfrm flipH="1">
+                <a:off x="9661395" y="131588"/>
+                <a:ext cx="70773" cy="76200"/>
+              </a:xfrm>
+              <a:prstGeom prst="line">
+                <a:avLst/>
+              </a:prstGeom>
+              <a:ln/>
+            </p:spPr>
+            <p:style>
+              <a:lnRef idx="2">
+                <a:schemeClr val="dk1"/>
+              </a:lnRef>
+              <a:fillRef idx="1">
+                <a:schemeClr val="lt1"/>
+              </a:fillRef>
+              <a:effectRef idx="0">
+                <a:schemeClr val="dk1"/>
+              </a:effectRef>
+              <a:fontRef idx="minor">
+                <a:schemeClr val="dk1"/>
+              </a:fontRef>
+            </p:style>
+          </p:cxnSp>
+          <p:sp>
+            <p:nvSpPr>
+              <p:cNvPr id="23" name="Line">
+                <a:extLst>
+                  <a:ext uri="{FF2B5EF4-FFF2-40B4-BE49-F238E27FC236}">
+                    <a16:creationId xmlns:a16="http://schemas.microsoft.com/office/drawing/2014/main" id="{D1EAF3B1-E1CB-4CD8-A08A-9434F1D9584E}"/>
+                  </a:ext>
+                </a:extLst>
+              </p:cNvPr>
+              <p:cNvSpPr/>
+              <p:nvPr/>
+            </p:nvSpPr>
+            <p:spPr>
+              <a:xfrm rot="10800000" flipV="1">
+                <a:off x="9499472" y="143255"/>
+                <a:ext cx="91440" cy="9144"/>
+              </a:xfrm>
+              <a:prstGeom prst="rect">
+                <a:avLst/>
+              </a:prstGeom>
+              <a:ln/>
+            </p:spPr>
+            <p:style>
+              <a:lnRef idx="2">
+                <a:schemeClr val="dk1"/>
+              </a:lnRef>
+              <a:fillRef idx="1">
+                <a:schemeClr val="lt1"/>
+              </a:fillRef>
+              <a:effectRef idx="0">
+                <a:schemeClr val="dk1"/>
+              </a:effectRef>
+              <a:fontRef idx="minor">
+                <a:schemeClr val="dk1"/>
+              </a:fontRef>
+            </p:style>
+            <p:txBody>
+              <a:bodyPr rtlCol="0" anchor="ctr"/>
+              <a:lstStyle/>
+              <a:p>
+                <a:pPr algn="ctr"/>
+                <a:endParaRPr lang="en-US" sz="1050" dirty="0">
+                  <a:solidFill>
+                    <a:prstClr val="white"/>
+                  </a:solidFill>
+                </a:endParaRPr>
+              </a:p>
+            </p:txBody>
+          </p:sp>
+          <p:sp>
+            <p:nvSpPr>
+              <p:cNvPr id="24" name="Line">
+                <a:extLst>
+                  <a:ext uri="{FF2B5EF4-FFF2-40B4-BE49-F238E27FC236}">
+                    <a16:creationId xmlns:a16="http://schemas.microsoft.com/office/drawing/2014/main" id="{55AF44CF-BD3C-4E4E-A1FE-3821CDCB8E10}"/>
+                  </a:ext>
+                </a:extLst>
+              </p:cNvPr>
+              <p:cNvSpPr/>
+              <p:nvPr/>
+            </p:nvSpPr>
+            <p:spPr>
+              <a:xfrm rot="10800000" flipV="1">
+                <a:off x="9498658" y="135261"/>
+                <a:ext cx="91440" cy="72527"/>
+              </a:xfrm>
+              <a:prstGeom prst="rect">
+                <a:avLst/>
+              </a:prstGeom>
+              <a:ln/>
+            </p:spPr>
+            <p:style>
+              <a:lnRef idx="2">
+                <a:schemeClr val="dk1"/>
+              </a:lnRef>
+              <a:fillRef idx="1">
+                <a:schemeClr val="lt1"/>
+              </a:fillRef>
+              <a:effectRef idx="0">
+                <a:schemeClr val="dk1"/>
+              </a:effectRef>
+              <a:fontRef idx="minor">
+                <a:schemeClr val="dk1"/>
+              </a:fontRef>
+            </p:style>
+            <p:txBody>
+              <a:bodyPr rtlCol="0" anchor="ctr"/>
+              <a:lstStyle/>
+              <a:p>
+                <a:pPr algn="ctr"/>
+                <a:endParaRPr lang="en-US" sz="1050" dirty="0">
+                  <a:solidFill>
+                    <a:prstClr val="white"/>
+                  </a:solidFill>
+                </a:endParaRPr>
+              </a:p>
+            </p:txBody>
+          </p:sp>
+          <p:sp>
+            <p:nvSpPr>
+              <p:cNvPr id="25" name="Line">
+                <a:extLst>
+                  <a:ext uri="{FF2B5EF4-FFF2-40B4-BE49-F238E27FC236}">
+                    <a16:creationId xmlns:a16="http://schemas.microsoft.com/office/drawing/2014/main" id="{32C4DE93-40E2-482E-A854-D1688BF46144}"/>
+                  </a:ext>
+                </a:extLst>
+              </p:cNvPr>
+              <p:cNvSpPr/>
+              <p:nvPr/>
+            </p:nvSpPr>
+            <p:spPr>
+              <a:xfrm rot="10800000" flipV="1">
+                <a:off x="9347642" y="200476"/>
+                <a:ext cx="91440" cy="9144"/>
+              </a:xfrm>
+              <a:prstGeom prst="rect">
+                <a:avLst/>
+              </a:prstGeom>
+              <a:ln/>
+            </p:spPr>
+            <p:style>
+              <a:lnRef idx="2">
+                <a:schemeClr val="dk1"/>
+              </a:lnRef>
+              <a:fillRef idx="1">
+                <a:schemeClr val="lt1"/>
+              </a:fillRef>
+              <a:effectRef idx="0">
+                <a:schemeClr val="dk1"/>
+              </a:effectRef>
+              <a:fontRef idx="minor">
+                <a:schemeClr val="dk1"/>
+              </a:fontRef>
+            </p:style>
+            <p:txBody>
+              <a:bodyPr rtlCol="0" anchor="ctr"/>
+              <a:lstStyle/>
+              <a:p>
+                <a:pPr algn="ctr"/>
+                <a:endParaRPr lang="en-US" sz="1050" dirty="0">
+                  <a:solidFill>
+                    <a:prstClr val="white"/>
+                  </a:solidFill>
+                </a:endParaRPr>
+              </a:p>
+            </p:txBody>
+          </p:sp>
+        </p:grpSp>
+        <p:sp>
+          <p:nvSpPr>
+            <p:cNvPr id="7" name="WebPageBody">
+              <a:extLst>
+                <a:ext uri="{FF2B5EF4-FFF2-40B4-BE49-F238E27FC236}">
+                  <a16:creationId xmlns:a16="http://schemas.microsoft.com/office/drawing/2014/main" id="{C676EAA0-24D3-484C-8AC3-BB21071E6E50}"/>
+                </a:ext>
+              </a:extLst>
+            </p:cNvPr>
+            <p:cNvSpPr/>
+            <p:nvPr/>
+          </p:nvSpPr>
+          <p:spPr>
+            <a:xfrm>
+              <a:off x="76200" y="685159"/>
+              <a:ext cx="8991600" cy="6066801"/>
+            </a:xfrm>
+            <a:prstGeom prst="rect">
+              <a:avLst/>
+            </a:prstGeom>
+            <a:ln/>
+          </p:spPr>
+          <p:style>
+            <a:lnRef idx="2">
+              <a:schemeClr val="dk1"/>
+            </a:lnRef>
+            <a:fillRef idx="1">
+              <a:schemeClr val="lt1"/>
+            </a:fillRef>
+            <a:effectRef idx="0">
+              <a:schemeClr val="dk1"/>
+            </a:effectRef>
+            <a:fontRef idx="minor">
+              <a:schemeClr val="dk1"/>
+            </a:fontRef>
+          </p:style>
+          <p:txBody>
+            <a:bodyPr rtlCol="0" anchor="ctr"/>
+            <a:lstStyle/>
+            <a:p>
+              <a:pPr algn="ctr"/>
+              <a:endParaRPr lang="en-US" sz="1050" kern="0" dirty="0">
+                <a:solidFill>
+                  <a:prstClr val="white"/>
+                </a:solidFill>
+                <a:latin typeface="Segoe UI"/>
+              </a:endParaRPr>
+            </a:p>
+          </p:txBody>
+        </p:sp>
+        <p:grpSp>
+          <p:nvGrpSpPr>
+            <p:cNvPr id="8" name="Group 7">
+              <a:extLst>
+                <a:ext uri="{FF2B5EF4-FFF2-40B4-BE49-F238E27FC236}">
+                  <a16:creationId xmlns:a16="http://schemas.microsoft.com/office/drawing/2014/main" id="{25D2719A-6F17-4A80-9DC8-F763742A2844}"/>
+                </a:ext>
+              </a:extLst>
+            </p:cNvPr>
+            <p:cNvGrpSpPr/>
+            <p:nvPr/>
+          </p:nvGrpSpPr>
+          <p:grpSpPr>
+            <a:xfrm>
+              <a:off x="8386335" y="360579"/>
+              <a:ext cx="640645" cy="183940"/>
+              <a:chOff x="8303527" y="360579"/>
+              <a:chExt cx="640645" cy="183940"/>
+            </a:xfrm>
+          </p:grpSpPr>
+          <p:pic>
+            <p:nvPicPr>
+              <p:cNvPr id="18" name="Picture 2" descr="C:\Users\t-dantay\Documents\Placeholders\home.png">
+                <a:extLst>
+                  <a:ext uri="{FF2B5EF4-FFF2-40B4-BE49-F238E27FC236}">
+                    <a16:creationId xmlns:a16="http://schemas.microsoft.com/office/drawing/2014/main" id="{8A355C96-21F3-4CA0-830B-D84F6474681D}"/>
+                  </a:ext>
+                </a:extLst>
+              </p:cNvPr>
+              <p:cNvPicPr>
+                <a:picLocks noChangeAspect="1" noChangeArrowheads="1"/>
+              </p:cNvPicPr>
+              <p:nvPr/>
+            </p:nvPicPr>
+            <p:blipFill>
+              <a:blip r:embed="rId3" cstate="print">
+                <a:extLst>
+                  <a:ext uri="{28A0092B-C50C-407E-A947-70E740481C1C}">
+                    <a14:useLocalDpi xmlns:a14="http://schemas.microsoft.com/office/drawing/2010/main" val="0"/>
+                  </a:ext>
+                </a:extLst>
+              </a:blip>
+              <a:srcRect/>
+              <a:stretch>
+                <a:fillRect/>
+              </a:stretch>
+            </p:blipFill>
+            <p:spPr bwMode="auto">
+              <a:xfrm>
+                <a:off x="8303527" y="361109"/>
+                <a:ext cx="185783" cy="182880"/>
+              </a:xfrm>
+              <a:prstGeom prst="rect">
+                <a:avLst/>
+              </a:prstGeom>
+              <a:extLst>
+                <a:ext uri="{909E8E84-426E-40DD-AFC4-6F175D3DCCD1}">
+                  <a14:hiddenFill xmlns:a14="http://schemas.microsoft.com/office/drawing/2010/main">
+                    <a:solidFill>
+                      <a:srgbClr val="FFFFFF"/>
+                    </a:solidFill>
+                  </a14:hiddenFill>
+                </a:ext>
+              </a:extLst>
+            </p:spPr>
+            <p:style>
+              <a:lnRef idx="2">
+                <a:schemeClr val="dk1"/>
+              </a:lnRef>
+              <a:fillRef idx="1">
+                <a:schemeClr val="lt1"/>
+              </a:fillRef>
+              <a:effectRef idx="0">
+                <a:schemeClr val="dk1"/>
+              </a:effectRef>
+              <a:fontRef idx="minor">
+                <a:schemeClr val="dk1"/>
+              </a:fontRef>
+            </p:style>
+          </p:pic>
+          <p:pic>
+            <p:nvPicPr>
+              <p:cNvPr id="19" name="Picture 2" descr="C:\Users\t-dantay\Documents\Placeholders\setting.png">
+                <a:extLst>
+                  <a:ext uri="{FF2B5EF4-FFF2-40B4-BE49-F238E27FC236}">
+                    <a16:creationId xmlns:a16="http://schemas.microsoft.com/office/drawing/2014/main" id="{DBD436CC-9EC9-4709-AB03-F88D8528CC82}"/>
+                  </a:ext>
+                </a:extLst>
+              </p:cNvPr>
+              <p:cNvPicPr>
+                <a:picLocks noChangeAspect="1" noChangeArrowheads="1"/>
+              </p:cNvPicPr>
+              <p:nvPr/>
+            </p:nvPicPr>
+            <p:blipFill rotWithShape="1">
+              <a:blip r:embed="rId4" cstate="print">
+                <a:extLst>
+                  <a:ext uri="{28A0092B-C50C-407E-A947-70E740481C1C}">
+                    <a14:useLocalDpi xmlns:a14="http://schemas.microsoft.com/office/drawing/2010/main" val="0"/>
+                  </a:ext>
+                </a:extLst>
+              </a:blip>
+              <a:srcRect t="13480" r="35484"/>
+              <a:stretch/>
+            </p:blipFill>
+            <p:spPr bwMode="auto">
+              <a:xfrm>
+                <a:off x="8761292" y="360579"/>
+                <a:ext cx="182880" cy="183940"/>
+              </a:xfrm>
+              <a:prstGeom prst="rect">
+                <a:avLst/>
+              </a:prstGeom>
+              <a:extLst>
+                <a:ext uri="{909E8E84-426E-40DD-AFC4-6F175D3DCCD1}">
+                  <a14:hiddenFill xmlns:a14="http://schemas.microsoft.com/office/drawing/2010/main">
+                    <a:solidFill>
+                      <a:srgbClr val="FFFFFF"/>
+                    </a:solidFill>
+                  </a14:hiddenFill>
+                </a:ext>
+              </a:extLst>
+            </p:spPr>
+            <p:style>
+              <a:lnRef idx="2">
+                <a:schemeClr val="dk1"/>
+              </a:lnRef>
+              <a:fillRef idx="1">
+                <a:schemeClr val="lt1"/>
+              </a:fillRef>
+              <a:effectRef idx="0">
+                <a:schemeClr val="dk1"/>
+              </a:effectRef>
+              <a:fontRef idx="minor">
+                <a:schemeClr val="dk1"/>
+              </a:fontRef>
+            </p:style>
+          </p:pic>
+          <p:pic>
+            <p:nvPicPr>
+              <p:cNvPr id="20" name="Picture 2" descr="C:\Users\t-dantay\Documents\Placeholders\star.png">
+                <a:extLst>
+                  <a:ext uri="{FF2B5EF4-FFF2-40B4-BE49-F238E27FC236}">
+                    <a16:creationId xmlns:a16="http://schemas.microsoft.com/office/drawing/2014/main" id="{989712AA-B30E-4422-A875-20A9C71048A1}"/>
+                  </a:ext>
+                </a:extLst>
+              </p:cNvPr>
+              <p:cNvPicPr>
+                <a:picLocks noChangeAspect="1" noChangeArrowheads="1"/>
+              </p:cNvPicPr>
+              <p:nvPr/>
+            </p:nvPicPr>
+            <p:blipFill>
+              <a:blip r:embed="rId5" cstate="print">
+                <a:extLst>
+                  <a:ext uri="{28A0092B-C50C-407E-A947-70E740481C1C}">
+                    <a14:useLocalDpi xmlns:a14="http://schemas.microsoft.com/office/drawing/2010/main" val="0"/>
+                  </a:ext>
+                </a:extLst>
+              </a:blip>
+              <a:srcRect/>
+              <a:stretch>
+                <a:fillRect/>
+              </a:stretch>
+            </p:blipFill>
+            <p:spPr bwMode="auto">
+              <a:xfrm>
+                <a:off x="8529364" y="361109"/>
+                <a:ext cx="191874" cy="182880"/>
+              </a:xfrm>
+              <a:prstGeom prst="rect">
+                <a:avLst/>
+              </a:prstGeom>
+              <a:extLst>
+                <a:ext uri="{909E8E84-426E-40DD-AFC4-6F175D3DCCD1}">
+                  <a14:hiddenFill xmlns:a14="http://schemas.microsoft.com/office/drawing/2010/main">
+                    <a:solidFill>
+                      <a:srgbClr val="FFFFFF"/>
+                    </a:solidFill>
+                  </a14:hiddenFill>
+                </a:ext>
+              </a:extLst>
+            </p:spPr>
+            <p:style>
+              <a:lnRef idx="2">
+                <a:schemeClr val="dk1"/>
+              </a:lnRef>
+              <a:fillRef idx="1">
+                <a:schemeClr val="lt1"/>
+              </a:fillRef>
+              <a:effectRef idx="0">
+                <a:schemeClr val="dk1"/>
+              </a:effectRef>
+              <a:fontRef idx="minor">
+                <a:schemeClr val="dk1"/>
+              </a:fontRef>
+            </p:style>
+          </p:pic>
+        </p:grpSp>
+        <p:grpSp>
+          <p:nvGrpSpPr>
+            <p:cNvPr id="9" name="Group 8">
+              <a:extLst>
+                <a:ext uri="{FF2B5EF4-FFF2-40B4-BE49-F238E27FC236}">
+                  <a16:creationId xmlns:a16="http://schemas.microsoft.com/office/drawing/2014/main" id="{5A7F4E87-0DBF-495F-92E6-DAC9DE211C31}"/>
+                </a:ext>
+              </a:extLst>
+            </p:cNvPr>
+            <p:cNvGrpSpPr/>
+            <p:nvPr/>
+          </p:nvGrpSpPr>
+          <p:grpSpPr>
+            <a:xfrm>
+              <a:off x="923925" y="340846"/>
+              <a:ext cx="7142930" cy="228600"/>
+              <a:chOff x="923925" y="340846"/>
+              <a:chExt cx="7142930" cy="228600"/>
+            </a:xfrm>
+          </p:grpSpPr>
+          <p:sp>
+            <p:nvSpPr>
+              <p:cNvPr id="10" name="UrlBar">
+                <a:extLst>
+                  <a:ext uri="{FF2B5EF4-FFF2-40B4-BE49-F238E27FC236}">
+                    <a16:creationId xmlns:a16="http://schemas.microsoft.com/office/drawing/2014/main" id="{C7A6A49D-1314-4FD6-9B2C-AC548A779075}"/>
+                  </a:ext>
+                </a:extLst>
+              </p:cNvPr>
+              <p:cNvSpPr/>
+              <p:nvPr/>
+            </p:nvSpPr>
+            <p:spPr>
+              <a:xfrm>
+                <a:off x="923925" y="340846"/>
+                <a:ext cx="7142930" cy="228600"/>
+              </a:xfrm>
+              <a:prstGeom prst="rect">
+                <a:avLst/>
+              </a:prstGeom>
+              <a:ln/>
+            </p:spPr>
+            <p:style>
+              <a:lnRef idx="2">
+                <a:schemeClr val="dk1"/>
+              </a:lnRef>
+              <a:fillRef idx="1">
+                <a:schemeClr val="lt1"/>
+              </a:fillRef>
+              <a:effectRef idx="0">
+                <a:schemeClr val="dk1"/>
+              </a:effectRef>
+              <a:fontRef idx="minor">
+                <a:schemeClr val="dk1"/>
+              </a:fontRef>
+            </p:style>
+            <p:txBody>
+              <a:bodyPr rtlCol="0" anchor="ctr"/>
+              <a:lstStyle/>
+              <a:p>
+                <a:r>
+                  <a:rPr lang="en-US" sz="1200" kern="0" dirty="0">
+                    <a:solidFill>
+                      <a:prstClr val="black">
+                        <a:lumMod val="75000"/>
+                        <a:lumOff val="25000"/>
+                      </a:prstClr>
+                    </a:solidFill>
+                    <a:latin typeface="Segoe UI"/>
+                  </a:rPr>
+                  <a:t>http://www.badmintongeek.com</a:t>
+                </a:r>
+              </a:p>
+            </p:txBody>
+          </p:sp>
+          <p:grpSp>
+            <p:nvGrpSpPr>
+              <p:cNvPr id="11" name="Group 10">
+                <a:extLst>
+                  <a:ext uri="{FF2B5EF4-FFF2-40B4-BE49-F238E27FC236}">
+                    <a16:creationId xmlns:a16="http://schemas.microsoft.com/office/drawing/2014/main" id="{A2A20594-A4DB-45A1-9B9C-FFFC1C194D5C}"/>
+                  </a:ext>
+                </a:extLst>
+              </p:cNvPr>
+              <p:cNvGrpSpPr/>
+              <p:nvPr/>
+            </p:nvGrpSpPr>
+            <p:grpSpPr>
+              <a:xfrm>
+                <a:off x="7260350" y="363706"/>
+                <a:ext cx="744325" cy="182880"/>
+                <a:chOff x="7260350" y="363706"/>
+                <a:chExt cx="744325" cy="182880"/>
+              </a:xfrm>
+            </p:grpSpPr>
+            <p:pic>
+              <p:nvPicPr>
+                <p:cNvPr id="12" name="Search" descr="C:\Users\t-dantay\Documents\Placeholders\search.png">
+                  <a:extLst>
+                    <a:ext uri="{FF2B5EF4-FFF2-40B4-BE49-F238E27FC236}">
+                      <a16:creationId xmlns:a16="http://schemas.microsoft.com/office/drawing/2014/main" id="{F110E8DE-7680-4EAA-B878-19DA0E6B3F39}"/>
+                    </a:ext>
+                  </a:extLst>
+                </p:cNvPr>
+                <p:cNvPicPr>
+                  <a:picLocks noChangeAspect="1" noChangeArrowheads="1"/>
+                </p:cNvPicPr>
+                <p:nvPr/>
+              </p:nvPicPr>
+              <p:blipFill>
+                <a:blip r:embed="rId6" cstate="print">
+                  <a:extLst>
+                    <a:ext uri="{28A0092B-C50C-407E-A947-70E740481C1C}">
+                      <a14:useLocalDpi xmlns:a14="http://schemas.microsoft.com/office/drawing/2010/main" val="0"/>
+                    </a:ext>
+                  </a:extLst>
+                </a:blip>
+                <a:srcRect/>
+                <a:stretch>
+                  <a:fillRect/>
+                </a:stretch>
+              </p:blipFill>
+              <p:spPr bwMode="auto">
+                <a:xfrm flipH="1">
+                  <a:off x="7260350" y="363706"/>
+                  <a:ext cx="182880" cy="182880"/>
+                </a:xfrm>
+                <a:prstGeom prst="rect">
+                  <a:avLst/>
+                </a:prstGeom>
+                <a:extLst>
+                  <a:ext uri="{909E8E84-426E-40DD-AFC4-6F175D3DCCD1}">
+                    <a14:hiddenFill xmlns:a14="http://schemas.microsoft.com/office/drawing/2010/main">
+                      <a:solidFill>
+                        <a:srgbClr val="FFFFFF"/>
+                      </a:solidFill>
+                    </a14:hiddenFill>
+                  </a:ext>
+                </a:extLst>
+              </p:spPr>
+              <p:style>
+                <a:lnRef idx="2">
+                  <a:schemeClr val="dk1"/>
+                </a:lnRef>
+                <a:fillRef idx="1">
+                  <a:schemeClr val="lt1"/>
+                </a:fillRef>
+                <a:effectRef idx="0">
+                  <a:schemeClr val="dk1"/>
+                </a:effectRef>
+                <a:fontRef idx="minor">
+                  <a:schemeClr val="dk1"/>
+                </a:fontRef>
+              </p:style>
+            </p:pic>
+            <p:pic>
+              <p:nvPicPr>
+                <p:cNvPr id="13" name="Refresh" descr="C:\Users\t-dantay\Documents\First24\arrowrepeat1.png">
+                  <a:extLst>
+                    <a:ext uri="{FF2B5EF4-FFF2-40B4-BE49-F238E27FC236}">
+                      <a16:creationId xmlns:a16="http://schemas.microsoft.com/office/drawing/2014/main" id="{FFF37635-FC26-45CD-B958-D71197AD024D}"/>
+                    </a:ext>
+                  </a:extLst>
+                </p:cNvPr>
+                <p:cNvPicPr>
+                  <a:picLocks noChangeAspect="1" noChangeArrowheads="1"/>
+                </p:cNvPicPr>
+                <p:nvPr/>
+              </p:nvPicPr>
+              <p:blipFill>
+                <a:blip r:embed="rId7" cstate="print">
+                  <a:extLst>
+                    <a:ext uri="{28A0092B-C50C-407E-A947-70E740481C1C}">
+                      <a14:useLocalDpi xmlns:a14="http://schemas.microsoft.com/office/drawing/2010/main" val="0"/>
+                    </a:ext>
+                  </a:extLst>
+                </a:blip>
+                <a:srcRect/>
+                <a:stretch>
+                  <a:fillRect/>
+                </a:stretch>
+              </p:blipFill>
+              <p:spPr bwMode="auto">
+                <a:xfrm>
+                  <a:off x="7644400" y="363706"/>
+                  <a:ext cx="182880" cy="182880"/>
+                </a:xfrm>
+                <a:prstGeom prst="rect">
+                  <a:avLst/>
+                </a:prstGeom>
+                <a:extLst>
+                  <a:ext uri="{909E8E84-426E-40DD-AFC4-6F175D3DCCD1}">
+                    <a14:hiddenFill xmlns:a14="http://schemas.microsoft.com/office/drawing/2010/main">
+                      <a:solidFill>
+                        <a:srgbClr val="FFFFFF"/>
+                      </a:solidFill>
+                    </a14:hiddenFill>
+                  </a:ext>
+                </a:extLst>
+              </p:spPr>
+              <p:style>
+                <a:lnRef idx="2">
+                  <a:schemeClr val="dk1"/>
+                </a:lnRef>
+                <a:fillRef idx="1">
+                  <a:schemeClr val="lt1"/>
+                </a:fillRef>
+                <a:effectRef idx="0">
+                  <a:schemeClr val="dk1"/>
+                </a:effectRef>
+                <a:fontRef idx="minor">
+                  <a:schemeClr val="dk1"/>
+                </a:fontRef>
+              </p:style>
+            </p:pic>
+            <p:pic>
+              <p:nvPicPr>
+                <p:cNvPr id="14" name="Drop Down" descr="C:\Users\t-dantay\Documents\First24\arrowsimple1.png">
+                  <a:extLst>
+                    <a:ext uri="{FF2B5EF4-FFF2-40B4-BE49-F238E27FC236}">
+                      <a16:creationId xmlns:a16="http://schemas.microsoft.com/office/drawing/2014/main" id="{47B39F25-C2A9-4B4B-A8D3-1F94A70F5F55}"/>
+                    </a:ext>
+                  </a:extLst>
+                </p:cNvPr>
+                <p:cNvPicPr>
+                  <a:picLocks noChangeAspect="1" noChangeArrowheads="1"/>
+                </p:cNvPicPr>
+                <p:nvPr/>
+              </p:nvPicPr>
+              <p:blipFill>
+                <a:blip r:embed="rId8" cstate="print">
+                  <a:extLst>
+                    <a:ext uri="{28A0092B-C50C-407E-A947-70E740481C1C}">
+                      <a14:useLocalDpi xmlns:a14="http://schemas.microsoft.com/office/drawing/2010/main" val="0"/>
+                    </a:ext>
+                  </a:extLst>
+                </a:blip>
+                <a:srcRect/>
+                <a:stretch>
+                  <a:fillRect/>
+                </a:stretch>
+              </p:blipFill>
+              <p:spPr bwMode="auto">
+                <a:xfrm rot="5400000">
+                  <a:off x="7476150" y="409426"/>
+                  <a:ext cx="91440" cy="91440"/>
+                </a:xfrm>
+                <a:prstGeom prst="rect">
+                  <a:avLst/>
+                </a:prstGeom>
+                <a:extLst>
+                  <a:ext uri="{909E8E84-426E-40DD-AFC4-6F175D3DCCD1}">
+                    <a14:hiddenFill xmlns:a14="http://schemas.microsoft.com/office/drawing/2010/main">
+                      <a:solidFill>
+                        <a:srgbClr val="FFFFFF"/>
+                      </a:solidFill>
+                    </a14:hiddenFill>
+                  </a:ext>
+                </a:extLst>
+              </p:spPr>
+              <p:style>
+                <a:lnRef idx="2">
+                  <a:schemeClr val="dk1"/>
+                </a:lnRef>
+                <a:fillRef idx="1">
+                  <a:schemeClr val="lt1"/>
+                </a:fillRef>
+                <a:effectRef idx="0">
+                  <a:schemeClr val="dk1"/>
+                </a:effectRef>
+                <a:fontRef idx="minor">
+                  <a:schemeClr val="dk1"/>
+                </a:fontRef>
+              </p:style>
+            </p:pic>
+            <p:grpSp>
+              <p:nvGrpSpPr>
+                <p:cNvPr id="15" name="X">
+                  <a:extLst>
+                    <a:ext uri="{FF2B5EF4-FFF2-40B4-BE49-F238E27FC236}">
+                      <a16:creationId xmlns:a16="http://schemas.microsoft.com/office/drawing/2014/main" id="{2DFE63AA-86AC-4455-BFF7-E3EB094F245B}"/>
+                    </a:ext>
+                  </a:extLst>
+                </p:cNvPr>
+                <p:cNvGrpSpPr/>
+                <p:nvPr/>
+              </p:nvGrpSpPr>
+              <p:grpSpPr>
+                <a:xfrm>
+                  <a:off x="7913235" y="409426"/>
+                  <a:ext cx="91440" cy="91440"/>
+                  <a:chOff x="4687215" y="1739180"/>
+                  <a:chExt cx="91440" cy="91440"/>
+                </a:xfrm>
+              </p:grpSpPr>
+              <p:cxnSp>
+                <p:nvCxnSpPr>
+                  <p:cNvPr id="16" name="Straight Connector 15">
+                    <a:extLst>
+                      <a:ext uri="{FF2B5EF4-FFF2-40B4-BE49-F238E27FC236}">
+                        <a16:creationId xmlns:a16="http://schemas.microsoft.com/office/drawing/2014/main" id="{324A508F-BA70-4826-A624-DC7E026C8D9A}"/>
+                      </a:ext>
+                    </a:extLst>
+                  </p:cNvPr>
+                  <p:cNvCxnSpPr/>
+                  <p:nvPr/>
+                </p:nvCxnSpPr>
+                <p:spPr>
+                  <a:xfrm flipV="1">
+                    <a:off x="4687215" y="1739180"/>
+                    <a:ext cx="91440" cy="91440"/>
+                  </a:xfrm>
+                  <a:prstGeom prst="line">
+                    <a:avLst/>
+                  </a:prstGeom>
+                  <a:ln/>
+                </p:spPr>
+                <p:style>
+                  <a:lnRef idx="2">
+                    <a:schemeClr val="dk1"/>
+                  </a:lnRef>
+                  <a:fillRef idx="1">
+                    <a:schemeClr val="lt1"/>
+                  </a:fillRef>
+                  <a:effectRef idx="0">
+                    <a:schemeClr val="dk1"/>
+                  </a:effectRef>
+                  <a:fontRef idx="minor">
+                    <a:schemeClr val="dk1"/>
+                  </a:fontRef>
+                </p:style>
+              </p:cxnSp>
+              <p:cxnSp>
+                <p:nvCxnSpPr>
+                  <p:cNvPr id="17" name="Straight Connector 16">
+                    <a:extLst>
+                      <a:ext uri="{FF2B5EF4-FFF2-40B4-BE49-F238E27FC236}">
+                        <a16:creationId xmlns:a16="http://schemas.microsoft.com/office/drawing/2014/main" id="{408A1366-AE01-4BFC-85B7-C0E34C088B02}"/>
+                      </a:ext>
+                    </a:extLst>
+                  </p:cNvPr>
+                  <p:cNvCxnSpPr/>
+                  <p:nvPr/>
+                </p:nvCxnSpPr>
+                <p:spPr>
+                  <a:xfrm>
+                    <a:off x="4687215" y="1739180"/>
+                    <a:ext cx="91440" cy="91440"/>
+                  </a:xfrm>
+                  <a:prstGeom prst="line">
+                    <a:avLst/>
+                  </a:prstGeom>
+                  <a:ln/>
+                </p:spPr>
+                <p:style>
+                  <a:lnRef idx="2">
+                    <a:schemeClr val="dk1"/>
+                  </a:lnRef>
+                  <a:fillRef idx="1">
+                    <a:schemeClr val="lt1"/>
+                  </a:fillRef>
+                  <a:effectRef idx="0">
+                    <a:schemeClr val="dk1"/>
+                  </a:effectRef>
+                  <a:fontRef idx="minor">
+                    <a:schemeClr val="dk1"/>
+                  </a:fontRef>
+                </p:style>
+              </p:cxnSp>
+            </p:grpSp>
+          </p:grpSp>
+        </p:grpSp>
+      </p:grpSp>
+      <p:sp>
+        <p:nvSpPr>
+          <p:cNvPr id="30" name="Rectangle 29">
+            <a:extLst>
+              <a:ext uri="{FF2B5EF4-FFF2-40B4-BE49-F238E27FC236}">
+                <a16:creationId xmlns:a16="http://schemas.microsoft.com/office/drawing/2014/main" id="{5FA1C305-8FBB-4479-AD93-092683D682CE}"/>
+              </a:ext>
+            </a:extLst>
+          </p:cNvPr>
+          <p:cNvSpPr/>
+          <p:nvPr/>
+        </p:nvSpPr>
+        <p:spPr>
+          <a:xfrm>
+            <a:off x="1609596" y="6517154"/>
+            <a:ext cx="8982203" cy="244574"/>
+          </a:xfrm>
+          <a:prstGeom prst="rect">
+            <a:avLst/>
+          </a:prstGeom>
+          <a:solidFill>
+            <a:schemeClr val="tx2"/>
+          </a:solidFill>
+          <a:ln>
+            <a:solidFill>
+              <a:schemeClr val="tx2"/>
+            </a:solidFill>
+          </a:ln>
+        </p:spPr>
+        <p:style>
+          <a:lnRef idx="2">
+            <a:schemeClr val="accent1">
+              <a:shade val="50000"/>
+            </a:schemeClr>
+          </a:lnRef>
+          <a:fillRef idx="1">
+            <a:schemeClr val="accent1"/>
+          </a:fillRef>
+          <a:effectRef idx="0">
+            <a:schemeClr val="accent1"/>
+          </a:effectRef>
+          <a:fontRef idx="minor">
+            <a:schemeClr val="lt1"/>
+          </a:fontRef>
+        </p:style>
+        <p:txBody>
+          <a:bodyPr rtlCol="0" anchor="ctr"/>
+          <a:lstStyle/>
+          <a:p>
+            <a:pPr algn="ctr"/>
+            <a:r>
+              <a:rPr lang="en-MY" sz="1200" dirty="0"/>
+              <a:t>2018- Badminton Geek</a:t>
+            </a:r>
+            <a:endParaRPr lang="en-US" sz="1200" dirty="0"/>
+          </a:p>
+        </p:txBody>
+      </p:sp>
+      <p:sp>
+        <p:nvSpPr>
+          <p:cNvPr id="39" name="Flowchart: Merge 38">
+            <a:extLst>
+              <a:ext uri="{FF2B5EF4-FFF2-40B4-BE49-F238E27FC236}">
+                <a16:creationId xmlns:a16="http://schemas.microsoft.com/office/drawing/2014/main" id="{141AA49D-444A-496C-B3BB-C9A668D8BC5E}"/>
+              </a:ext>
+            </a:extLst>
+          </p:cNvPr>
+          <p:cNvSpPr/>
+          <p:nvPr/>
+        </p:nvSpPr>
+        <p:spPr>
+          <a:xfrm>
+            <a:off x="6481414" y="2153673"/>
+            <a:ext cx="89124" cy="77524"/>
+          </a:xfrm>
+          <a:prstGeom prst="flowChartMerge">
+            <a:avLst/>
+          </a:prstGeom>
+          <a:solidFill>
+            <a:schemeClr val="bg1"/>
+          </a:solidFill>
+          <a:ln>
+            <a:solidFill>
+              <a:schemeClr val="accent3"/>
+            </a:solidFill>
+          </a:ln>
+        </p:spPr>
+        <p:style>
+          <a:lnRef idx="2">
+            <a:schemeClr val="accent1">
+              <a:shade val="50000"/>
+            </a:schemeClr>
+          </a:lnRef>
+          <a:fillRef idx="1">
+            <a:schemeClr val="accent1"/>
+          </a:fillRef>
+          <a:effectRef idx="0">
+            <a:schemeClr val="accent1"/>
+          </a:effectRef>
+          <a:fontRef idx="minor">
+            <a:schemeClr val="lt1"/>
+          </a:fontRef>
+        </p:style>
+        <p:txBody>
+          <a:bodyPr rtlCol="0" anchor="ctr"/>
+          <a:lstStyle/>
+          <a:p>
+            <a:pPr algn="ctr"/>
+            <a:endParaRPr lang="en-US"/>
+          </a:p>
+        </p:txBody>
+      </p:sp>
+      <p:sp>
+        <p:nvSpPr>
+          <p:cNvPr id="40" name="Flowchart: Merge 39">
+            <a:extLst>
+              <a:ext uri="{FF2B5EF4-FFF2-40B4-BE49-F238E27FC236}">
+                <a16:creationId xmlns:a16="http://schemas.microsoft.com/office/drawing/2014/main" id="{5E0DC0AE-AE5A-457B-A57D-8002084C446A}"/>
+              </a:ext>
+            </a:extLst>
+          </p:cNvPr>
+          <p:cNvSpPr/>
+          <p:nvPr/>
+        </p:nvSpPr>
+        <p:spPr>
+          <a:xfrm>
+            <a:off x="9740419" y="2153673"/>
+            <a:ext cx="89124" cy="77524"/>
+          </a:xfrm>
+          <a:prstGeom prst="flowChartMerge">
+            <a:avLst/>
+          </a:prstGeom>
+          <a:solidFill>
+            <a:schemeClr val="bg1"/>
+          </a:solidFill>
+          <a:ln>
+            <a:solidFill>
+              <a:schemeClr val="accent3"/>
+            </a:solidFill>
+          </a:ln>
+        </p:spPr>
+        <p:style>
+          <a:lnRef idx="2">
+            <a:schemeClr val="accent1">
+              <a:shade val="50000"/>
+            </a:schemeClr>
+          </a:lnRef>
+          <a:fillRef idx="1">
+            <a:schemeClr val="accent1"/>
+          </a:fillRef>
+          <a:effectRef idx="0">
+            <a:schemeClr val="accent1"/>
+          </a:effectRef>
+          <a:fontRef idx="minor">
+            <a:schemeClr val="lt1"/>
+          </a:fontRef>
+        </p:style>
+        <p:txBody>
+          <a:bodyPr rtlCol="0" anchor="ctr"/>
+          <a:lstStyle/>
+          <a:p>
+            <a:pPr algn="ctr"/>
+            <a:endParaRPr lang="en-US"/>
+          </a:p>
+        </p:txBody>
+      </p:sp>
+      <p:sp>
+        <p:nvSpPr>
+          <p:cNvPr id="41" name="Flowchart: Merge 40">
+            <a:extLst>
+              <a:ext uri="{FF2B5EF4-FFF2-40B4-BE49-F238E27FC236}">
+                <a16:creationId xmlns:a16="http://schemas.microsoft.com/office/drawing/2014/main" id="{A2200F68-F04F-49FB-A462-3DA699CF9873}"/>
+              </a:ext>
+            </a:extLst>
+          </p:cNvPr>
+          <p:cNvSpPr/>
+          <p:nvPr/>
+        </p:nvSpPr>
+        <p:spPr>
+          <a:xfrm>
+            <a:off x="8178508" y="2153673"/>
+            <a:ext cx="89124" cy="77524"/>
+          </a:xfrm>
+          <a:prstGeom prst="flowChartMerge">
+            <a:avLst/>
+          </a:prstGeom>
+          <a:solidFill>
+            <a:schemeClr val="bg1"/>
+          </a:solidFill>
+          <a:ln>
+            <a:solidFill>
+              <a:schemeClr val="accent3"/>
+            </a:solidFill>
+          </a:ln>
+        </p:spPr>
+        <p:style>
+          <a:lnRef idx="2">
+            <a:schemeClr val="accent1">
+              <a:shade val="50000"/>
+            </a:schemeClr>
+          </a:lnRef>
+          <a:fillRef idx="1">
+            <a:schemeClr val="accent1"/>
+          </a:fillRef>
+          <a:effectRef idx="0">
+            <a:schemeClr val="accent1"/>
+          </a:effectRef>
+          <a:fontRef idx="minor">
+            <a:schemeClr val="lt1"/>
+          </a:fontRef>
+        </p:style>
+        <p:txBody>
+          <a:bodyPr rtlCol="0" anchor="ctr"/>
+          <a:lstStyle/>
+          <a:p>
+            <a:pPr algn="ctr"/>
+            <a:endParaRPr lang="en-US"/>
+          </a:p>
+        </p:txBody>
+      </p:sp>
+      <p:pic>
+        <p:nvPicPr>
+          <p:cNvPr id="53" name="Picture 52" descr="A close up of a logo&#10;&#10;Description generated with very high confidence">
+            <a:extLst>
+              <a:ext uri="{FF2B5EF4-FFF2-40B4-BE49-F238E27FC236}">
+                <a16:creationId xmlns:a16="http://schemas.microsoft.com/office/drawing/2014/main" id="{E907E61A-FD4A-4A6A-9FAA-91207341720E}"/>
+              </a:ext>
+            </a:extLst>
+          </p:cNvPr>
+          <p:cNvPicPr>
+            <a:picLocks noChangeAspect="1"/>
+          </p:cNvPicPr>
+          <p:nvPr/>
+        </p:nvPicPr>
+        <p:blipFill>
+          <a:blip r:embed="rId9">
+            <a:extLst>
+              <a:ext uri="{28A0092B-C50C-407E-A947-70E740481C1C}">
+                <a14:useLocalDpi xmlns:a14="http://schemas.microsoft.com/office/drawing/2010/main" val="0"/>
+              </a:ext>
+            </a:extLst>
+          </a:blip>
+          <a:stretch>
+            <a:fillRect/>
+          </a:stretch>
+        </p:blipFill>
+        <p:spPr>
+          <a:xfrm>
+            <a:off x="1552174" y="641219"/>
+            <a:ext cx="462600" cy="462600"/>
+          </a:xfrm>
+          <a:prstGeom prst="rect">
+            <a:avLst/>
+          </a:prstGeom>
+        </p:spPr>
+      </p:pic>
+      <p:cxnSp>
+        <p:nvCxnSpPr>
+          <p:cNvPr id="54" name="Straight Connector 53">
+            <a:extLst>
+              <a:ext uri="{FF2B5EF4-FFF2-40B4-BE49-F238E27FC236}">
+                <a16:creationId xmlns:a16="http://schemas.microsoft.com/office/drawing/2014/main" id="{4854B19C-E2E6-4CF8-82F8-4E7DBAA2D8BF}"/>
+              </a:ext>
+            </a:extLst>
+          </p:cNvPr>
+          <p:cNvCxnSpPr/>
+          <p:nvPr/>
+        </p:nvCxnSpPr>
+        <p:spPr>
+          <a:xfrm>
+            <a:off x="1639957" y="1103819"/>
+            <a:ext cx="8999869" cy="18544"/>
+          </a:xfrm>
+          <a:prstGeom prst="line">
+            <a:avLst/>
+          </a:prstGeom>
+        </p:spPr>
+        <p:style>
+          <a:lnRef idx="1">
+            <a:schemeClr val="accent1"/>
+          </a:lnRef>
+          <a:fillRef idx="0">
+            <a:schemeClr val="accent1"/>
+          </a:fillRef>
+          <a:effectRef idx="0">
+            <a:schemeClr val="accent1"/>
+          </a:effectRef>
+          <a:fontRef idx="minor">
+            <a:schemeClr val="tx1"/>
+          </a:fontRef>
+        </p:style>
+      </p:cxnSp>
+      <p:sp>
+        <p:nvSpPr>
+          <p:cNvPr id="55" name="Rectangle 54">
+            <a:extLst>
+              <a:ext uri="{FF2B5EF4-FFF2-40B4-BE49-F238E27FC236}">
+                <a16:creationId xmlns:a16="http://schemas.microsoft.com/office/drawing/2014/main" id="{46714D6B-45E3-4A99-B06B-037DA473170E}"/>
+              </a:ext>
+            </a:extLst>
+          </p:cNvPr>
+          <p:cNvSpPr/>
+          <p:nvPr/>
+        </p:nvSpPr>
+        <p:spPr>
+          <a:xfrm>
+            <a:off x="2042948" y="763843"/>
+            <a:ext cx="1260000" cy="262248"/>
+          </a:xfrm>
+          <a:prstGeom prst="rect">
+            <a:avLst/>
+          </a:prstGeom>
+          <a:solidFill>
+            <a:schemeClr val="tx2"/>
+          </a:solidFill>
+          <a:ln>
+            <a:solidFill>
+              <a:schemeClr val="accent3"/>
+            </a:solidFill>
+          </a:ln>
+        </p:spPr>
+        <p:style>
+          <a:lnRef idx="2">
+            <a:schemeClr val="dk1"/>
+          </a:lnRef>
+          <a:fillRef idx="1">
+            <a:schemeClr val="lt1"/>
+          </a:fillRef>
+          <a:effectRef idx="0">
+            <a:schemeClr val="dk1"/>
+          </a:effectRef>
+          <a:fontRef idx="minor">
+            <a:schemeClr val="dk1"/>
+          </a:fontRef>
+        </p:style>
+        <p:txBody>
+          <a:bodyPr rtlCol="0" anchor="ctr"/>
+          <a:lstStyle/>
+          <a:p>
+            <a:pPr algn="ctr"/>
+            <a:r>
+              <a:rPr lang="en-MY" dirty="0">
+                <a:solidFill>
+                  <a:schemeClr val="bg1"/>
+                </a:solidFill>
+              </a:rPr>
+              <a:t>Home</a:t>
+            </a:r>
+            <a:endParaRPr lang="en-US" dirty="0">
+              <a:solidFill>
+                <a:schemeClr val="bg1"/>
+              </a:solidFill>
+            </a:endParaRPr>
+          </a:p>
+        </p:txBody>
+      </p:sp>
+      <p:sp>
+        <p:nvSpPr>
+          <p:cNvPr id="56" name="Rectangle 55">
+            <a:extLst>
+              <a:ext uri="{FF2B5EF4-FFF2-40B4-BE49-F238E27FC236}">
+                <a16:creationId xmlns:a16="http://schemas.microsoft.com/office/drawing/2014/main" id="{20E8B8B1-CB3D-4191-ADBC-3795DDEEF312}"/>
+              </a:ext>
+            </a:extLst>
+          </p:cNvPr>
+          <p:cNvSpPr/>
+          <p:nvPr/>
+        </p:nvSpPr>
+        <p:spPr>
+          <a:xfrm>
+            <a:off x="3333089" y="760643"/>
+            <a:ext cx="1260000" cy="262800"/>
+          </a:xfrm>
+          <a:prstGeom prst="rect">
+            <a:avLst/>
+          </a:prstGeom>
+          <a:solidFill>
+            <a:schemeClr val="tx2"/>
+          </a:solidFill>
+          <a:ln>
+            <a:solidFill>
+              <a:schemeClr val="accent3"/>
+            </a:solidFill>
+          </a:ln>
+        </p:spPr>
+        <p:style>
+          <a:lnRef idx="2">
+            <a:schemeClr val="dk1"/>
+          </a:lnRef>
+          <a:fillRef idx="1">
+            <a:schemeClr val="lt1"/>
+          </a:fillRef>
+          <a:effectRef idx="0">
+            <a:schemeClr val="dk1"/>
+          </a:effectRef>
+          <a:fontRef idx="minor">
+            <a:schemeClr val="dk1"/>
+          </a:fontRef>
+        </p:style>
+        <p:txBody>
+          <a:bodyPr rtlCol="0" anchor="ctr"/>
+          <a:lstStyle/>
+          <a:p>
+            <a:pPr algn="ctr"/>
+            <a:r>
+              <a:rPr lang="en-MY" dirty="0">
+                <a:solidFill>
+                  <a:schemeClr val="bg1"/>
+                </a:solidFill>
+              </a:rPr>
+              <a:t>About</a:t>
+            </a:r>
+            <a:endParaRPr lang="en-US" dirty="0">
+              <a:solidFill>
+                <a:schemeClr val="bg1"/>
+              </a:solidFill>
+            </a:endParaRPr>
+          </a:p>
+        </p:txBody>
+      </p:sp>
+      <p:sp>
+        <p:nvSpPr>
+          <p:cNvPr id="57" name="Rectangle 56">
+            <a:extLst>
+              <a:ext uri="{FF2B5EF4-FFF2-40B4-BE49-F238E27FC236}">
+                <a16:creationId xmlns:a16="http://schemas.microsoft.com/office/drawing/2014/main" id="{8147CA5C-88A1-4113-B2DF-CE30359B296C}"/>
+              </a:ext>
+            </a:extLst>
+          </p:cNvPr>
+          <p:cNvSpPr/>
+          <p:nvPr/>
+        </p:nvSpPr>
+        <p:spPr>
+          <a:xfrm>
+            <a:off x="4621263" y="753989"/>
+            <a:ext cx="1260000" cy="262800"/>
+          </a:xfrm>
+          <a:prstGeom prst="rect">
+            <a:avLst/>
+          </a:prstGeom>
+          <a:solidFill>
+            <a:schemeClr val="tx2"/>
+          </a:solidFill>
+          <a:ln>
+            <a:solidFill>
+              <a:schemeClr val="accent3"/>
+            </a:solidFill>
+          </a:ln>
+        </p:spPr>
+        <p:style>
+          <a:lnRef idx="2">
+            <a:schemeClr val="dk1"/>
+          </a:lnRef>
+          <a:fillRef idx="1">
+            <a:schemeClr val="lt1"/>
+          </a:fillRef>
+          <a:effectRef idx="0">
+            <a:schemeClr val="dk1"/>
+          </a:effectRef>
+          <a:fontRef idx="minor">
+            <a:schemeClr val="dk1"/>
+          </a:fontRef>
+        </p:style>
+        <p:txBody>
+          <a:bodyPr rtlCol="0" anchor="ctr"/>
+          <a:lstStyle/>
+          <a:p>
+            <a:r>
+              <a:rPr lang="en-MY" dirty="0">
+                <a:solidFill>
+                  <a:schemeClr val="bg1"/>
+                </a:solidFill>
+              </a:rPr>
+              <a:t>Beginner</a:t>
+            </a:r>
+            <a:endParaRPr lang="en-US" dirty="0">
+              <a:solidFill>
+                <a:schemeClr val="bg1"/>
+              </a:solidFill>
+            </a:endParaRPr>
+          </a:p>
+        </p:txBody>
+      </p:sp>
+      <p:sp>
+        <p:nvSpPr>
+          <p:cNvPr id="58" name="Rectangle 57">
+            <a:extLst>
+              <a:ext uri="{FF2B5EF4-FFF2-40B4-BE49-F238E27FC236}">
+                <a16:creationId xmlns:a16="http://schemas.microsoft.com/office/drawing/2014/main" id="{8A9B3E1C-58AD-4367-8D75-BB9F6855A54F}"/>
+              </a:ext>
+            </a:extLst>
+          </p:cNvPr>
+          <p:cNvSpPr/>
+          <p:nvPr/>
+        </p:nvSpPr>
+        <p:spPr>
+          <a:xfrm>
+            <a:off x="5926314" y="760643"/>
+            <a:ext cx="1512000" cy="262800"/>
+          </a:xfrm>
+          <a:prstGeom prst="rect">
+            <a:avLst/>
+          </a:prstGeom>
+          <a:solidFill>
+            <a:schemeClr val="tx2"/>
+          </a:solidFill>
+          <a:ln>
+            <a:solidFill>
+              <a:schemeClr val="accent3"/>
+            </a:solidFill>
+          </a:ln>
+        </p:spPr>
+        <p:style>
+          <a:lnRef idx="2">
+            <a:schemeClr val="dk1"/>
+          </a:lnRef>
+          <a:fillRef idx="1">
+            <a:schemeClr val="lt1"/>
+          </a:fillRef>
+          <a:effectRef idx="0">
+            <a:schemeClr val="dk1"/>
+          </a:effectRef>
+          <a:fontRef idx="minor">
+            <a:schemeClr val="dk1"/>
+          </a:fontRef>
+        </p:style>
+        <p:txBody>
+          <a:bodyPr rtlCol="0" anchor="ctr"/>
+          <a:lstStyle/>
+          <a:p>
+            <a:r>
+              <a:rPr lang="en-MY" dirty="0">
+                <a:solidFill>
+                  <a:schemeClr val="bg1"/>
+                </a:solidFill>
+              </a:rPr>
+              <a:t>Intermediate</a:t>
+            </a:r>
+            <a:endParaRPr lang="en-US" dirty="0">
+              <a:solidFill>
+                <a:schemeClr val="bg1"/>
+              </a:solidFill>
+            </a:endParaRPr>
+          </a:p>
+        </p:txBody>
+      </p:sp>
+      <p:sp>
+        <p:nvSpPr>
+          <p:cNvPr id="59" name="Rectangle 58">
+            <a:extLst>
+              <a:ext uri="{FF2B5EF4-FFF2-40B4-BE49-F238E27FC236}">
+                <a16:creationId xmlns:a16="http://schemas.microsoft.com/office/drawing/2014/main" id="{7C209342-DF35-4AE3-AC9D-91BF79C9BE10}"/>
+              </a:ext>
+            </a:extLst>
+          </p:cNvPr>
+          <p:cNvSpPr/>
+          <p:nvPr/>
+        </p:nvSpPr>
+        <p:spPr>
+          <a:xfrm>
+            <a:off x="7491289" y="760643"/>
+            <a:ext cx="1260000" cy="262800"/>
+          </a:xfrm>
+          <a:prstGeom prst="rect">
+            <a:avLst/>
+          </a:prstGeom>
+          <a:solidFill>
+            <a:schemeClr val="tx2"/>
+          </a:solidFill>
+          <a:ln>
+            <a:solidFill>
+              <a:schemeClr val="accent3"/>
+            </a:solidFill>
+          </a:ln>
+        </p:spPr>
+        <p:style>
+          <a:lnRef idx="2">
+            <a:schemeClr val="dk1"/>
+          </a:lnRef>
+          <a:fillRef idx="1">
+            <a:schemeClr val="lt1"/>
+          </a:fillRef>
+          <a:effectRef idx="0">
+            <a:schemeClr val="dk1"/>
+          </a:effectRef>
+          <a:fontRef idx="minor">
+            <a:schemeClr val="dk1"/>
+          </a:fontRef>
+        </p:style>
+        <p:txBody>
+          <a:bodyPr rtlCol="0" anchor="ctr"/>
+          <a:lstStyle/>
+          <a:p>
+            <a:r>
+              <a:rPr lang="en-MY" dirty="0">
+                <a:solidFill>
+                  <a:schemeClr val="bg1"/>
+                </a:solidFill>
+              </a:rPr>
+              <a:t>Advanced</a:t>
+            </a:r>
+            <a:endParaRPr lang="en-US" dirty="0">
+              <a:solidFill>
+                <a:schemeClr val="bg1"/>
+              </a:solidFill>
+            </a:endParaRPr>
+          </a:p>
+        </p:txBody>
+      </p:sp>
+      <p:pic>
+        <p:nvPicPr>
+          <p:cNvPr id="60" name="Picture 59">
+            <a:extLst>
+              <a:ext uri="{FF2B5EF4-FFF2-40B4-BE49-F238E27FC236}">
+                <a16:creationId xmlns:a16="http://schemas.microsoft.com/office/drawing/2014/main" id="{1EA4CE84-0778-4D1A-AA0E-9FCFFB32EBEE}"/>
+              </a:ext>
+            </a:extLst>
+          </p:cNvPr>
+          <p:cNvPicPr>
+            <a:picLocks noChangeAspect="1"/>
+          </p:cNvPicPr>
+          <p:nvPr/>
+        </p:nvPicPr>
+        <p:blipFill>
+          <a:blip r:embed="rId10">
+            <a:duotone>
+              <a:prstClr val="black"/>
+              <a:schemeClr val="accent3">
+                <a:tint val="45000"/>
+                <a:satMod val="400000"/>
+              </a:schemeClr>
+            </a:duotone>
+            <a:extLst>
+              <a:ext uri="{28A0092B-C50C-407E-A947-70E740481C1C}">
+                <a14:useLocalDpi xmlns:a14="http://schemas.microsoft.com/office/drawing/2010/main" val="0"/>
+              </a:ext>
+            </a:extLst>
+          </a:blip>
+          <a:stretch>
+            <a:fillRect/>
+          </a:stretch>
+        </p:blipFill>
+        <p:spPr>
+          <a:xfrm>
+            <a:off x="10206324" y="730108"/>
+            <a:ext cx="334514" cy="334514"/>
+          </a:xfrm>
+          <a:prstGeom prst="rect">
+            <a:avLst/>
+          </a:prstGeom>
+        </p:spPr>
+      </p:pic>
+      <p:sp>
+        <p:nvSpPr>
+          <p:cNvPr id="61" name="Flowchart: Merge 60">
+            <a:extLst>
+              <a:ext uri="{FF2B5EF4-FFF2-40B4-BE49-F238E27FC236}">
+                <a16:creationId xmlns:a16="http://schemas.microsoft.com/office/drawing/2014/main" id="{F3D84DBA-AD84-4CA0-8C8C-C333A3290D21}"/>
+              </a:ext>
+            </a:extLst>
+          </p:cNvPr>
+          <p:cNvSpPr/>
+          <p:nvPr/>
+        </p:nvSpPr>
+        <p:spPr>
+          <a:xfrm>
+            <a:off x="5622337" y="869689"/>
+            <a:ext cx="89124" cy="77524"/>
+          </a:xfrm>
+          <a:prstGeom prst="flowChartMerge">
+            <a:avLst/>
+          </a:prstGeom>
+          <a:solidFill>
+            <a:schemeClr val="bg1"/>
+          </a:solidFill>
+          <a:ln>
+            <a:solidFill>
+              <a:schemeClr val="accent3"/>
+            </a:solidFill>
+          </a:ln>
+        </p:spPr>
+        <p:style>
+          <a:lnRef idx="2">
+            <a:schemeClr val="accent1">
+              <a:shade val="50000"/>
+            </a:schemeClr>
+          </a:lnRef>
+          <a:fillRef idx="1">
+            <a:schemeClr val="accent1"/>
+          </a:fillRef>
+          <a:effectRef idx="0">
+            <a:schemeClr val="accent1"/>
+          </a:effectRef>
+          <a:fontRef idx="minor">
+            <a:schemeClr val="lt1"/>
+          </a:fontRef>
+        </p:style>
+        <p:txBody>
+          <a:bodyPr rtlCol="0" anchor="ctr"/>
+          <a:lstStyle/>
+          <a:p>
+            <a:pPr algn="ctr"/>
+            <a:endParaRPr lang="en-US"/>
+          </a:p>
+        </p:txBody>
+      </p:sp>
+      <p:sp>
+        <p:nvSpPr>
+          <p:cNvPr id="62" name="Flowchart: Merge 61">
+            <a:extLst>
+              <a:ext uri="{FF2B5EF4-FFF2-40B4-BE49-F238E27FC236}">
+                <a16:creationId xmlns:a16="http://schemas.microsoft.com/office/drawing/2014/main" id="{5AAB0007-F0E4-43A5-BE35-04B6FC075EDB}"/>
+              </a:ext>
+            </a:extLst>
+          </p:cNvPr>
+          <p:cNvSpPr/>
+          <p:nvPr/>
+        </p:nvSpPr>
+        <p:spPr>
+          <a:xfrm>
+            <a:off x="8580813" y="870338"/>
+            <a:ext cx="89124" cy="77524"/>
+          </a:xfrm>
+          <a:prstGeom prst="flowChartMerge">
+            <a:avLst/>
+          </a:prstGeom>
+          <a:solidFill>
+            <a:schemeClr val="bg1"/>
+          </a:solidFill>
+          <a:ln>
+            <a:solidFill>
+              <a:schemeClr val="accent3"/>
+            </a:solidFill>
+          </a:ln>
+        </p:spPr>
+        <p:style>
+          <a:lnRef idx="2">
+            <a:schemeClr val="accent1">
+              <a:shade val="50000"/>
+            </a:schemeClr>
+          </a:lnRef>
+          <a:fillRef idx="1">
+            <a:schemeClr val="accent1"/>
+          </a:fillRef>
+          <a:effectRef idx="0">
+            <a:schemeClr val="accent1"/>
+          </a:effectRef>
+          <a:fontRef idx="minor">
+            <a:schemeClr val="lt1"/>
+          </a:fontRef>
+        </p:style>
+        <p:txBody>
+          <a:bodyPr rtlCol="0" anchor="ctr"/>
+          <a:lstStyle/>
+          <a:p>
+            <a:pPr algn="ctr"/>
+            <a:endParaRPr lang="en-US"/>
+          </a:p>
+        </p:txBody>
+      </p:sp>
+      <p:sp>
+        <p:nvSpPr>
+          <p:cNvPr id="63" name="Flowchart: Merge 62">
+            <a:extLst>
+              <a:ext uri="{FF2B5EF4-FFF2-40B4-BE49-F238E27FC236}">
+                <a16:creationId xmlns:a16="http://schemas.microsoft.com/office/drawing/2014/main" id="{71F29FD1-5790-46BF-8CA3-F745C7438684}"/>
+              </a:ext>
+            </a:extLst>
+          </p:cNvPr>
+          <p:cNvSpPr/>
+          <p:nvPr/>
+        </p:nvSpPr>
+        <p:spPr>
+          <a:xfrm>
+            <a:off x="7282772" y="867749"/>
+            <a:ext cx="89124" cy="77524"/>
+          </a:xfrm>
+          <a:prstGeom prst="flowChartMerge">
+            <a:avLst/>
+          </a:prstGeom>
+          <a:solidFill>
+            <a:schemeClr val="bg1"/>
+          </a:solidFill>
+          <a:ln>
+            <a:solidFill>
+              <a:schemeClr val="accent3"/>
+            </a:solidFill>
+          </a:ln>
+        </p:spPr>
+        <p:style>
+          <a:lnRef idx="2">
+            <a:schemeClr val="accent1">
+              <a:shade val="50000"/>
+            </a:schemeClr>
+          </a:lnRef>
+          <a:fillRef idx="1">
+            <a:schemeClr val="accent1"/>
+          </a:fillRef>
+          <a:effectRef idx="0">
+            <a:schemeClr val="accent1"/>
+          </a:effectRef>
+          <a:fontRef idx="minor">
+            <a:schemeClr val="lt1"/>
+          </a:fontRef>
+        </p:style>
+        <p:txBody>
+          <a:bodyPr rtlCol="0" anchor="ctr"/>
+          <a:lstStyle/>
+          <a:p>
+            <a:pPr algn="ctr"/>
+            <a:endParaRPr lang="en-US"/>
+          </a:p>
+        </p:txBody>
+      </p:sp>
+      <p:sp>
+        <p:nvSpPr>
+          <p:cNvPr id="64" name="Rectangle 63">
+            <a:extLst>
+              <a:ext uri="{FF2B5EF4-FFF2-40B4-BE49-F238E27FC236}">
+                <a16:creationId xmlns:a16="http://schemas.microsoft.com/office/drawing/2014/main" id="{B98BC5F7-E8B9-43E3-9682-FFB2AB6561FB}"/>
+              </a:ext>
+            </a:extLst>
+          </p:cNvPr>
+          <p:cNvSpPr/>
+          <p:nvPr/>
+        </p:nvSpPr>
+        <p:spPr>
+          <a:xfrm>
+            <a:off x="8784350" y="765583"/>
+            <a:ext cx="1260000" cy="262248"/>
+          </a:xfrm>
+          <a:prstGeom prst="rect">
+            <a:avLst/>
+          </a:prstGeom>
+          <a:solidFill>
+            <a:schemeClr val="tx2"/>
+          </a:solidFill>
+          <a:ln>
+            <a:solidFill>
+              <a:schemeClr val="accent3"/>
+            </a:solidFill>
+          </a:ln>
+        </p:spPr>
+        <p:style>
+          <a:lnRef idx="2">
+            <a:schemeClr val="dk1"/>
+          </a:lnRef>
+          <a:fillRef idx="1">
+            <a:schemeClr val="lt1"/>
+          </a:fillRef>
+          <a:effectRef idx="0">
+            <a:schemeClr val="dk1"/>
+          </a:effectRef>
+          <a:fontRef idx="minor">
+            <a:schemeClr val="dk1"/>
+          </a:fontRef>
+        </p:style>
+        <p:txBody>
+          <a:bodyPr rtlCol="0" anchor="ctr"/>
+          <a:lstStyle/>
+          <a:p>
+            <a:pPr algn="ctr"/>
+            <a:r>
+              <a:rPr lang="en-MY" dirty="0">
+                <a:solidFill>
+                  <a:schemeClr val="bg1"/>
+                </a:solidFill>
+              </a:rPr>
+              <a:t>Forum</a:t>
+            </a:r>
+            <a:endParaRPr lang="en-US" dirty="0">
+              <a:solidFill>
+                <a:schemeClr val="bg1"/>
+              </a:solidFill>
+            </a:endParaRPr>
+          </a:p>
+        </p:txBody>
+      </p:sp>
+      <p:sp>
+        <p:nvSpPr>
+          <p:cNvPr id="65" name="Rectangle 64">
+            <a:extLst>
+              <a:ext uri="{FF2B5EF4-FFF2-40B4-BE49-F238E27FC236}">
+                <a16:creationId xmlns:a16="http://schemas.microsoft.com/office/drawing/2014/main" id="{6278F3BF-086A-4619-9191-3B42236B70B7}"/>
+              </a:ext>
+            </a:extLst>
+          </p:cNvPr>
+          <p:cNvSpPr/>
+          <p:nvPr/>
+        </p:nvSpPr>
+        <p:spPr>
+          <a:xfrm>
+            <a:off x="4086876" y="1254605"/>
+            <a:ext cx="4091632" cy="1046440"/>
+          </a:xfrm>
+          <a:prstGeom prst="rect">
+            <a:avLst/>
+          </a:prstGeom>
+        </p:spPr>
+        <p:txBody>
+          <a:bodyPr wrap="square">
+            <a:spAutoFit/>
+          </a:bodyPr>
+          <a:lstStyle/>
+          <a:p>
+            <a:r>
+              <a:rPr lang="en-US" sz="4400" b="1" dirty="0" err="1"/>
+              <a:t>BadmintonGeek</a:t>
+            </a:r>
+            <a:r>
+              <a:rPr lang="en-US" sz="4400" b="1" dirty="0"/>
+              <a:t>.</a:t>
+            </a:r>
+            <a:r>
+              <a:rPr lang="en-US" b="1" i="0" dirty="0">
+                <a:solidFill>
+                  <a:srgbClr val="FFFFFF"/>
+                </a:solidFill>
+                <a:effectLst/>
+                <a:latin typeface="IBM Plex Mono"/>
+              </a:rPr>
+              <a:t>.</a:t>
+            </a:r>
+            <a:endParaRPr lang="en-US" dirty="0"/>
+          </a:p>
+        </p:txBody>
+      </p:sp>
+      <p:cxnSp>
+        <p:nvCxnSpPr>
+          <p:cNvPr id="66" name="Straight Connector 65">
+            <a:extLst>
+              <a:ext uri="{FF2B5EF4-FFF2-40B4-BE49-F238E27FC236}">
+                <a16:creationId xmlns:a16="http://schemas.microsoft.com/office/drawing/2014/main" id="{C40FC95F-3340-4FFD-9D02-7D00F9E4F6C0}"/>
+              </a:ext>
+            </a:extLst>
+          </p:cNvPr>
+          <p:cNvCxnSpPr>
+            <a:cxnSpLocks/>
+          </p:cNvCxnSpPr>
+          <p:nvPr/>
+        </p:nvCxnSpPr>
+        <p:spPr>
+          <a:xfrm>
+            <a:off x="1609596" y="2186609"/>
+            <a:ext cx="8982203" cy="0"/>
+          </a:xfrm>
+          <a:prstGeom prst="line">
+            <a:avLst/>
+          </a:prstGeom>
+        </p:spPr>
+        <p:style>
+          <a:lnRef idx="1">
+            <a:schemeClr val="accent1"/>
+          </a:lnRef>
+          <a:fillRef idx="0">
+            <a:schemeClr val="accent1"/>
+          </a:fillRef>
+          <a:effectRef idx="0">
+            <a:schemeClr val="accent1"/>
+          </a:effectRef>
+          <a:fontRef idx="minor">
+            <a:schemeClr val="tx1"/>
+          </a:fontRef>
+        </p:style>
+      </p:cxnSp>
+      <p:sp>
+        <p:nvSpPr>
+          <p:cNvPr id="67" name="TextBox 66">
+            <a:extLst>
+              <a:ext uri="{FF2B5EF4-FFF2-40B4-BE49-F238E27FC236}">
+                <a16:creationId xmlns:a16="http://schemas.microsoft.com/office/drawing/2014/main" id="{BCEF8593-FDD9-471D-A6D2-78270DF57CC3}"/>
+              </a:ext>
+            </a:extLst>
+          </p:cNvPr>
+          <p:cNvSpPr txBox="1"/>
+          <p:nvPr/>
+        </p:nvSpPr>
+        <p:spPr>
+          <a:xfrm>
+            <a:off x="2147650" y="2707105"/>
+            <a:ext cx="4422888" cy="3016210"/>
+          </a:xfrm>
+          <a:prstGeom prst="rect">
+            <a:avLst/>
+          </a:prstGeom>
+          <a:noFill/>
+        </p:spPr>
+        <p:txBody>
+          <a:bodyPr wrap="square" rtlCol="0">
+            <a:spAutoFit/>
+          </a:bodyPr>
+          <a:lstStyle/>
+          <a:p>
+            <a:r>
+              <a:rPr lang="en-MY" sz="2400" b="1" u="sng" dirty="0">
+                <a:effectLst>
+                  <a:outerShdw blurRad="38100" dist="38100" dir="2700000" algn="tl">
+                    <a:srgbClr val="000000">
+                      <a:alpha val="43137"/>
+                    </a:srgbClr>
+                  </a:outerShdw>
+                </a:effectLst>
+              </a:rPr>
+              <a:t>WHAT ARE WE?</a:t>
+            </a:r>
+          </a:p>
+          <a:p>
+            <a:r>
+              <a:rPr lang="en-MY" sz="2000" dirty="0" err="1"/>
+              <a:t>BadmintonGeek</a:t>
+            </a:r>
+            <a:r>
+              <a:rPr lang="en-MY" sz="2000" dirty="0"/>
+              <a:t> is….</a:t>
+            </a:r>
+          </a:p>
+          <a:p>
+            <a:endParaRPr lang="en-MY" dirty="0"/>
+          </a:p>
+          <a:p>
+            <a:r>
+              <a:rPr lang="en-MY" sz="2400" b="1" u="sng" dirty="0">
+                <a:effectLst>
+                  <a:outerShdw blurRad="38100" dist="38100" dir="2700000" algn="tl">
+                    <a:srgbClr val="000000">
+                      <a:alpha val="43137"/>
+                    </a:srgbClr>
+                  </a:outerShdw>
+                </a:effectLst>
+              </a:rPr>
+              <a:t>WHAT DO WE DO?</a:t>
+            </a:r>
+          </a:p>
+          <a:p>
+            <a:r>
+              <a:rPr lang="en-MY" sz="2000" dirty="0"/>
+              <a:t>We provide……</a:t>
+            </a:r>
+          </a:p>
+          <a:p>
+            <a:endParaRPr lang="en-MY" sz="2000" b="1" u="sng" dirty="0">
+              <a:effectLst>
+                <a:outerShdw blurRad="38100" dist="38100" dir="2700000" algn="tl">
+                  <a:srgbClr val="000000">
+                    <a:alpha val="43137"/>
+                  </a:srgbClr>
+                </a:outerShdw>
+              </a:effectLst>
+            </a:endParaRPr>
+          </a:p>
+          <a:p>
+            <a:r>
+              <a:rPr lang="en-MY" sz="2400" b="1" u="sng" dirty="0">
+                <a:effectLst>
+                  <a:outerShdw blurRad="38100" dist="38100" dir="2700000" algn="tl">
+                    <a:srgbClr val="000000">
+                      <a:alpha val="43137"/>
+                    </a:srgbClr>
+                  </a:outerShdw>
+                </a:effectLst>
+              </a:rPr>
+              <a:t>WHAT IS OUR MISSION?</a:t>
+            </a:r>
+          </a:p>
+          <a:p>
+            <a:r>
+              <a:rPr lang="en-MY" sz="2000" dirty="0"/>
+              <a:t>Our mission is…</a:t>
+            </a:r>
+          </a:p>
+          <a:p>
+            <a:endParaRPr lang="en-US" sz="2000" b="1" u="sng" dirty="0">
+              <a:effectLst>
+                <a:outerShdw blurRad="38100" dist="38100" dir="2700000" algn="tl">
+                  <a:srgbClr val="000000">
+                    <a:alpha val="43137"/>
+                  </a:srgbClr>
+                </a:outerShdw>
+              </a:effectLst>
+            </a:endParaRPr>
+          </a:p>
+        </p:txBody>
+      </p:sp>
+    </p:spTree>
+    <p:extLst>
+      <p:ext uri="{BB962C8B-B14F-4D97-AF65-F5344CB8AC3E}">
+        <p14:creationId xmlns:p14="http://schemas.microsoft.com/office/powerpoint/2010/main" val="1047653613"/>
+      </p:ext>
+    </p:extLst>
+  </p:cSld>
+  <p:clrMapOvr>
+    <a:masterClrMapping/>
+  </p:clrMapOvr>
+</p:sld>
+</file>
+
+<file path=ppt/slides/slide5.xml><?xml version="1.0" encoding="utf-8"?>
 <p:sld xmlns:a="http://schemas.openxmlformats.org/drawingml/2006/main" xmlns:r="http://schemas.openxmlformats.org/officeDocument/2006/relationships" xmlns:p="http://schemas.openxmlformats.org/presentationml/2006/main">
   <p:cSld>
     <p:spTree>
@@ -11997,600 +14487,6 @@
                 </a:outerShdw>
               </a:effectLst>
             </a:endParaRPr>
-          </a:p>
-        </p:txBody>
-      </p:sp>
-      <p:pic>
-        <p:nvPicPr>
-          <p:cNvPr id="69" name="Picture 68" descr="A close up of a logo&#10;&#10;Description generated with very high confidence">
-            <a:extLst>
-              <a:ext uri="{FF2B5EF4-FFF2-40B4-BE49-F238E27FC236}">
-                <a16:creationId xmlns:a16="http://schemas.microsoft.com/office/drawing/2014/main" id="{A1D01F0A-B21F-475B-990A-AE6F931AFFAB}"/>
-              </a:ext>
-            </a:extLst>
-          </p:cNvPr>
-          <p:cNvPicPr>
-            <a:picLocks noChangeAspect="1"/>
-          </p:cNvPicPr>
-          <p:nvPr/>
-        </p:nvPicPr>
-        <p:blipFill>
-          <a:blip r:embed="rId13">
-            <a:extLst>
-              <a:ext uri="{28A0092B-C50C-407E-A947-70E740481C1C}">
-                <a14:useLocalDpi xmlns:a14="http://schemas.microsoft.com/office/drawing/2010/main" val="0"/>
-              </a:ext>
-            </a:extLst>
-          </a:blip>
-          <a:stretch>
-            <a:fillRect/>
-          </a:stretch>
-        </p:blipFill>
-        <p:spPr>
-          <a:xfrm>
-            <a:off x="1552174" y="641219"/>
-            <a:ext cx="462600" cy="462600"/>
-          </a:xfrm>
-          <a:prstGeom prst="rect">
-            <a:avLst/>
-          </a:prstGeom>
-        </p:spPr>
-      </p:pic>
-      <p:cxnSp>
-        <p:nvCxnSpPr>
-          <p:cNvPr id="70" name="Straight Connector 69">
-            <a:extLst>
-              <a:ext uri="{FF2B5EF4-FFF2-40B4-BE49-F238E27FC236}">
-                <a16:creationId xmlns:a16="http://schemas.microsoft.com/office/drawing/2014/main" id="{E9433F32-5241-4C92-A4E8-6E4C3E4DCE48}"/>
-              </a:ext>
-            </a:extLst>
-          </p:cNvPr>
-          <p:cNvCxnSpPr/>
-          <p:nvPr/>
-        </p:nvCxnSpPr>
-        <p:spPr>
-          <a:xfrm>
-            <a:off x="1639957" y="1103819"/>
-            <a:ext cx="8999869" cy="18544"/>
-          </a:xfrm>
-          <a:prstGeom prst="line">
-            <a:avLst/>
-          </a:prstGeom>
-        </p:spPr>
-        <p:style>
-          <a:lnRef idx="1">
-            <a:schemeClr val="accent1"/>
-          </a:lnRef>
-          <a:fillRef idx="0">
-            <a:schemeClr val="accent1"/>
-          </a:fillRef>
-          <a:effectRef idx="0">
-            <a:schemeClr val="accent1"/>
-          </a:effectRef>
-          <a:fontRef idx="minor">
-            <a:schemeClr val="tx1"/>
-          </a:fontRef>
-        </p:style>
-      </p:cxnSp>
-      <p:sp>
-        <p:nvSpPr>
-          <p:cNvPr id="71" name="Rectangle 70">
-            <a:extLst>
-              <a:ext uri="{FF2B5EF4-FFF2-40B4-BE49-F238E27FC236}">
-                <a16:creationId xmlns:a16="http://schemas.microsoft.com/office/drawing/2014/main" id="{869B49A3-19CD-452E-8EDD-8137E11C5E35}"/>
-              </a:ext>
-            </a:extLst>
-          </p:cNvPr>
-          <p:cNvSpPr/>
-          <p:nvPr/>
-        </p:nvSpPr>
-        <p:spPr>
-          <a:xfrm>
-            <a:off x="2042948" y="763843"/>
-            <a:ext cx="1512000" cy="262248"/>
-          </a:xfrm>
-          <a:prstGeom prst="rect">
-            <a:avLst/>
-          </a:prstGeom>
-          <a:solidFill>
-            <a:schemeClr val="tx2"/>
-          </a:solidFill>
-          <a:ln>
-            <a:solidFill>
-              <a:schemeClr val="accent3"/>
-            </a:solidFill>
-          </a:ln>
-        </p:spPr>
-        <p:style>
-          <a:lnRef idx="2">
-            <a:schemeClr val="dk1"/>
-          </a:lnRef>
-          <a:fillRef idx="1">
-            <a:schemeClr val="lt1"/>
-          </a:fillRef>
-          <a:effectRef idx="0">
-            <a:schemeClr val="dk1"/>
-          </a:effectRef>
-          <a:fontRef idx="minor">
-            <a:schemeClr val="dk1"/>
-          </a:fontRef>
-        </p:style>
-        <p:txBody>
-          <a:bodyPr rtlCol="0" anchor="ctr"/>
-          <a:lstStyle/>
-          <a:p>
-            <a:pPr algn="ctr"/>
-            <a:r>
-              <a:rPr lang="en-MY" dirty="0">
-                <a:solidFill>
-                  <a:schemeClr val="bg1"/>
-                </a:solidFill>
-              </a:rPr>
-              <a:t>Home</a:t>
-            </a:r>
-            <a:endParaRPr lang="en-US" dirty="0">
-              <a:solidFill>
-                <a:schemeClr val="bg1"/>
-              </a:solidFill>
-            </a:endParaRPr>
-          </a:p>
-        </p:txBody>
-      </p:sp>
-      <p:sp>
-        <p:nvSpPr>
-          <p:cNvPr id="72" name="Rectangle 71">
-            <a:extLst>
-              <a:ext uri="{FF2B5EF4-FFF2-40B4-BE49-F238E27FC236}">
-                <a16:creationId xmlns:a16="http://schemas.microsoft.com/office/drawing/2014/main" id="{FAB11258-A842-4D20-BDEE-0E30FE721034}"/>
-              </a:ext>
-            </a:extLst>
-          </p:cNvPr>
-          <p:cNvSpPr/>
-          <p:nvPr/>
-        </p:nvSpPr>
-        <p:spPr>
-          <a:xfrm>
-            <a:off x="3631148" y="767011"/>
-            <a:ext cx="1512000" cy="262800"/>
-          </a:xfrm>
-          <a:prstGeom prst="rect">
-            <a:avLst/>
-          </a:prstGeom>
-          <a:solidFill>
-            <a:schemeClr val="tx2"/>
-          </a:solidFill>
-          <a:ln>
-            <a:solidFill>
-              <a:schemeClr val="accent3"/>
-            </a:solidFill>
-          </a:ln>
-        </p:spPr>
-        <p:style>
-          <a:lnRef idx="2">
-            <a:schemeClr val="dk1"/>
-          </a:lnRef>
-          <a:fillRef idx="1">
-            <a:schemeClr val="lt1"/>
-          </a:fillRef>
-          <a:effectRef idx="0">
-            <a:schemeClr val="dk1"/>
-          </a:effectRef>
-          <a:fontRef idx="minor">
-            <a:schemeClr val="dk1"/>
-          </a:fontRef>
-        </p:style>
-        <p:txBody>
-          <a:bodyPr rtlCol="0" anchor="ctr"/>
-          <a:lstStyle/>
-          <a:p>
-            <a:pPr algn="ctr"/>
-            <a:r>
-              <a:rPr lang="en-MY" dirty="0">
-                <a:solidFill>
-                  <a:schemeClr val="bg1"/>
-                </a:solidFill>
-              </a:rPr>
-              <a:t>About</a:t>
-            </a:r>
-            <a:endParaRPr lang="en-US" dirty="0">
-              <a:solidFill>
-                <a:schemeClr val="bg1"/>
-              </a:solidFill>
-            </a:endParaRPr>
-          </a:p>
-        </p:txBody>
-      </p:sp>
-      <p:sp>
-        <p:nvSpPr>
-          <p:cNvPr id="73" name="Rectangle 72">
-            <a:extLst>
-              <a:ext uri="{FF2B5EF4-FFF2-40B4-BE49-F238E27FC236}">
-                <a16:creationId xmlns:a16="http://schemas.microsoft.com/office/drawing/2014/main" id="{7ECA6107-33BB-4294-A3FF-A693CC6117CE}"/>
-              </a:ext>
-            </a:extLst>
-          </p:cNvPr>
-          <p:cNvSpPr/>
-          <p:nvPr/>
-        </p:nvSpPr>
-        <p:spPr>
-          <a:xfrm>
-            <a:off x="5218396" y="773847"/>
-            <a:ext cx="1512000" cy="262800"/>
-          </a:xfrm>
-          <a:prstGeom prst="rect">
-            <a:avLst/>
-          </a:prstGeom>
-          <a:solidFill>
-            <a:schemeClr val="tx2"/>
-          </a:solidFill>
-          <a:ln>
-            <a:solidFill>
-              <a:schemeClr val="accent3"/>
-            </a:solidFill>
-          </a:ln>
-        </p:spPr>
-        <p:style>
-          <a:lnRef idx="2">
-            <a:schemeClr val="dk1"/>
-          </a:lnRef>
-          <a:fillRef idx="1">
-            <a:schemeClr val="lt1"/>
-          </a:fillRef>
-          <a:effectRef idx="0">
-            <a:schemeClr val="dk1"/>
-          </a:effectRef>
-          <a:fontRef idx="minor">
-            <a:schemeClr val="dk1"/>
-          </a:fontRef>
-        </p:style>
-        <p:txBody>
-          <a:bodyPr rtlCol="0" anchor="ctr"/>
-          <a:lstStyle/>
-          <a:p>
-            <a:r>
-              <a:rPr lang="en-MY" dirty="0">
-                <a:solidFill>
-                  <a:schemeClr val="bg1"/>
-                </a:solidFill>
-              </a:rPr>
-              <a:t>Beginner</a:t>
-            </a:r>
-            <a:endParaRPr lang="en-US" dirty="0">
-              <a:solidFill>
-                <a:schemeClr val="bg1"/>
-              </a:solidFill>
-            </a:endParaRPr>
-          </a:p>
-        </p:txBody>
-      </p:sp>
-      <p:sp>
-        <p:nvSpPr>
-          <p:cNvPr id="74" name="Rectangle 73">
-            <a:extLst>
-              <a:ext uri="{FF2B5EF4-FFF2-40B4-BE49-F238E27FC236}">
-                <a16:creationId xmlns:a16="http://schemas.microsoft.com/office/drawing/2014/main" id="{89FDD0BC-BB5C-40F9-AE84-8AAA7D85581B}"/>
-              </a:ext>
-            </a:extLst>
-          </p:cNvPr>
-          <p:cNvSpPr/>
-          <p:nvPr/>
-        </p:nvSpPr>
-        <p:spPr>
-          <a:xfrm>
-            <a:off x="6809646" y="778283"/>
-            <a:ext cx="1512000" cy="262800"/>
-          </a:xfrm>
-          <a:prstGeom prst="rect">
-            <a:avLst/>
-          </a:prstGeom>
-          <a:solidFill>
-            <a:schemeClr val="tx2"/>
-          </a:solidFill>
-          <a:ln>
-            <a:solidFill>
-              <a:schemeClr val="accent3"/>
-            </a:solidFill>
-          </a:ln>
-        </p:spPr>
-        <p:style>
-          <a:lnRef idx="2">
-            <a:schemeClr val="dk1"/>
-          </a:lnRef>
-          <a:fillRef idx="1">
-            <a:schemeClr val="lt1"/>
-          </a:fillRef>
-          <a:effectRef idx="0">
-            <a:schemeClr val="dk1"/>
-          </a:effectRef>
-          <a:fontRef idx="minor">
-            <a:schemeClr val="dk1"/>
-          </a:fontRef>
-        </p:style>
-        <p:txBody>
-          <a:bodyPr rtlCol="0" anchor="ctr"/>
-          <a:lstStyle/>
-          <a:p>
-            <a:r>
-              <a:rPr lang="en-MY" dirty="0">
-                <a:solidFill>
-                  <a:schemeClr val="bg1"/>
-                </a:solidFill>
-              </a:rPr>
-              <a:t>Intermediate</a:t>
-            </a:r>
-            <a:endParaRPr lang="en-US" dirty="0">
-              <a:solidFill>
-                <a:schemeClr val="bg1"/>
-              </a:solidFill>
-            </a:endParaRPr>
-          </a:p>
-        </p:txBody>
-      </p:sp>
-      <p:sp>
-        <p:nvSpPr>
-          <p:cNvPr id="75" name="Rectangle 74">
-            <a:extLst>
-              <a:ext uri="{FF2B5EF4-FFF2-40B4-BE49-F238E27FC236}">
-                <a16:creationId xmlns:a16="http://schemas.microsoft.com/office/drawing/2014/main" id="{7901485D-4E63-43C1-BFCC-013A1FFD2A3D}"/>
-              </a:ext>
-            </a:extLst>
-          </p:cNvPr>
-          <p:cNvSpPr/>
-          <p:nvPr/>
-        </p:nvSpPr>
-        <p:spPr>
-          <a:xfrm>
-            <a:off x="8401593" y="783425"/>
-            <a:ext cx="1512000" cy="262800"/>
-          </a:xfrm>
-          <a:prstGeom prst="rect">
-            <a:avLst/>
-          </a:prstGeom>
-          <a:solidFill>
-            <a:schemeClr val="tx2"/>
-          </a:solidFill>
-          <a:ln>
-            <a:solidFill>
-              <a:schemeClr val="accent3"/>
-            </a:solidFill>
-          </a:ln>
-        </p:spPr>
-        <p:style>
-          <a:lnRef idx="2">
-            <a:schemeClr val="dk1"/>
-          </a:lnRef>
-          <a:fillRef idx="1">
-            <a:schemeClr val="lt1"/>
-          </a:fillRef>
-          <a:effectRef idx="0">
-            <a:schemeClr val="dk1"/>
-          </a:effectRef>
-          <a:fontRef idx="minor">
-            <a:schemeClr val="dk1"/>
-          </a:fontRef>
-        </p:style>
-        <p:txBody>
-          <a:bodyPr rtlCol="0" anchor="ctr"/>
-          <a:lstStyle/>
-          <a:p>
-            <a:r>
-              <a:rPr lang="en-MY" dirty="0">
-                <a:solidFill>
-                  <a:schemeClr val="bg1"/>
-                </a:solidFill>
-              </a:rPr>
-              <a:t>Advanced</a:t>
-            </a:r>
-            <a:endParaRPr lang="en-US" dirty="0">
-              <a:solidFill>
-                <a:schemeClr val="bg1"/>
-              </a:solidFill>
-            </a:endParaRPr>
-          </a:p>
-        </p:txBody>
-      </p:sp>
-      <p:pic>
-        <p:nvPicPr>
-          <p:cNvPr id="76" name="Picture 75">
-            <a:extLst>
-              <a:ext uri="{FF2B5EF4-FFF2-40B4-BE49-F238E27FC236}">
-                <a16:creationId xmlns:a16="http://schemas.microsoft.com/office/drawing/2014/main" id="{9E2C5AFA-0F07-42DD-8577-EEBA59ADA29A}"/>
-              </a:ext>
-            </a:extLst>
-          </p:cNvPr>
-          <p:cNvPicPr>
-            <a:picLocks noChangeAspect="1"/>
-          </p:cNvPicPr>
-          <p:nvPr/>
-        </p:nvPicPr>
-        <p:blipFill>
-          <a:blip r:embed="rId14">
-            <a:duotone>
-              <a:prstClr val="black"/>
-              <a:schemeClr val="accent3">
-                <a:tint val="45000"/>
-                <a:satMod val="400000"/>
-              </a:schemeClr>
-            </a:duotone>
-            <a:extLst>
-              <a:ext uri="{28A0092B-C50C-407E-A947-70E740481C1C}">
-                <a14:useLocalDpi xmlns:a14="http://schemas.microsoft.com/office/drawing/2010/main" val="0"/>
-              </a:ext>
-            </a:extLst>
-          </a:blip>
-          <a:stretch>
-            <a:fillRect/>
-          </a:stretch>
-        </p:blipFill>
-        <p:spPr>
-          <a:xfrm>
-            <a:off x="10206324" y="730108"/>
-            <a:ext cx="334514" cy="334514"/>
-          </a:xfrm>
-          <a:prstGeom prst="rect">
-            <a:avLst/>
-          </a:prstGeom>
-        </p:spPr>
-      </p:pic>
-      <p:sp>
-        <p:nvSpPr>
-          <p:cNvPr id="77" name="Flowchart: Merge 76">
-            <a:extLst>
-              <a:ext uri="{FF2B5EF4-FFF2-40B4-BE49-F238E27FC236}">
-                <a16:creationId xmlns:a16="http://schemas.microsoft.com/office/drawing/2014/main" id="{0C71EEA8-C2E1-4B7D-A3CD-89CB2E2131EF}"/>
-              </a:ext>
-            </a:extLst>
-          </p:cNvPr>
-          <p:cNvSpPr/>
-          <p:nvPr/>
-        </p:nvSpPr>
-        <p:spPr>
-          <a:xfrm>
-            <a:off x="6469010" y="885389"/>
-            <a:ext cx="89124" cy="77524"/>
-          </a:xfrm>
-          <a:prstGeom prst="flowChartMerge">
-            <a:avLst/>
-          </a:prstGeom>
-          <a:solidFill>
-            <a:schemeClr val="bg1"/>
-          </a:solidFill>
-          <a:ln>
-            <a:solidFill>
-              <a:schemeClr val="accent3"/>
-            </a:solidFill>
-          </a:ln>
-        </p:spPr>
-        <p:style>
-          <a:lnRef idx="2">
-            <a:schemeClr val="accent1">
-              <a:shade val="50000"/>
-            </a:schemeClr>
-          </a:lnRef>
-          <a:fillRef idx="1">
-            <a:schemeClr val="accent1"/>
-          </a:fillRef>
-          <a:effectRef idx="0">
-            <a:schemeClr val="accent1"/>
-          </a:effectRef>
-          <a:fontRef idx="minor">
-            <a:schemeClr val="lt1"/>
-          </a:fontRef>
-        </p:style>
-        <p:txBody>
-          <a:bodyPr rtlCol="0" anchor="ctr"/>
-          <a:lstStyle/>
-          <a:p>
-            <a:pPr algn="ctr"/>
-            <a:endParaRPr lang="en-US"/>
-          </a:p>
-        </p:txBody>
-      </p:sp>
-      <p:sp>
-        <p:nvSpPr>
-          <p:cNvPr id="78" name="Flowchart: Merge 77">
-            <a:extLst>
-              <a:ext uri="{FF2B5EF4-FFF2-40B4-BE49-F238E27FC236}">
-                <a16:creationId xmlns:a16="http://schemas.microsoft.com/office/drawing/2014/main" id="{F4F53032-3679-48CE-A108-39897766C358}"/>
-              </a:ext>
-            </a:extLst>
-          </p:cNvPr>
-          <p:cNvSpPr/>
-          <p:nvPr/>
-        </p:nvSpPr>
-        <p:spPr>
-          <a:xfrm>
-            <a:off x="9728015" y="885389"/>
-            <a:ext cx="89124" cy="77524"/>
-          </a:xfrm>
-          <a:prstGeom prst="flowChartMerge">
-            <a:avLst/>
-          </a:prstGeom>
-          <a:solidFill>
-            <a:schemeClr val="bg1"/>
-          </a:solidFill>
-          <a:ln>
-            <a:solidFill>
-              <a:schemeClr val="accent3"/>
-            </a:solidFill>
-          </a:ln>
-        </p:spPr>
-        <p:style>
-          <a:lnRef idx="2">
-            <a:schemeClr val="accent1">
-              <a:shade val="50000"/>
-            </a:schemeClr>
-          </a:lnRef>
-          <a:fillRef idx="1">
-            <a:schemeClr val="accent1"/>
-          </a:fillRef>
-          <a:effectRef idx="0">
-            <a:schemeClr val="accent1"/>
-          </a:effectRef>
-          <a:fontRef idx="minor">
-            <a:schemeClr val="lt1"/>
-          </a:fontRef>
-        </p:style>
-        <p:txBody>
-          <a:bodyPr rtlCol="0" anchor="ctr"/>
-          <a:lstStyle/>
-          <a:p>
-            <a:pPr algn="ctr"/>
-            <a:endParaRPr lang="en-US"/>
-          </a:p>
-        </p:txBody>
-      </p:sp>
-      <p:sp>
-        <p:nvSpPr>
-          <p:cNvPr id="79" name="Flowchart: Merge 78">
-            <a:extLst>
-              <a:ext uri="{FF2B5EF4-FFF2-40B4-BE49-F238E27FC236}">
-                <a16:creationId xmlns:a16="http://schemas.microsoft.com/office/drawing/2014/main" id="{1B0E9F20-8024-4C95-A54B-17233CEDC814}"/>
-              </a:ext>
-            </a:extLst>
-          </p:cNvPr>
-          <p:cNvSpPr/>
-          <p:nvPr/>
-        </p:nvSpPr>
-        <p:spPr>
-          <a:xfrm>
-            <a:off x="8166104" y="885389"/>
-            <a:ext cx="89124" cy="77524"/>
-          </a:xfrm>
-          <a:prstGeom prst="flowChartMerge">
-            <a:avLst/>
-          </a:prstGeom>
-          <a:solidFill>
-            <a:schemeClr val="bg1"/>
-          </a:solidFill>
-          <a:ln>
-            <a:solidFill>
-              <a:schemeClr val="accent3"/>
-            </a:solidFill>
-          </a:ln>
-        </p:spPr>
-        <p:style>
-          <a:lnRef idx="2">
-            <a:schemeClr val="accent1">
-              <a:shade val="50000"/>
-            </a:schemeClr>
-          </a:lnRef>
-          <a:fillRef idx="1">
-            <a:schemeClr val="accent1"/>
-          </a:fillRef>
-          <a:effectRef idx="0">
-            <a:schemeClr val="accent1"/>
-          </a:effectRef>
-          <a:fontRef idx="minor">
-            <a:schemeClr val="lt1"/>
-          </a:fontRef>
-        </p:style>
-        <p:txBody>
-          <a:bodyPr rtlCol="0" anchor="ctr"/>
-          <a:lstStyle/>
-          <a:p>
-            <a:pPr algn="ctr"/>
-            <a:endParaRPr lang="en-US"/>
           </a:p>
         </p:txBody>
       </p:sp>
@@ -13868,6 +15764,664 @@
           </p:txBody>
         </p:sp>
       </p:grpSp>
+      <p:pic>
+        <p:nvPicPr>
+          <p:cNvPr id="80" name="Picture 79" descr="A close up of a logo&#10;&#10;Description generated with very high confidence">
+            <a:extLst>
+              <a:ext uri="{FF2B5EF4-FFF2-40B4-BE49-F238E27FC236}">
+                <a16:creationId xmlns:a16="http://schemas.microsoft.com/office/drawing/2014/main" id="{8AC2C498-8072-45C3-B2AF-23E443ECDDA9}"/>
+              </a:ext>
+            </a:extLst>
+          </p:cNvPr>
+          <p:cNvPicPr>
+            <a:picLocks noChangeAspect="1"/>
+          </p:cNvPicPr>
+          <p:nvPr/>
+        </p:nvPicPr>
+        <p:blipFill>
+          <a:blip r:embed="rId13">
+            <a:extLst>
+              <a:ext uri="{28A0092B-C50C-407E-A947-70E740481C1C}">
+                <a14:useLocalDpi xmlns:a14="http://schemas.microsoft.com/office/drawing/2010/main" val="0"/>
+              </a:ext>
+            </a:extLst>
+          </a:blip>
+          <a:stretch>
+            <a:fillRect/>
+          </a:stretch>
+        </p:blipFill>
+        <p:spPr>
+          <a:xfrm>
+            <a:off x="1552174" y="641219"/>
+            <a:ext cx="462600" cy="462600"/>
+          </a:xfrm>
+          <a:prstGeom prst="rect">
+            <a:avLst/>
+          </a:prstGeom>
+        </p:spPr>
+      </p:pic>
+      <p:cxnSp>
+        <p:nvCxnSpPr>
+          <p:cNvPr id="81" name="Straight Connector 80">
+            <a:extLst>
+              <a:ext uri="{FF2B5EF4-FFF2-40B4-BE49-F238E27FC236}">
+                <a16:creationId xmlns:a16="http://schemas.microsoft.com/office/drawing/2014/main" id="{3F50B300-9788-4603-BA6C-ED7CCD138DE7}"/>
+              </a:ext>
+            </a:extLst>
+          </p:cNvPr>
+          <p:cNvCxnSpPr/>
+          <p:nvPr/>
+        </p:nvCxnSpPr>
+        <p:spPr>
+          <a:xfrm>
+            <a:off x="1639957" y="1103819"/>
+            <a:ext cx="8999869" cy="18544"/>
+          </a:xfrm>
+          <a:prstGeom prst="line">
+            <a:avLst/>
+          </a:prstGeom>
+        </p:spPr>
+        <p:style>
+          <a:lnRef idx="1">
+            <a:schemeClr val="accent1"/>
+          </a:lnRef>
+          <a:fillRef idx="0">
+            <a:schemeClr val="accent1"/>
+          </a:fillRef>
+          <a:effectRef idx="0">
+            <a:schemeClr val="accent1"/>
+          </a:effectRef>
+          <a:fontRef idx="minor">
+            <a:schemeClr val="tx1"/>
+          </a:fontRef>
+        </p:style>
+      </p:cxnSp>
+      <p:sp>
+        <p:nvSpPr>
+          <p:cNvPr id="82" name="Rectangle 81">
+            <a:extLst>
+              <a:ext uri="{FF2B5EF4-FFF2-40B4-BE49-F238E27FC236}">
+                <a16:creationId xmlns:a16="http://schemas.microsoft.com/office/drawing/2014/main" id="{241B494F-5D9E-49A6-9593-802EFC975F20}"/>
+              </a:ext>
+            </a:extLst>
+          </p:cNvPr>
+          <p:cNvSpPr/>
+          <p:nvPr/>
+        </p:nvSpPr>
+        <p:spPr>
+          <a:xfrm>
+            <a:off x="2042948" y="763843"/>
+            <a:ext cx="1260000" cy="262248"/>
+          </a:xfrm>
+          <a:prstGeom prst="rect">
+            <a:avLst/>
+          </a:prstGeom>
+          <a:solidFill>
+            <a:schemeClr val="tx2"/>
+          </a:solidFill>
+          <a:ln>
+            <a:solidFill>
+              <a:schemeClr val="accent3"/>
+            </a:solidFill>
+          </a:ln>
+        </p:spPr>
+        <p:style>
+          <a:lnRef idx="2">
+            <a:schemeClr val="dk1"/>
+          </a:lnRef>
+          <a:fillRef idx="1">
+            <a:schemeClr val="lt1"/>
+          </a:fillRef>
+          <a:effectRef idx="0">
+            <a:schemeClr val="dk1"/>
+          </a:effectRef>
+          <a:fontRef idx="minor">
+            <a:schemeClr val="dk1"/>
+          </a:fontRef>
+        </p:style>
+        <p:txBody>
+          <a:bodyPr rtlCol="0" anchor="ctr"/>
+          <a:lstStyle/>
+          <a:p>
+            <a:pPr algn="ctr"/>
+            <a:r>
+              <a:rPr lang="en-MY" dirty="0">
+                <a:solidFill>
+                  <a:schemeClr val="bg1"/>
+                </a:solidFill>
+              </a:rPr>
+              <a:t>Home</a:t>
+            </a:r>
+            <a:endParaRPr lang="en-US" dirty="0">
+              <a:solidFill>
+                <a:schemeClr val="bg1"/>
+              </a:solidFill>
+            </a:endParaRPr>
+          </a:p>
+        </p:txBody>
+      </p:sp>
+      <p:sp>
+        <p:nvSpPr>
+          <p:cNvPr id="83" name="Rectangle 82">
+            <a:extLst>
+              <a:ext uri="{FF2B5EF4-FFF2-40B4-BE49-F238E27FC236}">
+                <a16:creationId xmlns:a16="http://schemas.microsoft.com/office/drawing/2014/main" id="{8C6DBF56-8089-42C1-ABFD-3D4DAA8B181F}"/>
+              </a:ext>
+            </a:extLst>
+          </p:cNvPr>
+          <p:cNvSpPr/>
+          <p:nvPr/>
+        </p:nvSpPr>
+        <p:spPr>
+          <a:xfrm>
+            <a:off x="3333089" y="760643"/>
+            <a:ext cx="1260000" cy="262800"/>
+          </a:xfrm>
+          <a:prstGeom prst="rect">
+            <a:avLst/>
+          </a:prstGeom>
+          <a:solidFill>
+            <a:schemeClr val="tx2"/>
+          </a:solidFill>
+          <a:ln>
+            <a:solidFill>
+              <a:schemeClr val="accent3"/>
+            </a:solidFill>
+          </a:ln>
+        </p:spPr>
+        <p:style>
+          <a:lnRef idx="2">
+            <a:schemeClr val="dk1"/>
+          </a:lnRef>
+          <a:fillRef idx="1">
+            <a:schemeClr val="lt1"/>
+          </a:fillRef>
+          <a:effectRef idx="0">
+            <a:schemeClr val="dk1"/>
+          </a:effectRef>
+          <a:fontRef idx="minor">
+            <a:schemeClr val="dk1"/>
+          </a:fontRef>
+        </p:style>
+        <p:txBody>
+          <a:bodyPr rtlCol="0" anchor="ctr"/>
+          <a:lstStyle/>
+          <a:p>
+            <a:pPr algn="ctr"/>
+            <a:r>
+              <a:rPr lang="en-MY" dirty="0">
+                <a:solidFill>
+                  <a:schemeClr val="bg1"/>
+                </a:solidFill>
+              </a:rPr>
+              <a:t>About</a:t>
+            </a:r>
+            <a:endParaRPr lang="en-US" dirty="0">
+              <a:solidFill>
+                <a:schemeClr val="bg1"/>
+              </a:solidFill>
+            </a:endParaRPr>
+          </a:p>
+        </p:txBody>
+      </p:sp>
+      <p:sp>
+        <p:nvSpPr>
+          <p:cNvPr id="84" name="Rectangle 83">
+            <a:extLst>
+              <a:ext uri="{FF2B5EF4-FFF2-40B4-BE49-F238E27FC236}">
+                <a16:creationId xmlns:a16="http://schemas.microsoft.com/office/drawing/2014/main" id="{B155529F-4621-4799-BF53-409ACD8F6BF7}"/>
+              </a:ext>
+            </a:extLst>
+          </p:cNvPr>
+          <p:cNvSpPr/>
+          <p:nvPr/>
+        </p:nvSpPr>
+        <p:spPr>
+          <a:xfrm>
+            <a:off x="4621263" y="753989"/>
+            <a:ext cx="1260000" cy="262800"/>
+          </a:xfrm>
+          <a:prstGeom prst="rect">
+            <a:avLst/>
+          </a:prstGeom>
+          <a:solidFill>
+            <a:schemeClr val="tx2"/>
+          </a:solidFill>
+          <a:ln>
+            <a:solidFill>
+              <a:schemeClr val="accent3"/>
+            </a:solidFill>
+          </a:ln>
+        </p:spPr>
+        <p:style>
+          <a:lnRef idx="2">
+            <a:schemeClr val="dk1"/>
+          </a:lnRef>
+          <a:fillRef idx="1">
+            <a:schemeClr val="lt1"/>
+          </a:fillRef>
+          <a:effectRef idx="0">
+            <a:schemeClr val="dk1"/>
+          </a:effectRef>
+          <a:fontRef idx="minor">
+            <a:schemeClr val="dk1"/>
+          </a:fontRef>
+        </p:style>
+        <p:txBody>
+          <a:bodyPr rtlCol="0" anchor="ctr"/>
+          <a:lstStyle/>
+          <a:p>
+            <a:r>
+              <a:rPr lang="en-MY" dirty="0">
+                <a:solidFill>
+                  <a:schemeClr val="bg1"/>
+                </a:solidFill>
+              </a:rPr>
+              <a:t>Beginner</a:t>
+            </a:r>
+            <a:endParaRPr lang="en-US" dirty="0">
+              <a:solidFill>
+                <a:schemeClr val="bg1"/>
+              </a:solidFill>
+            </a:endParaRPr>
+          </a:p>
+        </p:txBody>
+      </p:sp>
+      <p:sp>
+        <p:nvSpPr>
+          <p:cNvPr id="85" name="Rectangle 84">
+            <a:extLst>
+              <a:ext uri="{FF2B5EF4-FFF2-40B4-BE49-F238E27FC236}">
+                <a16:creationId xmlns:a16="http://schemas.microsoft.com/office/drawing/2014/main" id="{F98C3080-B3B2-49F7-8843-63D8F274457E}"/>
+              </a:ext>
+            </a:extLst>
+          </p:cNvPr>
+          <p:cNvSpPr/>
+          <p:nvPr/>
+        </p:nvSpPr>
+        <p:spPr>
+          <a:xfrm>
+            <a:off x="5926314" y="760643"/>
+            <a:ext cx="1512000" cy="262800"/>
+          </a:xfrm>
+          <a:prstGeom prst="rect">
+            <a:avLst/>
+          </a:prstGeom>
+          <a:solidFill>
+            <a:schemeClr val="tx2"/>
+          </a:solidFill>
+          <a:ln>
+            <a:solidFill>
+              <a:schemeClr val="accent3"/>
+            </a:solidFill>
+          </a:ln>
+        </p:spPr>
+        <p:style>
+          <a:lnRef idx="2">
+            <a:schemeClr val="dk1"/>
+          </a:lnRef>
+          <a:fillRef idx="1">
+            <a:schemeClr val="lt1"/>
+          </a:fillRef>
+          <a:effectRef idx="0">
+            <a:schemeClr val="dk1"/>
+          </a:effectRef>
+          <a:fontRef idx="minor">
+            <a:schemeClr val="dk1"/>
+          </a:fontRef>
+        </p:style>
+        <p:txBody>
+          <a:bodyPr rtlCol="0" anchor="ctr"/>
+          <a:lstStyle/>
+          <a:p>
+            <a:r>
+              <a:rPr lang="en-MY" dirty="0">
+                <a:solidFill>
+                  <a:schemeClr val="bg1"/>
+                </a:solidFill>
+              </a:rPr>
+              <a:t>Intermediate</a:t>
+            </a:r>
+            <a:endParaRPr lang="en-US" dirty="0">
+              <a:solidFill>
+                <a:schemeClr val="bg1"/>
+              </a:solidFill>
+            </a:endParaRPr>
+          </a:p>
+        </p:txBody>
+      </p:sp>
+      <p:sp>
+        <p:nvSpPr>
+          <p:cNvPr id="87" name="Rectangle 86">
+            <a:extLst>
+              <a:ext uri="{FF2B5EF4-FFF2-40B4-BE49-F238E27FC236}">
+                <a16:creationId xmlns:a16="http://schemas.microsoft.com/office/drawing/2014/main" id="{51915AE4-C7C1-48A6-A666-6183C887B39A}"/>
+              </a:ext>
+            </a:extLst>
+          </p:cNvPr>
+          <p:cNvSpPr/>
+          <p:nvPr/>
+        </p:nvSpPr>
+        <p:spPr>
+          <a:xfrm>
+            <a:off x="7491289" y="760643"/>
+            <a:ext cx="1260000" cy="262800"/>
+          </a:xfrm>
+          <a:prstGeom prst="rect">
+            <a:avLst/>
+          </a:prstGeom>
+          <a:solidFill>
+            <a:schemeClr val="tx2"/>
+          </a:solidFill>
+          <a:ln>
+            <a:solidFill>
+              <a:schemeClr val="accent3"/>
+            </a:solidFill>
+          </a:ln>
+        </p:spPr>
+        <p:style>
+          <a:lnRef idx="2">
+            <a:schemeClr val="dk1"/>
+          </a:lnRef>
+          <a:fillRef idx="1">
+            <a:schemeClr val="lt1"/>
+          </a:fillRef>
+          <a:effectRef idx="0">
+            <a:schemeClr val="dk1"/>
+          </a:effectRef>
+          <a:fontRef idx="minor">
+            <a:schemeClr val="dk1"/>
+          </a:fontRef>
+        </p:style>
+        <p:txBody>
+          <a:bodyPr rtlCol="0" anchor="ctr"/>
+          <a:lstStyle/>
+          <a:p>
+            <a:r>
+              <a:rPr lang="en-MY" dirty="0">
+                <a:solidFill>
+                  <a:schemeClr val="bg1"/>
+                </a:solidFill>
+              </a:rPr>
+              <a:t>Advanced</a:t>
+            </a:r>
+            <a:endParaRPr lang="en-US" dirty="0">
+              <a:solidFill>
+                <a:schemeClr val="bg1"/>
+              </a:solidFill>
+            </a:endParaRPr>
+          </a:p>
+        </p:txBody>
+      </p:sp>
+      <p:pic>
+        <p:nvPicPr>
+          <p:cNvPr id="88" name="Picture 87">
+            <a:extLst>
+              <a:ext uri="{FF2B5EF4-FFF2-40B4-BE49-F238E27FC236}">
+                <a16:creationId xmlns:a16="http://schemas.microsoft.com/office/drawing/2014/main" id="{D9FB8D95-97E9-4921-9D1D-0BE96126069A}"/>
+              </a:ext>
+            </a:extLst>
+          </p:cNvPr>
+          <p:cNvPicPr>
+            <a:picLocks noChangeAspect="1"/>
+          </p:cNvPicPr>
+          <p:nvPr/>
+        </p:nvPicPr>
+        <p:blipFill>
+          <a:blip r:embed="rId14">
+            <a:duotone>
+              <a:prstClr val="black"/>
+              <a:schemeClr val="accent3">
+                <a:tint val="45000"/>
+                <a:satMod val="400000"/>
+              </a:schemeClr>
+            </a:duotone>
+            <a:extLst>
+              <a:ext uri="{28A0092B-C50C-407E-A947-70E740481C1C}">
+                <a14:useLocalDpi xmlns:a14="http://schemas.microsoft.com/office/drawing/2010/main" val="0"/>
+              </a:ext>
+            </a:extLst>
+          </a:blip>
+          <a:stretch>
+            <a:fillRect/>
+          </a:stretch>
+        </p:blipFill>
+        <p:spPr>
+          <a:xfrm>
+            <a:off x="10206324" y="730108"/>
+            <a:ext cx="334514" cy="334514"/>
+          </a:xfrm>
+          <a:prstGeom prst="rect">
+            <a:avLst/>
+          </a:prstGeom>
+        </p:spPr>
+      </p:pic>
+      <p:sp>
+        <p:nvSpPr>
+          <p:cNvPr id="89" name="Flowchart: Merge 88">
+            <a:extLst>
+              <a:ext uri="{FF2B5EF4-FFF2-40B4-BE49-F238E27FC236}">
+                <a16:creationId xmlns:a16="http://schemas.microsoft.com/office/drawing/2014/main" id="{AC5FF8E4-E7F7-4297-8310-A9316FF832FA}"/>
+              </a:ext>
+            </a:extLst>
+          </p:cNvPr>
+          <p:cNvSpPr/>
+          <p:nvPr/>
+        </p:nvSpPr>
+        <p:spPr>
+          <a:xfrm>
+            <a:off x="5622337" y="869689"/>
+            <a:ext cx="89124" cy="77524"/>
+          </a:xfrm>
+          <a:prstGeom prst="flowChartMerge">
+            <a:avLst/>
+          </a:prstGeom>
+          <a:solidFill>
+            <a:schemeClr val="bg1"/>
+          </a:solidFill>
+          <a:ln>
+            <a:solidFill>
+              <a:schemeClr val="accent3"/>
+            </a:solidFill>
+          </a:ln>
+        </p:spPr>
+        <p:style>
+          <a:lnRef idx="2">
+            <a:schemeClr val="accent1">
+              <a:shade val="50000"/>
+            </a:schemeClr>
+          </a:lnRef>
+          <a:fillRef idx="1">
+            <a:schemeClr val="accent1"/>
+          </a:fillRef>
+          <a:effectRef idx="0">
+            <a:schemeClr val="accent1"/>
+          </a:effectRef>
+          <a:fontRef idx="minor">
+            <a:schemeClr val="lt1"/>
+          </a:fontRef>
+        </p:style>
+        <p:txBody>
+          <a:bodyPr rtlCol="0" anchor="ctr"/>
+          <a:lstStyle/>
+          <a:p>
+            <a:pPr algn="ctr"/>
+            <a:endParaRPr lang="en-US"/>
+          </a:p>
+        </p:txBody>
+      </p:sp>
+      <p:sp>
+        <p:nvSpPr>
+          <p:cNvPr id="90" name="Flowchart: Merge 89">
+            <a:extLst>
+              <a:ext uri="{FF2B5EF4-FFF2-40B4-BE49-F238E27FC236}">
+                <a16:creationId xmlns:a16="http://schemas.microsoft.com/office/drawing/2014/main" id="{D8D02A38-1594-4C3A-BE2D-368BA7D62636}"/>
+              </a:ext>
+            </a:extLst>
+          </p:cNvPr>
+          <p:cNvSpPr/>
+          <p:nvPr/>
+        </p:nvSpPr>
+        <p:spPr>
+          <a:xfrm>
+            <a:off x="8580813" y="870338"/>
+            <a:ext cx="89124" cy="77524"/>
+          </a:xfrm>
+          <a:prstGeom prst="flowChartMerge">
+            <a:avLst/>
+          </a:prstGeom>
+          <a:solidFill>
+            <a:schemeClr val="bg1"/>
+          </a:solidFill>
+          <a:ln>
+            <a:solidFill>
+              <a:schemeClr val="accent3"/>
+            </a:solidFill>
+          </a:ln>
+        </p:spPr>
+        <p:style>
+          <a:lnRef idx="2">
+            <a:schemeClr val="accent1">
+              <a:shade val="50000"/>
+            </a:schemeClr>
+          </a:lnRef>
+          <a:fillRef idx="1">
+            <a:schemeClr val="accent1"/>
+          </a:fillRef>
+          <a:effectRef idx="0">
+            <a:schemeClr val="accent1"/>
+          </a:effectRef>
+          <a:fontRef idx="minor">
+            <a:schemeClr val="lt1"/>
+          </a:fontRef>
+        </p:style>
+        <p:txBody>
+          <a:bodyPr rtlCol="0" anchor="ctr"/>
+          <a:lstStyle/>
+          <a:p>
+            <a:pPr algn="ctr"/>
+            <a:endParaRPr lang="en-US"/>
+          </a:p>
+        </p:txBody>
+      </p:sp>
+      <p:sp>
+        <p:nvSpPr>
+          <p:cNvPr id="91" name="Flowchart: Merge 90">
+            <a:extLst>
+              <a:ext uri="{FF2B5EF4-FFF2-40B4-BE49-F238E27FC236}">
+                <a16:creationId xmlns:a16="http://schemas.microsoft.com/office/drawing/2014/main" id="{0F62FB44-2BAF-4885-A346-FCBB671F5A18}"/>
+              </a:ext>
+            </a:extLst>
+          </p:cNvPr>
+          <p:cNvSpPr/>
+          <p:nvPr/>
+        </p:nvSpPr>
+        <p:spPr>
+          <a:xfrm>
+            <a:off x="7282772" y="867749"/>
+            <a:ext cx="89124" cy="77524"/>
+          </a:xfrm>
+          <a:prstGeom prst="flowChartMerge">
+            <a:avLst/>
+          </a:prstGeom>
+          <a:solidFill>
+            <a:schemeClr val="bg1"/>
+          </a:solidFill>
+          <a:ln>
+            <a:solidFill>
+              <a:schemeClr val="accent3"/>
+            </a:solidFill>
+          </a:ln>
+        </p:spPr>
+        <p:style>
+          <a:lnRef idx="2">
+            <a:schemeClr val="accent1">
+              <a:shade val="50000"/>
+            </a:schemeClr>
+          </a:lnRef>
+          <a:fillRef idx="1">
+            <a:schemeClr val="accent1"/>
+          </a:fillRef>
+          <a:effectRef idx="0">
+            <a:schemeClr val="accent1"/>
+          </a:effectRef>
+          <a:fontRef idx="minor">
+            <a:schemeClr val="lt1"/>
+          </a:fontRef>
+        </p:style>
+        <p:txBody>
+          <a:bodyPr rtlCol="0" anchor="ctr"/>
+          <a:lstStyle/>
+          <a:p>
+            <a:pPr algn="ctr"/>
+            <a:endParaRPr lang="en-US"/>
+          </a:p>
+        </p:txBody>
+      </p:sp>
+      <p:sp>
+        <p:nvSpPr>
+          <p:cNvPr id="92" name="Rectangle 91">
+            <a:extLst>
+              <a:ext uri="{FF2B5EF4-FFF2-40B4-BE49-F238E27FC236}">
+                <a16:creationId xmlns:a16="http://schemas.microsoft.com/office/drawing/2014/main" id="{325306D2-DC29-412C-85C6-FE827E252182}"/>
+              </a:ext>
+            </a:extLst>
+          </p:cNvPr>
+          <p:cNvSpPr/>
+          <p:nvPr/>
+        </p:nvSpPr>
+        <p:spPr>
+          <a:xfrm>
+            <a:off x="8784350" y="765583"/>
+            <a:ext cx="1260000" cy="262248"/>
+          </a:xfrm>
+          <a:prstGeom prst="rect">
+            <a:avLst/>
+          </a:prstGeom>
+          <a:solidFill>
+            <a:schemeClr val="tx2"/>
+          </a:solidFill>
+          <a:ln>
+            <a:solidFill>
+              <a:schemeClr val="accent3"/>
+            </a:solidFill>
+          </a:ln>
+        </p:spPr>
+        <p:style>
+          <a:lnRef idx="2">
+            <a:schemeClr val="dk1"/>
+          </a:lnRef>
+          <a:fillRef idx="1">
+            <a:schemeClr val="lt1"/>
+          </a:fillRef>
+          <a:effectRef idx="0">
+            <a:schemeClr val="dk1"/>
+          </a:effectRef>
+          <a:fontRef idx="minor">
+            <a:schemeClr val="dk1"/>
+          </a:fontRef>
+        </p:style>
+        <p:txBody>
+          <a:bodyPr rtlCol="0" anchor="ctr"/>
+          <a:lstStyle/>
+          <a:p>
+            <a:pPr algn="ctr"/>
+            <a:r>
+              <a:rPr lang="en-MY" dirty="0">
+                <a:solidFill>
+                  <a:schemeClr val="bg1"/>
+                </a:solidFill>
+              </a:rPr>
+              <a:t>Forum</a:t>
+            </a:r>
+            <a:endParaRPr lang="en-US" dirty="0">
+              <a:solidFill>
+                <a:schemeClr val="bg1"/>
+              </a:solidFill>
+            </a:endParaRPr>
+          </a:p>
+        </p:txBody>
+      </p:sp>
     </p:spTree>
     <p:extLst>
       <p:ext uri="{BB962C8B-B14F-4D97-AF65-F5344CB8AC3E}">
@@ -13881,7 +16435,2429 @@
 </p:sld>
 </file>
 
-<file path=ppt/slides/slide5.xml><?xml version="1.0" encoding="utf-8"?>
+<file path=ppt/slides/slide6.xml><?xml version="1.0" encoding="utf-8"?>
+<p:sld xmlns:a="http://schemas.openxmlformats.org/drawingml/2006/main" xmlns:r="http://schemas.openxmlformats.org/officeDocument/2006/relationships" xmlns:p="http://schemas.openxmlformats.org/presentationml/2006/main">
+  <p:cSld>
+    <p:spTree>
+      <p:nvGrpSpPr>
+        <p:cNvPr id="1" name=""/>
+        <p:cNvGrpSpPr/>
+        <p:nvPr/>
+      </p:nvGrpSpPr>
+      <p:grpSpPr>
+        <a:xfrm>
+          <a:off x="0" y="0"/>
+          <a:ext cx="0" cy="0"/>
+          <a:chOff x="0" y="0"/>
+          <a:chExt cx="0" cy="0"/>
+        </a:xfrm>
+      </p:grpSpPr>
+      <p:grpSp>
+        <p:nvGrpSpPr>
+          <p:cNvPr id="2" name="WebBrowser">
+            <a:extLst>
+              <a:ext uri="{FF2B5EF4-FFF2-40B4-BE49-F238E27FC236}">
+                <a16:creationId xmlns:a16="http://schemas.microsoft.com/office/drawing/2014/main" id="{CC689A4A-1108-4D58-8AB9-F0F5875AAF2B}"/>
+              </a:ext>
+            </a:extLst>
+          </p:cNvPr>
+          <p:cNvGrpSpPr/>
+          <p:nvPr>
+            <p:custDataLst>
+              <p:custData r:id="rId1"/>
+            </p:custDataLst>
+          </p:nvPr>
+        </p:nvGrpSpPr>
+        <p:grpSpPr>
+          <a:xfrm>
+            <a:off x="1524000" y="-115503"/>
+            <a:ext cx="9144000" cy="6858000"/>
+            <a:chOff x="0" y="0"/>
+            <a:chExt cx="9144000" cy="6858000"/>
+          </a:xfrm>
+        </p:grpSpPr>
+        <p:sp>
+          <p:nvSpPr>
+            <p:cNvPr id="3" name="Background">
+              <a:extLst>
+                <a:ext uri="{FF2B5EF4-FFF2-40B4-BE49-F238E27FC236}">
+                  <a16:creationId xmlns:a16="http://schemas.microsoft.com/office/drawing/2014/main" id="{66335986-3C3E-4AE4-A1A4-29030A18A845}"/>
+                </a:ext>
+              </a:extLst>
+            </p:cNvPr>
+            <p:cNvSpPr/>
+            <p:nvPr/>
+          </p:nvSpPr>
+          <p:spPr>
+            <a:xfrm>
+              <a:off x="0" y="0"/>
+              <a:ext cx="9144000" cy="6858000"/>
+            </a:xfrm>
+            <a:prstGeom prst="rect">
+              <a:avLst/>
+            </a:prstGeom>
+            <a:ln/>
+          </p:spPr>
+          <p:style>
+            <a:lnRef idx="2">
+              <a:schemeClr val="dk1"/>
+            </a:lnRef>
+            <a:fillRef idx="1">
+              <a:schemeClr val="lt1"/>
+            </a:fillRef>
+            <a:effectRef idx="0">
+              <a:schemeClr val="dk1"/>
+            </a:effectRef>
+            <a:fontRef idx="minor">
+              <a:schemeClr val="dk1"/>
+            </a:fontRef>
+          </p:style>
+          <p:txBody>
+            <a:bodyPr rtlCol="0" anchor="ctr"/>
+            <a:lstStyle/>
+            <a:p>
+              <a:pPr algn="ctr"/>
+              <a:endParaRPr lang="en-US" sz="1050" kern="0" dirty="0">
+                <a:solidFill>
+                  <a:prstClr val="white"/>
+                </a:solidFill>
+                <a:latin typeface="Segoe UI"/>
+              </a:endParaRPr>
+            </a:p>
+          </p:txBody>
+        </p:sp>
+        <p:grpSp>
+          <p:nvGrpSpPr>
+            <p:cNvPr id="4" name="Group 3">
+              <a:extLst>
+                <a:ext uri="{FF2B5EF4-FFF2-40B4-BE49-F238E27FC236}">
+                  <a16:creationId xmlns:a16="http://schemas.microsoft.com/office/drawing/2014/main" id="{5AC299C0-ED1F-487B-8E9E-4B52423099E3}"/>
+                </a:ext>
+              </a:extLst>
+            </p:cNvPr>
+            <p:cNvGrpSpPr/>
+            <p:nvPr/>
+          </p:nvGrpSpPr>
+          <p:grpSpPr>
+            <a:xfrm>
+              <a:off x="81598" y="286385"/>
+              <a:ext cx="320040" cy="316520"/>
+              <a:chOff x="72073" y="221749"/>
+              <a:chExt cx="320040" cy="316520"/>
+            </a:xfrm>
+          </p:grpSpPr>
+          <p:sp>
+            <p:nvSpPr>
+              <p:cNvPr id="28" name="Oval 27">
+                <a:extLst>
+                  <a:ext uri="{FF2B5EF4-FFF2-40B4-BE49-F238E27FC236}">
+                    <a16:creationId xmlns:a16="http://schemas.microsoft.com/office/drawing/2014/main" id="{DAA2CD04-77A5-40E3-8C25-B62B6C452217}"/>
+                  </a:ext>
+                </a:extLst>
+              </p:cNvPr>
+              <p:cNvSpPr/>
+              <p:nvPr/>
+            </p:nvSpPr>
+            <p:spPr>
+              <a:xfrm>
+                <a:off x="72073" y="221749"/>
+                <a:ext cx="320040" cy="316520"/>
+              </a:xfrm>
+              <a:prstGeom prst="ellipse">
+                <a:avLst/>
+              </a:prstGeom>
+              <a:ln/>
+            </p:spPr>
+            <p:style>
+              <a:lnRef idx="2">
+                <a:schemeClr val="dk1"/>
+              </a:lnRef>
+              <a:fillRef idx="1">
+                <a:schemeClr val="lt1"/>
+              </a:fillRef>
+              <a:effectRef idx="0">
+                <a:schemeClr val="dk1"/>
+              </a:effectRef>
+              <a:fontRef idx="minor">
+                <a:schemeClr val="dk1"/>
+              </a:fontRef>
+            </p:style>
+            <p:txBody>
+              <a:bodyPr rtlCol="0" anchor="ctr"/>
+              <a:lstStyle/>
+              <a:p>
+                <a:pPr algn="ctr"/>
+                <a:endParaRPr lang="en-US" sz="1050" u="sng">
+                  <a:solidFill>
+                    <a:prstClr val="white"/>
+                  </a:solidFill>
+                </a:endParaRPr>
+              </a:p>
+            </p:txBody>
+          </p:sp>
+          <p:sp>
+            <p:nvSpPr>
+              <p:cNvPr id="29" name="Left Arrow 29">
+                <a:extLst>
+                  <a:ext uri="{FF2B5EF4-FFF2-40B4-BE49-F238E27FC236}">
+                    <a16:creationId xmlns:a16="http://schemas.microsoft.com/office/drawing/2014/main" id="{A2DF0A42-CB82-418A-84AD-8F5BFC6C3412}"/>
+                  </a:ext>
+                </a:extLst>
+              </p:cNvPr>
+              <p:cNvSpPr/>
+              <p:nvPr/>
+            </p:nvSpPr>
+            <p:spPr>
+              <a:xfrm>
+                <a:off x="109358" y="275511"/>
+                <a:ext cx="223134" cy="208997"/>
+              </a:xfrm>
+              <a:prstGeom prst="leftArrow">
+                <a:avLst/>
+              </a:prstGeom>
+              <a:ln/>
+            </p:spPr>
+            <p:style>
+              <a:lnRef idx="2">
+                <a:schemeClr val="dk1"/>
+              </a:lnRef>
+              <a:fillRef idx="1">
+                <a:schemeClr val="lt1"/>
+              </a:fillRef>
+              <a:effectRef idx="0">
+                <a:schemeClr val="dk1"/>
+              </a:effectRef>
+              <a:fontRef idx="minor">
+                <a:schemeClr val="dk1"/>
+              </a:fontRef>
+            </p:style>
+            <p:txBody>
+              <a:bodyPr rtlCol="0" anchor="ctr"/>
+              <a:lstStyle/>
+              <a:p>
+                <a:pPr algn="ctr"/>
+                <a:endParaRPr lang="en-US" sz="1050" kern="0">
+                  <a:solidFill>
+                    <a:prstClr val="white"/>
+                  </a:solidFill>
+                  <a:latin typeface="Segoe UI"/>
+                </a:endParaRPr>
+              </a:p>
+            </p:txBody>
+          </p:sp>
+        </p:grpSp>
+        <p:grpSp>
+          <p:nvGrpSpPr>
+            <p:cNvPr id="5" name="Group 4">
+              <a:extLst>
+                <a:ext uri="{FF2B5EF4-FFF2-40B4-BE49-F238E27FC236}">
+                  <a16:creationId xmlns:a16="http://schemas.microsoft.com/office/drawing/2014/main" id="{D044AF65-D4E8-4440-8A6D-18B63E0E580F}"/>
+                </a:ext>
+              </a:extLst>
+            </p:cNvPr>
+            <p:cNvGrpSpPr/>
+            <p:nvPr/>
+          </p:nvGrpSpPr>
+          <p:grpSpPr>
+            <a:xfrm>
+              <a:off x="453671" y="286384"/>
+              <a:ext cx="320040" cy="316520"/>
+              <a:chOff x="444146" y="221748"/>
+              <a:chExt cx="320040" cy="316520"/>
+            </a:xfrm>
+          </p:grpSpPr>
+          <p:sp>
+            <p:nvSpPr>
+              <p:cNvPr id="26" name="Oval 25">
+                <a:extLst>
+                  <a:ext uri="{FF2B5EF4-FFF2-40B4-BE49-F238E27FC236}">
+                    <a16:creationId xmlns:a16="http://schemas.microsoft.com/office/drawing/2014/main" id="{D49339B0-B0B2-4853-A80C-C91B29FB342A}"/>
+                  </a:ext>
+                </a:extLst>
+              </p:cNvPr>
+              <p:cNvSpPr/>
+              <p:nvPr/>
+            </p:nvSpPr>
+            <p:spPr>
+              <a:xfrm>
+                <a:off x="444146" y="221748"/>
+                <a:ext cx="320040" cy="316520"/>
+              </a:xfrm>
+              <a:prstGeom prst="ellipse">
+                <a:avLst/>
+              </a:prstGeom>
+              <a:ln/>
+            </p:spPr>
+            <p:style>
+              <a:lnRef idx="2">
+                <a:schemeClr val="dk1"/>
+              </a:lnRef>
+              <a:fillRef idx="1">
+                <a:schemeClr val="lt1"/>
+              </a:fillRef>
+              <a:effectRef idx="0">
+                <a:schemeClr val="dk1"/>
+              </a:effectRef>
+              <a:fontRef idx="minor">
+                <a:schemeClr val="dk1"/>
+              </a:fontRef>
+            </p:style>
+            <p:txBody>
+              <a:bodyPr rtlCol="0" anchor="ctr"/>
+              <a:lstStyle/>
+              <a:p>
+                <a:pPr algn="ctr"/>
+                <a:endParaRPr lang="en-US" sz="1050" u="sng">
+                  <a:solidFill>
+                    <a:prstClr val="white"/>
+                  </a:solidFill>
+                </a:endParaRPr>
+              </a:p>
+            </p:txBody>
+          </p:sp>
+          <p:sp>
+            <p:nvSpPr>
+              <p:cNvPr id="27" name="Right Arrow 27">
+                <a:extLst>
+                  <a:ext uri="{FF2B5EF4-FFF2-40B4-BE49-F238E27FC236}">
+                    <a16:creationId xmlns:a16="http://schemas.microsoft.com/office/drawing/2014/main" id="{F5A7B46A-6C78-4E6C-8E32-5D2C1ADE6571}"/>
+                  </a:ext>
+                </a:extLst>
+              </p:cNvPr>
+              <p:cNvSpPr/>
+              <p:nvPr/>
+            </p:nvSpPr>
+            <p:spPr>
+              <a:xfrm>
+                <a:off x="481249" y="275509"/>
+                <a:ext cx="257146" cy="208999"/>
+              </a:xfrm>
+              <a:prstGeom prst="rightArrow">
+                <a:avLst/>
+              </a:prstGeom>
+              <a:ln/>
+            </p:spPr>
+            <p:style>
+              <a:lnRef idx="2">
+                <a:schemeClr val="dk1"/>
+              </a:lnRef>
+              <a:fillRef idx="1">
+                <a:schemeClr val="lt1"/>
+              </a:fillRef>
+              <a:effectRef idx="0">
+                <a:schemeClr val="dk1"/>
+              </a:effectRef>
+              <a:fontRef idx="minor">
+                <a:schemeClr val="dk1"/>
+              </a:fontRef>
+            </p:style>
+            <p:txBody>
+              <a:bodyPr rtlCol="0" anchor="ctr"/>
+              <a:lstStyle/>
+              <a:p>
+                <a:pPr algn="ctr"/>
+                <a:endParaRPr lang="en-US" sz="1050" kern="0">
+                  <a:solidFill>
+                    <a:prstClr val="white"/>
+                  </a:solidFill>
+                  <a:latin typeface="Segoe UI"/>
+                </a:endParaRPr>
+              </a:p>
+            </p:txBody>
+          </p:sp>
+        </p:grpSp>
+        <p:grpSp>
+          <p:nvGrpSpPr>
+            <p:cNvPr id="6" name="Minimize - Maximize - Close">
+              <a:extLst>
+                <a:ext uri="{FF2B5EF4-FFF2-40B4-BE49-F238E27FC236}">
+                  <a16:creationId xmlns:a16="http://schemas.microsoft.com/office/drawing/2014/main" id="{B5E6F865-1834-4AEC-AB2A-E7DC8938BDC5}"/>
+                </a:ext>
+              </a:extLst>
+            </p:cNvPr>
+            <p:cNvGrpSpPr/>
+            <p:nvPr/>
+          </p:nvGrpSpPr>
+          <p:grpSpPr>
+            <a:xfrm>
+              <a:off x="8632311" y="92599"/>
+              <a:ext cx="384527" cy="78032"/>
+              <a:chOff x="9347642" y="131588"/>
+              <a:chExt cx="384527" cy="78032"/>
+            </a:xfrm>
+          </p:grpSpPr>
+          <p:cxnSp>
+            <p:nvCxnSpPr>
+              <p:cNvPr id="21" name="Line">
+                <a:extLst>
+                  <a:ext uri="{FF2B5EF4-FFF2-40B4-BE49-F238E27FC236}">
+                    <a16:creationId xmlns:a16="http://schemas.microsoft.com/office/drawing/2014/main" id="{4923FA31-D34A-41AF-A438-11D9E73DD32D}"/>
+                  </a:ext>
+                </a:extLst>
+              </p:cNvPr>
+              <p:cNvCxnSpPr/>
+              <p:nvPr/>
+            </p:nvCxnSpPr>
+            <p:spPr>
+              <a:xfrm>
+                <a:off x="9661396" y="131588"/>
+                <a:ext cx="70773" cy="76200"/>
+              </a:xfrm>
+              <a:prstGeom prst="line">
+                <a:avLst/>
+              </a:prstGeom>
+              <a:ln/>
+            </p:spPr>
+            <p:style>
+              <a:lnRef idx="2">
+                <a:schemeClr val="dk1"/>
+              </a:lnRef>
+              <a:fillRef idx="1">
+                <a:schemeClr val="lt1"/>
+              </a:fillRef>
+              <a:effectRef idx="0">
+                <a:schemeClr val="dk1"/>
+              </a:effectRef>
+              <a:fontRef idx="minor">
+                <a:schemeClr val="dk1"/>
+              </a:fontRef>
+            </p:style>
+          </p:cxnSp>
+          <p:cxnSp>
+            <p:nvCxnSpPr>
+              <p:cNvPr id="22" name="Line">
+                <a:extLst>
+                  <a:ext uri="{FF2B5EF4-FFF2-40B4-BE49-F238E27FC236}">
+                    <a16:creationId xmlns:a16="http://schemas.microsoft.com/office/drawing/2014/main" id="{4B3659E1-E13B-429A-9B9B-4BB7D96A4B7B}"/>
+                  </a:ext>
+                </a:extLst>
+              </p:cNvPr>
+              <p:cNvCxnSpPr/>
+              <p:nvPr/>
+            </p:nvCxnSpPr>
+            <p:spPr>
+              <a:xfrm flipH="1">
+                <a:off x="9661395" y="131588"/>
+                <a:ext cx="70773" cy="76200"/>
+              </a:xfrm>
+              <a:prstGeom prst="line">
+                <a:avLst/>
+              </a:prstGeom>
+              <a:ln/>
+            </p:spPr>
+            <p:style>
+              <a:lnRef idx="2">
+                <a:schemeClr val="dk1"/>
+              </a:lnRef>
+              <a:fillRef idx="1">
+                <a:schemeClr val="lt1"/>
+              </a:fillRef>
+              <a:effectRef idx="0">
+                <a:schemeClr val="dk1"/>
+              </a:effectRef>
+              <a:fontRef idx="minor">
+                <a:schemeClr val="dk1"/>
+              </a:fontRef>
+            </p:style>
+          </p:cxnSp>
+          <p:sp>
+            <p:nvSpPr>
+              <p:cNvPr id="23" name="Line">
+                <a:extLst>
+                  <a:ext uri="{FF2B5EF4-FFF2-40B4-BE49-F238E27FC236}">
+                    <a16:creationId xmlns:a16="http://schemas.microsoft.com/office/drawing/2014/main" id="{5EF9B651-82FB-4435-8657-9F0811B533A5}"/>
+                  </a:ext>
+                </a:extLst>
+              </p:cNvPr>
+              <p:cNvSpPr/>
+              <p:nvPr/>
+            </p:nvSpPr>
+            <p:spPr>
+              <a:xfrm rot="10800000" flipV="1">
+                <a:off x="9499472" y="143255"/>
+                <a:ext cx="91440" cy="9144"/>
+              </a:xfrm>
+              <a:prstGeom prst="rect">
+                <a:avLst/>
+              </a:prstGeom>
+              <a:ln/>
+            </p:spPr>
+            <p:style>
+              <a:lnRef idx="2">
+                <a:schemeClr val="dk1"/>
+              </a:lnRef>
+              <a:fillRef idx="1">
+                <a:schemeClr val="lt1"/>
+              </a:fillRef>
+              <a:effectRef idx="0">
+                <a:schemeClr val="dk1"/>
+              </a:effectRef>
+              <a:fontRef idx="minor">
+                <a:schemeClr val="dk1"/>
+              </a:fontRef>
+            </p:style>
+            <p:txBody>
+              <a:bodyPr rtlCol="0" anchor="ctr"/>
+              <a:lstStyle/>
+              <a:p>
+                <a:pPr algn="ctr"/>
+                <a:endParaRPr lang="en-US" sz="1050" dirty="0">
+                  <a:solidFill>
+                    <a:prstClr val="white"/>
+                  </a:solidFill>
+                </a:endParaRPr>
+              </a:p>
+            </p:txBody>
+          </p:sp>
+          <p:sp>
+            <p:nvSpPr>
+              <p:cNvPr id="24" name="Line">
+                <a:extLst>
+                  <a:ext uri="{FF2B5EF4-FFF2-40B4-BE49-F238E27FC236}">
+                    <a16:creationId xmlns:a16="http://schemas.microsoft.com/office/drawing/2014/main" id="{1CD59616-AFE2-484E-8383-D68403B0A403}"/>
+                  </a:ext>
+                </a:extLst>
+              </p:cNvPr>
+              <p:cNvSpPr/>
+              <p:nvPr/>
+            </p:nvSpPr>
+            <p:spPr>
+              <a:xfrm rot="10800000" flipV="1">
+                <a:off x="9498658" y="135261"/>
+                <a:ext cx="91440" cy="72527"/>
+              </a:xfrm>
+              <a:prstGeom prst="rect">
+                <a:avLst/>
+              </a:prstGeom>
+              <a:ln/>
+            </p:spPr>
+            <p:style>
+              <a:lnRef idx="2">
+                <a:schemeClr val="dk1"/>
+              </a:lnRef>
+              <a:fillRef idx="1">
+                <a:schemeClr val="lt1"/>
+              </a:fillRef>
+              <a:effectRef idx="0">
+                <a:schemeClr val="dk1"/>
+              </a:effectRef>
+              <a:fontRef idx="minor">
+                <a:schemeClr val="dk1"/>
+              </a:fontRef>
+            </p:style>
+            <p:txBody>
+              <a:bodyPr rtlCol="0" anchor="ctr"/>
+              <a:lstStyle/>
+              <a:p>
+                <a:pPr algn="ctr"/>
+                <a:endParaRPr lang="en-US" sz="1050" dirty="0">
+                  <a:solidFill>
+                    <a:prstClr val="white"/>
+                  </a:solidFill>
+                </a:endParaRPr>
+              </a:p>
+            </p:txBody>
+          </p:sp>
+          <p:sp>
+            <p:nvSpPr>
+              <p:cNvPr id="25" name="Line">
+                <a:extLst>
+                  <a:ext uri="{FF2B5EF4-FFF2-40B4-BE49-F238E27FC236}">
+                    <a16:creationId xmlns:a16="http://schemas.microsoft.com/office/drawing/2014/main" id="{1452E1FA-D7A6-484C-BDC0-3AB0912E1EF9}"/>
+                  </a:ext>
+                </a:extLst>
+              </p:cNvPr>
+              <p:cNvSpPr/>
+              <p:nvPr/>
+            </p:nvSpPr>
+            <p:spPr>
+              <a:xfrm rot="10800000" flipV="1">
+                <a:off x="9347642" y="200476"/>
+                <a:ext cx="91440" cy="9144"/>
+              </a:xfrm>
+              <a:prstGeom prst="rect">
+                <a:avLst/>
+              </a:prstGeom>
+              <a:ln/>
+            </p:spPr>
+            <p:style>
+              <a:lnRef idx="2">
+                <a:schemeClr val="dk1"/>
+              </a:lnRef>
+              <a:fillRef idx="1">
+                <a:schemeClr val="lt1"/>
+              </a:fillRef>
+              <a:effectRef idx="0">
+                <a:schemeClr val="dk1"/>
+              </a:effectRef>
+              <a:fontRef idx="minor">
+                <a:schemeClr val="dk1"/>
+              </a:fontRef>
+            </p:style>
+            <p:txBody>
+              <a:bodyPr rtlCol="0" anchor="ctr"/>
+              <a:lstStyle/>
+              <a:p>
+                <a:pPr algn="ctr"/>
+                <a:endParaRPr lang="en-US" sz="1050" dirty="0">
+                  <a:solidFill>
+                    <a:prstClr val="white"/>
+                  </a:solidFill>
+                </a:endParaRPr>
+              </a:p>
+            </p:txBody>
+          </p:sp>
+        </p:grpSp>
+        <p:sp>
+          <p:nvSpPr>
+            <p:cNvPr id="7" name="WebPageBody">
+              <a:extLst>
+                <a:ext uri="{FF2B5EF4-FFF2-40B4-BE49-F238E27FC236}">
+                  <a16:creationId xmlns:a16="http://schemas.microsoft.com/office/drawing/2014/main" id="{420356FA-EBD2-412B-864C-15F16F7656BA}"/>
+                </a:ext>
+              </a:extLst>
+            </p:cNvPr>
+            <p:cNvSpPr/>
+            <p:nvPr/>
+          </p:nvSpPr>
+          <p:spPr>
+            <a:xfrm>
+              <a:off x="76200" y="685159"/>
+              <a:ext cx="8991600" cy="6066801"/>
+            </a:xfrm>
+            <a:prstGeom prst="rect">
+              <a:avLst/>
+            </a:prstGeom>
+            <a:ln/>
+          </p:spPr>
+          <p:style>
+            <a:lnRef idx="2">
+              <a:schemeClr val="dk1"/>
+            </a:lnRef>
+            <a:fillRef idx="1">
+              <a:schemeClr val="lt1"/>
+            </a:fillRef>
+            <a:effectRef idx="0">
+              <a:schemeClr val="dk1"/>
+            </a:effectRef>
+            <a:fontRef idx="minor">
+              <a:schemeClr val="dk1"/>
+            </a:fontRef>
+          </p:style>
+          <p:txBody>
+            <a:bodyPr rtlCol="0" anchor="ctr"/>
+            <a:lstStyle/>
+            <a:p>
+              <a:pPr algn="ctr"/>
+              <a:endParaRPr lang="en-US" sz="1050" kern="0" dirty="0">
+                <a:solidFill>
+                  <a:prstClr val="white"/>
+                </a:solidFill>
+                <a:latin typeface="Segoe UI"/>
+              </a:endParaRPr>
+            </a:p>
+          </p:txBody>
+        </p:sp>
+        <p:grpSp>
+          <p:nvGrpSpPr>
+            <p:cNvPr id="8" name="Group 7">
+              <a:extLst>
+                <a:ext uri="{FF2B5EF4-FFF2-40B4-BE49-F238E27FC236}">
+                  <a16:creationId xmlns:a16="http://schemas.microsoft.com/office/drawing/2014/main" id="{CFC9974B-54ED-47AC-87FD-5AFB1A3B52E3}"/>
+                </a:ext>
+              </a:extLst>
+            </p:cNvPr>
+            <p:cNvGrpSpPr/>
+            <p:nvPr/>
+          </p:nvGrpSpPr>
+          <p:grpSpPr>
+            <a:xfrm>
+              <a:off x="8386335" y="360579"/>
+              <a:ext cx="640645" cy="183940"/>
+              <a:chOff x="8303527" y="360579"/>
+              <a:chExt cx="640645" cy="183940"/>
+            </a:xfrm>
+          </p:grpSpPr>
+          <p:pic>
+            <p:nvPicPr>
+              <p:cNvPr id="18" name="Picture 2" descr="C:\Users\t-dantay\Documents\Placeholders\home.png">
+                <a:extLst>
+                  <a:ext uri="{FF2B5EF4-FFF2-40B4-BE49-F238E27FC236}">
+                    <a16:creationId xmlns:a16="http://schemas.microsoft.com/office/drawing/2014/main" id="{DDE3C004-9CE5-4727-9685-B327FEF3DF9F}"/>
+                  </a:ext>
+                </a:extLst>
+              </p:cNvPr>
+              <p:cNvPicPr>
+                <a:picLocks noChangeAspect="1" noChangeArrowheads="1"/>
+              </p:cNvPicPr>
+              <p:nvPr/>
+            </p:nvPicPr>
+            <p:blipFill>
+              <a:blip r:embed="rId3" cstate="print">
+                <a:extLst>
+                  <a:ext uri="{28A0092B-C50C-407E-A947-70E740481C1C}">
+                    <a14:useLocalDpi xmlns:a14="http://schemas.microsoft.com/office/drawing/2010/main" val="0"/>
+                  </a:ext>
+                </a:extLst>
+              </a:blip>
+              <a:srcRect/>
+              <a:stretch>
+                <a:fillRect/>
+              </a:stretch>
+            </p:blipFill>
+            <p:spPr bwMode="auto">
+              <a:xfrm>
+                <a:off x="8303527" y="361109"/>
+                <a:ext cx="185783" cy="182880"/>
+              </a:xfrm>
+              <a:prstGeom prst="rect">
+                <a:avLst/>
+              </a:prstGeom>
+              <a:extLst>
+                <a:ext uri="{909E8E84-426E-40DD-AFC4-6F175D3DCCD1}">
+                  <a14:hiddenFill xmlns:a14="http://schemas.microsoft.com/office/drawing/2010/main">
+                    <a:solidFill>
+                      <a:srgbClr val="FFFFFF"/>
+                    </a:solidFill>
+                  </a14:hiddenFill>
+                </a:ext>
+              </a:extLst>
+            </p:spPr>
+            <p:style>
+              <a:lnRef idx="2">
+                <a:schemeClr val="dk1"/>
+              </a:lnRef>
+              <a:fillRef idx="1">
+                <a:schemeClr val="lt1"/>
+              </a:fillRef>
+              <a:effectRef idx="0">
+                <a:schemeClr val="dk1"/>
+              </a:effectRef>
+              <a:fontRef idx="minor">
+                <a:schemeClr val="dk1"/>
+              </a:fontRef>
+            </p:style>
+          </p:pic>
+          <p:pic>
+            <p:nvPicPr>
+              <p:cNvPr id="19" name="Picture 2" descr="C:\Users\t-dantay\Documents\Placeholders\setting.png">
+                <a:extLst>
+                  <a:ext uri="{FF2B5EF4-FFF2-40B4-BE49-F238E27FC236}">
+                    <a16:creationId xmlns:a16="http://schemas.microsoft.com/office/drawing/2014/main" id="{C9E6B220-6E44-4AD2-9CD6-67A52A83CA8E}"/>
+                  </a:ext>
+                </a:extLst>
+              </p:cNvPr>
+              <p:cNvPicPr>
+                <a:picLocks noChangeAspect="1" noChangeArrowheads="1"/>
+              </p:cNvPicPr>
+              <p:nvPr/>
+            </p:nvPicPr>
+            <p:blipFill rotWithShape="1">
+              <a:blip r:embed="rId4" cstate="print">
+                <a:extLst>
+                  <a:ext uri="{28A0092B-C50C-407E-A947-70E740481C1C}">
+                    <a14:useLocalDpi xmlns:a14="http://schemas.microsoft.com/office/drawing/2010/main" val="0"/>
+                  </a:ext>
+                </a:extLst>
+              </a:blip>
+              <a:srcRect t="13480" r="35484"/>
+              <a:stretch/>
+            </p:blipFill>
+            <p:spPr bwMode="auto">
+              <a:xfrm>
+                <a:off x="8761292" y="360579"/>
+                <a:ext cx="182880" cy="183940"/>
+              </a:xfrm>
+              <a:prstGeom prst="rect">
+                <a:avLst/>
+              </a:prstGeom>
+              <a:extLst>
+                <a:ext uri="{909E8E84-426E-40DD-AFC4-6F175D3DCCD1}">
+                  <a14:hiddenFill xmlns:a14="http://schemas.microsoft.com/office/drawing/2010/main">
+                    <a:solidFill>
+                      <a:srgbClr val="FFFFFF"/>
+                    </a:solidFill>
+                  </a14:hiddenFill>
+                </a:ext>
+              </a:extLst>
+            </p:spPr>
+            <p:style>
+              <a:lnRef idx="2">
+                <a:schemeClr val="dk1"/>
+              </a:lnRef>
+              <a:fillRef idx="1">
+                <a:schemeClr val="lt1"/>
+              </a:fillRef>
+              <a:effectRef idx="0">
+                <a:schemeClr val="dk1"/>
+              </a:effectRef>
+              <a:fontRef idx="minor">
+                <a:schemeClr val="dk1"/>
+              </a:fontRef>
+            </p:style>
+          </p:pic>
+          <p:pic>
+            <p:nvPicPr>
+              <p:cNvPr id="20" name="Picture 2" descr="C:\Users\t-dantay\Documents\Placeholders\star.png">
+                <a:extLst>
+                  <a:ext uri="{FF2B5EF4-FFF2-40B4-BE49-F238E27FC236}">
+                    <a16:creationId xmlns:a16="http://schemas.microsoft.com/office/drawing/2014/main" id="{145C6E1C-7B48-408F-9D2C-DA2980B9B5C9}"/>
+                  </a:ext>
+                </a:extLst>
+              </p:cNvPr>
+              <p:cNvPicPr>
+                <a:picLocks noChangeAspect="1" noChangeArrowheads="1"/>
+              </p:cNvPicPr>
+              <p:nvPr/>
+            </p:nvPicPr>
+            <p:blipFill>
+              <a:blip r:embed="rId5" cstate="print">
+                <a:extLst>
+                  <a:ext uri="{28A0092B-C50C-407E-A947-70E740481C1C}">
+                    <a14:useLocalDpi xmlns:a14="http://schemas.microsoft.com/office/drawing/2010/main" val="0"/>
+                  </a:ext>
+                </a:extLst>
+              </a:blip>
+              <a:srcRect/>
+              <a:stretch>
+                <a:fillRect/>
+              </a:stretch>
+            </p:blipFill>
+            <p:spPr bwMode="auto">
+              <a:xfrm>
+                <a:off x="8529364" y="361109"/>
+                <a:ext cx="191874" cy="182880"/>
+              </a:xfrm>
+              <a:prstGeom prst="rect">
+                <a:avLst/>
+              </a:prstGeom>
+              <a:extLst>
+                <a:ext uri="{909E8E84-426E-40DD-AFC4-6F175D3DCCD1}">
+                  <a14:hiddenFill xmlns:a14="http://schemas.microsoft.com/office/drawing/2010/main">
+                    <a:solidFill>
+                      <a:srgbClr val="FFFFFF"/>
+                    </a:solidFill>
+                  </a14:hiddenFill>
+                </a:ext>
+              </a:extLst>
+            </p:spPr>
+            <p:style>
+              <a:lnRef idx="2">
+                <a:schemeClr val="dk1"/>
+              </a:lnRef>
+              <a:fillRef idx="1">
+                <a:schemeClr val="lt1"/>
+              </a:fillRef>
+              <a:effectRef idx="0">
+                <a:schemeClr val="dk1"/>
+              </a:effectRef>
+              <a:fontRef idx="minor">
+                <a:schemeClr val="dk1"/>
+              </a:fontRef>
+            </p:style>
+          </p:pic>
+        </p:grpSp>
+        <p:grpSp>
+          <p:nvGrpSpPr>
+            <p:cNvPr id="9" name="Group 8">
+              <a:extLst>
+                <a:ext uri="{FF2B5EF4-FFF2-40B4-BE49-F238E27FC236}">
+                  <a16:creationId xmlns:a16="http://schemas.microsoft.com/office/drawing/2014/main" id="{AF9CA31D-6AE5-433C-BDE9-D87742610E64}"/>
+                </a:ext>
+              </a:extLst>
+            </p:cNvPr>
+            <p:cNvGrpSpPr/>
+            <p:nvPr/>
+          </p:nvGrpSpPr>
+          <p:grpSpPr>
+            <a:xfrm>
+              <a:off x="923925" y="340846"/>
+              <a:ext cx="7142930" cy="228600"/>
+              <a:chOff x="923925" y="340846"/>
+              <a:chExt cx="7142930" cy="228600"/>
+            </a:xfrm>
+          </p:grpSpPr>
+          <p:sp>
+            <p:nvSpPr>
+              <p:cNvPr id="10" name="UrlBar">
+                <a:extLst>
+                  <a:ext uri="{FF2B5EF4-FFF2-40B4-BE49-F238E27FC236}">
+                    <a16:creationId xmlns:a16="http://schemas.microsoft.com/office/drawing/2014/main" id="{CF68A899-48BB-4578-A8E9-E7295DE4A8AD}"/>
+                  </a:ext>
+                </a:extLst>
+              </p:cNvPr>
+              <p:cNvSpPr/>
+              <p:nvPr/>
+            </p:nvSpPr>
+            <p:spPr>
+              <a:xfrm>
+                <a:off x="923925" y="340846"/>
+                <a:ext cx="7142930" cy="228600"/>
+              </a:xfrm>
+              <a:prstGeom prst="rect">
+                <a:avLst/>
+              </a:prstGeom>
+              <a:ln/>
+            </p:spPr>
+            <p:style>
+              <a:lnRef idx="2">
+                <a:schemeClr val="dk1"/>
+              </a:lnRef>
+              <a:fillRef idx="1">
+                <a:schemeClr val="lt1"/>
+              </a:fillRef>
+              <a:effectRef idx="0">
+                <a:schemeClr val="dk1"/>
+              </a:effectRef>
+              <a:fontRef idx="minor">
+                <a:schemeClr val="dk1"/>
+              </a:fontRef>
+            </p:style>
+            <p:txBody>
+              <a:bodyPr rtlCol="0" anchor="ctr"/>
+              <a:lstStyle/>
+              <a:p>
+                <a:r>
+                  <a:rPr lang="en-US" sz="1200" kern="0" dirty="0">
+                    <a:solidFill>
+                      <a:prstClr val="black">
+                        <a:lumMod val="75000"/>
+                        <a:lumOff val="25000"/>
+                      </a:prstClr>
+                    </a:solidFill>
+                    <a:latin typeface="Segoe UI"/>
+                  </a:rPr>
+                  <a:t>http://www.badmintongeek.com</a:t>
+                </a:r>
+              </a:p>
+            </p:txBody>
+          </p:sp>
+          <p:grpSp>
+            <p:nvGrpSpPr>
+              <p:cNvPr id="11" name="Group 10">
+                <a:extLst>
+                  <a:ext uri="{FF2B5EF4-FFF2-40B4-BE49-F238E27FC236}">
+                    <a16:creationId xmlns:a16="http://schemas.microsoft.com/office/drawing/2014/main" id="{45964B41-4898-4802-ADAE-E9D540874427}"/>
+                  </a:ext>
+                </a:extLst>
+              </p:cNvPr>
+              <p:cNvGrpSpPr/>
+              <p:nvPr/>
+            </p:nvGrpSpPr>
+            <p:grpSpPr>
+              <a:xfrm>
+                <a:off x="7260350" y="363706"/>
+                <a:ext cx="744325" cy="182880"/>
+                <a:chOff x="7260350" y="363706"/>
+                <a:chExt cx="744325" cy="182880"/>
+              </a:xfrm>
+            </p:grpSpPr>
+            <p:pic>
+              <p:nvPicPr>
+                <p:cNvPr id="12" name="Search" descr="C:\Users\t-dantay\Documents\Placeholders\search.png">
+                  <a:extLst>
+                    <a:ext uri="{FF2B5EF4-FFF2-40B4-BE49-F238E27FC236}">
+                      <a16:creationId xmlns:a16="http://schemas.microsoft.com/office/drawing/2014/main" id="{A076084A-4542-40CF-87DF-9A00018CE7A6}"/>
+                    </a:ext>
+                  </a:extLst>
+                </p:cNvPr>
+                <p:cNvPicPr>
+                  <a:picLocks noChangeAspect="1" noChangeArrowheads="1"/>
+                </p:cNvPicPr>
+                <p:nvPr/>
+              </p:nvPicPr>
+              <p:blipFill>
+                <a:blip r:embed="rId6" cstate="print">
+                  <a:extLst>
+                    <a:ext uri="{28A0092B-C50C-407E-A947-70E740481C1C}">
+                      <a14:useLocalDpi xmlns:a14="http://schemas.microsoft.com/office/drawing/2010/main" val="0"/>
+                    </a:ext>
+                  </a:extLst>
+                </a:blip>
+                <a:srcRect/>
+                <a:stretch>
+                  <a:fillRect/>
+                </a:stretch>
+              </p:blipFill>
+              <p:spPr bwMode="auto">
+                <a:xfrm flipH="1">
+                  <a:off x="7260350" y="363706"/>
+                  <a:ext cx="182880" cy="182880"/>
+                </a:xfrm>
+                <a:prstGeom prst="rect">
+                  <a:avLst/>
+                </a:prstGeom>
+                <a:extLst>
+                  <a:ext uri="{909E8E84-426E-40DD-AFC4-6F175D3DCCD1}">
+                    <a14:hiddenFill xmlns:a14="http://schemas.microsoft.com/office/drawing/2010/main">
+                      <a:solidFill>
+                        <a:srgbClr val="FFFFFF"/>
+                      </a:solidFill>
+                    </a14:hiddenFill>
+                  </a:ext>
+                </a:extLst>
+              </p:spPr>
+              <p:style>
+                <a:lnRef idx="2">
+                  <a:schemeClr val="dk1"/>
+                </a:lnRef>
+                <a:fillRef idx="1">
+                  <a:schemeClr val="lt1"/>
+                </a:fillRef>
+                <a:effectRef idx="0">
+                  <a:schemeClr val="dk1"/>
+                </a:effectRef>
+                <a:fontRef idx="minor">
+                  <a:schemeClr val="dk1"/>
+                </a:fontRef>
+              </p:style>
+            </p:pic>
+            <p:pic>
+              <p:nvPicPr>
+                <p:cNvPr id="13" name="Refresh" descr="C:\Users\t-dantay\Documents\First24\arrowrepeat1.png">
+                  <a:extLst>
+                    <a:ext uri="{FF2B5EF4-FFF2-40B4-BE49-F238E27FC236}">
+                      <a16:creationId xmlns:a16="http://schemas.microsoft.com/office/drawing/2014/main" id="{F954D1BC-63A1-4CC5-BBD4-62871E45A016}"/>
+                    </a:ext>
+                  </a:extLst>
+                </p:cNvPr>
+                <p:cNvPicPr>
+                  <a:picLocks noChangeAspect="1" noChangeArrowheads="1"/>
+                </p:cNvPicPr>
+                <p:nvPr/>
+              </p:nvPicPr>
+              <p:blipFill>
+                <a:blip r:embed="rId7" cstate="print">
+                  <a:extLst>
+                    <a:ext uri="{28A0092B-C50C-407E-A947-70E740481C1C}">
+                      <a14:useLocalDpi xmlns:a14="http://schemas.microsoft.com/office/drawing/2010/main" val="0"/>
+                    </a:ext>
+                  </a:extLst>
+                </a:blip>
+                <a:srcRect/>
+                <a:stretch>
+                  <a:fillRect/>
+                </a:stretch>
+              </p:blipFill>
+              <p:spPr bwMode="auto">
+                <a:xfrm>
+                  <a:off x="7644400" y="363706"/>
+                  <a:ext cx="182880" cy="182880"/>
+                </a:xfrm>
+                <a:prstGeom prst="rect">
+                  <a:avLst/>
+                </a:prstGeom>
+                <a:extLst>
+                  <a:ext uri="{909E8E84-426E-40DD-AFC4-6F175D3DCCD1}">
+                    <a14:hiddenFill xmlns:a14="http://schemas.microsoft.com/office/drawing/2010/main">
+                      <a:solidFill>
+                        <a:srgbClr val="FFFFFF"/>
+                      </a:solidFill>
+                    </a14:hiddenFill>
+                  </a:ext>
+                </a:extLst>
+              </p:spPr>
+              <p:style>
+                <a:lnRef idx="2">
+                  <a:schemeClr val="dk1"/>
+                </a:lnRef>
+                <a:fillRef idx="1">
+                  <a:schemeClr val="lt1"/>
+                </a:fillRef>
+                <a:effectRef idx="0">
+                  <a:schemeClr val="dk1"/>
+                </a:effectRef>
+                <a:fontRef idx="minor">
+                  <a:schemeClr val="dk1"/>
+                </a:fontRef>
+              </p:style>
+            </p:pic>
+            <p:pic>
+              <p:nvPicPr>
+                <p:cNvPr id="14" name="Drop Down" descr="C:\Users\t-dantay\Documents\First24\arrowsimple1.png">
+                  <a:extLst>
+                    <a:ext uri="{FF2B5EF4-FFF2-40B4-BE49-F238E27FC236}">
+                      <a16:creationId xmlns:a16="http://schemas.microsoft.com/office/drawing/2014/main" id="{E9735C35-3DA0-4801-83DD-DC9D91170622}"/>
+                    </a:ext>
+                  </a:extLst>
+                </p:cNvPr>
+                <p:cNvPicPr>
+                  <a:picLocks noChangeAspect="1" noChangeArrowheads="1"/>
+                </p:cNvPicPr>
+                <p:nvPr/>
+              </p:nvPicPr>
+              <p:blipFill>
+                <a:blip r:embed="rId8" cstate="print">
+                  <a:extLst>
+                    <a:ext uri="{28A0092B-C50C-407E-A947-70E740481C1C}">
+                      <a14:useLocalDpi xmlns:a14="http://schemas.microsoft.com/office/drawing/2010/main" val="0"/>
+                    </a:ext>
+                  </a:extLst>
+                </a:blip>
+                <a:srcRect/>
+                <a:stretch>
+                  <a:fillRect/>
+                </a:stretch>
+              </p:blipFill>
+              <p:spPr bwMode="auto">
+                <a:xfrm rot="5400000">
+                  <a:off x="7476150" y="409426"/>
+                  <a:ext cx="91440" cy="91440"/>
+                </a:xfrm>
+                <a:prstGeom prst="rect">
+                  <a:avLst/>
+                </a:prstGeom>
+                <a:extLst>
+                  <a:ext uri="{909E8E84-426E-40DD-AFC4-6F175D3DCCD1}">
+                    <a14:hiddenFill xmlns:a14="http://schemas.microsoft.com/office/drawing/2010/main">
+                      <a:solidFill>
+                        <a:srgbClr val="FFFFFF"/>
+                      </a:solidFill>
+                    </a14:hiddenFill>
+                  </a:ext>
+                </a:extLst>
+              </p:spPr>
+              <p:style>
+                <a:lnRef idx="2">
+                  <a:schemeClr val="dk1"/>
+                </a:lnRef>
+                <a:fillRef idx="1">
+                  <a:schemeClr val="lt1"/>
+                </a:fillRef>
+                <a:effectRef idx="0">
+                  <a:schemeClr val="dk1"/>
+                </a:effectRef>
+                <a:fontRef idx="minor">
+                  <a:schemeClr val="dk1"/>
+                </a:fontRef>
+              </p:style>
+            </p:pic>
+            <p:grpSp>
+              <p:nvGrpSpPr>
+                <p:cNvPr id="15" name="X">
+                  <a:extLst>
+                    <a:ext uri="{FF2B5EF4-FFF2-40B4-BE49-F238E27FC236}">
+                      <a16:creationId xmlns:a16="http://schemas.microsoft.com/office/drawing/2014/main" id="{2BD35E8D-6345-4390-9611-7D910E223694}"/>
+                    </a:ext>
+                  </a:extLst>
+                </p:cNvPr>
+                <p:cNvGrpSpPr/>
+                <p:nvPr/>
+              </p:nvGrpSpPr>
+              <p:grpSpPr>
+                <a:xfrm>
+                  <a:off x="7913235" y="409426"/>
+                  <a:ext cx="91440" cy="91440"/>
+                  <a:chOff x="4687215" y="1739180"/>
+                  <a:chExt cx="91440" cy="91440"/>
+                </a:xfrm>
+              </p:grpSpPr>
+              <p:cxnSp>
+                <p:nvCxnSpPr>
+                  <p:cNvPr id="16" name="Straight Connector 15">
+                    <a:extLst>
+                      <a:ext uri="{FF2B5EF4-FFF2-40B4-BE49-F238E27FC236}">
+                        <a16:creationId xmlns:a16="http://schemas.microsoft.com/office/drawing/2014/main" id="{C291ECD3-D07B-48ED-A002-7727BD6C028D}"/>
+                      </a:ext>
+                    </a:extLst>
+                  </p:cNvPr>
+                  <p:cNvCxnSpPr/>
+                  <p:nvPr/>
+                </p:nvCxnSpPr>
+                <p:spPr>
+                  <a:xfrm flipV="1">
+                    <a:off x="4687215" y="1739180"/>
+                    <a:ext cx="91440" cy="91440"/>
+                  </a:xfrm>
+                  <a:prstGeom prst="line">
+                    <a:avLst/>
+                  </a:prstGeom>
+                  <a:ln/>
+                </p:spPr>
+                <p:style>
+                  <a:lnRef idx="2">
+                    <a:schemeClr val="dk1"/>
+                  </a:lnRef>
+                  <a:fillRef idx="1">
+                    <a:schemeClr val="lt1"/>
+                  </a:fillRef>
+                  <a:effectRef idx="0">
+                    <a:schemeClr val="dk1"/>
+                  </a:effectRef>
+                  <a:fontRef idx="minor">
+                    <a:schemeClr val="dk1"/>
+                  </a:fontRef>
+                </p:style>
+              </p:cxnSp>
+              <p:cxnSp>
+                <p:nvCxnSpPr>
+                  <p:cNvPr id="17" name="Straight Connector 16">
+                    <a:extLst>
+                      <a:ext uri="{FF2B5EF4-FFF2-40B4-BE49-F238E27FC236}">
+                        <a16:creationId xmlns:a16="http://schemas.microsoft.com/office/drawing/2014/main" id="{A46F1DEB-07B5-4BF6-9392-5C147456E837}"/>
+                      </a:ext>
+                    </a:extLst>
+                  </p:cNvPr>
+                  <p:cNvCxnSpPr/>
+                  <p:nvPr/>
+                </p:nvCxnSpPr>
+                <p:spPr>
+                  <a:xfrm>
+                    <a:off x="4687215" y="1739180"/>
+                    <a:ext cx="91440" cy="91440"/>
+                  </a:xfrm>
+                  <a:prstGeom prst="line">
+                    <a:avLst/>
+                  </a:prstGeom>
+                  <a:ln/>
+                </p:spPr>
+                <p:style>
+                  <a:lnRef idx="2">
+                    <a:schemeClr val="dk1"/>
+                  </a:lnRef>
+                  <a:fillRef idx="1">
+                    <a:schemeClr val="lt1"/>
+                  </a:fillRef>
+                  <a:effectRef idx="0">
+                    <a:schemeClr val="dk1"/>
+                  </a:effectRef>
+                  <a:fontRef idx="minor">
+                    <a:schemeClr val="dk1"/>
+                  </a:fontRef>
+                </p:style>
+              </p:cxnSp>
+            </p:grpSp>
+          </p:grpSp>
+        </p:grpSp>
+      </p:grpSp>
+      <p:sp>
+        <p:nvSpPr>
+          <p:cNvPr id="30" name="Rectangle 29">
+            <a:extLst>
+              <a:ext uri="{FF2B5EF4-FFF2-40B4-BE49-F238E27FC236}">
+                <a16:creationId xmlns:a16="http://schemas.microsoft.com/office/drawing/2014/main" id="{048F2292-A304-4305-9690-7D0D492AD28E}"/>
+              </a:ext>
+            </a:extLst>
+          </p:cNvPr>
+          <p:cNvSpPr/>
+          <p:nvPr/>
+        </p:nvSpPr>
+        <p:spPr>
+          <a:xfrm>
+            <a:off x="1609596" y="6517154"/>
+            <a:ext cx="8982203" cy="244574"/>
+          </a:xfrm>
+          <a:prstGeom prst="rect">
+            <a:avLst/>
+          </a:prstGeom>
+          <a:solidFill>
+            <a:schemeClr val="tx2"/>
+          </a:solidFill>
+          <a:ln>
+            <a:solidFill>
+              <a:schemeClr val="tx2"/>
+            </a:solidFill>
+          </a:ln>
+        </p:spPr>
+        <p:style>
+          <a:lnRef idx="2">
+            <a:schemeClr val="accent1">
+              <a:shade val="50000"/>
+            </a:schemeClr>
+          </a:lnRef>
+          <a:fillRef idx="1">
+            <a:schemeClr val="accent1"/>
+          </a:fillRef>
+          <a:effectRef idx="0">
+            <a:schemeClr val="accent1"/>
+          </a:effectRef>
+          <a:fontRef idx="minor">
+            <a:schemeClr val="lt1"/>
+          </a:fontRef>
+        </p:style>
+        <p:txBody>
+          <a:bodyPr rtlCol="0" anchor="ctr"/>
+          <a:lstStyle/>
+          <a:p>
+            <a:pPr algn="ctr"/>
+            <a:r>
+              <a:rPr lang="en-MY" sz="1200" dirty="0"/>
+              <a:t>2018- Badminton Geek</a:t>
+            </a:r>
+            <a:endParaRPr lang="en-US" sz="1200" dirty="0"/>
+          </a:p>
+        </p:txBody>
+      </p:sp>
+      <p:cxnSp>
+        <p:nvCxnSpPr>
+          <p:cNvPr id="31" name="Straight Connector 30">
+            <a:extLst>
+              <a:ext uri="{FF2B5EF4-FFF2-40B4-BE49-F238E27FC236}">
+                <a16:creationId xmlns:a16="http://schemas.microsoft.com/office/drawing/2014/main" id="{88701AA9-47E2-45EC-BE58-D67B374557DE}"/>
+              </a:ext>
+            </a:extLst>
+          </p:cNvPr>
+          <p:cNvCxnSpPr>
+            <a:cxnSpLocks/>
+          </p:cNvCxnSpPr>
+          <p:nvPr/>
+        </p:nvCxnSpPr>
+        <p:spPr>
+          <a:xfrm>
+            <a:off x="1609596" y="2186609"/>
+            <a:ext cx="8982203" cy="0"/>
+          </a:xfrm>
+          <a:prstGeom prst="line">
+            <a:avLst/>
+          </a:prstGeom>
+        </p:spPr>
+        <p:style>
+          <a:lnRef idx="1">
+            <a:schemeClr val="accent1"/>
+          </a:lnRef>
+          <a:fillRef idx="0">
+            <a:schemeClr val="accent1"/>
+          </a:fillRef>
+          <a:effectRef idx="0">
+            <a:schemeClr val="accent1"/>
+          </a:effectRef>
+          <a:fontRef idx="minor">
+            <a:schemeClr val="tx1"/>
+          </a:fontRef>
+        </p:style>
+      </p:cxnSp>
+      <p:sp>
+        <p:nvSpPr>
+          <p:cNvPr id="32" name="TextBox 31">
+            <a:extLst>
+              <a:ext uri="{FF2B5EF4-FFF2-40B4-BE49-F238E27FC236}">
+                <a16:creationId xmlns:a16="http://schemas.microsoft.com/office/drawing/2014/main" id="{A97728B7-9BF6-410D-BD91-99610F11B790}"/>
+              </a:ext>
+            </a:extLst>
+          </p:cNvPr>
+          <p:cNvSpPr txBox="1"/>
+          <p:nvPr/>
+        </p:nvSpPr>
+        <p:spPr>
+          <a:xfrm>
+            <a:off x="4739309" y="1269465"/>
+            <a:ext cx="2713382" cy="646331"/>
+          </a:xfrm>
+          <a:prstGeom prst="rect">
+            <a:avLst/>
+          </a:prstGeom>
+          <a:noFill/>
+        </p:spPr>
+        <p:txBody>
+          <a:bodyPr wrap="square" rtlCol="0">
+            <a:spAutoFit/>
+          </a:bodyPr>
+          <a:lstStyle/>
+          <a:p>
+            <a:pPr algn="ctr"/>
+            <a:r>
+              <a:rPr lang="en-MY" sz="3600" b="1" dirty="0">
+                <a:ln w="10160">
+                  <a:solidFill>
+                    <a:schemeClr val="accent5"/>
+                  </a:solidFill>
+                  <a:prstDash val="solid"/>
+                </a:ln>
+                <a:solidFill>
+                  <a:srgbClr val="FFFFFF"/>
+                </a:solidFill>
+                <a:effectLst>
+                  <a:outerShdw blurRad="38100" dist="22860" dir="5400000" algn="tl" rotWithShape="0">
+                    <a:srgbClr val="000000">
+                      <a:alpha val="30000"/>
+                    </a:srgbClr>
+                  </a:outerShdw>
+                </a:effectLst>
+              </a:rPr>
+              <a:t>FORUM LIST</a:t>
+            </a:r>
+            <a:endParaRPr lang="en-US" sz="3600" b="1" dirty="0">
+              <a:ln w="10160">
+                <a:solidFill>
+                  <a:schemeClr val="accent5"/>
+                </a:solidFill>
+                <a:prstDash val="solid"/>
+              </a:ln>
+              <a:solidFill>
+                <a:srgbClr val="FFFFFF"/>
+              </a:solidFill>
+              <a:effectLst>
+                <a:outerShdw blurRad="38100" dist="22860" dir="5400000" algn="tl" rotWithShape="0">
+                  <a:srgbClr val="000000">
+                    <a:alpha val="30000"/>
+                  </a:srgbClr>
+                </a:outerShdw>
+              </a:effectLst>
+            </a:endParaRPr>
+          </a:p>
+        </p:txBody>
+      </p:sp>
+      <p:pic>
+        <p:nvPicPr>
+          <p:cNvPr id="58" name="Picture 57" descr="A close up of a logo&#10;&#10;Description generated with very high confidence">
+            <a:extLst>
+              <a:ext uri="{FF2B5EF4-FFF2-40B4-BE49-F238E27FC236}">
+                <a16:creationId xmlns:a16="http://schemas.microsoft.com/office/drawing/2014/main" id="{076184B6-0F5D-4738-BDA7-B65CC76A02F0}"/>
+              </a:ext>
+            </a:extLst>
+          </p:cNvPr>
+          <p:cNvPicPr>
+            <a:picLocks noChangeAspect="1"/>
+          </p:cNvPicPr>
+          <p:nvPr/>
+        </p:nvPicPr>
+        <p:blipFill>
+          <a:blip r:embed="rId9">
+            <a:extLst>
+              <a:ext uri="{28A0092B-C50C-407E-A947-70E740481C1C}">
+                <a14:useLocalDpi xmlns:a14="http://schemas.microsoft.com/office/drawing/2010/main" val="0"/>
+              </a:ext>
+            </a:extLst>
+          </a:blip>
+          <a:stretch>
+            <a:fillRect/>
+          </a:stretch>
+        </p:blipFill>
+        <p:spPr>
+          <a:xfrm>
+            <a:off x="1552174" y="641219"/>
+            <a:ext cx="462600" cy="462600"/>
+          </a:xfrm>
+          <a:prstGeom prst="rect">
+            <a:avLst/>
+          </a:prstGeom>
+        </p:spPr>
+      </p:pic>
+      <p:cxnSp>
+        <p:nvCxnSpPr>
+          <p:cNvPr id="59" name="Straight Connector 58">
+            <a:extLst>
+              <a:ext uri="{FF2B5EF4-FFF2-40B4-BE49-F238E27FC236}">
+                <a16:creationId xmlns:a16="http://schemas.microsoft.com/office/drawing/2014/main" id="{8E64223A-D5FB-49FE-A1D4-C81BED49ABBC}"/>
+              </a:ext>
+            </a:extLst>
+          </p:cNvPr>
+          <p:cNvCxnSpPr/>
+          <p:nvPr/>
+        </p:nvCxnSpPr>
+        <p:spPr>
+          <a:xfrm>
+            <a:off x="1639957" y="1103819"/>
+            <a:ext cx="8999869" cy="18544"/>
+          </a:xfrm>
+          <a:prstGeom prst="line">
+            <a:avLst/>
+          </a:prstGeom>
+        </p:spPr>
+        <p:style>
+          <a:lnRef idx="1">
+            <a:schemeClr val="accent1"/>
+          </a:lnRef>
+          <a:fillRef idx="0">
+            <a:schemeClr val="accent1"/>
+          </a:fillRef>
+          <a:effectRef idx="0">
+            <a:schemeClr val="accent1"/>
+          </a:effectRef>
+          <a:fontRef idx="minor">
+            <a:schemeClr val="tx1"/>
+          </a:fontRef>
+        </p:style>
+      </p:cxnSp>
+      <p:sp>
+        <p:nvSpPr>
+          <p:cNvPr id="60" name="Rectangle 59">
+            <a:extLst>
+              <a:ext uri="{FF2B5EF4-FFF2-40B4-BE49-F238E27FC236}">
+                <a16:creationId xmlns:a16="http://schemas.microsoft.com/office/drawing/2014/main" id="{D532CE40-B6E6-4F17-9148-D1F0DC059966}"/>
+              </a:ext>
+            </a:extLst>
+          </p:cNvPr>
+          <p:cNvSpPr/>
+          <p:nvPr/>
+        </p:nvSpPr>
+        <p:spPr>
+          <a:xfrm>
+            <a:off x="2042948" y="763843"/>
+            <a:ext cx="1260000" cy="262248"/>
+          </a:xfrm>
+          <a:prstGeom prst="rect">
+            <a:avLst/>
+          </a:prstGeom>
+          <a:solidFill>
+            <a:schemeClr val="tx2"/>
+          </a:solidFill>
+          <a:ln>
+            <a:solidFill>
+              <a:schemeClr val="accent3"/>
+            </a:solidFill>
+          </a:ln>
+        </p:spPr>
+        <p:style>
+          <a:lnRef idx="2">
+            <a:schemeClr val="dk1"/>
+          </a:lnRef>
+          <a:fillRef idx="1">
+            <a:schemeClr val="lt1"/>
+          </a:fillRef>
+          <a:effectRef idx="0">
+            <a:schemeClr val="dk1"/>
+          </a:effectRef>
+          <a:fontRef idx="minor">
+            <a:schemeClr val="dk1"/>
+          </a:fontRef>
+        </p:style>
+        <p:txBody>
+          <a:bodyPr rtlCol="0" anchor="ctr"/>
+          <a:lstStyle/>
+          <a:p>
+            <a:pPr algn="ctr"/>
+            <a:r>
+              <a:rPr lang="en-MY" dirty="0">
+                <a:solidFill>
+                  <a:schemeClr val="bg1"/>
+                </a:solidFill>
+              </a:rPr>
+              <a:t>Home</a:t>
+            </a:r>
+            <a:endParaRPr lang="en-US" dirty="0">
+              <a:solidFill>
+                <a:schemeClr val="bg1"/>
+              </a:solidFill>
+            </a:endParaRPr>
+          </a:p>
+        </p:txBody>
+      </p:sp>
+      <p:sp>
+        <p:nvSpPr>
+          <p:cNvPr id="61" name="Rectangle 60">
+            <a:extLst>
+              <a:ext uri="{FF2B5EF4-FFF2-40B4-BE49-F238E27FC236}">
+                <a16:creationId xmlns:a16="http://schemas.microsoft.com/office/drawing/2014/main" id="{20102A01-2908-4116-B329-795361B2F5A8}"/>
+              </a:ext>
+            </a:extLst>
+          </p:cNvPr>
+          <p:cNvSpPr/>
+          <p:nvPr/>
+        </p:nvSpPr>
+        <p:spPr>
+          <a:xfrm>
+            <a:off x="3333089" y="760643"/>
+            <a:ext cx="1260000" cy="262800"/>
+          </a:xfrm>
+          <a:prstGeom prst="rect">
+            <a:avLst/>
+          </a:prstGeom>
+          <a:solidFill>
+            <a:schemeClr val="tx2"/>
+          </a:solidFill>
+          <a:ln>
+            <a:solidFill>
+              <a:schemeClr val="accent3"/>
+            </a:solidFill>
+          </a:ln>
+        </p:spPr>
+        <p:style>
+          <a:lnRef idx="2">
+            <a:schemeClr val="dk1"/>
+          </a:lnRef>
+          <a:fillRef idx="1">
+            <a:schemeClr val="lt1"/>
+          </a:fillRef>
+          <a:effectRef idx="0">
+            <a:schemeClr val="dk1"/>
+          </a:effectRef>
+          <a:fontRef idx="minor">
+            <a:schemeClr val="dk1"/>
+          </a:fontRef>
+        </p:style>
+        <p:txBody>
+          <a:bodyPr rtlCol="0" anchor="ctr"/>
+          <a:lstStyle/>
+          <a:p>
+            <a:pPr algn="ctr"/>
+            <a:r>
+              <a:rPr lang="en-MY" dirty="0">
+                <a:solidFill>
+                  <a:schemeClr val="bg1"/>
+                </a:solidFill>
+              </a:rPr>
+              <a:t>About</a:t>
+            </a:r>
+            <a:endParaRPr lang="en-US" dirty="0">
+              <a:solidFill>
+                <a:schemeClr val="bg1"/>
+              </a:solidFill>
+            </a:endParaRPr>
+          </a:p>
+        </p:txBody>
+      </p:sp>
+      <p:sp>
+        <p:nvSpPr>
+          <p:cNvPr id="62" name="Rectangle 61">
+            <a:extLst>
+              <a:ext uri="{FF2B5EF4-FFF2-40B4-BE49-F238E27FC236}">
+                <a16:creationId xmlns:a16="http://schemas.microsoft.com/office/drawing/2014/main" id="{F7CD7A82-F95A-4DE6-91F8-ECEA7C73951D}"/>
+              </a:ext>
+            </a:extLst>
+          </p:cNvPr>
+          <p:cNvSpPr/>
+          <p:nvPr/>
+        </p:nvSpPr>
+        <p:spPr>
+          <a:xfrm>
+            <a:off x="4621263" y="753989"/>
+            <a:ext cx="1260000" cy="262800"/>
+          </a:xfrm>
+          <a:prstGeom prst="rect">
+            <a:avLst/>
+          </a:prstGeom>
+          <a:solidFill>
+            <a:schemeClr val="tx2"/>
+          </a:solidFill>
+          <a:ln>
+            <a:solidFill>
+              <a:schemeClr val="accent3"/>
+            </a:solidFill>
+          </a:ln>
+        </p:spPr>
+        <p:style>
+          <a:lnRef idx="2">
+            <a:schemeClr val="dk1"/>
+          </a:lnRef>
+          <a:fillRef idx="1">
+            <a:schemeClr val="lt1"/>
+          </a:fillRef>
+          <a:effectRef idx="0">
+            <a:schemeClr val="dk1"/>
+          </a:effectRef>
+          <a:fontRef idx="minor">
+            <a:schemeClr val="dk1"/>
+          </a:fontRef>
+        </p:style>
+        <p:txBody>
+          <a:bodyPr rtlCol="0" anchor="ctr"/>
+          <a:lstStyle/>
+          <a:p>
+            <a:r>
+              <a:rPr lang="en-MY" dirty="0">
+                <a:solidFill>
+                  <a:schemeClr val="bg1"/>
+                </a:solidFill>
+              </a:rPr>
+              <a:t>Beginner</a:t>
+            </a:r>
+            <a:endParaRPr lang="en-US" dirty="0">
+              <a:solidFill>
+                <a:schemeClr val="bg1"/>
+              </a:solidFill>
+            </a:endParaRPr>
+          </a:p>
+        </p:txBody>
+      </p:sp>
+      <p:sp>
+        <p:nvSpPr>
+          <p:cNvPr id="63" name="Rectangle 62">
+            <a:extLst>
+              <a:ext uri="{FF2B5EF4-FFF2-40B4-BE49-F238E27FC236}">
+                <a16:creationId xmlns:a16="http://schemas.microsoft.com/office/drawing/2014/main" id="{863CB98C-CD7A-486E-A8EB-1653F9F4A728}"/>
+              </a:ext>
+            </a:extLst>
+          </p:cNvPr>
+          <p:cNvSpPr/>
+          <p:nvPr/>
+        </p:nvSpPr>
+        <p:spPr>
+          <a:xfrm>
+            <a:off x="5926314" y="760643"/>
+            <a:ext cx="1512000" cy="262800"/>
+          </a:xfrm>
+          <a:prstGeom prst="rect">
+            <a:avLst/>
+          </a:prstGeom>
+          <a:solidFill>
+            <a:schemeClr val="tx2"/>
+          </a:solidFill>
+          <a:ln>
+            <a:solidFill>
+              <a:schemeClr val="accent3"/>
+            </a:solidFill>
+          </a:ln>
+        </p:spPr>
+        <p:style>
+          <a:lnRef idx="2">
+            <a:schemeClr val="dk1"/>
+          </a:lnRef>
+          <a:fillRef idx="1">
+            <a:schemeClr val="lt1"/>
+          </a:fillRef>
+          <a:effectRef idx="0">
+            <a:schemeClr val="dk1"/>
+          </a:effectRef>
+          <a:fontRef idx="minor">
+            <a:schemeClr val="dk1"/>
+          </a:fontRef>
+        </p:style>
+        <p:txBody>
+          <a:bodyPr rtlCol="0" anchor="ctr"/>
+          <a:lstStyle/>
+          <a:p>
+            <a:r>
+              <a:rPr lang="en-MY" dirty="0">
+                <a:solidFill>
+                  <a:schemeClr val="bg1"/>
+                </a:solidFill>
+              </a:rPr>
+              <a:t>Intermediate</a:t>
+            </a:r>
+            <a:endParaRPr lang="en-US" dirty="0">
+              <a:solidFill>
+                <a:schemeClr val="bg1"/>
+              </a:solidFill>
+            </a:endParaRPr>
+          </a:p>
+        </p:txBody>
+      </p:sp>
+      <p:sp>
+        <p:nvSpPr>
+          <p:cNvPr id="64" name="Rectangle 63">
+            <a:extLst>
+              <a:ext uri="{FF2B5EF4-FFF2-40B4-BE49-F238E27FC236}">
+                <a16:creationId xmlns:a16="http://schemas.microsoft.com/office/drawing/2014/main" id="{E650D9B4-9E29-4E07-9AB5-7AC0DE575114}"/>
+              </a:ext>
+            </a:extLst>
+          </p:cNvPr>
+          <p:cNvSpPr/>
+          <p:nvPr/>
+        </p:nvSpPr>
+        <p:spPr>
+          <a:xfrm>
+            <a:off x="7491289" y="760643"/>
+            <a:ext cx="1260000" cy="262800"/>
+          </a:xfrm>
+          <a:prstGeom prst="rect">
+            <a:avLst/>
+          </a:prstGeom>
+          <a:solidFill>
+            <a:schemeClr val="tx2"/>
+          </a:solidFill>
+          <a:ln>
+            <a:solidFill>
+              <a:schemeClr val="accent3"/>
+            </a:solidFill>
+          </a:ln>
+        </p:spPr>
+        <p:style>
+          <a:lnRef idx="2">
+            <a:schemeClr val="dk1"/>
+          </a:lnRef>
+          <a:fillRef idx="1">
+            <a:schemeClr val="lt1"/>
+          </a:fillRef>
+          <a:effectRef idx="0">
+            <a:schemeClr val="dk1"/>
+          </a:effectRef>
+          <a:fontRef idx="minor">
+            <a:schemeClr val="dk1"/>
+          </a:fontRef>
+        </p:style>
+        <p:txBody>
+          <a:bodyPr rtlCol="0" anchor="ctr"/>
+          <a:lstStyle/>
+          <a:p>
+            <a:r>
+              <a:rPr lang="en-MY" dirty="0">
+                <a:solidFill>
+                  <a:schemeClr val="bg1"/>
+                </a:solidFill>
+              </a:rPr>
+              <a:t>Advanced</a:t>
+            </a:r>
+            <a:endParaRPr lang="en-US" dirty="0">
+              <a:solidFill>
+                <a:schemeClr val="bg1"/>
+              </a:solidFill>
+            </a:endParaRPr>
+          </a:p>
+        </p:txBody>
+      </p:sp>
+      <p:pic>
+        <p:nvPicPr>
+          <p:cNvPr id="65" name="Picture 64">
+            <a:extLst>
+              <a:ext uri="{FF2B5EF4-FFF2-40B4-BE49-F238E27FC236}">
+                <a16:creationId xmlns:a16="http://schemas.microsoft.com/office/drawing/2014/main" id="{8A829082-20B3-42EB-909D-1F1BC6CA2B54}"/>
+              </a:ext>
+            </a:extLst>
+          </p:cNvPr>
+          <p:cNvPicPr>
+            <a:picLocks noChangeAspect="1"/>
+          </p:cNvPicPr>
+          <p:nvPr/>
+        </p:nvPicPr>
+        <p:blipFill>
+          <a:blip r:embed="rId10">
+            <a:duotone>
+              <a:prstClr val="black"/>
+              <a:schemeClr val="accent3">
+                <a:tint val="45000"/>
+                <a:satMod val="400000"/>
+              </a:schemeClr>
+            </a:duotone>
+            <a:extLst>
+              <a:ext uri="{28A0092B-C50C-407E-A947-70E740481C1C}">
+                <a14:useLocalDpi xmlns:a14="http://schemas.microsoft.com/office/drawing/2010/main" val="0"/>
+              </a:ext>
+            </a:extLst>
+          </a:blip>
+          <a:stretch>
+            <a:fillRect/>
+          </a:stretch>
+        </p:blipFill>
+        <p:spPr>
+          <a:xfrm>
+            <a:off x="10206324" y="730108"/>
+            <a:ext cx="334514" cy="334514"/>
+          </a:xfrm>
+          <a:prstGeom prst="rect">
+            <a:avLst/>
+          </a:prstGeom>
+        </p:spPr>
+      </p:pic>
+      <p:sp>
+        <p:nvSpPr>
+          <p:cNvPr id="66" name="Flowchart: Merge 65">
+            <a:extLst>
+              <a:ext uri="{FF2B5EF4-FFF2-40B4-BE49-F238E27FC236}">
+                <a16:creationId xmlns:a16="http://schemas.microsoft.com/office/drawing/2014/main" id="{8BC0D49E-3DD1-4A8A-B19E-38DEC00EBCB0}"/>
+              </a:ext>
+            </a:extLst>
+          </p:cNvPr>
+          <p:cNvSpPr/>
+          <p:nvPr/>
+        </p:nvSpPr>
+        <p:spPr>
+          <a:xfrm>
+            <a:off x="5622337" y="869689"/>
+            <a:ext cx="89124" cy="77524"/>
+          </a:xfrm>
+          <a:prstGeom prst="flowChartMerge">
+            <a:avLst/>
+          </a:prstGeom>
+          <a:solidFill>
+            <a:schemeClr val="bg1"/>
+          </a:solidFill>
+          <a:ln>
+            <a:solidFill>
+              <a:schemeClr val="accent3"/>
+            </a:solidFill>
+          </a:ln>
+        </p:spPr>
+        <p:style>
+          <a:lnRef idx="2">
+            <a:schemeClr val="accent1">
+              <a:shade val="50000"/>
+            </a:schemeClr>
+          </a:lnRef>
+          <a:fillRef idx="1">
+            <a:schemeClr val="accent1"/>
+          </a:fillRef>
+          <a:effectRef idx="0">
+            <a:schemeClr val="accent1"/>
+          </a:effectRef>
+          <a:fontRef idx="minor">
+            <a:schemeClr val="lt1"/>
+          </a:fontRef>
+        </p:style>
+        <p:txBody>
+          <a:bodyPr rtlCol="0" anchor="ctr"/>
+          <a:lstStyle/>
+          <a:p>
+            <a:pPr algn="ctr"/>
+            <a:endParaRPr lang="en-US"/>
+          </a:p>
+        </p:txBody>
+      </p:sp>
+      <p:sp>
+        <p:nvSpPr>
+          <p:cNvPr id="67" name="Flowchart: Merge 66">
+            <a:extLst>
+              <a:ext uri="{FF2B5EF4-FFF2-40B4-BE49-F238E27FC236}">
+                <a16:creationId xmlns:a16="http://schemas.microsoft.com/office/drawing/2014/main" id="{2B292056-14D6-436A-99C5-CA074363E399}"/>
+              </a:ext>
+            </a:extLst>
+          </p:cNvPr>
+          <p:cNvSpPr/>
+          <p:nvPr/>
+        </p:nvSpPr>
+        <p:spPr>
+          <a:xfrm>
+            <a:off x="8580813" y="870338"/>
+            <a:ext cx="89124" cy="77524"/>
+          </a:xfrm>
+          <a:prstGeom prst="flowChartMerge">
+            <a:avLst/>
+          </a:prstGeom>
+          <a:solidFill>
+            <a:schemeClr val="bg1"/>
+          </a:solidFill>
+          <a:ln>
+            <a:solidFill>
+              <a:schemeClr val="accent3"/>
+            </a:solidFill>
+          </a:ln>
+        </p:spPr>
+        <p:style>
+          <a:lnRef idx="2">
+            <a:schemeClr val="accent1">
+              <a:shade val="50000"/>
+            </a:schemeClr>
+          </a:lnRef>
+          <a:fillRef idx="1">
+            <a:schemeClr val="accent1"/>
+          </a:fillRef>
+          <a:effectRef idx="0">
+            <a:schemeClr val="accent1"/>
+          </a:effectRef>
+          <a:fontRef idx="minor">
+            <a:schemeClr val="lt1"/>
+          </a:fontRef>
+        </p:style>
+        <p:txBody>
+          <a:bodyPr rtlCol="0" anchor="ctr"/>
+          <a:lstStyle/>
+          <a:p>
+            <a:pPr algn="ctr"/>
+            <a:endParaRPr lang="en-US"/>
+          </a:p>
+        </p:txBody>
+      </p:sp>
+      <p:sp>
+        <p:nvSpPr>
+          <p:cNvPr id="68" name="Flowchart: Merge 67">
+            <a:extLst>
+              <a:ext uri="{FF2B5EF4-FFF2-40B4-BE49-F238E27FC236}">
+                <a16:creationId xmlns:a16="http://schemas.microsoft.com/office/drawing/2014/main" id="{405B6B77-9C3E-4B21-B10C-3F557693CE1F}"/>
+              </a:ext>
+            </a:extLst>
+          </p:cNvPr>
+          <p:cNvSpPr/>
+          <p:nvPr/>
+        </p:nvSpPr>
+        <p:spPr>
+          <a:xfrm>
+            <a:off x="7282772" y="867749"/>
+            <a:ext cx="89124" cy="77524"/>
+          </a:xfrm>
+          <a:prstGeom prst="flowChartMerge">
+            <a:avLst/>
+          </a:prstGeom>
+          <a:solidFill>
+            <a:schemeClr val="bg1"/>
+          </a:solidFill>
+          <a:ln>
+            <a:solidFill>
+              <a:schemeClr val="accent3"/>
+            </a:solidFill>
+          </a:ln>
+        </p:spPr>
+        <p:style>
+          <a:lnRef idx="2">
+            <a:schemeClr val="accent1">
+              <a:shade val="50000"/>
+            </a:schemeClr>
+          </a:lnRef>
+          <a:fillRef idx="1">
+            <a:schemeClr val="accent1"/>
+          </a:fillRef>
+          <a:effectRef idx="0">
+            <a:schemeClr val="accent1"/>
+          </a:effectRef>
+          <a:fontRef idx="minor">
+            <a:schemeClr val="lt1"/>
+          </a:fontRef>
+        </p:style>
+        <p:txBody>
+          <a:bodyPr rtlCol="0" anchor="ctr"/>
+          <a:lstStyle/>
+          <a:p>
+            <a:pPr algn="ctr"/>
+            <a:endParaRPr lang="en-US"/>
+          </a:p>
+        </p:txBody>
+      </p:sp>
+      <p:sp>
+        <p:nvSpPr>
+          <p:cNvPr id="69" name="Rectangle 68">
+            <a:extLst>
+              <a:ext uri="{FF2B5EF4-FFF2-40B4-BE49-F238E27FC236}">
+                <a16:creationId xmlns:a16="http://schemas.microsoft.com/office/drawing/2014/main" id="{1725D71F-6204-44FC-9348-46697E4902C5}"/>
+              </a:ext>
+            </a:extLst>
+          </p:cNvPr>
+          <p:cNvSpPr/>
+          <p:nvPr/>
+        </p:nvSpPr>
+        <p:spPr>
+          <a:xfrm>
+            <a:off x="8784350" y="765583"/>
+            <a:ext cx="1260000" cy="262248"/>
+          </a:xfrm>
+          <a:prstGeom prst="rect">
+            <a:avLst/>
+          </a:prstGeom>
+          <a:solidFill>
+            <a:schemeClr val="tx2"/>
+          </a:solidFill>
+          <a:ln>
+            <a:solidFill>
+              <a:schemeClr val="accent3"/>
+            </a:solidFill>
+          </a:ln>
+        </p:spPr>
+        <p:style>
+          <a:lnRef idx="2">
+            <a:schemeClr val="dk1"/>
+          </a:lnRef>
+          <a:fillRef idx="1">
+            <a:schemeClr val="lt1"/>
+          </a:fillRef>
+          <a:effectRef idx="0">
+            <a:schemeClr val="dk1"/>
+          </a:effectRef>
+          <a:fontRef idx="minor">
+            <a:schemeClr val="dk1"/>
+          </a:fontRef>
+        </p:style>
+        <p:txBody>
+          <a:bodyPr rtlCol="0" anchor="ctr"/>
+          <a:lstStyle/>
+          <a:p>
+            <a:pPr algn="ctr"/>
+            <a:r>
+              <a:rPr lang="en-MY" dirty="0">
+                <a:solidFill>
+                  <a:schemeClr val="bg1"/>
+                </a:solidFill>
+              </a:rPr>
+              <a:t>Forum</a:t>
+            </a:r>
+            <a:endParaRPr lang="en-US" dirty="0">
+              <a:solidFill>
+                <a:schemeClr val="bg1"/>
+              </a:solidFill>
+            </a:endParaRPr>
+          </a:p>
+        </p:txBody>
+      </p:sp>
+      <p:graphicFrame>
+        <p:nvGraphicFramePr>
+          <p:cNvPr id="70" name="Table 69">
+            <a:extLst>
+              <a:ext uri="{FF2B5EF4-FFF2-40B4-BE49-F238E27FC236}">
+                <a16:creationId xmlns:a16="http://schemas.microsoft.com/office/drawing/2014/main" id="{DAB0CE2F-729E-4EC9-AD98-6743DA4B7B3A}"/>
+              </a:ext>
+            </a:extLst>
+          </p:cNvPr>
+          <p:cNvGraphicFramePr>
+            <a:graphicFrameLocks noGrp="1"/>
+          </p:cNvGraphicFramePr>
+          <p:nvPr>
+            <p:extLst>
+              <p:ext uri="{D42A27DB-BD31-4B8C-83A1-F6EECF244321}">
+                <p14:modId xmlns:p14="http://schemas.microsoft.com/office/powerpoint/2010/main" val="1281754045"/>
+              </p:ext>
+            </p:extLst>
+          </p:nvPr>
+        </p:nvGraphicFramePr>
+        <p:xfrm>
+          <a:off x="2042948" y="2428954"/>
+          <a:ext cx="8127999" cy="2716760"/>
+        </p:xfrm>
+        <a:graphic>
+          <a:graphicData uri="http://schemas.openxmlformats.org/drawingml/2006/table">
+            <a:tbl>
+              <a:tblPr firstRow="1" bandRow="1">
+                <a:tableStyleId>{F5AB1C69-6EDB-4FF4-983F-18BD219EF322}</a:tableStyleId>
+              </a:tblPr>
+              <a:tblGrid>
+                <a:gridCol w="2709333">
+                  <a:extLst>
+                    <a:ext uri="{9D8B030D-6E8A-4147-A177-3AD203B41FA5}">
+                      <a16:colId xmlns:a16="http://schemas.microsoft.com/office/drawing/2014/main" val="2596020942"/>
+                    </a:ext>
+                  </a:extLst>
+                </a:gridCol>
+                <a:gridCol w="2709333">
+                  <a:extLst>
+                    <a:ext uri="{9D8B030D-6E8A-4147-A177-3AD203B41FA5}">
+                      <a16:colId xmlns:a16="http://schemas.microsoft.com/office/drawing/2014/main" val="2980194605"/>
+                    </a:ext>
+                  </a:extLst>
+                </a:gridCol>
+                <a:gridCol w="2709333">
+                  <a:extLst>
+                    <a:ext uri="{9D8B030D-6E8A-4147-A177-3AD203B41FA5}">
+                      <a16:colId xmlns:a16="http://schemas.microsoft.com/office/drawing/2014/main" val="1105199534"/>
+                    </a:ext>
+                  </a:extLst>
+                </a:gridCol>
+              </a:tblGrid>
+              <a:tr h="543352">
+                <a:tc>
+                  <a:txBody>
+                    <a:bodyPr/>
+                    <a:lstStyle/>
+                    <a:p>
+                      <a:pPr algn="ctr"/>
+                      <a:r>
+                        <a:rPr lang="en-MY" sz="2800" dirty="0"/>
+                        <a:t>Forum ID</a:t>
+                      </a:r>
+                      <a:endParaRPr lang="en-US" sz="2800" dirty="0"/>
+                    </a:p>
+                  </a:txBody>
+                  <a:tcPr/>
+                </a:tc>
+                <a:tc>
+                  <a:txBody>
+                    <a:bodyPr/>
+                    <a:lstStyle/>
+                    <a:p>
+                      <a:pPr algn="ctr"/>
+                      <a:r>
+                        <a:rPr lang="en-MY" sz="2800" dirty="0"/>
+                        <a:t>Forum Name</a:t>
+                      </a:r>
+                      <a:endParaRPr lang="en-US" sz="2800" dirty="0"/>
+                    </a:p>
+                  </a:txBody>
+                  <a:tcPr/>
+                </a:tc>
+                <a:tc>
+                  <a:txBody>
+                    <a:bodyPr/>
+                    <a:lstStyle/>
+                    <a:p>
+                      <a:pPr algn="ctr"/>
+                      <a:r>
+                        <a:rPr lang="en-MY" sz="2800" dirty="0"/>
+                        <a:t>Date</a:t>
+                      </a:r>
+                      <a:endParaRPr lang="en-US" sz="2800" dirty="0"/>
+                    </a:p>
+                  </a:txBody>
+                  <a:tcPr/>
+                </a:tc>
+                <a:extLst>
+                  <a:ext uri="{0D108BD9-81ED-4DB2-BD59-A6C34878D82A}">
+                    <a16:rowId xmlns:a16="http://schemas.microsoft.com/office/drawing/2014/main" val="1226702496"/>
+                  </a:ext>
+                </a:extLst>
+              </a:tr>
+              <a:tr h="543352">
+                <a:tc>
+                  <a:txBody>
+                    <a:bodyPr/>
+                    <a:lstStyle/>
+                    <a:p>
+                      <a:endParaRPr lang="en-US" dirty="0"/>
+                    </a:p>
+                  </a:txBody>
+                  <a:tcPr/>
+                </a:tc>
+                <a:tc>
+                  <a:txBody>
+                    <a:bodyPr/>
+                    <a:lstStyle/>
+                    <a:p>
+                      <a:endParaRPr lang="en-US"/>
+                    </a:p>
+                  </a:txBody>
+                  <a:tcPr/>
+                </a:tc>
+                <a:tc>
+                  <a:txBody>
+                    <a:bodyPr/>
+                    <a:lstStyle/>
+                    <a:p>
+                      <a:endParaRPr lang="en-US"/>
+                    </a:p>
+                  </a:txBody>
+                  <a:tcPr/>
+                </a:tc>
+                <a:extLst>
+                  <a:ext uri="{0D108BD9-81ED-4DB2-BD59-A6C34878D82A}">
+                    <a16:rowId xmlns:a16="http://schemas.microsoft.com/office/drawing/2014/main" val="1926935883"/>
+                  </a:ext>
+                </a:extLst>
+              </a:tr>
+              <a:tr h="543352">
+                <a:tc>
+                  <a:txBody>
+                    <a:bodyPr/>
+                    <a:lstStyle/>
+                    <a:p>
+                      <a:endParaRPr lang="en-US"/>
+                    </a:p>
+                  </a:txBody>
+                  <a:tcPr/>
+                </a:tc>
+                <a:tc>
+                  <a:txBody>
+                    <a:bodyPr/>
+                    <a:lstStyle/>
+                    <a:p>
+                      <a:endParaRPr lang="en-US"/>
+                    </a:p>
+                  </a:txBody>
+                  <a:tcPr/>
+                </a:tc>
+                <a:tc>
+                  <a:txBody>
+                    <a:bodyPr/>
+                    <a:lstStyle/>
+                    <a:p>
+                      <a:endParaRPr lang="en-US"/>
+                    </a:p>
+                  </a:txBody>
+                  <a:tcPr/>
+                </a:tc>
+                <a:extLst>
+                  <a:ext uri="{0D108BD9-81ED-4DB2-BD59-A6C34878D82A}">
+                    <a16:rowId xmlns:a16="http://schemas.microsoft.com/office/drawing/2014/main" val="4073122890"/>
+                  </a:ext>
+                </a:extLst>
+              </a:tr>
+              <a:tr h="543352">
+                <a:tc>
+                  <a:txBody>
+                    <a:bodyPr/>
+                    <a:lstStyle/>
+                    <a:p>
+                      <a:endParaRPr lang="en-US"/>
+                    </a:p>
+                  </a:txBody>
+                  <a:tcPr/>
+                </a:tc>
+                <a:tc>
+                  <a:txBody>
+                    <a:bodyPr/>
+                    <a:lstStyle/>
+                    <a:p>
+                      <a:endParaRPr lang="en-US"/>
+                    </a:p>
+                  </a:txBody>
+                  <a:tcPr/>
+                </a:tc>
+                <a:tc>
+                  <a:txBody>
+                    <a:bodyPr/>
+                    <a:lstStyle/>
+                    <a:p>
+                      <a:endParaRPr lang="en-US"/>
+                    </a:p>
+                  </a:txBody>
+                  <a:tcPr/>
+                </a:tc>
+                <a:extLst>
+                  <a:ext uri="{0D108BD9-81ED-4DB2-BD59-A6C34878D82A}">
+                    <a16:rowId xmlns:a16="http://schemas.microsoft.com/office/drawing/2014/main" val="2708493154"/>
+                  </a:ext>
+                </a:extLst>
+              </a:tr>
+              <a:tr h="543352">
+                <a:tc>
+                  <a:txBody>
+                    <a:bodyPr/>
+                    <a:lstStyle/>
+                    <a:p>
+                      <a:endParaRPr lang="en-US"/>
+                    </a:p>
+                  </a:txBody>
+                  <a:tcPr/>
+                </a:tc>
+                <a:tc>
+                  <a:txBody>
+                    <a:bodyPr/>
+                    <a:lstStyle/>
+                    <a:p>
+                      <a:endParaRPr lang="en-US"/>
+                    </a:p>
+                  </a:txBody>
+                  <a:tcPr/>
+                </a:tc>
+                <a:tc>
+                  <a:txBody>
+                    <a:bodyPr/>
+                    <a:lstStyle/>
+                    <a:p>
+                      <a:endParaRPr lang="en-US" dirty="0"/>
+                    </a:p>
+                  </a:txBody>
+                  <a:tcPr/>
+                </a:tc>
+                <a:extLst>
+                  <a:ext uri="{0D108BD9-81ED-4DB2-BD59-A6C34878D82A}">
+                    <a16:rowId xmlns:a16="http://schemas.microsoft.com/office/drawing/2014/main" val="2008417267"/>
+                  </a:ext>
+                </a:extLst>
+              </a:tr>
+            </a:tbl>
+          </a:graphicData>
+        </a:graphic>
+      </p:graphicFrame>
+      <p:sp>
+        <p:nvSpPr>
+          <p:cNvPr id="71" name="Rectangle 70">
+            <a:extLst>
+              <a:ext uri="{FF2B5EF4-FFF2-40B4-BE49-F238E27FC236}">
+                <a16:creationId xmlns:a16="http://schemas.microsoft.com/office/drawing/2014/main" id="{6FFD9158-BE91-463F-9AD8-70228DC9DDF0}"/>
+              </a:ext>
+            </a:extLst>
+          </p:cNvPr>
+          <p:cNvSpPr/>
+          <p:nvPr/>
+        </p:nvSpPr>
+        <p:spPr>
+          <a:xfrm>
+            <a:off x="7327334" y="5798750"/>
+            <a:ext cx="765665" cy="508822"/>
+          </a:xfrm>
+          <a:prstGeom prst="rect">
+            <a:avLst/>
+          </a:prstGeom>
+        </p:spPr>
+        <p:style>
+          <a:lnRef idx="1">
+            <a:schemeClr val="accent3"/>
+          </a:lnRef>
+          <a:fillRef idx="2">
+            <a:schemeClr val="accent3"/>
+          </a:fillRef>
+          <a:effectRef idx="1">
+            <a:schemeClr val="accent3"/>
+          </a:effectRef>
+          <a:fontRef idx="minor">
+            <a:schemeClr val="dk1"/>
+          </a:fontRef>
+        </p:style>
+        <p:txBody>
+          <a:bodyPr rtlCol="0" anchor="ctr"/>
+          <a:lstStyle/>
+          <a:p>
+            <a:pPr algn="ctr"/>
+            <a:r>
+              <a:rPr lang="en-MY" dirty="0"/>
+              <a:t>Next</a:t>
+            </a:r>
+            <a:endParaRPr lang="en-US" dirty="0"/>
+          </a:p>
+        </p:txBody>
+      </p:sp>
+      <p:sp>
+        <p:nvSpPr>
+          <p:cNvPr id="72" name="Rectangle 71">
+            <a:extLst>
+              <a:ext uri="{FF2B5EF4-FFF2-40B4-BE49-F238E27FC236}">
+                <a16:creationId xmlns:a16="http://schemas.microsoft.com/office/drawing/2014/main" id="{4F88E62E-88CA-418B-B3AA-0992A316FE6A}"/>
+              </a:ext>
+            </a:extLst>
+          </p:cNvPr>
+          <p:cNvSpPr/>
+          <p:nvPr/>
+        </p:nvSpPr>
+        <p:spPr>
+          <a:xfrm>
+            <a:off x="4355909" y="5779130"/>
+            <a:ext cx="766800" cy="508822"/>
+          </a:xfrm>
+          <a:prstGeom prst="rect">
+            <a:avLst/>
+          </a:prstGeom>
+        </p:spPr>
+        <p:style>
+          <a:lnRef idx="1">
+            <a:schemeClr val="accent3"/>
+          </a:lnRef>
+          <a:fillRef idx="2">
+            <a:schemeClr val="accent3"/>
+          </a:fillRef>
+          <a:effectRef idx="1">
+            <a:schemeClr val="accent3"/>
+          </a:effectRef>
+          <a:fontRef idx="minor">
+            <a:schemeClr val="dk1"/>
+          </a:fontRef>
+        </p:style>
+        <p:txBody>
+          <a:bodyPr rtlCol="0" anchor="ctr"/>
+          <a:lstStyle/>
+          <a:p>
+            <a:pPr algn="ctr"/>
+            <a:r>
+              <a:rPr lang="en-MY" dirty="0" err="1"/>
+              <a:t>Prev</a:t>
+            </a:r>
+            <a:endParaRPr lang="en-US" dirty="0"/>
+          </a:p>
+        </p:txBody>
+      </p:sp>
+      <p:sp>
+        <p:nvSpPr>
+          <p:cNvPr id="73" name="TextBox 72">
+            <a:extLst>
+              <a:ext uri="{FF2B5EF4-FFF2-40B4-BE49-F238E27FC236}">
+                <a16:creationId xmlns:a16="http://schemas.microsoft.com/office/drawing/2014/main" id="{0CB14EAD-C3C1-4EE0-BD0F-0FFA90D14864}"/>
+              </a:ext>
+            </a:extLst>
+          </p:cNvPr>
+          <p:cNvSpPr txBox="1"/>
+          <p:nvPr/>
+        </p:nvSpPr>
+        <p:spPr>
+          <a:xfrm>
+            <a:off x="5666899" y="5889643"/>
+            <a:ext cx="1134116" cy="369332"/>
+          </a:xfrm>
+          <a:prstGeom prst="rect">
+            <a:avLst/>
+          </a:prstGeom>
+          <a:noFill/>
+        </p:spPr>
+        <p:txBody>
+          <a:bodyPr wrap="square" rtlCol="0">
+            <a:spAutoFit/>
+          </a:bodyPr>
+          <a:lstStyle/>
+          <a:p>
+            <a:r>
+              <a:rPr lang="en-MY" dirty="0"/>
+              <a:t>Page:2/3</a:t>
+            </a:r>
+            <a:endParaRPr lang="en-US" dirty="0"/>
+          </a:p>
+        </p:txBody>
+      </p:sp>
+    </p:spTree>
+    <p:extLst>
+      <p:ext uri="{BB962C8B-B14F-4D97-AF65-F5344CB8AC3E}">
+        <p14:creationId xmlns:p14="http://schemas.microsoft.com/office/powerpoint/2010/main" val="2396859848"/>
+      </p:ext>
+    </p:extLst>
+  </p:cSld>
+  <p:clrMapOvr>
+    <a:masterClrMapping/>
+  </p:clrMapOvr>
+</p:sld>
+</file>
+
+<file path=ppt/slides/slide7.xml><?xml version="1.0" encoding="utf-8"?>
 <p:sld xmlns:a="http://schemas.openxmlformats.org/drawingml/2006/main" xmlns:r="http://schemas.openxmlformats.org/officeDocument/2006/relationships" xmlns:p="http://schemas.openxmlformats.org/presentationml/2006/main">
   <p:cSld>
     <p:spTree>
@@ -15267,600 +20243,6 @@
           </a:p>
         </p:txBody>
       </p:sp>
-      <p:pic>
-        <p:nvPicPr>
-          <p:cNvPr id="50" name="Picture 49" descr="A close up of a logo&#10;&#10;Description generated with very high confidence">
-            <a:extLst>
-              <a:ext uri="{FF2B5EF4-FFF2-40B4-BE49-F238E27FC236}">
-                <a16:creationId xmlns:a16="http://schemas.microsoft.com/office/drawing/2014/main" id="{124D1103-0104-4F65-BD4E-F5A29A8F8AC1}"/>
-              </a:ext>
-            </a:extLst>
-          </p:cNvPr>
-          <p:cNvPicPr>
-            <a:picLocks noChangeAspect="1"/>
-          </p:cNvPicPr>
-          <p:nvPr/>
-        </p:nvPicPr>
-        <p:blipFill>
-          <a:blip r:embed="rId11">
-            <a:extLst>
-              <a:ext uri="{28A0092B-C50C-407E-A947-70E740481C1C}">
-                <a14:useLocalDpi xmlns:a14="http://schemas.microsoft.com/office/drawing/2010/main" val="0"/>
-              </a:ext>
-            </a:extLst>
-          </a:blip>
-          <a:stretch>
-            <a:fillRect/>
-          </a:stretch>
-        </p:blipFill>
-        <p:spPr>
-          <a:xfrm>
-            <a:off x="1552174" y="641219"/>
-            <a:ext cx="462600" cy="462600"/>
-          </a:xfrm>
-          <a:prstGeom prst="rect">
-            <a:avLst/>
-          </a:prstGeom>
-        </p:spPr>
-      </p:pic>
-      <p:cxnSp>
-        <p:nvCxnSpPr>
-          <p:cNvPr id="51" name="Straight Connector 50">
-            <a:extLst>
-              <a:ext uri="{FF2B5EF4-FFF2-40B4-BE49-F238E27FC236}">
-                <a16:creationId xmlns:a16="http://schemas.microsoft.com/office/drawing/2014/main" id="{1AD52201-459E-404F-8F00-E68DF5790428}"/>
-              </a:ext>
-            </a:extLst>
-          </p:cNvPr>
-          <p:cNvCxnSpPr/>
-          <p:nvPr/>
-        </p:nvCxnSpPr>
-        <p:spPr>
-          <a:xfrm>
-            <a:off x="1639957" y="1103819"/>
-            <a:ext cx="8999869" cy="18544"/>
-          </a:xfrm>
-          <a:prstGeom prst="line">
-            <a:avLst/>
-          </a:prstGeom>
-        </p:spPr>
-        <p:style>
-          <a:lnRef idx="1">
-            <a:schemeClr val="accent1"/>
-          </a:lnRef>
-          <a:fillRef idx="0">
-            <a:schemeClr val="accent1"/>
-          </a:fillRef>
-          <a:effectRef idx="0">
-            <a:schemeClr val="accent1"/>
-          </a:effectRef>
-          <a:fontRef idx="minor">
-            <a:schemeClr val="tx1"/>
-          </a:fontRef>
-        </p:style>
-      </p:cxnSp>
-      <p:sp>
-        <p:nvSpPr>
-          <p:cNvPr id="52" name="Rectangle 51">
-            <a:extLst>
-              <a:ext uri="{FF2B5EF4-FFF2-40B4-BE49-F238E27FC236}">
-                <a16:creationId xmlns:a16="http://schemas.microsoft.com/office/drawing/2014/main" id="{211A03C6-3C3C-488D-A6B3-7158AD15DABB}"/>
-              </a:ext>
-            </a:extLst>
-          </p:cNvPr>
-          <p:cNvSpPr/>
-          <p:nvPr/>
-        </p:nvSpPr>
-        <p:spPr>
-          <a:xfrm>
-            <a:off x="2042948" y="763843"/>
-            <a:ext cx="1512000" cy="262248"/>
-          </a:xfrm>
-          <a:prstGeom prst="rect">
-            <a:avLst/>
-          </a:prstGeom>
-          <a:solidFill>
-            <a:schemeClr val="tx2"/>
-          </a:solidFill>
-          <a:ln>
-            <a:solidFill>
-              <a:schemeClr val="accent3"/>
-            </a:solidFill>
-          </a:ln>
-        </p:spPr>
-        <p:style>
-          <a:lnRef idx="2">
-            <a:schemeClr val="dk1"/>
-          </a:lnRef>
-          <a:fillRef idx="1">
-            <a:schemeClr val="lt1"/>
-          </a:fillRef>
-          <a:effectRef idx="0">
-            <a:schemeClr val="dk1"/>
-          </a:effectRef>
-          <a:fontRef idx="minor">
-            <a:schemeClr val="dk1"/>
-          </a:fontRef>
-        </p:style>
-        <p:txBody>
-          <a:bodyPr rtlCol="0" anchor="ctr"/>
-          <a:lstStyle/>
-          <a:p>
-            <a:pPr algn="ctr"/>
-            <a:r>
-              <a:rPr lang="en-MY" dirty="0">
-                <a:solidFill>
-                  <a:schemeClr val="bg1"/>
-                </a:solidFill>
-              </a:rPr>
-              <a:t>Home</a:t>
-            </a:r>
-            <a:endParaRPr lang="en-US" dirty="0">
-              <a:solidFill>
-                <a:schemeClr val="bg1"/>
-              </a:solidFill>
-            </a:endParaRPr>
-          </a:p>
-        </p:txBody>
-      </p:sp>
-      <p:sp>
-        <p:nvSpPr>
-          <p:cNvPr id="53" name="Rectangle 52">
-            <a:extLst>
-              <a:ext uri="{FF2B5EF4-FFF2-40B4-BE49-F238E27FC236}">
-                <a16:creationId xmlns:a16="http://schemas.microsoft.com/office/drawing/2014/main" id="{208EE671-C366-476C-AE19-FFE4F9B3666E}"/>
-              </a:ext>
-            </a:extLst>
-          </p:cNvPr>
-          <p:cNvSpPr/>
-          <p:nvPr/>
-        </p:nvSpPr>
-        <p:spPr>
-          <a:xfrm>
-            <a:off x="3631148" y="767011"/>
-            <a:ext cx="1512000" cy="262800"/>
-          </a:xfrm>
-          <a:prstGeom prst="rect">
-            <a:avLst/>
-          </a:prstGeom>
-          <a:solidFill>
-            <a:schemeClr val="tx2"/>
-          </a:solidFill>
-          <a:ln>
-            <a:solidFill>
-              <a:schemeClr val="accent3"/>
-            </a:solidFill>
-          </a:ln>
-        </p:spPr>
-        <p:style>
-          <a:lnRef idx="2">
-            <a:schemeClr val="dk1"/>
-          </a:lnRef>
-          <a:fillRef idx="1">
-            <a:schemeClr val="lt1"/>
-          </a:fillRef>
-          <a:effectRef idx="0">
-            <a:schemeClr val="dk1"/>
-          </a:effectRef>
-          <a:fontRef idx="minor">
-            <a:schemeClr val="dk1"/>
-          </a:fontRef>
-        </p:style>
-        <p:txBody>
-          <a:bodyPr rtlCol="0" anchor="ctr"/>
-          <a:lstStyle/>
-          <a:p>
-            <a:pPr algn="ctr"/>
-            <a:r>
-              <a:rPr lang="en-MY" dirty="0">
-                <a:solidFill>
-                  <a:schemeClr val="bg1"/>
-                </a:solidFill>
-              </a:rPr>
-              <a:t>About</a:t>
-            </a:r>
-            <a:endParaRPr lang="en-US" dirty="0">
-              <a:solidFill>
-                <a:schemeClr val="bg1"/>
-              </a:solidFill>
-            </a:endParaRPr>
-          </a:p>
-        </p:txBody>
-      </p:sp>
-      <p:sp>
-        <p:nvSpPr>
-          <p:cNvPr id="54" name="Rectangle 53">
-            <a:extLst>
-              <a:ext uri="{FF2B5EF4-FFF2-40B4-BE49-F238E27FC236}">
-                <a16:creationId xmlns:a16="http://schemas.microsoft.com/office/drawing/2014/main" id="{F4F9C7C7-4A0C-4582-B4CF-58D236221154}"/>
-              </a:ext>
-            </a:extLst>
-          </p:cNvPr>
-          <p:cNvSpPr/>
-          <p:nvPr/>
-        </p:nvSpPr>
-        <p:spPr>
-          <a:xfrm>
-            <a:off x="5218396" y="773847"/>
-            <a:ext cx="1512000" cy="262800"/>
-          </a:xfrm>
-          <a:prstGeom prst="rect">
-            <a:avLst/>
-          </a:prstGeom>
-          <a:solidFill>
-            <a:schemeClr val="tx2"/>
-          </a:solidFill>
-          <a:ln>
-            <a:solidFill>
-              <a:schemeClr val="accent3"/>
-            </a:solidFill>
-          </a:ln>
-        </p:spPr>
-        <p:style>
-          <a:lnRef idx="2">
-            <a:schemeClr val="dk1"/>
-          </a:lnRef>
-          <a:fillRef idx="1">
-            <a:schemeClr val="lt1"/>
-          </a:fillRef>
-          <a:effectRef idx="0">
-            <a:schemeClr val="dk1"/>
-          </a:effectRef>
-          <a:fontRef idx="minor">
-            <a:schemeClr val="dk1"/>
-          </a:fontRef>
-        </p:style>
-        <p:txBody>
-          <a:bodyPr rtlCol="0" anchor="ctr"/>
-          <a:lstStyle/>
-          <a:p>
-            <a:r>
-              <a:rPr lang="en-MY" dirty="0">
-                <a:solidFill>
-                  <a:schemeClr val="bg1"/>
-                </a:solidFill>
-              </a:rPr>
-              <a:t>Beginner</a:t>
-            </a:r>
-            <a:endParaRPr lang="en-US" dirty="0">
-              <a:solidFill>
-                <a:schemeClr val="bg1"/>
-              </a:solidFill>
-            </a:endParaRPr>
-          </a:p>
-        </p:txBody>
-      </p:sp>
-      <p:sp>
-        <p:nvSpPr>
-          <p:cNvPr id="55" name="Rectangle 54">
-            <a:extLst>
-              <a:ext uri="{FF2B5EF4-FFF2-40B4-BE49-F238E27FC236}">
-                <a16:creationId xmlns:a16="http://schemas.microsoft.com/office/drawing/2014/main" id="{C2E719FE-C6EE-49CD-ADAF-F03DC70A78D6}"/>
-              </a:ext>
-            </a:extLst>
-          </p:cNvPr>
-          <p:cNvSpPr/>
-          <p:nvPr/>
-        </p:nvSpPr>
-        <p:spPr>
-          <a:xfrm>
-            <a:off x="6809646" y="778283"/>
-            <a:ext cx="1512000" cy="262800"/>
-          </a:xfrm>
-          <a:prstGeom prst="rect">
-            <a:avLst/>
-          </a:prstGeom>
-          <a:solidFill>
-            <a:schemeClr val="tx2"/>
-          </a:solidFill>
-          <a:ln>
-            <a:solidFill>
-              <a:schemeClr val="accent3"/>
-            </a:solidFill>
-          </a:ln>
-        </p:spPr>
-        <p:style>
-          <a:lnRef idx="2">
-            <a:schemeClr val="dk1"/>
-          </a:lnRef>
-          <a:fillRef idx="1">
-            <a:schemeClr val="lt1"/>
-          </a:fillRef>
-          <a:effectRef idx="0">
-            <a:schemeClr val="dk1"/>
-          </a:effectRef>
-          <a:fontRef idx="minor">
-            <a:schemeClr val="dk1"/>
-          </a:fontRef>
-        </p:style>
-        <p:txBody>
-          <a:bodyPr rtlCol="0" anchor="ctr"/>
-          <a:lstStyle/>
-          <a:p>
-            <a:r>
-              <a:rPr lang="en-MY" dirty="0">
-                <a:solidFill>
-                  <a:schemeClr val="bg1"/>
-                </a:solidFill>
-              </a:rPr>
-              <a:t>Intermediate</a:t>
-            </a:r>
-            <a:endParaRPr lang="en-US" dirty="0">
-              <a:solidFill>
-                <a:schemeClr val="bg1"/>
-              </a:solidFill>
-            </a:endParaRPr>
-          </a:p>
-        </p:txBody>
-      </p:sp>
-      <p:sp>
-        <p:nvSpPr>
-          <p:cNvPr id="56" name="Rectangle 55">
-            <a:extLst>
-              <a:ext uri="{FF2B5EF4-FFF2-40B4-BE49-F238E27FC236}">
-                <a16:creationId xmlns:a16="http://schemas.microsoft.com/office/drawing/2014/main" id="{7DC82863-0378-4256-97CF-413564EC3B21}"/>
-              </a:ext>
-            </a:extLst>
-          </p:cNvPr>
-          <p:cNvSpPr/>
-          <p:nvPr/>
-        </p:nvSpPr>
-        <p:spPr>
-          <a:xfrm>
-            <a:off x="8401593" y="783425"/>
-            <a:ext cx="1512000" cy="262800"/>
-          </a:xfrm>
-          <a:prstGeom prst="rect">
-            <a:avLst/>
-          </a:prstGeom>
-          <a:solidFill>
-            <a:schemeClr val="tx2"/>
-          </a:solidFill>
-          <a:ln>
-            <a:solidFill>
-              <a:schemeClr val="accent3"/>
-            </a:solidFill>
-          </a:ln>
-        </p:spPr>
-        <p:style>
-          <a:lnRef idx="2">
-            <a:schemeClr val="dk1"/>
-          </a:lnRef>
-          <a:fillRef idx="1">
-            <a:schemeClr val="lt1"/>
-          </a:fillRef>
-          <a:effectRef idx="0">
-            <a:schemeClr val="dk1"/>
-          </a:effectRef>
-          <a:fontRef idx="minor">
-            <a:schemeClr val="dk1"/>
-          </a:fontRef>
-        </p:style>
-        <p:txBody>
-          <a:bodyPr rtlCol="0" anchor="ctr"/>
-          <a:lstStyle/>
-          <a:p>
-            <a:r>
-              <a:rPr lang="en-MY" dirty="0">
-                <a:solidFill>
-                  <a:schemeClr val="bg1"/>
-                </a:solidFill>
-              </a:rPr>
-              <a:t>Advanced</a:t>
-            </a:r>
-            <a:endParaRPr lang="en-US" dirty="0">
-              <a:solidFill>
-                <a:schemeClr val="bg1"/>
-              </a:solidFill>
-            </a:endParaRPr>
-          </a:p>
-        </p:txBody>
-      </p:sp>
-      <p:pic>
-        <p:nvPicPr>
-          <p:cNvPr id="57" name="Picture 56">
-            <a:extLst>
-              <a:ext uri="{FF2B5EF4-FFF2-40B4-BE49-F238E27FC236}">
-                <a16:creationId xmlns:a16="http://schemas.microsoft.com/office/drawing/2014/main" id="{12BB5149-E4F8-49C3-B235-B1210B3AD0CD}"/>
-              </a:ext>
-            </a:extLst>
-          </p:cNvPr>
-          <p:cNvPicPr>
-            <a:picLocks noChangeAspect="1"/>
-          </p:cNvPicPr>
-          <p:nvPr/>
-        </p:nvPicPr>
-        <p:blipFill>
-          <a:blip r:embed="rId12">
-            <a:duotone>
-              <a:prstClr val="black"/>
-              <a:schemeClr val="accent3">
-                <a:tint val="45000"/>
-                <a:satMod val="400000"/>
-              </a:schemeClr>
-            </a:duotone>
-            <a:extLst>
-              <a:ext uri="{28A0092B-C50C-407E-A947-70E740481C1C}">
-                <a14:useLocalDpi xmlns:a14="http://schemas.microsoft.com/office/drawing/2010/main" val="0"/>
-              </a:ext>
-            </a:extLst>
-          </a:blip>
-          <a:stretch>
-            <a:fillRect/>
-          </a:stretch>
-        </p:blipFill>
-        <p:spPr>
-          <a:xfrm>
-            <a:off x="10206324" y="730108"/>
-            <a:ext cx="334514" cy="334514"/>
-          </a:xfrm>
-          <a:prstGeom prst="rect">
-            <a:avLst/>
-          </a:prstGeom>
-        </p:spPr>
-      </p:pic>
-      <p:sp>
-        <p:nvSpPr>
-          <p:cNvPr id="58" name="Flowchart: Merge 57">
-            <a:extLst>
-              <a:ext uri="{FF2B5EF4-FFF2-40B4-BE49-F238E27FC236}">
-                <a16:creationId xmlns:a16="http://schemas.microsoft.com/office/drawing/2014/main" id="{A768217B-7474-4D49-8E5D-C6E9049B874E}"/>
-              </a:ext>
-            </a:extLst>
-          </p:cNvPr>
-          <p:cNvSpPr/>
-          <p:nvPr/>
-        </p:nvSpPr>
-        <p:spPr>
-          <a:xfrm>
-            <a:off x="6469010" y="885389"/>
-            <a:ext cx="89124" cy="77524"/>
-          </a:xfrm>
-          <a:prstGeom prst="flowChartMerge">
-            <a:avLst/>
-          </a:prstGeom>
-          <a:solidFill>
-            <a:schemeClr val="bg1"/>
-          </a:solidFill>
-          <a:ln>
-            <a:solidFill>
-              <a:schemeClr val="accent3"/>
-            </a:solidFill>
-          </a:ln>
-        </p:spPr>
-        <p:style>
-          <a:lnRef idx="2">
-            <a:schemeClr val="accent1">
-              <a:shade val="50000"/>
-            </a:schemeClr>
-          </a:lnRef>
-          <a:fillRef idx="1">
-            <a:schemeClr val="accent1"/>
-          </a:fillRef>
-          <a:effectRef idx="0">
-            <a:schemeClr val="accent1"/>
-          </a:effectRef>
-          <a:fontRef idx="minor">
-            <a:schemeClr val="lt1"/>
-          </a:fontRef>
-        </p:style>
-        <p:txBody>
-          <a:bodyPr rtlCol="0" anchor="ctr"/>
-          <a:lstStyle/>
-          <a:p>
-            <a:pPr algn="ctr"/>
-            <a:endParaRPr lang="en-US"/>
-          </a:p>
-        </p:txBody>
-      </p:sp>
-      <p:sp>
-        <p:nvSpPr>
-          <p:cNvPr id="59" name="Flowchart: Merge 58">
-            <a:extLst>
-              <a:ext uri="{FF2B5EF4-FFF2-40B4-BE49-F238E27FC236}">
-                <a16:creationId xmlns:a16="http://schemas.microsoft.com/office/drawing/2014/main" id="{9C9EDFC8-191D-4786-B1A2-1C2881E705AF}"/>
-              </a:ext>
-            </a:extLst>
-          </p:cNvPr>
-          <p:cNvSpPr/>
-          <p:nvPr/>
-        </p:nvSpPr>
-        <p:spPr>
-          <a:xfrm>
-            <a:off x="9728015" y="885389"/>
-            <a:ext cx="89124" cy="77524"/>
-          </a:xfrm>
-          <a:prstGeom prst="flowChartMerge">
-            <a:avLst/>
-          </a:prstGeom>
-          <a:solidFill>
-            <a:schemeClr val="bg1"/>
-          </a:solidFill>
-          <a:ln>
-            <a:solidFill>
-              <a:schemeClr val="accent3"/>
-            </a:solidFill>
-          </a:ln>
-        </p:spPr>
-        <p:style>
-          <a:lnRef idx="2">
-            <a:schemeClr val="accent1">
-              <a:shade val="50000"/>
-            </a:schemeClr>
-          </a:lnRef>
-          <a:fillRef idx="1">
-            <a:schemeClr val="accent1"/>
-          </a:fillRef>
-          <a:effectRef idx="0">
-            <a:schemeClr val="accent1"/>
-          </a:effectRef>
-          <a:fontRef idx="minor">
-            <a:schemeClr val="lt1"/>
-          </a:fontRef>
-        </p:style>
-        <p:txBody>
-          <a:bodyPr rtlCol="0" anchor="ctr"/>
-          <a:lstStyle/>
-          <a:p>
-            <a:pPr algn="ctr"/>
-            <a:endParaRPr lang="en-US"/>
-          </a:p>
-        </p:txBody>
-      </p:sp>
-      <p:sp>
-        <p:nvSpPr>
-          <p:cNvPr id="60" name="Flowchart: Merge 59">
-            <a:extLst>
-              <a:ext uri="{FF2B5EF4-FFF2-40B4-BE49-F238E27FC236}">
-                <a16:creationId xmlns:a16="http://schemas.microsoft.com/office/drawing/2014/main" id="{2A8CA2F6-CE09-4C27-B821-CA51D0377E0D}"/>
-              </a:ext>
-            </a:extLst>
-          </p:cNvPr>
-          <p:cNvSpPr/>
-          <p:nvPr/>
-        </p:nvSpPr>
-        <p:spPr>
-          <a:xfrm>
-            <a:off x="8166104" y="885389"/>
-            <a:ext cx="89124" cy="77524"/>
-          </a:xfrm>
-          <a:prstGeom prst="flowChartMerge">
-            <a:avLst/>
-          </a:prstGeom>
-          <a:solidFill>
-            <a:schemeClr val="bg1"/>
-          </a:solidFill>
-          <a:ln>
-            <a:solidFill>
-              <a:schemeClr val="accent3"/>
-            </a:solidFill>
-          </a:ln>
-        </p:spPr>
-        <p:style>
-          <a:lnRef idx="2">
-            <a:schemeClr val="accent1">
-              <a:shade val="50000"/>
-            </a:schemeClr>
-          </a:lnRef>
-          <a:fillRef idx="1">
-            <a:schemeClr val="accent1"/>
-          </a:fillRef>
-          <a:effectRef idx="0">
-            <a:schemeClr val="accent1"/>
-          </a:effectRef>
-          <a:fontRef idx="minor">
-            <a:schemeClr val="lt1"/>
-          </a:fontRef>
-        </p:style>
-        <p:txBody>
-          <a:bodyPr rtlCol="0" anchor="ctr"/>
-          <a:lstStyle/>
-          <a:p>
-            <a:pPr algn="ctr"/>
-            <a:endParaRPr lang="en-US"/>
-          </a:p>
-        </p:txBody>
-      </p:sp>
       <p:sp>
         <p:nvSpPr>
           <p:cNvPr id="67" name="Rectangle 66">
@@ -16972,6 +21354,664 @@
                 <a:schemeClr val="accent1">
                   <a:lumMod val="75000"/>
                 </a:schemeClr>
+              </a:solidFill>
+            </a:endParaRPr>
+          </a:p>
+        </p:txBody>
+      </p:sp>
+      <p:pic>
+        <p:nvPicPr>
+          <p:cNvPr id="68" name="Picture 67" descr="A close up of a logo&#10;&#10;Description generated with very high confidence">
+            <a:extLst>
+              <a:ext uri="{FF2B5EF4-FFF2-40B4-BE49-F238E27FC236}">
+                <a16:creationId xmlns:a16="http://schemas.microsoft.com/office/drawing/2014/main" id="{2EC432FB-4126-4D38-863C-28E1A8CA053D}"/>
+              </a:ext>
+            </a:extLst>
+          </p:cNvPr>
+          <p:cNvPicPr>
+            <a:picLocks noChangeAspect="1"/>
+          </p:cNvPicPr>
+          <p:nvPr/>
+        </p:nvPicPr>
+        <p:blipFill>
+          <a:blip r:embed="rId11">
+            <a:extLst>
+              <a:ext uri="{28A0092B-C50C-407E-A947-70E740481C1C}">
+                <a14:useLocalDpi xmlns:a14="http://schemas.microsoft.com/office/drawing/2010/main" val="0"/>
+              </a:ext>
+            </a:extLst>
+          </a:blip>
+          <a:stretch>
+            <a:fillRect/>
+          </a:stretch>
+        </p:blipFill>
+        <p:spPr>
+          <a:xfrm>
+            <a:off x="1552174" y="641219"/>
+            <a:ext cx="462600" cy="462600"/>
+          </a:xfrm>
+          <a:prstGeom prst="rect">
+            <a:avLst/>
+          </a:prstGeom>
+        </p:spPr>
+      </p:pic>
+      <p:cxnSp>
+        <p:nvCxnSpPr>
+          <p:cNvPr id="69" name="Straight Connector 68">
+            <a:extLst>
+              <a:ext uri="{FF2B5EF4-FFF2-40B4-BE49-F238E27FC236}">
+                <a16:creationId xmlns:a16="http://schemas.microsoft.com/office/drawing/2014/main" id="{3B8467A1-D42D-4D91-8E7B-D0BC07544373}"/>
+              </a:ext>
+            </a:extLst>
+          </p:cNvPr>
+          <p:cNvCxnSpPr/>
+          <p:nvPr/>
+        </p:nvCxnSpPr>
+        <p:spPr>
+          <a:xfrm>
+            <a:off x="1639957" y="1103819"/>
+            <a:ext cx="8999869" cy="18544"/>
+          </a:xfrm>
+          <a:prstGeom prst="line">
+            <a:avLst/>
+          </a:prstGeom>
+        </p:spPr>
+        <p:style>
+          <a:lnRef idx="1">
+            <a:schemeClr val="accent1"/>
+          </a:lnRef>
+          <a:fillRef idx="0">
+            <a:schemeClr val="accent1"/>
+          </a:fillRef>
+          <a:effectRef idx="0">
+            <a:schemeClr val="accent1"/>
+          </a:effectRef>
+          <a:fontRef idx="minor">
+            <a:schemeClr val="tx1"/>
+          </a:fontRef>
+        </p:style>
+      </p:cxnSp>
+      <p:sp>
+        <p:nvSpPr>
+          <p:cNvPr id="70" name="Rectangle 69">
+            <a:extLst>
+              <a:ext uri="{FF2B5EF4-FFF2-40B4-BE49-F238E27FC236}">
+                <a16:creationId xmlns:a16="http://schemas.microsoft.com/office/drawing/2014/main" id="{DEA8E842-818C-40E0-8620-749E6C1FDA75}"/>
+              </a:ext>
+            </a:extLst>
+          </p:cNvPr>
+          <p:cNvSpPr/>
+          <p:nvPr/>
+        </p:nvSpPr>
+        <p:spPr>
+          <a:xfrm>
+            <a:off x="2042948" y="763843"/>
+            <a:ext cx="1260000" cy="262248"/>
+          </a:xfrm>
+          <a:prstGeom prst="rect">
+            <a:avLst/>
+          </a:prstGeom>
+          <a:solidFill>
+            <a:schemeClr val="tx2"/>
+          </a:solidFill>
+          <a:ln>
+            <a:solidFill>
+              <a:schemeClr val="accent3"/>
+            </a:solidFill>
+          </a:ln>
+        </p:spPr>
+        <p:style>
+          <a:lnRef idx="2">
+            <a:schemeClr val="dk1"/>
+          </a:lnRef>
+          <a:fillRef idx="1">
+            <a:schemeClr val="lt1"/>
+          </a:fillRef>
+          <a:effectRef idx="0">
+            <a:schemeClr val="dk1"/>
+          </a:effectRef>
+          <a:fontRef idx="minor">
+            <a:schemeClr val="dk1"/>
+          </a:fontRef>
+        </p:style>
+        <p:txBody>
+          <a:bodyPr rtlCol="0" anchor="ctr"/>
+          <a:lstStyle/>
+          <a:p>
+            <a:pPr algn="ctr"/>
+            <a:r>
+              <a:rPr lang="en-MY" dirty="0">
+                <a:solidFill>
+                  <a:schemeClr val="bg1"/>
+                </a:solidFill>
+              </a:rPr>
+              <a:t>Home</a:t>
+            </a:r>
+            <a:endParaRPr lang="en-US" dirty="0">
+              <a:solidFill>
+                <a:schemeClr val="bg1"/>
+              </a:solidFill>
+            </a:endParaRPr>
+          </a:p>
+        </p:txBody>
+      </p:sp>
+      <p:sp>
+        <p:nvSpPr>
+          <p:cNvPr id="72" name="Rectangle 71">
+            <a:extLst>
+              <a:ext uri="{FF2B5EF4-FFF2-40B4-BE49-F238E27FC236}">
+                <a16:creationId xmlns:a16="http://schemas.microsoft.com/office/drawing/2014/main" id="{190972F3-6383-4F13-BE1D-FD7B44B21F51}"/>
+              </a:ext>
+            </a:extLst>
+          </p:cNvPr>
+          <p:cNvSpPr/>
+          <p:nvPr/>
+        </p:nvSpPr>
+        <p:spPr>
+          <a:xfrm>
+            <a:off x="3333089" y="760643"/>
+            <a:ext cx="1260000" cy="262800"/>
+          </a:xfrm>
+          <a:prstGeom prst="rect">
+            <a:avLst/>
+          </a:prstGeom>
+          <a:solidFill>
+            <a:schemeClr val="tx2"/>
+          </a:solidFill>
+          <a:ln>
+            <a:solidFill>
+              <a:schemeClr val="accent3"/>
+            </a:solidFill>
+          </a:ln>
+        </p:spPr>
+        <p:style>
+          <a:lnRef idx="2">
+            <a:schemeClr val="dk1"/>
+          </a:lnRef>
+          <a:fillRef idx="1">
+            <a:schemeClr val="lt1"/>
+          </a:fillRef>
+          <a:effectRef idx="0">
+            <a:schemeClr val="dk1"/>
+          </a:effectRef>
+          <a:fontRef idx="minor">
+            <a:schemeClr val="dk1"/>
+          </a:fontRef>
+        </p:style>
+        <p:txBody>
+          <a:bodyPr rtlCol="0" anchor="ctr"/>
+          <a:lstStyle/>
+          <a:p>
+            <a:pPr algn="ctr"/>
+            <a:r>
+              <a:rPr lang="en-MY" dirty="0">
+                <a:solidFill>
+                  <a:schemeClr val="bg1"/>
+                </a:solidFill>
+              </a:rPr>
+              <a:t>About</a:t>
+            </a:r>
+            <a:endParaRPr lang="en-US" dirty="0">
+              <a:solidFill>
+                <a:schemeClr val="bg1"/>
+              </a:solidFill>
+            </a:endParaRPr>
+          </a:p>
+        </p:txBody>
+      </p:sp>
+      <p:sp>
+        <p:nvSpPr>
+          <p:cNvPr id="74" name="Rectangle 73">
+            <a:extLst>
+              <a:ext uri="{FF2B5EF4-FFF2-40B4-BE49-F238E27FC236}">
+                <a16:creationId xmlns:a16="http://schemas.microsoft.com/office/drawing/2014/main" id="{6D4BB018-E9D1-4AC9-B0EA-040B1AA54947}"/>
+              </a:ext>
+            </a:extLst>
+          </p:cNvPr>
+          <p:cNvSpPr/>
+          <p:nvPr/>
+        </p:nvSpPr>
+        <p:spPr>
+          <a:xfrm>
+            <a:off x="4621263" y="753989"/>
+            <a:ext cx="1260000" cy="262800"/>
+          </a:xfrm>
+          <a:prstGeom prst="rect">
+            <a:avLst/>
+          </a:prstGeom>
+          <a:solidFill>
+            <a:schemeClr val="tx2"/>
+          </a:solidFill>
+          <a:ln>
+            <a:solidFill>
+              <a:schemeClr val="accent3"/>
+            </a:solidFill>
+          </a:ln>
+        </p:spPr>
+        <p:style>
+          <a:lnRef idx="2">
+            <a:schemeClr val="dk1"/>
+          </a:lnRef>
+          <a:fillRef idx="1">
+            <a:schemeClr val="lt1"/>
+          </a:fillRef>
+          <a:effectRef idx="0">
+            <a:schemeClr val="dk1"/>
+          </a:effectRef>
+          <a:fontRef idx="minor">
+            <a:schemeClr val="dk1"/>
+          </a:fontRef>
+        </p:style>
+        <p:txBody>
+          <a:bodyPr rtlCol="0" anchor="ctr"/>
+          <a:lstStyle/>
+          <a:p>
+            <a:r>
+              <a:rPr lang="en-MY" dirty="0">
+                <a:solidFill>
+                  <a:schemeClr val="bg1"/>
+                </a:solidFill>
+              </a:rPr>
+              <a:t>Beginner</a:t>
+            </a:r>
+            <a:endParaRPr lang="en-US" dirty="0">
+              <a:solidFill>
+                <a:schemeClr val="bg1"/>
+              </a:solidFill>
+            </a:endParaRPr>
+          </a:p>
+        </p:txBody>
+      </p:sp>
+      <p:sp>
+        <p:nvSpPr>
+          <p:cNvPr id="75" name="Rectangle 74">
+            <a:extLst>
+              <a:ext uri="{FF2B5EF4-FFF2-40B4-BE49-F238E27FC236}">
+                <a16:creationId xmlns:a16="http://schemas.microsoft.com/office/drawing/2014/main" id="{9715332A-54AD-4D1E-950B-BE9FFBDCCC18}"/>
+              </a:ext>
+            </a:extLst>
+          </p:cNvPr>
+          <p:cNvSpPr/>
+          <p:nvPr/>
+        </p:nvSpPr>
+        <p:spPr>
+          <a:xfrm>
+            <a:off x="5926314" y="760643"/>
+            <a:ext cx="1512000" cy="262800"/>
+          </a:xfrm>
+          <a:prstGeom prst="rect">
+            <a:avLst/>
+          </a:prstGeom>
+          <a:solidFill>
+            <a:schemeClr val="tx2"/>
+          </a:solidFill>
+          <a:ln>
+            <a:solidFill>
+              <a:schemeClr val="accent3"/>
+            </a:solidFill>
+          </a:ln>
+        </p:spPr>
+        <p:style>
+          <a:lnRef idx="2">
+            <a:schemeClr val="dk1"/>
+          </a:lnRef>
+          <a:fillRef idx="1">
+            <a:schemeClr val="lt1"/>
+          </a:fillRef>
+          <a:effectRef idx="0">
+            <a:schemeClr val="dk1"/>
+          </a:effectRef>
+          <a:fontRef idx="minor">
+            <a:schemeClr val="dk1"/>
+          </a:fontRef>
+        </p:style>
+        <p:txBody>
+          <a:bodyPr rtlCol="0" anchor="ctr"/>
+          <a:lstStyle/>
+          <a:p>
+            <a:r>
+              <a:rPr lang="en-MY" dirty="0">
+                <a:solidFill>
+                  <a:schemeClr val="bg1"/>
+                </a:solidFill>
+              </a:rPr>
+              <a:t>Intermediate</a:t>
+            </a:r>
+            <a:endParaRPr lang="en-US" dirty="0">
+              <a:solidFill>
+                <a:schemeClr val="bg1"/>
+              </a:solidFill>
+            </a:endParaRPr>
+          </a:p>
+        </p:txBody>
+      </p:sp>
+      <p:sp>
+        <p:nvSpPr>
+          <p:cNvPr id="78" name="Rectangle 77">
+            <a:extLst>
+              <a:ext uri="{FF2B5EF4-FFF2-40B4-BE49-F238E27FC236}">
+                <a16:creationId xmlns:a16="http://schemas.microsoft.com/office/drawing/2014/main" id="{4A2E12A0-9F47-417A-BE7F-09ED38152BD7}"/>
+              </a:ext>
+            </a:extLst>
+          </p:cNvPr>
+          <p:cNvSpPr/>
+          <p:nvPr/>
+        </p:nvSpPr>
+        <p:spPr>
+          <a:xfrm>
+            <a:off x="7491289" y="760643"/>
+            <a:ext cx="1260000" cy="262800"/>
+          </a:xfrm>
+          <a:prstGeom prst="rect">
+            <a:avLst/>
+          </a:prstGeom>
+          <a:solidFill>
+            <a:schemeClr val="tx2"/>
+          </a:solidFill>
+          <a:ln>
+            <a:solidFill>
+              <a:schemeClr val="accent3"/>
+            </a:solidFill>
+          </a:ln>
+        </p:spPr>
+        <p:style>
+          <a:lnRef idx="2">
+            <a:schemeClr val="dk1"/>
+          </a:lnRef>
+          <a:fillRef idx="1">
+            <a:schemeClr val="lt1"/>
+          </a:fillRef>
+          <a:effectRef idx="0">
+            <a:schemeClr val="dk1"/>
+          </a:effectRef>
+          <a:fontRef idx="minor">
+            <a:schemeClr val="dk1"/>
+          </a:fontRef>
+        </p:style>
+        <p:txBody>
+          <a:bodyPr rtlCol="0" anchor="ctr"/>
+          <a:lstStyle/>
+          <a:p>
+            <a:r>
+              <a:rPr lang="en-MY" dirty="0">
+                <a:solidFill>
+                  <a:schemeClr val="bg1"/>
+                </a:solidFill>
+              </a:rPr>
+              <a:t>Advanced</a:t>
+            </a:r>
+            <a:endParaRPr lang="en-US" dirty="0">
+              <a:solidFill>
+                <a:schemeClr val="bg1"/>
+              </a:solidFill>
+            </a:endParaRPr>
+          </a:p>
+        </p:txBody>
+      </p:sp>
+      <p:pic>
+        <p:nvPicPr>
+          <p:cNvPr id="80" name="Picture 79">
+            <a:extLst>
+              <a:ext uri="{FF2B5EF4-FFF2-40B4-BE49-F238E27FC236}">
+                <a16:creationId xmlns:a16="http://schemas.microsoft.com/office/drawing/2014/main" id="{3DA97777-196A-40C3-BD00-6046F8F91816}"/>
+              </a:ext>
+            </a:extLst>
+          </p:cNvPr>
+          <p:cNvPicPr>
+            <a:picLocks noChangeAspect="1"/>
+          </p:cNvPicPr>
+          <p:nvPr/>
+        </p:nvPicPr>
+        <p:blipFill>
+          <a:blip r:embed="rId12">
+            <a:duotone>
+              <a:prstClr val="black"/>
+              <a:schemeClr val="accent3">
+                <a:tint val="45000"/>
+                <a:satMod val="400000"/>
+              </a:schemeClr>
+            </a:duotone>
+            <a:extLst>
+              <a:ext uri="{28A0092B-C50C-407E-A947-70E740481C1C}">
+                <a14:useLocalDpi xmlns:a14="http://schemas.microsoft.com/office/drawing/2010/main" val="0"/>
+              </a:ext>
+            </a:extLst>
+          </a:blip>
+          <a:stretch>
+            <a:fillRect/>
+          </a:stretch>
+        </p:blipFill>
+        <p:spPr>
+          <a:xfrm>
+            <a:off x="10206324" y="730108"/>
+            <a:ext cx="334514" cy="334514"/>
+          </a:xfrm>
+          <a:prstGeom prst="rect">
+            <a:avLst/>
+          </a:prstGeom>
+        </p:spPr>
+      </p:pic>
+      <p:sp>
+        <p:nvSpPr>
+          <p:cNvPr id="95" name="Flowchart: Merge 94">
+            <a:extLst>
+              <a:ext uri="{FF2B5EF4-FFF2-40B4-BE49-F238E27FC236}">
+                <a16:creationId xmlns:a16="http://schemas.microsoft.com/office/drawing/2014/main" id="{A8BB494E-9FF3-4037-AD90-48181C3D0883}"/>
+              </a:ext>
+            </a:extLst>
+          </p:cNvPr>
+          <p:cNvSpPr/>
+          <p:nvPr/>
+        </p:nvSpPr>
+        <p:spPr>
+          <a:xfrm>
+            <a:off x="5622337" y="869689"/>
+            <a:ext cx="89124" cy="77524"/>
+          </a:xfrm>
+          <a:prstGeom prst="flowChartMerge">
+            <a:avLst/>
+          </a:prstGeom>
+          <a:solidFill>
+            <a:schemeClr val="bg1"/>
+          </a:solidFill>
+          <a:ln>
+            <a:solidFill>
+              <a:schemeClr val="accent3"/>
+            </a:solidFill>
+          </a:ln>
+        </p:spPr>
+        <p:style>
+          <a:lnRef idx="2">
+            <a:schemeClr val="accent1">
+              <a:shade val="50000"/>
+            </a:schemeClr>
+          </a:lnRef>
+          <a:fillRef idx="1">
+            <a:schemeClr val="accent1"/>
+          </a:fillRef>
+          <a:effectRef idx="0">
+            <a:schemeClr val="accent1"/>
+          </a:effectRef>
+          <a:fontRef idx="minor">
+            <a:schemeClr val="lt1"/>
+          </a:fontRef>
+        </p:style>
+        <p:txBody>
+          <a:bodyPr rtlCol="0" anchor="ctr"/>
+          <a:lstStyle/>
+          <a:p>
+            <a:pPr algn="ctr"/>
+            <a:endParaRPr lang="en-US"/>
+          </a:p>
+        </p:txBody>
+      </p:sp>
+      <p:sp>
+        <p:nvSpPr>
+          <p:cNvPr id="96" name="Flowchart: Merge 95">
+            <a:extLst>
+              <a:ext uri="{FF2B5EF4-FFF2-40B4-BE49-F238E27FC236}">
+                <a16:creationId xmlns:a16="http://schemas.microsoft.com/office/drawing/2014/main" id="{71C1545F-1F28-4B78-A497-C7180EAFFB32}"/>
+              </a:ext>
+            </a:extLst>
+          </p:cNvPr>
+          <p:cNvSpPr/>
+          <p:nvPr/>
+        </p:nvSpPr>
+        <p:spPr>
+          <a:xfrm>
+            <a:off x="8580813" y="870338"/>
+            <a:ext cx="89124" cy="77524"/>
+          </a:xfrm>
+          <a:prstGeom prst="flowChartMerge">
+            <a:avLst/>
+          </a:prstGeom>
+          <a:solidFill>
+            <a:schemeClr val="bg1"/>
+          </a:solidFill>
+          <a:ln>
+            <a:solidFill>
+              <a:schemeClr val="accent3"/>
+            </a:solidFill>
+          </a:ln>
+        </p:spPr>
+        <p:style>
+          <a:lnRef idx="2">
+            <a:schemeClr val="accent1">
+              <a:shade val="50000"/>
+            </a:schemeClr>
+          </a:lnRef>
+          <a:fillRef idx="1">
+            <a:schemeClr val="accent1"/>
+          </a:fillRef>
+          <a:effectRef idx="0">
+            <a:schemeClr val="accent1"/>
+          </a:effectRef>
+          <a:fontRef idx="minor">
+            <a:schemeClr val="lt1"/>
+          </a:fontRef>
+        </p:style>
+        <p:txBody>
+          <a:bodyPr rtlCol="0" anchor="ctr"/>
+          <a:lstStyle/>
+          <a:p>
+            <a:pPr algn="ctr"/>
+            <a:endParaRPr lang="en-US"/>
+          </a:p>
+        </p:txBody>
+      </p:sp>
+      <p:sp>
+        <p:nvSpPr>
+          <p:cNvPr id="97" name="Flowchart: Merge 96">
+            <a:extLst>
+              <a:ext uri="{FF2B5EF4-FFF2-40B4-BE49-F238E27FC236}">
+                <a16:creationId xmlns:a16="http://schemas.microsoft.com/office/drawing/2014/main" id="{3F9D2E52-91AB-4574-ABE7-2F56159BF6ED}"/>
+              </a:ext>
+            </a:extLst>
+          </p:cNvPr>
+          <p:cNvSpPr/>
+          <p:nvPr/>
+        </p:nvSpPr>
+        <p:spPr>
+          <a:xfrm>
+            <a:off x="7282772" y="867749"/>
+            <a:ext cx="89124" cy="77524"/>
+          </a:xfrm>
+          <a:prstGeom prst="flowChartMerge">
+            <a:avLst/>
+          </a:prstGeom>
+          <a:solidFill>
+            <a:schemeClr val="bg1"/>
+          </a:solidFill>
+          <a:ln>
+            <a:solidFill>
+              <a:schemeClr val="accent3"/>
+            </a:solidFill>
+          </a:ln>
+        </p:spPr>
+        <p:style>
+          <a:lnRef idx="2">
+            <a:schemeClr val="accent1">
+              <a:shade val="50000"/>
+            </a:schemeClr>
+          </a:lnRef>
+          <a:fillRef idx="1">
+            <a:schemeClr val="accent1"/>
+          </a:fillRef>
+          <a:effectRef idx="0">
+            <a:schemeClr val="accent1"/>
+          </a:effectRef>
+          <a:fontRef idx="minor">
+            <a:schemeClr val="lt1"/>
+          </a:fontRef>
+        </p:style>
+        <p:txBody>
+          <a:bodyPr rtlCol="0" anchor="ctr"/>
+          <a:lstStyle/>
+          <a:p>
+            <a:pPr algn="ctr"/>
+            <a:endParaRPr lang="en-US"/>
+          </a:p>
+        </p:txBody>
+      </p:sp>
+      <p:sp>
+        <p:nvSpPr>
+          <p:cNvPr id="98" name="Rectangle 97">
+            <a:extLst>
+              <a:ext uri="{FF2B5EF4-FFF2-40B4-BE49-F238E27FC236}">
+                <a16:creationId xmlns:a16="http://schemas.microsoft.com/office/drawing/2014/main" id="{78EE2BCE-8D7A-47B3-B7B1-94ECCC461BFB}"/>
+              </a:ext>
+            </a:extLst>
+          </p:cNvPr>
+          <p:cNvSpPr/>
+          <p:nvPr/>
+        </p:nvSpPr>
+        <p:spPr>
+          <a:xfrm>
+            <a:off x="8784350" y="765583"/>
+            <a:ext cx="1260000" cy="262248"/>
+          </a:xfrm>
+          <a:prstGeom prst="rect">
+            <a:avLst/>
+          </a:prstGeom>
+          <a:solidFill>
+            <a:schemeClr val="tx2"/>
+          </a:solidFill>
+          <a:ln>
+            <a:solidFill>
+              <a:schemeClr val="accent3"/>
+            </a:solidFill>
+          </a:ln>
+        </p:spPr>
+        <p:style>
+          <a:lnRef idx="2">
+            <a:schemeClr val="dk1"/>
+          </a:lnRef>
+          <a:fillRef idx="1">
+            <a:schemeClr val="lt1"/>
+          </a:fillRef>
+          <a:effectRef idx="0">
+            <a:schemeClr val="dk1"/>
+          </a:effectRef>
+          <a:fontRef idx="minor">
+            <a:schemeClr val="dk1"/>
+          </a:fontRef>
+        </p:style>
+        <p:txBody>
+          <a:bodyPr rtlCol="0" anchor="ctr"/>
+          <a:lstStyle/>
+          <a:p>
+            <a:pPr algn="ctr"/>
+            <a:r>
+              <a:rPr lang="en-MY" dirty="0">
+                <a:solidFill>
+                  <a:schemeClr val="bg1"/>
+                </a:solidFill>
+              </a:rPr>
+              <a:t>Forum</a:t>
+            </a:r>
+            <a:endParaRPr lang="en-US" dirty="0">
+              <a:solidFill>
+                <a:schemeClr val="bg1"/>
               </a:solidFill>
             </a:endParaRPr>
           </a:p>
@@ -17582,13 +22622,13 @@
 
 <file path=customXml/item1.xml><?xml version="1.0" encoding="utf-8"?>
 <Control xmlns="http://schemas.microsoft.com/VisualStudio/2011/storyboarding/control">
-  <Id Name="System.Storyboarding.Backgrounds.WebBrowser" Revision="1" Stencil="System.Storyboarding.Backgrounds" StencilVersion="0.1"/>
+  <Id Name="System.Storyboarding.Media.Image" Revision="1" Stencil="System.Storyboarding.Media" StencilVersion="0.1"/>
 </Control>
 </file>
 
 <file path=customXml/item10.xml><?xml version="1.0" encoding="utf-8"?>
 <Control xmlns="http://schemas.microsoft.com/VisualStudio/2011/storyboarding/control">
-  <Id Name="System.Storyboarding.Media.Image" Revision="1" Stencil="System.Storyboarding.Media" StencilVersion="0.1"/>
+  <Id Name="System.Storyboarding.Icons.Video" Revision="1" Stencil="System.Storyboarding.Icons" StencilVersion="0.1"/>
 </Control>
 </file>
 
@@ -17600,19 +22640,19 @@
 
 <file path=customXml/item12.xml><?xml version="1.0" encoding="utf-8"?>
 <Control xmlns="http://schemas.microsoft.com/VisualStudio/2011/storyboarding/control">
-  <Id Name="System.Storyboarding.Common.Hyperlink" Revision="1" Stencil="System.Storyboarding.Common" StencilVersion="0.1"/>
+  <Id Name="System.Storyboarding.Media.Image" Revision="1" Stencil="System.Storyboarding.Media" StencilVersion="0.1"/>
 </Control>
 </file>
 
 <file path=customXml/item13.xml><?xml version="1.0" encoding="utf-8"?>
 <Control xmlns="http://schemas.microsoft.com/VisualStudio/2011/storyboarding/control">
-  <Id Name="System.Storyboarding.Backgrounds.WebBrowser" Revision="1" Stencil="System.Storyboarding.Backgrounds" StencilVersion="0.1"/>
+  <Id Name="System.Storyboarding.Media.Image" Revision="1" Stencil="System.Storyboarding.Media" StencilVersion="0.1"/>
 </Control>
 </file>
 
 <file path=customXml/item14.xml><?xml version="1.0" encoding="utf-8"?>
 <Control xmlns="http://schemas.microsoft.com/VisualStudio/2011/storyboarding/control">
-  <Id Name="System.Storyboarding.Media.Image" Revision="1" Stencil="System.Storyboarding.Media" StencilVersion="0.1"/>
+  <Id Name="System.Storyboarding.Backgrounds.WebBrowser" Revision="1" Stencil="System.Storyboarding.Backgrounds" StencilVersion="0.1"/>
 </Control>
 </file>
 
@@ -17642,7 +22682,7 @@
 
 <file path=customXml/item19.xml><?xml version="1.0" encoding="utf-8"?>
 <Control xmlns="http://schemas.microsoft.com/VisualStudio/2011/storyboarding/control">
-  <Id Name="System.Storyboarding.Media.Image" Revision="1" Stencil="System.Storyboarding.Media" StencilVersion="0.1"/>
+  <Id Name="System.Storyboarding.Backgrounds.WebBrowser" Revision="1" Stencil="System.Storyboarding.Backgrounds" StencilVersion="0.1"/>
 </Control>
 </file>
 
@@ -17660,7 +22700,7 @@
 
 <file path=customXml/item21.xml><?xml version="1.0" encoding="utf-8"?>
 <Control xmlns="http://schemas.microsoft.com/VisualStudio/2011/storyboarding/control">
-  <Id Name="System.Storyboarding.Media.Image" Revision="1" Stencil="System.Storyboarding.Media" StencilVersion="0.1"/>
+  <Id Name="System.Storyboarding.Backgrounds.WebBrowser" Revision="1" Stencil="System.Storyboarding.Backgrounds" StencilVersion="0.1"/>
 </Control>
 </file>
 
@@ -17672,25 +22712,61 @@
 
 <file path=customXml/item23.xml><?xml version="1.0" encoding="utf-8"?>
 <Control xmlns="http://schemas.microsoft.com/VisualStudio/2011/storyboarding/control">
-  <Id Name="System.Storyboarding.Media.Image" Revision="1" Stencil="System.Storyboarding.Media" StencilVersion="0.1"/>
+  <Id Name="System.Storyboarding.Backgrounds.WebBrowser" Revision="1" Stencil="System.Storyboarding.Backgrounds" StencilVersion="0.1"/>
 </Control>
 </file>
 
 <file path=customXml/item24.xml><?xml version="1.0" encoding="utf-8"?>
 <Control xmlns="http://schemas.microsoft.com/VisualStudio/2011/storyboarding/control">
-  <Id Name="System.Storyboarding.Media.VideoPlayer" Revision="1" Stencil="System.Storyboarding.Media" StencilVersion="0.1"/>
+  <Id Name="System.Storyboarding.Common.Hyperlink" Revision="1" Stencil="System.Storyboarding.Common" StencilVersion="0.1"/>
+</Control>
+</file>
+
+<file path=customXml/item25.xml><?xml version="1.0" encoding="utf-8"?>
+<Control xmlns="http://schemas.microsoft.com/VisualStudio/2011/storyboarding/control">
+  <Id Name="System.Storyboarding.Backgrounds.WebBrowser" Revision="1" Stencil="System.Storyboarding.Backgrounds" StencilVersion="0.1"/>
+</Control>
+</file>
+
+<file path=customXml/item26.xml><?xml version="1.0" encoding="utf-8"?>
+<Control xmlns="http://schemas.microsoft.com/VisualStudio/2011/storyboarding/control">
+  <Id Name="System.Storyboarding.Backgrounds.WebBrowser" Revision="1" Stencil="System.Storyboarding.Backgrounds" StencilVersion="0.1"/>
+</Control>
+</file>
+
+<file path=customXml/item27.xml><?xml version="1.0" encoding="utf-8"?>
+<Control xmlns="http://schemas.microsoft.com/VisualStudio/2011/storyboarding/control">
+  <Id Name="System.Storyboarding.Media.Image" Revision="1" Stencil="System.Storyboarding.Media" StencilVersion="0.1"/>
+</Control>
+</file>
+
+<file path=customXml/item28.xml><?xml version="1.0" encoding="utf-8"?>
+<Control xmlns="http://schemas.microsoft.com/VisualStudio/2011/storyboarding/control">
+  <Id Name="System.Storyboarding.Media.Image" Revision="1" Stencil="System.Storyboarding.Media" StencilVersion="0.1"/>
+</Control>
+</file>
+
+<file path=customXml/item29.xml><?xml version="1.0" encoding="utf-8"?>
+<Control xmlns="http://schemas.microsoft.com/VisualStudio/2011/storyboarding/control">
+  <Id Name="System.Storyboarding.Media.Image" Revision="1" Stencil="System.Storyboarding.Media" StencilVersion="0.1"/>
 </Control>
 </file>
 
 <file path=customXml/item3.xml><?xml version="1.0" encoding="utf-8"?>
 <Control xmlns="http://schemas.microsoft.com/VisualStudio/2011/storyboarding/control">
-  <Id Name="System.Storyboarding.Backgrounds.WebBrowser" Revision="1" Stencil="System.Storyboarding.Backgrounds" StencilVersion="0.1"/>
+  <Id Name="System.Storyboarding.Media.Image" Revision="1" Stencil="System.Storyboarding.Media" StencilVersion="0.1"/>
+</Control>
+</file>
+
+<file path=customXml/item30.xml><?xml version="1.0" encoding="utf-8"?>
+<Control xmlns="http://schemas.microsoft.com/VisualStudio/2011/storyboarding/control">
+  <Id Name="System.Storyboarding.Media.VideoPlayer" Revision="1" Stencil="System.Storyboarding.Media" StencilVersion="0.1"/>
 </Control>
 </file>
 
 <file path=customXml/item4.xml><?xml version="1.0" encoding="utf-8"?>
 <Control xmlns="http://schemas.microsoft.com/VisualStudio/2011/storyboarding/control">
-  <Id Name="System.Storyboarding.Backgrounds.WebBrowser" Revision="1" Stencil="System.Storyboarding.Backgrounds" StencilVersion="0.1"/>
+  <Id Name="System.Storyboarding.Media.Image" Revision="1" Stencil="System.Storyboarding.Media" StencilVersion="0.1"/>
 </Control>
 </file>
 
@@ -17708,24 +22784,24 @@
 
 <file path=customXml/item7.xml><?xml version="1.0" encoding="utf-8"?>
 <Control xmlns="http://schemas.microsoft.com/VisualStudio/2011/storyboarding/control">
-  <Id Name="System.Storyboarding.Backgrounds.WebBrowser" Revision="1" Stencil="System.Storyboarding.Backgrounds" StencilVersion="0.1"/>
+  <Id Name="System.Storyboarding.Media.Image" Revision="1" Stencil="System.Storyboarding.Media" StencilVersion="0.1"/>
 </Control>
 </file>
 
 <file path=customXml/item8.xml><?xml version="1.0" encoding="utf-8"?>
 <Control xmlns="http://schemas.microsoft.com/VisualStudio/2011/storyboarding/control">
-  <Id Name="System.Storyboarding.Media.Image" Revision="1" Stencil="System.Storyboarding.Media" StencilVersion="0.1"/>
+  <Id Name="System.Storyboarding.Media.VideoPlayer" Revision="1" Stencil="System.Storyboarding.Media" StencilVersion="0.1"/>
 </Control>
 </file>
 
 <file path=customXml/item9.xml><?xml version="1.0" encoding="utf-8"?>
 <Control xmlns="http://schemas.microsoft.com/VisualStudio/2011/storyboarding/control">
-  <Id Name="System.Storyboarding.Icons.Video" Revision="1" Stencil="System.Storyboarding.Icons" StencilVersion="0.1"/>
+  <Id Name="System.Storyboarding.Backgrounds.WebBrowser" Revision="1" Stencil="System.Storyboarding.Backgrounds" StencilVersion="0.1"/>
 </Control>
 </file>
 
 <file path=customXml/itemProps1.xml><?xml version="1.0" encoding="utf-8"?>
-<ds:datastoreItem xmlns:ds="http://schemas.openxmlformats.org/officeDocument/2006/customXml" ds:itemID="{D1DC2745-19BD-4507-A4A5-421FE9A2C514}">
+<ds:datastoreItem xmlns:ds="http://schemas.openxmlformats.org/officeDocument/2006/customXml" ds:itemID="{C842E20C-432C-451A-AE0E-C7E855C2AFCF}">
   <ds:schemaRefs>
     <ds:schemaRef ds:uri="http://schemas.microsoft.com/VisualStudio/2011/storyboarding/control"/>
   </ds:schemaRefs>
@@ -17733,6 +22809,22 @@
 </file>
 
 <file path=customXml/itemProps10.xml><?xml version="1.0" encoding="utf-8"?>
+<ds:datastoreItem xmlns:ds="http://schemas.openxmlformats.org/officeDocument/2006/customXml" ds:itemID="{C5C73473-097D-484F-8509-E34C676B7419}">
+  <ds:schemaRefs>
+    <ds:schemaRef ds:uri="http://schemas.microsoft.com/VisualStudio/2011/storyboarding/control"/>
+  </ds:schemaRefs>
+</ds:datastoreItem>
+</file>
+
+<file path=customXml/itemProps11.xml><?xml version="1.0" encoding="utf-8"?>
+<ds:datastoreItem xmlns:ds="http://schemas.openxmlformats.org/officeDocument/2006/customXml" ds:itemID="{022DB218-49DA-4768-87BF-E69A6D68B1BF}">
+  <ds:schemaRefs>
+    <ds:schemaRef ds:uri="http://schemas.microsoft.com/VisualStudio/2011/storyboarding/control"/>
+  </ds:schemaRefs>
+</ds:datastoreItem>
+</file>
+
+<file path=customXml/itemProps12.xml><?xml version="1.0" encoding="utf-8"?>
 <ds:datastoreItem xmlns:ds="http://schemas.openxmlformats.org/officeDocument/2006/customXml" ds:itemID="{B5E94D9A-FCEE-417A-BDD4-8C4F293D4B08}">
   <ds:schemaRefs>
     <ds:schemaRef ds:uri="http://schemas.microsoft.com/VisualStudio/2011/storyboarding/control"/>
@@ -17740,24 +22832,8 @@
 </ds:datastoreItem>
 </file>
 
-<file path=customXml/itemProps11.xml><?xml version="1.0" encoding="utf-8"?>
-<ds:datastoreItem xmlns:ds="http://schemas.openxmlformats.org/officeDocument/2006/customXml" ds:itemID="{3D643F78-E0A3-46B2-8B54-C93DDD1681AA}">
-  <ds:schemaRefs>
-    <ds:schemaRef ds:uri="http://schemas.microsoft.com/VisualStudio/2011/storyboarding/control"/>
-  </ds:schemaRefs>
-</ds:datastoreItem>
-</file>
-
-<file path=customXml/itemProps12.xml><?xml version="1.0" encoding="utf-8"?>
-<ds:datastoreItem xmlns:ds="http://schemas.openxmlformats.org/officeDocument/2006/customXml" ds:itemID="{B5ED5634-6014-462D-A0A5-CC79B1CDC500}">
-  <ds:schemaRefs>
-    <ds:schemaRef ds:uri="http://schemas.microsoft.com/VisualStudio/2011/storyboarding/control"/>
-  </ds:schemaRefs>
-</ds:datastoreItem>
-</file>
-
 <file path=customXml/itemProps13.xml><?xml version="1.0" encoding="utf-8"?>
-<ds:datastoreItem xmlns:ds="http://schemas.openxmlformats.org/officeDocument/2006/customXml" ds:itemID="{F0367AB8-8505-47C7-B951-08F5208E6166}">
+<ds:datastoreItem xmlns:ds="http://schemas.openxmlformats.org/officeDocument/2006/customXml" ds:itemID="{95B9B5A4-F6AB-4D6B-B881-8D7D3EDB0D5A}">
   <ds:schemaRefs>
     <ds:schemaRef ds:uri="http://schemas.microsoft.com/VisualStudio/2011/storyboarding/control"/>
   </ds:schemaRefs>
@@ -17765,6 +22841,22 @@
 </file>
 
 <file path=customXml/itemProps14.xml><?xml version="1.0" encoding="utf-8"?>
+<ds:datastoreItem xmlns:ds="http://schemas.openxmlformats.org/officeDocument/2006/customXml" ds:itemID="{7BEA3A35-C822-4D3B-8EE7-82F30C08CE6B}">
+  <ds:schemaRefs>
+    <ds:schemaRef ds:uri="http://schemas.microsoft.com/VisualStudio/2011/storyboarding/control"/>
+  </ds:schemaRefs>
+</ds:datastoreItem>
+</file>
+
+<file path=customXml/itemProps15.xml><?xml version="1.0" encoding="utf-8"?>
+<ds:datastoreItem xmlns:ds="http://schemas.openxmlformats.org/officeDocument/2006/customXml" ds:itemID="{EB45B69F-D2E7-40C5-91A0-CB2FF7608FD6}">
+  <ds:schemaRefs>
+    <ds:schemaRef ds:uri="http://schemas.microsoft.com/VisualStudio/2011/storyboarding/control"/>
+  </ds:schemaRefs>
+</ds:datastoreItem>
+</file>
+
+<file path=customXml/itemProps16.xml><?xml version="1.0" encoding="utf-8"?>
 <ds:datastoreItem xmlns:ds="http://schemas.openxmlformats.org/officeDocument/2006/customXml" ds:itemID="{0F51DA41-0ACF-491F-9832-FC065834599D}">
   <ds:schemaRefs>
     <ds:schemaRef ds:uri="http://schemas.microsoft.com/VisualStudio/2011/storyboarding/control"/>
@@ -17772,24 +22864,8 @@
 </ds:datastoreItem>
 </file>
 
-<file path=customXml/itemProps15.xml><?xml version="1.0" encoding="utf-8"?>
-<ds:datastoreItem xmlns:ds="http://schemas.openxmlformats.org/officeDocument/2006/customXml" ds:itemID="{C5C73473-097D-484F-8509-E34C676B7419}">
-  <ds:schemaRefs>
-    <ds:schemaRef ds:uri="http://schemas.microsoft.com/VisualStudio/2011/storyboarding/control"/>
-  </ds:schemaRefs>
-</ds:datastoreItem>
-</file>
-
-<file path=customXml/itemProps16.xml><?xml version="1.0" encoding="utf-8"?>
-<ds:datastoreItem xmlns:ds="http://schemas.openxmlformats.org/officeDocument/2006/customXml" ds:itemID="{3E9382A3-3CC7-439E-A5DC-5953E851BD6C}">
-  <ds:schemaRefs>
-    <ds:schemaRef ds:uri="http://schemas.microsoft.com/VisualStudio/2011/storyboarding/control"/>
-  </ds:schemaRefs>
-</ds:datastoreItem>
-</file>
-
 <file path=customXml/itemProps17.xml><?xml version="1.0" encoding="utf-8"?>
-<ds:datastoreItem xmlns:ds="http://schemas.openxmlformats.org/officeDocument/2006/customXml" ds:itemID="{C842E20C-432C-451A-AE0E-C7E855C2AFCF}">
+<ds:datastoreItem xmlns:ds="http://schemas.openxmlformats.org/officeDocument/2006/customXml" ds:itemID="{5BCE40C6-9142-4589-98A9-743E2CE2BF59}">
   <ds:schemaRefs>
     <ds:schemaRef ds:uri="http://schemas.microsoft.com/VisualStudio/2011/storyboarding/control"/>
   </ds:schemaRefs>
@@ -17797,7 +22873,7 @@
 </file>
 
 <file path=customXml/itemProps18.xml><?xml version="1.0" encoding="utf-8"?>
-<ds:datastoreItem xmlns:ds="http://schemas.openxmlformats.org/officeDocument/2006/customXml" ds:itemID="{177BF8A6-2405-4575-A98A-C268FE8D3343}">
+<ds:datastoreItem xmlns:ds="http://schemas.openxmlformats.org/officeDocument/2006/customXml" ds:itemID="{2B9C71F9-2C68-4136-88CD-EB6EB797D7F4}">
   <ds:schemaRefs>
     <ds:schemaRef ds:uri="http://schemas.microsoft.com/VisualStudio/2011/storyboarding/control"/>
   </ds:schemaRefs>
@@ -17805,7 +22881,7 @@
 </file>
 
 <file path=customXml/itemProps19.xml><?xml version="1.0" encoding="utf-8"?>
-<ds:datastoreItem xmlns:ds="http://schemas.openxmlformats.org/officeDocument/2006/customXml" ds:itemID="{95B9B5A4-F6AB-4D6B-B881-8D7D3EDB0D5A}">
+<ds:datastoreItem xmlns:ds="http://schemas.openxmlformats.org/officeDocument/2006/customXml" ds:itemID="{F0367AB8-8505-47C7-B951-08F5208E6166}">
   <ds:schemaRefs>
     <ds:schemaRef ds:uri="http://schemas.microsoft.com/VisualStudio/2011/storyboarding/control"/>
   </ds:schemaRefs>
@@ -17821,6 +22897,102 @@
 </file>
 
 <file path=customXml/itemProps20.xml><?xml version="1.0" encoding="utf-8"?>
+<ds:datastoreItem xmlns:ds="http://schemas.openxmlformats.org/officeDocument/2006/customXml" ds:itemID="{177BF8A6-2405-4575-A98A-C268FE8D3343}">
+  <ds:schemaRefs>
+    <ds:schemaRef ds:uri="http://schemas.microsoft.com/VisualStudio/2011/storyboarding/control"/>
+  </ds:schemaRefs>
+</ds:datastoreItem>
+</file>
+
+<file path=customXml/itemProps21.xml><?xml version="1.0" encoding="utf-8"?>
+<ds:datastoreItem xmlns:ds="http://schemas.openxmlformats.org/officeDocument/2006/customXml" ds:itemID="{EEED2006-B8F1-437E-9BC5-8ED66E947AA8}">
+  <ds:schemaRefs>
+    <ds:schemaRef ds:uri="http://schemas.microsoft.com/VisualStudio/2011/storyboarding/control"/>
+  </ds:schemaRefs>
+</ds:datastoreItem>
+</file>
+
+<file path=customXml/itemProps22.xml><?xml version="1.0" encoding="utf-8"?>
+<ds:datastoreItem xmlns:ds="http://schemas.openxmlformats.org/officeDocument/2006/customXml" ds:itemID="{36AB074D-BB82-400D-AD10-EEEFDECD2156}">
+  <ds:schemaRefs>
+    <ds:schemaRef ds:uri="http://schemas.microsoft.com/VisualStudio/2011/storyboarding/control"/>
+  </ds:schemaRefs>
+</ds:datastoreItem>
+</file>
+
+<file path=customXml/itemProps23.xml><?xml version="1.0" encoding="utf-8"?>
+<ds:datastoreItem xmlns:ds="http://schemas.openxmlformats.org/officeDocument/2006/customXml" ds:itemID="{C8927EC2-C743-40C5-A9CE-08F61DF6F6A7}">
+  <ds:schemaRefs>
+    <ds:schemaRef ds:uri="http://schemas.microsoft.com/VisualStudio/2011/storyboarding/control"/>
+  </ds:schemaRefs>
+</ds:datastoreItem>
+</file>
+
+<file path=customXml/itemProps24.xml><?xml version="1.0" encoding="utf-8"?>
+<ds:datastoreItem xmlns:ds="http://schemas.openxmlformats.org/officeDocument/2006/customXml" ds:itemID="{B5ED5634-6014-462D-A0A5-CC79B1CDC500}">
+  <ds:schemaRefs>
+    <ds:schemaRef ds:uri="http://schemas.microsoft.com/VisualStudio/2011/storyboarding/control"/>
+  </ds:schemaRefs>
+</ds:datastoreItem>
+</file>
+
+<file path=customXml/itemProps25.xml><?xml version="1.0" encoding="utf-8"?>
+<ds:datastoreItem xmlns:ds="http://schemas.openxmlformats.org/officeDocument/2006/customXml" ds:itemID="{EA546BB4-0E8B-443B-9044-628FF8ABF7EE}">
+  <ds:schemaRefs>
+    <ds:schemaRef ds:uri="http://schemas.microsoft.com/VisualStudio/2011/storyboarding/control"/>
+  </ds:schemaRefs>
+</ds:datastoreItem>
+</file>
+
+<file path=customXml/itemProps26.xml><?xml version="1.0" encoding="utf-8"?>
+<ds:datastoreItem xmlns:ds="http://schemas.openxmlformats.org/officeDocument/2006/customXml" ds:itemID="{19FD4B37-CED0-44A5-96B4-573BA67AD5A3}">
+  <ds:schemaRefs>
+    <ds:schemaRef ds:uri="http://schemas.microsoft.com/VisualStudio/2011/storyboarding/control"/>
+  </ds:schemaRefs>
+</ds:datastoreItem>
+</file>
+
+<file path=customXml/itemProps27.xml><?xml version="1.0" encoding="utf-8"?>
+<ds:datastoreItem xmlns:ds="http://schemas.openxmlformats.org/officeDocument/2006/customXml" ds:itemID="{0F82B1B8-00A9-42C5-90DB-E5F3C69B6586}">
+  <ds:schemaRefs>
+    <ds:schemaRef ds:uri="http://schemas.microsoft.com/VisualStudio/2011/storyboarding/control"/>
+  </ds:schemaRefs>
+</ds:datastoreItem>
+</file>
+
+<file path=customXml/itemProps28.xml><?xml version="1.0" encoding="utf-8"?>
+<ds:datastoreItem xmlns:ds="http://schemas.openxmlformats.org/officeDocument/2006/customXml" ds:itemID="{368DEAFA-5272-43F8-8B38-2D3F947B9001}">
+  <ds:schemaRefs>
+    <ds:schemaRef ds:uri="http://schemas.microsoft.com/VisualStudio/2011/storyboarding/control"/>
+  </ds:schemaRefs>
+</ds:datastoreItem>
+</file>
+
+<file path=customXml/itemProps29.xml><?xml version="1.0" encoding="utf-8"?>
+<ds:datastoreItem xmlns:ds="http://schemas.openxmlformats.org/officeDocument/2006/customXml" ds:itemID="{1C5E54E0-AE3A-48F6-8652-6365D2D5B440}">
+  <ds:schemaRefs>
+    <ds:schemaRef ds:uri="http://schemas.microsoft.com/VisualStudio/2011/storyboarding/control"/>
+  </ds:schemaRefs>
+</ds:datastoreItem>
+</file>
+
+<file path=customXml/itemProps3.xml><?xml version="1.0" encoding="utf-8"?>
+<ds:datastoreItem xmlns:ds="http://schemas.openxmlformats.org/officeDocument/2006/customXml" ds:itemID="{3E9382A3-3CC7-439E-A5DC-5953E851BD6C}">
+  <ds:schemaRefs>
+    <ds:schemaRef ds:uri="http://schemas.microsoft.com/VisualStudio/2011/storyboarding/control"/>
+  </ds:schemaRefs>
+</ds:datastoreItem>
+</file>
+
+<file path=customXml/itemProps30.xml><?xml version="1.0" encoding="utf-8"?>
+<ds:datastoreItem xmlns:ds="http://schemas.openxmlformats.org/officeDocument/2006/customXml" ds:itemID="{CF88F997-738B-4A4E-A60C-D344E1A58E41}">
+  <ds:schemaRefs>
+    <ds:schemaRef ds:uri="http://schemas.microsoft.com/VisualStudio/2011/storyboarding/control"/>
+  </ds:schemaRefs>
+</ds:datastoreItem>
+</file>
+
+<file path=customXml/itemProps4.xml><?xml version="1.0" encoding="utf-8"?>
 <ds:datastoreItem xmlns:ds="http://schemas.openxmlformats.org/officeDocument/2006/customXml" ds:itemID="{D44BCB6F-386A-4356-8789-408B63451AE3}">
   <ds:schemaRefs>
     <ds:schemaRef ds:uri="http://schemas.microsoft.com/VisualStudio/2011/storyboarding/control"/>
@@ -17828,56 +23000,8 @@
 </ds:datastoreItem>
 </file>
 
-<file path=customXml/itemProps21.xml><?xml version="1.0" encoding="utf-8"?>
-<ds:datastoreItem xmlns:ds="http://schemas.openxmlformats.org/officeDocument/2006/customXml" ds:itemID="{36AB074D-BB82-400D-AD10-EEEFDECD2156}">
-  <ds:schemaRefs>
-    <ds:schemaRef ds:uri="http://schemas.microsoft.com/VisualStudio/2011/storyboarding/control"/>
-  </ds:schemaRefs>
-</ds:datastoreItem>
-</file>
-
-<file path=customXml/itemProps22.xml><?xml version="1.0" encoding="utf-8"?>
-<ds:datastoreItem xmlns:ds="http://schemas.openxmlformats.org/officeDocument/2006/customXml" ds:itemID="{5BCE40C6-9142-4589-98A9-743E2CE2BF59}">
-  <ds:schemaRefs>
-    <ds:schemaRef ds:uri="http://schemas.microsoft.com/VisualStudio/2011/storyboarding/control"/>
-  </ds:schemaRefs>
-</ds:datastoreItem>
-</file>
-
-<file path=customXml/itemProps23.xml><?xml version="1.0" encoding="utf-8"?>
-<ds:datastoreItem xmlns:ds="http://schemas.openxmlformats.org/officeDocument/2006/customXml" ds:itemID="{022DB218-49DA-4768-87BF-E69A6D68B1BF}">
-  <ds:schemaRefs>
-    <ds:schemaRef ds:uri="http://schemas.microsoft.com/VisualStudio/2011/storyboarding/control"/>
-  </ds:schemaRefs>
-</ds:datastoreItem>
-</file>
-
-<file path=customXml/itemProps24.xml><?xml version="1.0" encoding="utf-8"?>
-<ds:datastoreItem xmlns:ds="http://schemas.openxmlformats.org/officeDocument/2006/customXml" ds:itemID="{5663C9DB-B93C-4ED1-B172-59E8000C45C6}">
-  <ds:schemaRefs>
-    <ds:schemaRef ds:uri="http://schemas.microsoft.com/VisualStudio/2011/storyboarding/control"/>
-  </ds:schemaRefs>
-</ds:datastoreItem>
-</file>
-
-<file path=customXml/itemProps3.xml><?xml version="1.0" encoding="utf-8"?>
-<ds:datastoreItem xmlns:ds="http://schemas.openxmlformats.org/officeDocument/2006/customXml" ds:itemID="{EEED2006-B8F1-437E-9BC5-8ED66E947AA8}">
-  <ds:schemaRefs>
-    <ds:schemaRef ds:uri="http://schemas.microsoft.com/VisualStudio/2011/storyboarding/control"/>
-  </ds:schemaRefs>
-</ds:datastoreItem>
-</file>
-
-<file path=customXml/itemProps4.xml><?xml version="1.0" encoding="utf-8"?>
-<ds:datastoreItem xmlns:ds="http://schemas.openxmlformats.org/officeDocument/2006/customXml" ds:itemID="{7BEA3A35-C822-4D3B-8EE7-82F30C08CE6B}">
-  <ds:schemaRefs>
-    <ds:schemaRef ds:uri="http://schemas.microsoft.com/VisualStudio/2011/storyboarding/control"/>
-  </ds:schemaRefs>
-</ds:datastoreItem>
-</file>
-
 <file path=customXml/itemProps5.xml><?xml version="1.0" encoding="utf-8"?>
-<ds:datastoreItem xmlns:ds="http://schemas.openxmlformats.org/officeDocument/2006/customXml" ds:itemID="{52C7C681-2342-4AFD-955C-001ED1D7DE3E}">
+<ds:datastoreItem xmlns:ds="http://schemas.openxmlformats.org/officeDocument/2006/customXml" ds:itemID="{D1DC2745-19BD-4507-A4A5-421FE9A2C514}">
   <ds:schemaRefs>
     <ds:schemaRef ds:uri="http://schemas.microsoft.com/VisualStudio/2011/storyboarding/control"/>
   </ds:schemaRefs>
@@ -17893,7 +23017,7 @@
 </file>
 
 <file path=customXml/itemProps7.xml><?xml version="1.0" encoding="utf-8"?>
-<ds:datastoreItem xmlns:ds="http://schemas.openxmlformats.org/officeDocument/2006/customXml" ds:itemID="{C8927EC2-C743-40C5-A9CE-08F61DF6F6A7}">
+<ds:datastoreItem xmlns:ds="http://schemas.openxmlformats.org/officeDocument/2006/customXml" ds:itemID="{3D643F78-E0A3-46B2-8B54-C93DDD1681AA}">
   <ds:schemaRefs>
     <ds:schemaRef ds:uri="http://schemas.microsoft.com/VisualStudio/2011/storyboarding/control"/>
   </ds:schemaRefs>
@@ -17901,7 +23025,7 @@
 </file>
 
 <file path=customXml/itemProps8.xml><?xml version="1.0" encoding="utf-8"?>
-<ds:datastoreItem xmlns:ds="http://schemas.openxmlformats.org/officeDocument/2006/customXml" ds:itemID="{2B9C71F9-2C68-4136-88CD-EB6EB797D7F4}">
+<ds:datastoreItem xmlns:ds="http://schemas.openxmlformats.org/officeDocument/2006/customXml" ds:itemID="{5663C9DB-B93C-4ED1-B172-59E8000C45C6}">
   <ds:schemaRefs>
     <ds:schemaRef ds:uri="http://schemas.microsoft.com/VisualStudio/2011/storyboarding/control"/>
   </ds:schemaRefs>
@@ -17909,7 +23033,7 @@
 </file>
 
 <file path=customXml/itemProps9.xml><?xml version="1.0" encoding="utf-8"?>
-<ds:datastoreItem xmlns:ds="http://schemas.openxmlformats.org/officeDocument/2006/customXml" ds:itemID="{EB45B69F-D2E7-40C5-91A0-CB2FF7608FD6}">
+<ds:datastoreItem xmlns:ds="http://schemas.openxmlformats.org/officeDocument/2006/customXml" ds:itemID="{52C7C681-2342-4AFD-955C-001ED1D7DE3E}">
   <ds:schemaRefs>
     <ds:schemaRef ds:uri="http://schemas.microsoft.com/VisualStudio/2011/storyboarding/control"/>
   </ds:schemaRefs>

--- a/Documentation/storyboarding.pptx
+++ b/Documentation/storyboarding.pptx
@@ -2,19 +2,19 @@
 <file path=ppt/presentation.xml><?xml version="1.0" encoding="utf-8"?>
 <p:presentation xmlns:a="http://schemas.openxmlformats.org/drawingml/2006/main" xmlns:r="http://schemas.openxmlformats.org/officeDocument/2006/relationships" xmlns:p="http://schemas.openxmlformats.org/presentationml/2006/main" saveSubsetFonts="1">
   <p:sldMasterIdLst>
-    <p:sldMasterId id="2147483648" r:id="rId31"/>
+    <p:sldMasterId id="2147483648" r:id="rId41"/>
   </p:sldMasterIdLst>
   <p:notesMasterIdLst>
-    <p:notesMasterId r:id="rId39"/>
+    <p:notesMasterId r:id="rId49"/>
   </p:notesMasterIdLst>
   <p:sldIdLst>
-    <p:sldId id="256" r:id="rId32"/>
-    <p:sldId id="257" r:id="rId33"/>
-    <p:sldId id="258" r:id="rId34"/>
-    <p:sldId id="261" r:id="rId35"/>
-    <p:sldId id="259" r:id="rId36"/>
-    <p:sldId id="262" r:id="rId37"/>
-    <p:sldId id="260" r:id="rId38"/>
+    <p:sldId id="256" r:id="rId42"/>
+    <p:sldId id="257" r:id="rId43"/>
+    <p:sldId id="258" r:id="rId44"/>
+    <p:sldId id="261" r:id="rId45"/>
+    <p:sldId id="259" r:id="rId46"/>
+    <p:sldId id="262" r:id="rId47"/>
+    <p:sldId id="260" r:id="rId48"/>
   </p:sldIdLst>
   <p:sldSz cx="12192000" cy="6858000"/>
   <p:notesSz cx="6858000" cy="9144000"/>
@@ -12956,6 +12956,11 @@
           <a:p>
             <a:r>
               <a:rPr lang="en-MY" sz="2400" b="1" u="sng" dirty="0">
+                <a:solidFill>
+                  <a:schemeClr val="accent3">
+                    <a:lumMod val="50000"/>
+                  </a:schemeClr>
+                </a:solidFill>
                 <a:effectLst>
                   <a:outerShdw blurRad="38100" dist="38100" dir="2700000" algn="tl">
                     <a:srgbClr val="000000">
@@ -12978,11 +12983,22 @@
             </a:r>
           </a:p>
           <a:p>
-            <a:endParaRPr lang="en-MY" dirty="0"/>
+            <a:endParaRPr lang="en-MY" dirty="0">
+              <a:solidFill>
+                <a:schemeClr val="accent3">
+                  <a:lumMod val="50000"/>
+                </a:schemeClr>
+              </a:solidFill>
+            </a:endParaRPr>
           </a:p>
           <a:p>
             <a:r>
               <a:rPr lang="en-MY" sz="2400" b="1" u="sng" dirty="0">
+                <a:solidFill>
+                  <a:schemeClr val="accent3">
+                    <a:lumMod val="50000"/>
+                  </a:schemeClr>
+                </a:solidFill>
                 <a:effectLst>
                   <a:outerShdw blurRad="38100" dist="38100" dir="2700000" algn="tl">
                     <a:srgbClr val="000000">
@@ -13002,6 +13018,11 @@
           </a:p>
           <a:p>
             <a:endParaRPr lang="en-MY" sz="2000" b="1" u="sng" dirty="0">
+              <a:solidFill>
+                <a:schemeClr val="accent3">
+                  <a:lumMod val="50000"/>
+                </a:schemeClr>
+              </a:solidFill>
               <a:effectLst>
                 <a:outerShdw blurRad="38100" dist="38100" dir="2700000" algn="tl">
                   <a:srgbClr val="000000">
@@ -13014,6 +13035,11 @@
           <a:p>
             <a:r>
               <a:rPr lang="en-MY" sz="2400" b="1" u="sng" dirty="0">
+                <a:solidFill>
+                  <a:schemeClr val="accent3">
+                    <a:lumMod val="50000"/>
+                  </a:schemeClr>
+                </a:solidFill>
                 <a:effectLst>
                   <a:outerShdw blurRad="38100" dist="38100" dir="2700000" algn="tl">
                     <a:srgbClr val="000000">
@@ -13715,7 +13741,7 @@
               <p:nvPr/>
             </p:nvPicPr>
             <p:blipFill>
-              <a:blip r:embed="rId7" cstate="print">
+              <a:blip r:embed="rId4" cstate="print">
                 <a:extLst>
                   <a:ext uri="{28A0092B-C50C-407E-A947-70E740481C1C}">
                     <a14:useLocalDpi xmlns:a14="http://schemas.microsoft.com/office/drawing/2010/main" val="0"/>
@@ -13775,7 +13801,7 @@
               <p:nvPr/>
             </p:nvPicPr>
             <p:blipFill rotWithShape="1">
-              <a:blip r:embed="rId8" cstate="print">
+              <a:blip r:embed="rId5" cstate="print">
                 <a:extLst>
                   <a:ext uri="{28A0092B-C50C-407E-A947-70E740481C1C}">
                     <a14:useLocalDpi xmlns:a14="http://schemas.microsoft.com/office/drawing/2010/main" val="0"/>
@@ -13833,7 +13859,7 @@
               <p:nvPr/>
             </p:nvPicPr>
             <p:blipFill>
-              <a:blip r:embed="rId9" cstate="print">
+              <a:blip r:embed="rId6" cstate="print">
                 <a:extLst>
                   <a:ext uri="{28A0092B-C50C-407E-A947-70E740481C1C}">
                     <a14:useLocalDpi xmlns:a14="http://schemas.microsoft.com/office/drawing/2010/main" val="0"/>
@@ -13989,7 +14015,7 @@
                 <p:nvPr/>
               </p:nvPicPr>
               <p:blipFill>
-                <a:blip r:embed="rId10" cstate="print">
+                <a:blip r:embed="rId7" cstate="print">
                   <a:extLst>
                     <a:ext uri="{28A0092B-C50C-407E-A947-70E740481C1C}">
                       <a14:useLocalDpi xmlns:a14="http://schemas.microsoft.com/office/drawing/2010/main" val="0"/>
@@ -14049,7 +14075,7 @@
                 <p:nvPr/>
               </p:nvPicPr>
               <p:blipFill>
-                <a:blip r:embed="rId11" cstate="print">
+                <a:blip r:embed="rId8" cstate="print">
                   <a:extLst>
                     <a:ext uri="{28A0092B-C50C-407E-A947-70E740481C1C}">
                       <a14:useLocalDpi xmlns:a14="http://schemas.microsoft.com/office/drawing/2010/main" val="0"/>
@@ -14109,7 +14135,7 @@
                 <p:nvPr/>
               </p:nvPicPr>
               <p:blipFill>
-                <a:blip r:embed="rId12" cstate="print">
+                <a:blip r:embed="rId9" cstate="print">
                   <a:extLst>
                     <a:ext uri="{28A0092B-C50C-407E-A947-70E740481C1C}">
                       <a14:useLocalDpi xmlns:a14="http://schemas.microsoft.com/office/drawing/2010/main" val="0"/>
@@ -14362,8 +14388,8 @@
         </p:nvSpPr>
         <p:spPr>
           <a:xfrm>
-            <a:off x="4739309" y="1031032"/>
-            <a:ext cx="2713382" cy="584775"/>
+            <a:off x="1856988" y="1040123"/>
+            <a:ext cx="8507122" cy="584775"/>
           </a:xfrm>
           <a:prstGeom prst="rect">
             <a:avLst/>
@@ -14396,7 +14422,7 @@
                   </a:outerShdw>
                 </a:effectLst>
               </a:rPr>
-              <a:t>BEGINNER</a:t>
+              <a:t>(Beginner/ Intermediate/ Advanced)</a:t>
             </a:r>
             <a:endParaRPr lang="en-US" sz="3200" b="1" dirty="0">
               <a:ln w="10160">
@@ -14433,8 +14459,8 @@
         </p:nvSpPr>
         <p:spPr>
           <a:xfrm>
-            <a:off x="5423006" y="1568669"/>
-            <a:ext cx="1345989" cy="584775"/>
+            <a:off x="5354897" y="1542983"/>
+            <a:ext cx="1491600" cy="584775"/>
           </a:xfrm>
           <a:prstGeom prst="rect">
             <a:avLst/>
@@ -14467,7 +14493,7 @@
                   </a:outerShdw>
                 </a:effectLst>
               </a:rPr>
-              <a:t>TOPIC</a:t>
+              <a:t>(TOPIC)</a:t>
             </a:r>
             <a:endParaRPr lang="en-US" sz="3200" b="1" dirty="0">
               <a:ln w="10160">
@@ -14490,12 +14516,802 @@
           </a:p>
         </p:txBody>
       </p:sp>
+      <p:pic>
+        <p:nvPicPr>
+          <p:cNvPr id="80" name="Picture 79" descr="A close up of a logo&#10;&#10;Description generated with very high confidence">
+            <a:extLst>
+              <a:ext uri="{FF2B5EF4-FFF2-40B4-BE49-F238E27FC236}">
+                <a16:creationId xmlns:a16="http://schemas.microsoft.com/office/drawing/2014/main" id="{8AC2C498-8072-45C3-B2AF-23E443ECDDA9}"/>
+              </a:ext>
+            </a:extLst>
+          </p:cNvPr>
+          <p:cNvPicPr>
+            <a:picLocks noChangeAspect="1"/>
+          </p:cNvPicPr>
+          <p:nvPr/>
+        </p:nvPicPr>
+        <p:blipFill>
+          <a:blip r:embed="rId10">
+            <a:extLst>
+              <a:ext uri="{28A0092B-C50C-407E-A947-70E740481C1C}">
+                <a14:useLocalDpi xmlns:a14="http://schemas.microsoft.com/office/drawing/2010/main" val="0"/>
+              </a:ext>
+            </a:extLst>
+          </a:blip>
+          <a:stretch>
+            <a:fillRect/>
+          </a:stretch>
+        </p:blipFill>
+        <p:spPr>
+          <a:xfrm>
+            <a:off x="1552174" y="641219"/>
+            <a:ext cx="462600" cy="462600"/>
+          </a:xfrm>
+          <a:prstGeom prst="rect">
+            <a:avLst/>
+          </a:prstGeom>
+        </p:spPr>
+      </p:pic>
+      <p:cxnSp>
+        <p:nvCxnSpPr>
+          <p:cNvPr id="81" name="Straight Connector 80">
+            <a:extLst>
+              <a:ext uri="{FF2B5EF4-FFF2-40B4-BE49-F238E27FC236}">
+                <a16:creationId xmlns:a16="http://schemas.microsoft.com/office/drawing/2014/main" id="{3F50B300-9788-4603-BA6C-ED7CCD138DE7}"/>
+              </a:ext>
+            </a:extLst>
+          </p:cNvPr>
+          <p:cNvCxnSpPr/>
+          <p:nvPr/>
+        </p:nvCxnSpPr>
+        <p:spPr>
+          <a:xfrm>
+            <a:off x="1639957" y="1103819"/>
+            <a:ext cx="8999869" cy="18544"/>
+          </a:xfrm>
+          <a:prstGeom prst="line">
+            <a:avLst/>
+          </a:prstGeom>
+        </p:spPr>
+        <p:style>
+          <a:lnRef idx="1">
+            <a:schemeClr val="accent1"/>
+          </a:lnRef>
+          <a:fillRef idx="0">
+            <a:schemeClr val="accent1"/>
+          </a:fillRef>
+          <a:effectRef idx="0">
+            <a:schemeClr val="accent1"/>
+          </a:effectRef>
+          <a:fontRef idx="minor">
+            <a:schemeClr val="tx1"/>
+          </a:fontRef>
+        </p:style>
+      </p:cxnSp>
       <p:sp>
         <p:nvSpPr>
-          <p:cNvPr id="86" name="TextBox 85">
-            <a:extLst>
-              <a:ext uri="{FF2B5EF4-FFF2-40B4-BE49-F238E27FC236}">
-                <a16:creationId xmlns:a16="http://schemas.microsoft.com/office/drawing/2014/main" id="{324B7930-6E12-4228-91BD-9C5DBB250434}"/>
+          <p:cNvPr id="82" name="Rectangle 81">
+            <a:extLst>
+              <a:ext uri="{FF2B5EF4-FFF2-40B4-BE49-F238E27FC236}">
+                <a16:creationId xmlns:a16="http://schemas.microsoft.com/office/drawing/2014/main" id="{241B494F-5D9E-49A6-9593-802EFC975F20}"/>
+              </a:ext>
+            </a:extLst>
+          </p:cNvPr>
+          <p:cNvSpPr/>
+          <p:nvPr/>
+        </p:nvSpPr>
+        <p:spPr>
+          <a:xfrm>
+            <a:off x="2042948" y="763843"/>
+            <a:ext cx="1260000" cy="262248"/>
+          </a:xfrm>
+          <a:prstGeom prst="rect">
+            <a:avLst/>
+          </a:prstGeom>
+          <a:solidFill>
+            <a:schemeClr val="tx2"/>
+          </a:solidFill>
+          <a:ln>
+            <a:solidFill>
+              <a:schemeClr val="accent3"/>
+            </a:solidFill>
+          </a:ln>
+        </p:spPr>
+        <p:style>
+          <a:lnRef idx="2">
+            <a:schemeClr val="dk1"/>
+          </a:lnRef>
+          <a:fillRef idx="1">
+            <a:schemeClr val="lt1"/>
+          </a:fillRef>
+          <a:effectRef idx="0">
+            <a:schemeClr val="dk1"/>
+          </a:effectRef>
+          <a:fontRef idx="minor">
+            <a:schemeClr val="dk1"/>
+          </a:fontRef>
+        </p:style>
+        <p:txBody>
+          <a:bodyPr rtlCol="0" anchor="ctr"/>
+          <a:lstStyle/>
+          <a:p>
+            <a:pPr algn="ctr"/>
+            <a:r>
+              <a:rPr lang="en-MY" dirty="0">
+                <a:solidFill>
+                  <a:schemeClr val="bg1"/>
+                </a:solidFill>
+              </a:rPr>
+              <a:t>Home</a:t>
+            </a:r>
+            <a:endParaRPr lang="en-US" dirty="0">
+              <a:solidFill>
+                <a:schemeClr val="bg1"/>
+              </a:solidFill>
+            </a:endParaRPr>
+          </a:p>
+        </p:txBody>
+      </p:sp>
+      <p:sp>
+        <p:nvSpPr>
+          <p:cNvPr id="83" name="Rectangle 82">
+            <a:extLst>
+              <a:ext uri="{FF2B5EF4-FFF2-40B4-BE49-F238E27FC236}">
+                <a16:creationId xmlns:a16="http://schemas.microsoft.com/office/drawing/2014/main" id="{8C6DBF56-8089-42C1-ABFD-3D4DAA8B181F}"/>
+              </a:ext>
+            </a:extLst>
+          </p:cNvPr>
+          <p:cNvSpPr/>
+          <p:nvPr/>
+        </p:nvSpPr>
+        <p:spPr>
+          <a:xfrm>
+            <a:off x="3333089" y="760643"/>
+            <a:ext cx="1260000" cy="262800"/>
+          </a:xfrm>
+          <a:prstGeom prst="rect">
+            <a:avLst/>
+          </a:prstGeom>
+          <a:solidFill>
+            <a:schemeClr val="tx2"/>
+          </a:solidFill>
+          <a:ln>
+            <a:solidFill>
+              <a:schemeClr val="accent3"/>
+            </a:solidFill>
+          </a:ln>
+        </p:spPr>
+        <p:style>
+          <a:lnRef idx="2">
+            <a:schemeClr val="dk1"/>
+          </a:lnRef>
+          <a:fillRef idx="1">
+            <a:schemeClr val="lt1"/>
+          </a:fillRef>
+          <a:effectRef idx="0">
+            <a:schemeClr val="dk1"/>
+          </a:effectRef>
+          <a:fontRef idx="minor">
+            <a:schemeClr val="dk1"/>
+          </a:fontRef>
+        </p:style>
+        <p:txBody>
+          <a:bodyPr rtlCol="0" anchor="ctr"/>
+          <a:lstStyle/>
+          <a:p>
+            <a:pPr algn="ctr"/>
+            <a:r>
+              <a:rPr lang="en-MY" dirty="0">
+                <a:solidFill>
+                  <a:schemeClr val="bg1"/>
+                </a:solidFill>
+              </a:rPr>
+              <a:t>About</a:t>
+            </a:r>
+            <a:endParaRPr lang="en-US" dirty="0">
+              <a:solidFill>
+                <a:schemeClr val="bg1"/>
+              </a:solidFill>
+            </a:endParaRPr>
+          </a:p>
+        </p:txBody>
+      </p:sp>
+      <p:sp>
+        <p:nvSpPr>
+          <p:cNvPr id="84" name="Rectangle 83">
+            <a:extLst>
+              <a:ext uri="{FF2B5EF4-FFF2-40B4-BE49-F238E27FC236}">
+                <a16:creationId xmlns:a16="http://schemas.microsoft.com/office/drawing/2014/main" id="{B155529F-4621-4799-BF53-409ACD8F6BF7}"/>
+              </a:ext>
+            </a:extLst>
+          </p:cNvPr>
+          <p:cNvSpPr/>
+          <p:nvPr/>
+        </p:nvSpPr>
+        <p:spPr>
+          <a:xfrm>
+            <a:off x="4621263" y="753989"/>
+            <a:ext cx="1260000" cy="262800"/>
+          </a:xfrm>
+          <a:prstGeom prst="rect">
+            <a:avLst/>
+          </a:prstGeom>
+          <a:solidFill>
+            <a:schemeClr val="tx2"/>
+          </a:solidFill>
+          <a:ln>
+            <a:solidFill>
+              <a:schemeClr val="accent3"/>
+            </a:solidFill>
+          </a:ln>
+        </p:spPr>
+        <p:style>
+          <a:lnRef idx="2">
+            <a:schemeClr val="dk1"/>
+          </a:lnRef>
+          <a:fillRef idx="1">
+            <a:schemeClr val="lt1"/>
+          </a:fillRef>
+          <a:effectRef idx="0">
+            <a:schemeClr val="dk1"/>
+          </a:effectRef>
+          <a:fontRef idx="minor">
+            <a:schemeClr val="dk1"/>
+          </a:fontRef>
+        </p:style>
+        <p:txBody>
+          <a:bodyPr rtlCol="0" anchor="ctr"/>
+          <a:lstStyle/>
+          <a:p>
+            <a:r>
+              <a:rPr lang="en-MY" dirty="0">
+                <a:solidFill>
+                  <a:schemeClr val="bg1"/>
+                </a:solidFill>
+              </a:rPr>
+              <a:t>Beginner</a:t>
+            </a:r>
+            <a:endParaRPr lang="en-US" dirty="0">
+              <a:solidFill>
+                <a:schemeClr val="bg1"/>
+              </a:solidFill>
+            </a:endParaRPr>
+          </a:p>
+        </p:txBody>
+      </p:sp>
+      <p:sp>
+        <p:nvSpPr>
+          <p:cNvPr id="85" name="Rectangle 84">
+            <a:extLst>
+              <a:ext uri="{FF2B5EF4-FFF2-40B4-BE49-F238E27FC236}">
+                <a16:creationId xmlns:a16="http://schemas.microsoft.com/office/drawing/2014/main" id="{F98C3080-B3B2-49F7-8843-63D8F274457E}"/>
+              </a:ext>
+            </a:extLst>
+          </p:cNvPr>
+          <p:cNvSpPr/>
+          <p:nvPr/>
+        </p:nvSpPr>
+        <p:spPr>
+          <a:xfrm>
+            <a:off x="5926314" y="760643"/>
+            <a:ext cx="1512000" cy="262800"/>
+          </a:xfrm>
+          <a:prstGeom prst="rect">
+            <a:avLst/>
+          </a:prstGeom>
+          <a:solidFill>
+            <a:schemeClr val="tx2"/>
+          </a:solidFill>
+          <a:ln>
+            <a:solidFill>
+              <a:schemeClr val="accent3"/>
+            </a:solidFill>
+          </a:ln>
+        </p:spPr>
+        <p:style>
+          <a:lnRef idx="2">
+            <a:schemeClr val="dk1"/>
+          </a:lnRef>
+          <a:fillRef idx="1">
+            <a:schemeClr val="lt1"/>
+          </a:fillRef>
+          <a:effectRef idx="0">
+            <a:schemeClr val="dk1"/>
+          </a:effectRef>
+          <a:fontRef idx="minor">
+            <a:schemeClr val="dk1"/>
+          </a:fontRef>
+        </p:style>
+        <p:txBody>
+          <a:bodyPr rtlCol="0" anchor="ctr"/>
+          <a:lstStyle/>
+          <a:p>
+            <a:r>
+              <a:rPr lang="en-MY" dirty="0">
+                <a:solidFill>
+                  <a:schemeClr val="bg1"/>
+                </a:solidFill>
+              </a:rPr>
+              <a:t>Intermediate</a:t>
+            </a:r>
+            <a:endParaRPr lang="en-US" dirty="0">
+              <a:solidFill>
+                <a:schemeClr val="bg1"/>
+              </a:solidFill>
+            </a:endParaRPr>
+          </a:p>
+        </p:txBody>
+      </p:sp>
+      <p:sp>
+        <p:nvSpPr>
+          <p:cNvPr id="87" name="Rectangle 86">
+            <a:extLst>
+              <a:ext uri="{FF2B5EF4-FFF2-40B4-BE49-F238E27FC236}">
+                <a16:creationId xmlns:a16="http://schemas.microsoft.com/office/drawing/2014/main" id="{51915AE4-C7C1-48A6-A666-6183C887B39A}"/>
+              </a:ext>
+            </a:extLst>
+          </p:cNvPr>
+          <p:cNvSpPr/>
+          <p:nvPr/>
+        </p:nvSpPr>
+        <p:spPr>
+          <a:xfrm>
+            <a:off x="7491289" y="760643"/>
+            <a:ext cx="1260000" cy="262800"/>
+          </a:xfrm>
+          <a:prstGeom prst="rect">
+            <a:avLst/>
+          </a:prstGeom>
+          <a:solidFill>
+            <a:schemeClr val="tx2"/>
+          </a:solidFill>
+          <a:ln>
+            <a:solidFill>
+              <a:schemeClr val="accent3"/>
+            </a:solidFill>
+          </a:ln>
+        </p:spPr>
+        <p:style>
+          <a:lnRef idx="2">
+            <a:schemeClr val="dk1"/>
+          </a:lnRef>
+          <a:fillRef idx="1">
+            <a:schemeClr val="lt1"/>
+          </a:fillRef>
+          <a:effectRef idx="0">
+            <a:schemeClr val="dk1"/>
+          </a:effectRef>
+          <a:fontRef idx="minor">
+            <a:schemeClr val="dk1"/>
+          </a:fontRef>
+        </p:style>
+        <p:txBody>
+          <a:bodyPr rtlCol="0" anchor="ctr"/>
+          <a:lstStyle/>
+          <a:p>
+            <a:r>
+              <a:rPr lang="en-MY" dirty="0">
+                <a:solidFill>
+                  <a:schemeClr val="bg1"/>
+                </a:solidFill>
+              </a:rPr>
+              <a:t>Advanced</a:t>
+            </a:r>
+            <a:endParaRPr lang="en-US" dirty="0">
+              <a:solidFill>
+                <a:schemeClr val="bg1"/>
+              </a:solidFill>
+            </a:endParaRPr>
+          </a:p>
+        </p:txBody>
+      </p:sp>
+      <p:pic>
+        <p:nvPicPr>
+          <p:cNvPr id="88" name="Picture 87">
+            <a:extLst>
+              <a:ext uri="{FF2B5EF4-FFF2-40B4-BE49-F238E27FC236}">
+                <a16:creationId xmlns:a16="http://schemas.microsoft.com/office/drawing/2014/main" id="{D9FB8D95-97E9-4921-9D1D-0BE96126069A}"/>
+              </a:ext>
+            </a:extLst>
+          </p:cNvPr>
+          <p:cNvPicPr>
+            <a:picLocks noChangeAspect="1"/>
+          </p:cNvPicPr>
+          <p:nvPr/>
+        </p:nvPicPr>
+        <p:blipFill>
+          <a:blip r:embed="rId11">
+            <a:duotone>
+              <a:prstClr val="black"/>
+              <a:schemeClr val="accent3">
+                <a:tint val="45000"/>
+                <a:satMod val="400000"/>
+              </a:schemeClr>
+            </a:duotone>
+            <a:extLst>
+              <a:ext uri="{28A0092B-C50C-407E-A947-70E740481C1C}">
+                <a14:useLocalDpi xmlns:a14="http://schemas.microsoft.com/office/drawing/2010/main" val="0"/>
+              </a:ext>
+            </a:extLst>
+          </a:blip>
+          <a:stretch>
+            <a:fillRect/>
+          </a:stretch>
+        </p:blipFill>
+        <p:spPr>
+          <a:xfrm>
+            <a:off x="10206324" y="730108"/>
+            <a:ext cx="334514" cy="334514"/>
+          </a:xfrm>
+          <a:prstGeom prst="rect">
+            <a:avLst/>
+          </a:prstGeom>
+        </p:spPr>
+      </p:pic>
+      <p:sp>
+        <p:nvSpPr>
+          <p:cNvPr id="89" name="Flowchart: Merge 88">
+            <a:extLst>
+              <a:ext uri="{FF2B5EF4-FFF2-40B4-BE49-F238E27FC236}">
+                <a16:creationId xmlns:a16="http://schemas.microsoft.com/office/drawing/2014/main" id="{AC5FF8E4-E7F7-4297-8310-A9316FF832FA}"/>
+              </a:ext>
+            </a:extLst>
+          </p:cNvPr>
+          <p:cNvSpPr/>
+          <p:nvPr/>
+        </p:nvSpPr>
+        <p:spPr>
+          <a:xfrm>
+            <a:off x="5622337" y="869689"/>
+            <a:ext cx="89124" cy="77524"/>
+          </a:xfrm>
+          <a:prstGeom prst="flowChartMerge">
+            <a:avLst/>
+          </a:prstGeom>
+          <a:solidFill>
+            <a:schemeClr val="bg1"/>
+          </a:solidFill>
+          <a:ln>
+            <a:solidFill>
+              <a:schemeClr val="accent3"/>
+            </a:solidFill>
+          </a:ln>
+        </p:spPr>
+        <p:style>
+          <a:lnRef idx="2">
+            <a:schemeClr val="accent1">
+              <a:shade val="50000"/>
+            </a:schemeClr>
+          </a:lnRef>
+          <a:fillRef idx="1">
+            <a:schemeClr val="accent1"/>
+          </a:fillRef>
+          <a:effectRef idx="0">
+            <a:schemeClr val="accent1"/>
+          </a:effectRef>
+          <a:fontRef idx="minor">
+            <a:schemeClr val="lt1"/>
+          </a:fontRef>
+        </p:style>
+        <p:txBody>
+          <a:bodyPr rtlCol="0" anchor="ctr"/>
+          <a:lstStyle/>
+          <a:p>
+            <a:pPr algn="ctr"/>
+            <a:endParaRPr lang="en-US"/>
+          </a:p>
+        </p:txBody>
+      </p:sp>
+      <p:sp>
+        <p:nvSpPr>
+          <p:cNvPr id="90" name="Flowchart: Merge 89">
+            <a:extLst>
+              <a:ext uri="{FF2B5EF4-FFF2-40B4-BE49-F238E27FC236}">
+                <a16:creationId xmlns:a16="http://schemas.microsoft.com/office/drawing/2014/main" id="{D8D02A38-1594-4C3A-BE2D-368BA7D62636}"/>
+              </a:ext>
+            </a:extLst>
+          </p:cNvPr>
+          <p:cNvSpPr/>
+          <p:nvPr/>
+        </p:nvSpPr>
+        <p:spPr>
+          <a:xfrm>
+            <a:off x="8580813" y="870338"/>
+            <a:ext cx="89124" cy="77524"/>
+          </a:xfrm>
+          <a:prstGeom prst="flowChartMerge">
+            <a:avLst/>
+          </a:prstGeom>
+          <a:solidFill>
+            <a:schemeClr val="bg1"/>
+          </a:solidFill>
+          <a:ln>
+            <a:solidFill>
+              <a:schemeClr val="accent3"/>
+            </a:solidFill>
+          </a:ln>
+        </p:spPr>
+        <p:style>
+          <a:lnRef idx="2">
+            <a:schemeClr val="accent1">
+              <a:shade val="50000"/>
+            </a:schemeClr>
+          </a:lnRef>
+          <a:fillRef idx="1">
+            <a:schemeClr val="accent1"/>
+          </a:fillRef>
+          <a:effectRef idx="0">
+            <a:schemeClr val="accent1"/>
+          </a:effectRef>
+          <a:fontRef idx="minor">
+            <a:schemeClr val="lt1"/>
+          </a:fontRef>
+        </p:style>
+        <p:txBody>
+          <a:bodyPr rtlCol="0" anchor="ctr"/>
+          <a:lstStyle/>
+          <a:p>
+            <a:pPr algn="ctr"/>
+            <a:endParaRPr lang="en-US"/>
+          </a:p>
+        </p:txBody>
+      </p:sp>
+      <p:sp>
+        <p:nvSpPr>
+          <p:cNvPr id="91" name="Flowchart: Merge 90">
+            <a:extLst>
+              <a:ext uri="{FF2B5EF4-FFF2-40B4-BE49-F238E27FC236}">
+                <a16:creationId xmlns:a16="http://schemas.microsoft.com/office/drawing/2014/main" id="{0F62FB44-2BAF-4885-A346-FCBB671F5A18}"/>
+              </a:ext>
+            </a:extLst>
+          </p:cNvPr>
+          <p:cNvSpPr/>
+          <p:nvPr/>
+        </p:nvSpPr>
+        <p:spPr>
+          <a:xfrm>
+            <a:off x="7282772" y="867749"/>
+            <a:ext cx="89124" cy="77524"/>
+          </a:xfrm>
+          <a:prstGeom prst="flowChartMerge">
+            <a:avLst/>
+          </a:prstGeom>
+          <a:solidFill>
+            <a:schemeClr val="bg1"/>
+          </a:solidFill>
+          <a:ln>
+            <a:solidFill>
+              <a:schemeClr val="accent3"/>
+            </a:solidFill>
+          </a:ln>
+        </p:spPr>
+        <p:style>
+          <a:lnRef idx="2">
+            <a:schemeClr val="accent1">
+              <a:shade val="50000"/>
+            </a:schemeClr>
+          </a:lnRef>
+          <a:fillRef idx="1">
+            <a:schemeClr val="accent1"/>
+          </a:fillRef>
+          <a:effectRef idx="0">
+            <a:schemeClr val="accent1"/>
+          </a:effectRef>
+          <a:fontRef idx="minor">
+            <a:schemeClr val="lt1"/>
+          </a:fontRef>
+        </p:style>
+        <p:txBody>
+          <a:bodyPr rtlCol="0" anchor="ctr"/>
+          <a:lstStyle/>
+          <a:p>
+            <a:pPr algn="ctr"/>
+            <a:endParaRPr lang="en-US"/>
+          </a:p>
+        </p:txBody>
+      </p:sp>
+      <p:sp>
+        <p:nvSpPr>
+          <p:cNvPr id="92" name="Rectangle 91">
+            <a:extLst>
+              <a:ext uri="{FF2B5EF4-FFF2-40B4-BE49-F238E27FC236}">
+                <a16:creationId xmlns:a16="http://schemas.microsoft.com/office/drawing/2014/main" id="{325306D2-DC29-412C-85C6-FE827E252182}"/>
+              </a:ext>
+            </a:extLst>
+          </p:cNvPr>
+          <p:cNvSpPr/>
+          <p:nvPr/>
+        </p:nvSpPr>
+        <p:spPr>
+          <a:xfrm>
+            <a:off x="8784350" y="765583"/>
+            <a:ext cx="1260000" cy="262248"/>
+          </a:xfrm>
+          <a:prstGeom prst="rect">
+            <a:avLst/>
+          </a:prstGeom>
+          <a:solidFill>
+            <a:schemeClr val="tx2"/>
+          </a:solidFill>
+          <a:ln>
+            <a:solidFill>
+              <a:schemeClr val="accent3"/>
+            </a:solidFill>
+          </a:ln>
+        </p:spPr>
+        <p:style>
+          <a:lnRef idx="2">
+            <a:schemeClr val="dk1"/>
+          </a:lnRef>
+          <a:fillRef idx="1">
+            <a:schemeClr val="lt1"/>
+          </a:fillRef>
+          <a:effectRef idx="0">
+            <a:schemeClr val="dk1"/>
+          </a:effectRef>
+          <a:fontRef idx="minor">
+            <a:schemeClr val="dk1"/>
+          </a:fontRef>
+        </p:style>
+        <p:txBody>
+          <a:bodyPr rtlCol="0" anchor="ctr"/>
+          <a:lstStyle/>
+          <a:p>
+            <a:pPr algn="ctr"/>
+            <a:r>
+              <a:rPr lang="en-MY" dirty="0">
+                <a:solidFill>
+                  <a:schemeClr val="bg1"/>
+                </a:solidFill>
+              </a:rPr>
+              <a:t>Forum</a:t>
+            </a:r>
+            <a:endParaRPr lang="en-US" dirty="0">
+              <a:solidFill>
+                <a:schemeClr val="bg1"/>
+              </a:solidFill>
+            </a:endParaRPr>
+          </a:p>
+        </p:txBody>
+      </p:sp>
+      <p:sp>
+        <p:nvSpPr>
+          <p:cNvPr id="2" name="Rectangle 1">
+            <a:extLst>
+              <a:ext uri="{FF2B5EF4-FFF2-40B4-BE49-F238E27FC236}">
+                <a16:creationId xmlns:a16="http://schemas.microsoft.com/office/drawing/2014/main" id="{FFB04792-72C7-4211-80D8-872CE9ACCFDC}"/>
+              </a:ext>
+            </a:extLst>
+          </p:cNvPr>
+          <p:cNvSpPr/>
+          <p:nvPr/>
+        </p:nvSpPr>
+        <p:spPr>
+          <a:xfrm>
+            <a:off x="9787833" y="6171899"/>
+            <a:ext cx="368478" cy="309791"/>
+          </a:xfrm>
+          <a:prstGeom prst="rect">
+            <a:avLst/>
+          </a:prstGeom>
+        </p:spPr>
+        <p:style>
+          <a:lnRef idx="2">
+            <a:schemeClr val="accent3"/>
+          </a:lnRef>
+          <a:fillRef idx="1">
+            <a:schemeClr val="lt1"/>
+          </a:fillRef>
+          <a:effectRef idx="0">
+            <a:schemeClr val="accent3"/>
+          </a:effectRef>
+          <a:fontRef idx="minor">
+            <a:schemeClr val="dk1"/>
+          </a:fontRef>
+        </p:style>
+        <p:txBody>
+          <a:bodyPr rtlCol="0" anchor="ctr"/>
+          <a:lstStyle/>
+          <a:p>
+            <a:pPr algn="ctr"/>
+            <a:endParaRPr lang="en-US"/>
+          </a:p>
+        </p:txBody>
+      </p:sp>
+      <p:sp>
+        <p:nvSpPr>
+          <p:cNvPr id="3" name="Isosceles Triangle 2">
+            <a:extLst>
+              <a:ext uri="{FF2B5EF4-FFF2-40B4-BE49-F238E27FC236}">
+                <a16:creationId xmlns:a16="http://schemas.microsoft.com/office/drawing/2014/main" id="{6098BF97-47DC-4D30-B70E-4E2935961CBF}"/>
+              </a:ext>
+            </a:extLst>
+          </p:cNvPr>
+          <p:cNvSpPr/>
+          <p:nvPr/>
+        </p:nvSpPr>
+        <p:spPr>
+          <a:xfrm>
+            <a:off x="9897924" y="6254863"/>
+            <a:ext cx="146041" cy="145608"/>
+          </a:xfrm>
+          <a:prstGeom prst="triangle">
+            <a:avLst/>
+          </a:prstGeom>
+        </p:spPr>
+        <p:style>
+          <a:lnRef idx="1">
+            <a:schemeClr val="dk1"/>
+          </a:lnRef>
+          <a:fillRef idx="2">
+            <a:schemeClr val="dk1"/>
+          </a:fillRef>
+          <a:effectRef idx="1">
+            <a:schemeClr val="dk1"/>
+          </a:effectRef>
+          <a:fontRef idx="minor">
+            <a:schemeClr val="dk1"/>
+          </a:fontRef>
+        </p:style>
+        <p:txBody>
+          <a:bodyPr rtlCol="0" anchor="ctr"/>
+          <a:lstStyle/>
+          <a:p>
+            <a:pPr algn="ctr"/>
+            <a:endParaRPr lang="en-US"/>
+          </a:p>
+        </p:txBody>
+      </p:sp>
+      <p:sp>
+        <p:nvSpPr>
+          <p:cNvPr id="34" name="Rectangle 33">
+            <a:extLst>
+              <a:ext uri="{FF2B5EF4-FFF2-40B4-BE49-F238E27FC236}">
+                <a16:creationId xmlns:a16="http://schemas.microsoft.com/office/drawing/2014/main" id="{6008573D-40ED-47E2-A4B5-16A1C916FD9E}"/>
+              </a:ext>
+            </a:extLst>
+          </p:cNvPr>
+          <p:cNvSpPr/>
+          <p:nvPr/>
+        </p:nvSpPr>
+        <p:spPr>
+          <a:xfrm>
+            <a:off x="2984452" y="2226052"/>
+            <a:ext cx="6183948" cy="4238925"/>
+          </a:xfrm>
+          <a:prstGeom prst="rect">
+            <a:avLst/>
+          </a:prstGeom>
+        </p:spPr>
+        <p:style>
+          <a:lnRef idx="2">
+            <a:schemeClr val="accent5"/>
+          </a:lnRef>
+          <a:fillRef idx="1">
+            <a:schemeClr val="lt1"/>
+          </a:fillRef>
+          <a:effectRef idx="0">
+            <a:schemeClr val="accent5"/>
+          </a:effectRef>
+          <a:fontRef idx="minor">
+            <a:schemeClr val="dk1"/>
+          </a:fontRef>
+        </p:style>
+        <p:txBody>
+          <a:bodyPr rtlCol="0" anchor="ctr"/>
+          <a:lstStyle/>
+          <a:p>
+            <a:pPr algn="ctr"/>
+            <a:endParaRPr lang="en-US"/>
+          </a:p>
+        </p:txBody>
+      </p:sp>
+      <p:sp>
+        <p:nvSpPr>
+          <p:cNvPr id="153" name="TextBox 152">
+            <a:extLst>
+              <a:ext uri="{FF2B5EF4-FFF2-40B4-BE49-F238E27FC236}">
+                <a16:creationId xmlns:a16="http://schemas.microsoft.com/office/drawing/2014/main" id="{31079FB1-9859-4319-BD07-1B6B57DDEAC4}"/>
               </a:ext>
             </a:extLst>
           </p:cNvPr>
@@ -14504,8 +15320,8 @@
         </p:nvSpPr>
         <p:spPr>
           <a:xfrm>
-            <a:off x="2718424" y="2323164"/>
-            <a:ext cx="6842933" cy="4555093"/>
+            <a:off x="3618488" y="2259536"/>
+            <a:ext cx="4984961" cy="4370427"/>
           </a:xfrm>
           <a:prstGeom prst="rect">
             <a:avLst/>
@@ -14520,118 +15336,120 @@
           <a:p>
             <a:pPr algn="ctr"/>
             <a:r>
-              <a:rPr lang="en-MY" sz="1600" dirty="0"/>
-              <a:t>…Introduction…</a:t>
+              <a:rPr lang="en-MY" sz="1400" dirty="0"/>
+              <a:t>…(Introduction)…</a:t>
             </a:r>
           </a:p>
           <a:p>
-            <a:pPr algn="ctr"/>
             <a:r>
-              <a:rPr lang="en-MY" b="1" dirty="0"/>
+              <a:rPr lang="en-MY" sz="1600" b="1" u="sng" dirty="0">
+                <a:solidFill>
+                  <a:schemeClr val="accent3">
+                    <a:lumMod val="50000"/>
+                  </a:schemeClr>
+                </a:solidFill>
+              </a:rPr>
               <a:t>Heading 1</a:t>
             </a:r>
           </a:p>
           <a:p>
-            <a:pPr algn="ctr"/>
+            <a:endParaRPr lang="en-MY" sz="2000" dirty="0"/>
+          </a:p>
+          <a:p>
+            <a:endParaRPr lang="en-MY" sz="2000" dirty="0"/>
+          </a:p>
+          <a:p>
+            <a:endParaRPr lang="en-MY" sz="1600" b="1" dirty="0">
+              <a:solidFill>
+                <a:schemeClr val="tx2">
+                  <a:lumMod val="50000"/>
+                </a:schemeClr>
+              </a:solidFill>
+            </a:endParaRPr>
+          </a:p>
+          <a:p>
             <a:r>
-              <a:rPr lang="en-MY" sz="1400" dirty="0"/>
-              <a:t>…Contents…</a:t>
-            </a:r>
-          </a:p>
-          <a:p>
-            <a:pPr algn="ctr"/>
-            <a:endParaRPr lang="en-MY" sz="2000" dirty="0"/>
-          </a:p>
-          <a:p>
-            <a:pPr algn="ctr"/>
-            <a:r>
-              <a:rPr lang="en-MY" sz="1600" b="1" dirty="0"/>
+              <a:rPr lang="en-MY" sz="1400" b="1" dirty="0">
+                <a:solidFill>
+                  <a:schemeClr val="tx2">
+                    <a:lumMod val="50000"/>
+                  </a:schemeClr>
+                </a:solidFill>
+              </a:rPr>
               <a:t>Heading 2</a:t>
             </a:r>
           </a:p>
           <a:p>
-            <a:pPr algn="ctr"/>
+            <a:endParaRPr lang="en-MY" sz="1600" b="1" dirty="0">
+              <a:solidFill>
+                <a:schemeClr val="tx2">
+                  <a:lumMod val="50000"/>
+                </a:schemeClr>
+              </a:solidFill>
+            </a:endParaRPr>
+          </a:p>
+          <a:p>
+            <a:endParaRPr lang="en-MY" sz="1600" dirty="0"/>
+          </a:p>
+          <a:p>
+            <a:endParaRPr lang="en-MY" sz="1400" dirty="0"/>
+          </a:p>
+          <a:p>
             <a:r>
-              <a:rPr lang="en-MY" sz="1400" dirty="0"/>
-              <a:t>…Contents…</a:t>
+              <a:rPr lang="en-MY" sz="1600" b="1" u="sng" dirty="0">
+                <a:solidFill>
+                  <a:schemeClr val="accent3">
+                    <a:lumMod val="50000"/>
+                  </a:schemeClr>
+                </a:solidFill>
+              </a:rPr>
+              <a:t>Heading 1</a:t>
             </a:r>
           </a:p>
           <a:p>
-            <a:pPr algn="ctr"/>
+            <a:endParaRPr lang="en-MY" sz="2000" dirty="0"/>
+          </a:p>
+          <a:p>
+            <a:endParaRPr lang="en-MY" sz="2000" dirty="0"/>
+          </a:p>
+          <a:p>
+            <a:endParaRPr lang="en-MY" sz="600" dirty="0"/>
+          </a:p>
+          <a:p>
+            <a:endParaRPr lang="en-MY" sz="1400" b="1" dirty="0">
+              <a:solidFill>
+                <a:schemeClr val="tx2">
+                  <a:lumMod val="50000"/>
+                </a:schemeClr>
+              </a:solidFill>
+            </a:endParaRPr>
+          </a:p>
+          <a:p>
             <a:r>
-              <a:rPr lang="en-MY" sz="1400" dirty="0"/>
-              <a:t>…Contents…</a:t>
+              <a:rPr lang="en-MY" sz="1400" b="1" dirty="0">
+                <a:solidFill>
+                  <a:schemeClr val="tx2">
+                    <a:lumMod val="50000"/>
+                  </a:schemeClr>
+                </a:solidFill>
+              </a:rPr>
+              <a:t>Video/Link :</a:t>
             </a:r>
           </a:p>
           <a:p>
-            <a:pPr algn="ctr"/>
             <a:endParaRPr lang="en-MY" sz="2000" dirty="0"/>
           </a:p>
           <a:p>
-            <a:pPr algn="ctr"/>
-            <a:endParaRPr lang="en-MY" sz="2000" dirty="0"/>
-          </a:p>
-          <a:p>
-            <a:pPr algn="ctr"/>
-            <a:endParaRPr lang="en-US" sz="1400" u="sng" dirty="0">
-              <a:solidFill>
-                <a:srgbClr val="0070C0"/>
-              </a:solidFill>
-              <a:uFill>
-                <a:solidFill>
-                  <a:srgbClr val="0070C0"/>
-                </a:solidFill>
-              </a:uFill>
-              <a:latin typeface="Segoe UI" pitchFamily="34" charset="0"/>
-              <a:ea typeface="Segoe UI" pitchFamily="34" charset="0"/>
-              <a:cs typeface="Segoe UI" pitchFamily="34" charset="0"/>
-            </a:endParaRPr>
-          </a:p>
-          <a:p>
-            <a:pPr algn="ctr"/>
-            <a:r>
-              <a:rPr lang="en-MY" sz="1600" b="1" dirty="0"/>
-              <a:t>Heading 2</a:t>
-            </a:r>
-          </a:p>
-          <a:p>
-            <a:pPr algn="ctr"/>
-            <a:r>
-              <a:rPr lang="en-MY" sz="1400" dirty="0"/>
-              <a:t>…Contents…</a:t>
-            </a:r>
-          </a:p>
-          <a:p>
-            <a:pPr algn="ctr"/>
-            <a:r>
-              <a:rPr lang="en-MY" sz="1400" dirty="0"/>
-              <a:t>…Contents…</a:t>
-            </a:r>
-          </a:p>
-          <a:p>
-            <a:pPr algn="ctr"/>
-            <a:endParaRPr lang="en-MY" sz="2000" dirty="0"/>
-          </a:p>
-          <a:p>
-            <a:pPr algn="ctr"/>
-            <a:endParaRPr lang="en-MY" sz="2000" dirty="0"/>
-          </a:p>
-          <a:p>
-            <a:pPr algn="ctr"/>
-            <a:endParaRPr lang="en-MY" sz="2000" dirty="0"/>
-          </a:p>
-          <a:p>
-            <a:pPr algn="ctr"/>
             <a:endParaRPr lang="en-MY" sz="2000" dirty="0"/>
           </a:p>
         </p:txBody>
       </p:sp>
       <p:grpSp>
         <p:nvGrpSpPr>
-          <p:cNvPr id="99" name="Image">
-            <a:extLst>
-              <a:ext uri="{FF2B5EF4-FFF2-40B4-BE49-F238E27FC236}">
-                <a16:creationId xmlns:a16="http://schemas.microsoft.com/office/drawing/2014/main" id="{67FB0CBD-CE2E-47E5-8869-3DC62B34EC7F}"/>
+          <p:cNvPr id="154" name="VideoPlayer">
+            <a:extLst>
+              <a:ext uri="{FF2B5EF4-FFF2-40B4-BE49-F238E27FC236}">
+                <a16:creationId xmlns:a16="http://schemas.microsoft.com/office/drawing/2014/main" id="{CAF9DD08-A958-40CF-ACDC-5E55B4E654F2}"/>
               </a:ext>
             </a:extLst>
           </p:cNvPr>
@@ -14644,585 +15462,18 @@
         </p:nvGrpSpPr>
         <p:grpSpPr>
           <a:xfrm>
-            <a:off x="5508260" y="4269589"/>
-            <a:ext cx="376578" cy="378344"/>
-            <a:chOff x="4037608" y="2896991"/>
-            <a:chExt cx="1059255" cy="1059255"/>
-          </a:xfrm>
-        </p:grpSpPr>
-        <p:sp>
-          <p:nvSpPr>
-            <p:cNvPr id="100" name="Rectangle 99">
-              <a:extLst>
-                <a:ext uri="{FF2B5EF4-FFF2-40B4-BE49-F238E27FC236}">
-                  <a16:creationId xmlns:a16="http://schemas.microsoft.com/office/drawing/2014/main" id="{AAF3392C-0B2C-47E2-8511-8686DEB81D5E}"/>
-                </a:ext>
-              </a:extLst>
-            </p:cNvPr>
-            <p:cNvSpPr/>
-            <p:nvPr/>
-          </p:nvSpPr>
-          <p:spPr>
-            <a:xfrm>
-              <a:off x="4037608" y="2896991"/>
-              <a:ext cx="1059255" cy="1059255"/>
-            </a:xfrm>
-            <a:prstGeom prst="rect">
-              <a:avLst/>
-            </a:prstGeom>
-            <a:solidFill>
-              <a:sysClr val="window" lastClr="FFFFFF"/>
-            </a:solidFill>
-            <a:ln w="3175" cap="flat" cmpd="sng" algn="ctr">
-              <a:solidFill>
-                <a:srgbClr val="FFFFFF">
-                  <a:lumMod val="50000"/>
-                </a:srgbClr>
-              </a:solidFill>
-              <a:prstDash val="solid"/>
-            </a:ln>
-            <a:effectLst/>
-          </p:spPr>
-          <p:txBody>
-            <a:bodyPr rot="0" spcFirstLastPara="0" vertOverflow="overflow" horzOverflow="overflow" vert="horz" wrap="square" lIns="45720" tIns="45720" rIns="91440" bIns="45720" numCol="1" spcCol="0" rtlCol="0" fromWordArt="0" anchor="ctr" anchorCtr="0" forceAA="0" compatLnSpc="1">
-              <a:prstTxWarp prst="textNoShape">
-                <a:avLst/>
-              </a:prstTxWarp>
-              <a:noAutofit/>
-            </a:bodyPr>
-            <a:lstStyle/>
-            <a:p>
-              <a:pPr marL="0" marR="0" indent="0" algn="ctr" defTabSz="914400" eaLnBrk="1" fontAlgn="auto" latinLnBrk="0" hangingPunct="1">
-                <a:lnSpc>
-                  <a:spcPct val="100000"/>
-                </a:lnSpc>
-                <a:spcBef>
-                  <a:spcPts val="0"/>
-                </a:spcBef>
-                <a:spcAft>
-                  <a:spcPts val="0"/>
-                </a:spcAft>
-                <a:buClrTx/>
-                <a:buSzTx/>
-                <a:buFontTx/>
-                <a:buNone/>
-                <a:tabLst/>
-              </a:pPr>
-              <a:endParaRPr kumimoji="0" lang="en-US" sz="800" b="0" i="0" u="none" strike="noStrike" kern="0" cap="none" spc="0" normalizeH="0" baseline="0" noProof="0" dirty="0">
-                <a:ln>
-                  <a:noFill/>
-                </a:ln>
-                <a:solidFill>
-                  <a:srgbClr val="000000">
-                    <a:lumMod val="75000"/>
-                    <a:lumOff val="25000"/>
-                  </a:srgbClr>
-                </a:solidFill>
-                <a:effectLst/>
-                <a:uLnTx/>
-                <a:uFillTx/>
-                <a:latin typeface="Segoe UI"/>
-                <a:ea typeface="+mn-ea"/>
-                <a:cs typeface="+mn-cs"/>
-              </a:endParaRPr>
-            </a:p>
-          </p:txBody>
-        </p:sp>
-        <p:cxnSp>
-          <p:nvCxnSpPr>
-            <p:cNvPr id="101" name="Straight Connector 100">
-              <a:extLst>
-                <a:ext uri="{FF2B5EF4-FFF2-40B4-BE49-F238E27FC236}">
-                  <a16:creationId xmlns:a16="http://schemas.microsoft.com/office/drawing/2014/main" id="{E3C18F36-2558-41D2-A153-4A49CFE20B75}"/>
-                </a:ext>
-              </a:extLst>
-            </p:cNvPr>
-            <p:cNvCxnSpPr/>
-            <p:nvPr/>
-          </p:nvCxnSpPr>
-          <p:spPr>
-            <a:xfrm>
-              <a:off x="4037608" y="2896991"/>
-              <a:ext cx="1059255" cy="1059255"/>
-            </a:xfrm>
-            <a:prstGeom prst="line">
-              <a:avLst/>
-            </a:prstGeom>
-            <a:ln w="3175">
-              <a:solidFill>
-                <a:srgbClr val="FFFFFF">
-                  <a:lumMod val="50000"/>
-                </a:srgbClr>
-              </a:solidFill>
-            </a:ln>
-          </p:spPr>
-          <p:style>
-            <a:lnRef idx="1">
-              <a:srgbClr val="FFFFFF"/>
-            </a:lnRef>
-            <a:fillRef idx="0">
-              <a:srgbClr val="FFFFFF"/>
-            </a:fillRef>
-            <a:effectRef idx="0">
-              <a:srgbClr val="FFFFFF"/>
-            </a:effectRef>
-            <a:fontRef idx="minor">
-              <a:srgbClr val="000000"/>
-            </a:fontRef>
-          </p:style>
-        </p:cxnSp>
-        <p:cxnSp>
-          <p:nvCxnSpPr>
-            <p:cNvPr id="102" name="Straight Connector 101">
-              <a:extLst>
-                <a:ext uri="{FF2B5EF4-FFF2-40B4-BE49-F238E27FC236}">
-                  <a16:creationId xmlns:a16="http://schemas.microsoft.com/office/drawing/2014/main" id="{D61703C7-1EA2-4B25-A125-DD1516BBE78D}"/>
-                </a:ext>
-              </a:extLst>
-            </p:cNvPr>
-            <p:cNvCxnSpPr/>
-            <p:nvPr/>
-          </p:nvCxnSpPr>
-          <p:spPr>
-            <a:xfrm flipV="1">
-              <a:off x="4037608" y="2896991"/>
-              <a:ext cx="1059255" cy="1059255"/>
-            </a:xfrm>
-            <a:prstGeom prst="line">
-              <a:avLst/>
-            </a:prstGeom>
-            <a:ln w="3175">
-              <a:solidFill>
-                <a:srgbClr val="FFFFFF">
-                  <a:lumMod val="50000"/>
-                </a:srgbClr>
-              </a:solidFill>
-            </a:ln>
-          </p:spPr>
-          <p:style>
-            <a:lnRef idx="1">
-              <a:srgbClr val="FFFFFF"/>
-            </a:lnRef>
-            <a:fillRef idx="0">
-              <a:srgbClr val="FFFFFF"/>
-            </a:fillRef>
-            <a:effectRef idx="0">
-              <a:srgbClr val="FFFFFF"/>
-            </a:effectRef>
-            <a:fontRef idx="minor">
-              <a:srgbClr val="000000"/>
-            </a:fontRef>
-          </p:style>
-        </p:cxnSp>
-      </p:grpSp>
-      <p:grpSp>
-        <p:nvGrpSpPr>
-          <p:cNvPr id="104" name="Image">
-            <a:extLst>
-              <a:ext uri="{FF2B5EF4-FFF2-40B4-BE49-F238E27FC236}">
-                <a16:creationId xmlns:a16="http://schemas.microsoft.com/office/drawing/2014/main" id="{3D886428-9417-4F63-A199-E4D58871861F}"/>
-              </a:ext>
-            </a:extLst>
-          </p:cNvPr>
-          <p:cNvGrpSpPr/>
-          <p:nvPr>
-            <p:custDataLst>
-              <p:custData r:id="rId3"/>
-            </p:custDataLst>
-          </p:nvPr>
-        </p:nvGrpSpPr>
-        <p:grpSpPr>
-          <a:xfrm>
-            <a:off x="5970664" y="4269589"/>
-            <a:ext cx="376578" cy="378344"/>
-            <a:chOff x="4037608" y="2896991"/>
-            <a:chExt cx="1059255" cy="1059255"/>
-          </a:xfrm>
-        </p:grpSpPr>
-        <p:sp>
-          <p:nvSpPr>
-            <p:cNvPr id="105" name="Rectangle 104">
-              <a:extLst>
-                <a:ext uri="{FF2B5EF4-FFF2-40B4-BE49-F238E27FC236}">
-                  <a16:creationId xmlns:a16="http://schemas.microsoft.com/office/drawing/2014/main" id="{5DBB7584-F7EE-4B4A-9BDC-5F64090A1ACF}"/>
-                </a:ext>
-              </a:extLst>
-            </p:cNvPr>
-            <p:cNvSpPr/>
-            <p:nvPr/>
-          </p:nvSpPr>
-          <p:spPr>
-            <a:xfrm>
-              <a:off x="4037608" y="2896991"/>
-              <a:ext cx="1059255" cy="1059255"/>
-            </a:xfrm>
-            <a:prstGeom prst="rect">
-              <a:avLst/>
-            </a:prstGeom>
-            <a:solidFill>
-              <a:sysClr val="window" lastClr="FFFFFF"/>
-            </a:solidFill>
-            <a:ln w="3175" cap="flat" cmpd="sng" algn="ctr">
-              <a:solidFill>
-                <a:srgbClr val="FFFFFF">
-                  <a:lumMod val="50000"/>
-                </a:srgbClr>
-              </a:solidFill>
-              <a:prstDash val="solid"/>
-            </a:ln>
-            <a:effectLst/>
-          </p:spPr>
-          <p:txBody>
-            <a:bodyPr rot="0" spcFirstLastPara="0" vertOverflow="overflow" horzOverflow="overflow" vert="horz" wrap="square" lIns="45720" tIns="45720" rIns="91440" bIns="45720" numCol="1" spcCol="0" rtlCol="0" fromWordArt="0" anchor="ctr" anchorCtr="0" forceAA="0" compatLnSpc="1">
-              <a:prstTxWarp prst="textNoShape">
-                <a:avLst/>
-              </a:prstTxWarp>
-              <a:noAutofit/>
-            </a:bodyPr>
-            <a:lstStyle/>
-            <a:p>
-              <a:pPr marL="0" marR="0" indent="0" algn="ctr" defTabSz="914400" eaLnBrk="1" fontAlgn="auto" latinLnBrk="0" hangingPunct="1">
-                <a:lnSpc>
-                  <a:spcPct val="100000"/>
-                </a:lnSpc>
-                <a:spcBef>
-                  <a:spcPts val="0"/>
-                </a:spcBef>
-                <a:spcAft>
-                  <a:spcPts val="0"/>
-                </a:spcAft>
-                <a:buClrTx/>
-                <a:buSzTx/>
-                <a:buFontTx/>
-                <a:buNone/>
-                <a:tabLst/>
-              </a:pPr>
-              <a:endParaRPr kumimoji="0" lang="en-US" sz="800" b="0" i="0" u="none" strike="noStrike" kern="0" cap="none" spc="0" normalizeH="0" baseline="0" noProof="0" dirty="0">
-                <a:ln>
-                  <a:noFill/>
-                </a:ln>
-                <a:solidFill>
-                  <a:srgbClr val="000000">
-                    <a:lumMod val="75000"/>
-                    <a:lumOff val="25000"/>
-                  </a:srgbClr>
-                </a:solidFill>
-                <a:effectLst/>
-                <a:uLnTx/>
-                <a:uFillTx/>
-                <a:latin typeface="Segoe UI"/>
-                <a:ea typeface="+mn-ea"/>
-                <a:cs typeface="+mn-cs"/>
-              </a:endParaRPr>
-            </a:p>
-          </p:txBody>
-        </p:sp>
-        <p:cxnSp>
-          <p:nvCxnSpPr>
-            <p:cNvPr id="106" name="Straight Connector 105">
-              <a:extLst>
-                <a:ext uri="{FF2B5EF4-FFF2-40B4-BE49-F238E27FC236}">
-                  <a16:creationId xmlns:a16="http://schemas.microsoft.com/office/drawing/2014/main" id="{0432A841-7F4E-489E-BDBE-E8320CE872FE}"/>
-                </a:ext>
-              </a:extLst>
-            </p:cNvPr>
-            <p:cNvCxnSpPr/>
-            <p:nvPr/>
-          </p:nvCxnSpPr>
-          <p:spPr>
-            <a:xfrm>
-              <a:off x="4037608" y="2896991"/>
-              <a:ext cx="1059255" cy="1059255"/>
-            </a:xfrm>
-            <a:prstGeom prst="line">
-              <a:avLst/>
-            </a:prstGeom>
-            <a:ln w="3175">
-              <a:solidFill>
-                <a:srgbClr val="FFFFFF">
-                  <a:lumMod val="50000"/>
-                </a:srgbClr>
-              </a:solidFill>
-            </a:ln>
-          </p:spPr>
-          <p:style>
-            <a:lnRef idx="1">
-              <a:srgbClr val="FFFFFF"/>
-            </a:lnRef>
-            <a:fillRef idx="0">
-              <a:srgbClr val="FFFFFF"/>
-            </a:fillRef>
-            <a:effectRef idx="0">
-              <a:srgbClr val="FFFFFF"/>
-            </a:effectRef>
-            <a:fontRef idx="minor">
-              <a:srgbClr val="000000"/>
-            </a:fontRef>
-          </p:style>
-        </p:cxnSp>
-        <p:cxnSp>
-          <p:nvCxnSpPr>
-            <p:cNvPr id="107" name="Straight Connector 106">
-              <a:extLst>
-                <a:ext uri="{FF2B5EF4-FFF2-40B4-BE49-F238E27FC236}">
-                  <a16:creationId xmlns:a16="http://schemas.microsoft.com/office/drawing/2014/main" id="{4837CD92-BA5E-4FC1-9DE3-7D47E2DC8314}"/>
-                </a:ext>
-              </a:extLst>
-            </p:cNvPr>
-            <p:cNvCxnSpPr/>
-            <p:nvPr/>
-          </p:nvCxnSpPr>
-          <p:spPr>
-            <a:xfrm flipV="1">
-              <a:off x="4037608" y="2896991"/>
-              <a:ext cx="1059255" cy="1059255"/>
-            </a:xfrm>
-            <a:prstGeom prst="line">
-              <a:avLst/>
-            </a:prstGeom>
-            <a:ln w="3175">
-              <a:solidFill>
-                <a:srgbClr val="FFFFFF">
-                  <a:lumMod val="50000"/>
-                </a:srgbClr>
-              </a:solidFill>
-            </a:ln>
-          </p:spPr>
-          <p:style>
-            <a:lnRef idx="1">
-              <a:srgbClr val="FFFFFF"/>
-            </a:lnRef>
-            <a:fillRef idx="0">
-              <a:srgbClr val="FFFFFF"/>
-            </a:fillRef>
-            <a:effectRef idx="0">
-              <a:srgbClr val="FFFFFF"/>
-            </a:effectRef>
-            <a:fontRef idx="minor">
-              <a:srgbClr val="000000"/>
-            </a:fontRef>
-          </p:style>
-        </p:cxnSp>
-      </p:grpSp>
-      <p:grpSp>
-        <p:nvGrpSpPr>
-          <p:cNvPr id="108" name="Image">
-            <a:extLst>
-              <a:ext uri="{FF2B5EF4-FFF2-40B4-BE49-F238E27FC236}">
-                <a16:creationId xmlns:a16="http://schemas.microsoft.com/office/drawing/2014/main" id="{C7BCBF4E-E59F-4DEA-94C4-F6FBA15F9D67}"/>
-              </a:ext>
-            </a:extLst>
-          </p:cNvPr>
-          <p:cNvGrpSpPr/>
-          <p:nvPr>
-            <p:custDataLst>
-              <p:custData r:id="rId4"/>
-            </p:custDataLst>
-          </p:nvPr>
-        </p:nvGrpSpPr>
-        <p:grpSpPr>
-          <a:xfrm>
-            <a:off x="6433068" y="4269589"/>
-            <a:ext cx="376578" cy="378344"/>
-            <a:chOff x="4037608" y="2896991"/>
-            <a:chExt cx="1059255" cy="1059255"/>
-          </a:xfrm>
-        </p:grpSpPr>
-        <p:sp>
-          <p:nvSpPr>
-            <p:cNvPr id="109" name="Rectangle 108">
-              <a:extLst>
-                <a:ext uri="{FF2B5EF4-FFF2-40B4-BE49-F238E27FC236}">
-                  <a16:creationId xmlns:a16="http://schemas.microsoft.com/office/drawing/2014/main" id="{C5479973-2C43-4D9C-8529-DC199359D270}"/>
-                </a:ext>
-              </a:extLst>
-            </p:cNvPr>
-            <p:cNvSpPr/>
-            <p:nvPr/>
-          </p:nvSpPr>
-          <p:spPr>
-            <a:xfrm>
-              <a:off x="4037608" y="2896991"/>
-              <a:ext cx="1059255" cy="1059255"/>
-            </a:xfrm>
-            <a:prstGeom prst="rect">
-              <a:avLst/>
-            </a:prstGeom>
-            <a:solidFill>
-              <a:sysClr val="window" lastClr="FFFFFF"/>
-            </a:solidFill>
-            <a:ln w="3175" cap="flat" cmpd="sng" algn="ctr">
-              <a:solidFill>
-                <a:srgbClr val="FFFFFF">
-                  <a:lumMod val="50000"/>
-                </a:srgbClr>
-              </a:solidFill>
-              <a:prstDash val="solid"/>
-            </a:ln>
-            <a:effectLst/>
-          </p:spPr>
-          <p:txBody>
-            <a:bodyPr rot="0" spcFirstLastPara="0" vertOverflow="overflow" horzOverflow="overflow" vert="horz" wrap="square" lIns="45720" tIns="45720" rIns="91440" bIns="45720" numCol="1" spcCol="0" rtlCol="0" fromWordArt="0" anchor="ctr" anchorCtr="0" forceAA="0" compatLnSpc="1">
-              <a:prstTxWarp prst="textNoShape">
-                <a:avLst/>
-              </a:prstTxWarp>
-              <a:noAutofit/>
-            </a:bodyPr>
-            <a:lstStyle/>
-            <a:p>
-              <a:pPr marL="0" marR="0" indent="0" algn="ctr" defTabSz="914400" eaLnBrk="1" fontAlgn="auto" latinLnBrk="0" hangingPunct="1">
-                <a:lnSpc>
-                  <a:spcPct val="100000"/>
-                </a:lnSpc>
-                <a:spcBef>
-                  <a:spcPts val="0"/>
-                </a:spcBef>
-                <a:spcAft>
-                  <a:spcPts val="0"/>
-                </a:spcAft>
-                <a:buClrTx/>
-                <a:buSzTx/>
-                <a:buFontTx/>
-                <a:buNone/>
-                <a:tabLst/>
-              </a:pPr>
-              <a:endParaRPr kumimoji="0" lang="en-US" sz="800" b="0" i="0" u="none" strike="noStrike" kern="0" cap="none" spc="0" normalizeH="0" baseline="0" noProof="0" dirty="0">
-                <a:ln>
-                  <a:noFill/>
-                </a:ln>
-                <a:solidFill>
-                  <a:srgbClr val="000000">
-                    <a:lumMod val="75000"/>
-                    <a:lumOff val="25000"/>
-                  </a:srgbClr>
-                </a:solidFill>
-                <a:effectLst/>
-                <a:uLnTx/>
-                <a:uFillTx/>
-                <a:latin typeface="Segoe UI"/>
-                <a:ea typeface="+mn-ea"/>
-                <a:cs typeface="+mn-cs"/>
-              </a:endParaRPr>
-            </a:p>
-          </p:txBody>
-        </p:sp>
-        <p:cxnSp>
-          <p:nvCxnSpPr>
-            <p:cNvPr id="110" name="Straight Connector 109">
-              <a:extLst>
-                <a:ext uri="{FF2B5EF4-FFF2-40B4-BE49-F238E27FC236}">
-                  <a16:creationId xmlns:a16="http://schemas.microsoft.com/office/drawing/2014/main" id="{60170664-6552-4A42-9DA2-2B8B984893B3}"/>
-                </a:ext>
-              </a:extLst>
-            </p:cNvPr>
-            <p:cNvCxnSpPr/>
-            <p:nvPr/>
-          </p:nvCxnSpPr>
-          <p:spPr>
-            <a:xfrm>
-              <a:off x="4037608" y="2896991"/>
-              <a:ext cx="1059255" cy="1059255"/>
-            </a:xfrm>
-            <a:prstGeom prst="line">
-              <a:avLst/>
-            </a:prstGeom>
-            <a:ln w="3175">
-              <a:solidFill>
-                <a:srgbClr val="FFFFFF">
-                  <a:lumMod val="50000"/>
-                </a:srgbClr>
-              </a:solidFill>
-            </a:ln>
-          </p:spPr>
-          <p:style>
-            <a:lnRef idx="1">
-              <a:srgbClr val="FFFFFF"/>
-            </a:lnRef>
-            <a:fillRef idx="0">
-              <a:srgbClr val="FFFFFF"/>
-            </a:fillRef>
-            <a:effectRef idx="0">
-              <a:srgbClr val="FFFFFF"/>
-            </a:effectRef>
-            <a:fontRef idx="minor">
-              <a:srgbClr val="000000"/>
-            </a:fontRef>
-          </p:style>
-        </p:cxnSp>
-        <p:cxnSp>
-          <p:nvCxnSpPr>
-            <p:cNvPr id="111" name="Straight Connector 110">
-              <a:extLst>
-                <a:ext uri="{FF2B5EF4-FFF2-40B4-BE49-F238E27FC236}">
-                  <a16:creationId xmlns:a16="http://schemas.microsoft.com/office/drawing/2014/main" id="{FAC276EF-EA7D-4998-A68B-60186E626E30}"/>
-                </a:ext>
-              </a:extLst>
-            </p:cNvPr>
-            <p:cNvCxnSpPr/>
-            <p:nvPr/>
-          </p:nvCxnSpPr>
-          <p:spPr>
-            <a:xfrm flipV="1">
-              <a:off x="4037608" y="2896991"/>
-              <a:ext cx="1059255" cy="1059255"/>
-            </a:xfrm>
-            <a:prstGeom prst="line">
-              <a:avLst/>
-            </a:prstGeom>
-            <a:ln w="3175">
-              <a:solidFill>
-                <a:srgbClr val="FFFFFF">
-                  <a:lumMod val="50000"/>
-                </a:srgbClr>
-              </a:solidFill>
-            </a:ln>
-          </p:spPr>
-          <p:style>
-            <a:lnRef idx="1">
-              <a:srgbClr val="FFFFFF"/>
-            </a:lnRef>
-            <a:fillRef idx="0">
-              <a:srgbClr val="FFFFFF"/>
-            </a:fillRef>
-            <a:effectRef idx="0">
-              <a:srgbClr val="FFFFFF"/>
-            </a:effectRef>
-            <a:fontRef idx="minor">
-              <a:srgbClr val="000000"/>
-            </a:fontRef>
-          </p:style>
-        </p:cxnSp>
-      </p:grpSp>
-      <p:grpSp>
-        <p:nvGrpSpPr>
-          <p:cNvPr id="112" name="VideoPlayer">
-            <a:extLst>
-              <a:ext uri="{FF2B5EF4-FFF2-40B4-BE49-F238E27FC236}">
-                <a16:creationId xmlns:a16="http://schemas.microsoft.com/office/drawing/2014/main" id="{DA101084-685F-4605-8D1B-0294B9A955BC}"/>
-              </a:ext>
-            </a:extLst>
-          </p:cNvPr>
-          <p:cNvGrpSpPr/>
-          <p:nvPr>
-            <p:custDataLst>
-              <p:custData r:id="rId5"/>
-            </p:custDataLst>
-          </p:nvPr>
-        </p:nvGrpSpPr>
-        <p:grpSpPr>
-          <a:xfrm>
-            <a:off x="5616888" y="5649861"/>
-            <a:ext cx="1046004" cy="686712"/>
+            <a:off x="5687398" y="5795607"/>
+            <a:ext cx="904985" cy="603499"/>
             <a:chOff x="2594610" y="1419225"/>
             <a:chExt cx="3001329" cy="2105881"/>
           </a:xfrm>
         </p:grpSpPr>
         <p:grpSp>
           <p:nvGrpSpPr>
-            <p:cNvPr id="113" name="Group 112">
+            <p:cNvPr id="155" name="Group 154">
               <a:extLst>
                 <a:ext uri="{FF2B5EF4-FFF2-40B4-BE49-F238E27FC236}">
-                  <a16:creationId xmlns:a16="http://schemas.microsoft.com/office/drawing/2014/main" id="{0D83F18E-50B9-4DD5-B7A1-AF6E509C1774}"/>
+                  <a16:creationId xmlns:a16="http://schemas.microsoft.com/office/drawing/2014/main" id="{03653475-08E1-47CE-8294-2996EC5766CC}"/>
                 </a:ext>
               </a:extLst>
             </p:cNvPr>
@@ -15239,10 +15490,10 @@
           </p:grpSpPr>
           <p:grpSp>
             <p:nvGrpSpPr>
-              <p:cNvPr id="115" name="Group 114">
+              <p:cNvPr id="157" name="Group 156">
                 <a:extLst>
                   <a:ext uri="{FF2B5EF4-FFF2-40B4-BE49-F238E27FC236}">
-                    <a16:creationId xmlns:a16="http://schemas.microsoft.com/office/drawing/2014/main" id="{47FFE1A6-2724-4AE4-A3F2-8B6B63225ECD}"/>
+                    <a16:creationId xmlns:a16="http://schemas.microsoft.com/office/drawing/2014/main" id="{F86DCBD9-C276-4F61-9728-E25F16A3BAD2}"/>
                   </a:ext>
                 </a:extLst>
               </p:cNvPr>
@@ -15259,10 +15510,10 @@
             </p:grpSpPr>
             <p:sp>
               <p:nvSpPr>
-                <p:cNvPr id="121" name="ControlBox">
+                <p:cNvPr id="163" name="ControlBox">
                   <a:extLst>
                     <a:ext uri="{FF2B5EF4-FFF2-40B4-BE49-F238E27FC236}">
-                      <a16:creationId xmlns:a16="http://schemas.microsoft.com/office/drawing/2014/main" id="{DE5F5993-8132-4593-887E-A706894666BF}"/>
+                      <a16:creationId xmlns:a16="http://schemas.microsoft.com/office/drawing/2014/main" id="{BF71AE9B-8798-4732-B875-3CBAD5C71D95}"/>
                     </a:ext>
                   </a:extLst>
                 </p:cNvPr>
@@ -15337,10 +15588,10 @@
             </p:sp>
             <p:sp>
               <p:nvSpPr>
-                <p:cNvPr id="122" name="PlayBox">
+                <p:cNvPr id="164" name="PlayBox">
                   <a:extLst>
                     <a:ext uri="{FF2B5EF4-FFF2-40B4-BE49-F238E27FC236}">
-                      <a16:creationId xmlns:a16="http://schemas.microsoft.com/office/drawing/2014/main" id="{738D4698-676A-4C8C-8714-CD2B57D8DCF9}"/>
+                      <a16:creationId xmlns:a16="http://schemas.microsoft.com/office/drawing/2014/main" id="{257A0EE0-CA08-479D-B1FF-7C4C23477061}"/>
                     </a:ext>
                   </a:extLst>
                 </p:cNvPr>
@@ -15416,10 +15667,10 @@
           </p:grpSp>
           <p:grpSp>
             <p:nvGrpSpPr>
-              <p:cNvPr id="116" name="Group 115">
+              <p:cNvPr id="158" name="Group 157">
                 <a:extLst>
                   <a:ext uri="{FF2B5EF4-FFF2-40B4-BE49-F238E27FC236}">
-                    <a16:creationId xmlns:a16="http://schemas.microsoft.com/office/drawing/2014/main" id="{DAB86C6E-26B6-40C9-99D3-D5C9179753D8}"/>
+                    <a16:creationId xmlns:a16="http://schemas.microsoft.com/office/drawing/2014/main" id="{FED5C5F6-F563-4075-A432-ADFC10190499}"/>
                   </a:ext>
                 </a:extLst>
               </p:cNvPr>
@@ -15436,10 +15687,10 @@
             </p:grpSpPr>
             <p:sp>
               <p:nvSpPr>
-                <p:cNvPr id="119" name="SliderLine">
+                <p:cNvPr id="161" name="SliderLine">
                   <a:extLst>
                     <a:ext uri="{FF2B5EF4-FFF2-40B4-BE49-F238E27FC236}">
-                      <a16:creationId xmlns:a16="http://schemas.microsoft.com/office/drawing/2014/main" id="{EE23D8FA-E892-4091-A4B6-EFB84436BAAD}"/>
+                      <a16:creationId xmlns:a16="http://schemas.microsoft.com/office/drawing/2014/main" id="{E73847B2-5B97-4EE9-BCCE-2C3C0B02E398}"/>
                     </a:ext>
                   </a:extLst>
                 </p:cNvPr>
@@ -15516,10 +15767,10 @@
             </p:sp>
             <p:sp>
               <p:nvSpPr>
-                <p:cNvPr id="120" name="Slider">
+                <p:cNvPr id="162" name="Slider">
                   <a:extLst>
                     <a:ext uri="{FF2B5EF4-FFF2-40B4-BE49-F238E27FC236}">
-                      <a16:creationId xmlns:a16="http://schemas.microsoft.com/office/drawing/2014/main" id="{3E63CB1C-20D7-403D-AD23-963A08F5B913}"/>
+                      <a16:creationId xmlns:a16="http://schemas.microsoft.com/office/drawing/2014/main" id="{F0F1B51E-C85E-4CB0-92B2-DE48BBF22131}"/>
                     </a:ext>
                   </a:extLst>
                 </p:cNvPr>
@@ -15593,10 +15844,10 @@
           </p:grpSp>
           <p:sp>
             <p:nvSpPr>
-              <p:cNvPr id="117" name="PlayArrow">
+              <p:cNvPr id="159" name="PlayArrow">
                 <a:extLst>
                   <a:ext uri="{FF2B5EF4-FFF2-40B4-BE49-F238E27FC236}">
-                    <a16:creationId xmlns:a16="http://schemas.microsoft.com/office/drawing/2014/main" id="{63684E52-3E6D-41AB-97DD-F175BDA1C061}"/>
+                    <a16:creationId xmlns:a16="http://schemas.microsoft.com/office/drawing/2014/main" id="{77D4ED6C-7C83-4980-9E98-317514F4FB32}"/>
                   </a:ext>
                 </a:extLst>
               </p:cNvPr>
@@ -15648,10 +15899,10 @@
           </p:sp>
           <p:sp>
             <p:nvSpPr>
-              <p:cNvPr id="118" name="Content">
+              <p:cNvPr id="160" name="Content">
                 <a:extLst>
                   <a:ext uri="{FF2B5EF4-FFF2-40B4-BE49-F238E27FC236}">
-                    <a16:creationId xmlns:a16="http://schemas.microsoft.com/office/drawing/2014/main" id="{5CA9EA2A-714C-48C1-A7AA-FE7FAF7C89ED}"/>
+                    <a16:creationId xmlns:a16="http://schemas.microsoft.com/office/drawing/2014/main" id="{6692E96D-7EB6-453B-9F93-EFEF137FE8DC}"/>
                   </a:ext>
                 </a:extLst>
               </p:cNvPr>
@@ -15685,10 +15936,10 @@
         </p:grpSp>
         <p:sp>
           <p:nvSpPr>
-            <p:cNvPr id="114" name="PlayArea">
+            <p:cNvPr id="156" name="PlayArea">
               <a:extLst>
                 <a:ext uri="{FF2B5EF4-FFF2-40B4-BE49-F238E27FC236}">
-                  <a16:creationId xmlns:a16="http://schemas.microsoft.com/office/drawing/2014/main" id="{1A0C48D8-C81A-4086-9A71-77FB587AF78F}"/>
+                  <a16:creationId xmlns:a16="http://schemas.microsoft.com/office/drawing/2014/main" id="{2D79E357-D3F1-4B62-A0D0-53C58F07280D}"/>
                 </a:ext>
               </a:extLst>
             </p:cNvPr>
@@ -15764,116 +16015,88 @@
           </p:txBody>
         </p:sp>
       </p:grpSp>
-      <p:pic>
-        <p:nvPicPr>
-          <p:cNvPr id="80" name="Picture 79" descr="A close up of a logo&#10;&#10;Description generated with very high confidence">
-            <a:extLst>
-              <a:ext uri="{FF2B5EF4-FFF2-40B4-BE49-F238E27FC236}">
-                <a16:creationId xmlns:a16="http://schemas.microsoft.com/office/drawing/2014/main" id="{8AC2C498-8072-45C3-B2AF-23E443ECDDA9}"/>
-              </a:ext>
-            </a:extLst>
-          </p:cNvPr>
-          <p:cNvPicPr>
-            <a:picLocks noChangeAspect="1"/>
-          </p:cNvPicPr>
+      <p:sp>
+        <p:nvSpPr>
+          <p:cNvPr id="165" name="Rectangle: Diagonal Corners Snipped 164">
+            <a:extLst>
+              <a:ext uri="{FF2B5EF4-FFF2-40B4-BE49-F238E27FC236}">
+                <a16:creationId xmlns:a16="http://schemas.microsoft.com/office/drawing/2014/main" id="{C67DE8E1-08C7-47D7-8F3B-23A39B936CEC}"/>
+              </a:ext>
+            </a:extLst>
+          </p:cNvPr>
+          <p:cNvSpPr/>
           <p:nvPr/>
-        </p:nvPicPr>
-        <p:blipFill>
-          <a:blip r:embed="rId13">
-            <a:extLst>
-              <a:ext uri="{28A0092B-C50C-407E-A947-70E740481C1C}">
-                <a14:useLocalDpi xmlns:a14="http://schemas.microsoft.com/office/drawing/2010/main" val="0"/>
-              </a:ext>
-            </a:extLst>
-          </a:blip>
-          <a:stretch>
-            <a:fillRect/>
-          </a:stretch>
-        </p:blipFill>
+        </p:nvSpPr>
         <p:spPr>
           <a:xfrm>
-            <a:off x="1552174" y="641219"/>
-            <a:ext cx="462600" cy="462600"/>
+            <a:off x="3652942" y="2791595"/>
+            <a:ext cx="4981110" cy="656101"/>
+          </a:xfrm>
+          <a:prstGeom prst="snip2DiagRect">
+            <a:avLst/>
+          </a:prstGeom>
+        </p:spPr>
+        <p:style>
+          <a:lnRef idx="2">
+            <a:schemeClr val="accent3"/>
+          </a:lnRef>
+          <a:fillRef idx="1">
+            <a:schemeClr val="lt1"/>
+          </a:fillRef>
+          <a:effectRef idx="0">
+            <a:schemeClr val="accent3"/>
+          </a:effectRef>
+          <a:fontRef idx="minor">
+            <a:schemeClr val="dk1"/>
+          </a:fontRef>
+        </p:style>
+        <p:txBody>
+          <a:bodyPr rtlCol="0" anchor="t"/>
+          <a:lstStyle/>
+          <a:p>
+            <a:pPr algn="ctr"/>
+            <a:r>
+              <a:rPr lang="en-MY" sz="1200" dirty="0"/>
+              <a:t>(Contents)</a:t>
+            </a:r>
+            <a:endParaRPr lang="en-MY" sz="1400" dirty="0"/>
+          </a:p>
+          <a:p>
+            <a:pPr algn="ctr"/>
+            <a:endParaRPr lang="en-MY" sz="1400" dirty="0"/>
+          </a:p>
+        </p:txBody>
+      </p:sp>
+      <p:sp>
+        <p:nvSpPr>
+          <p:cNvPr id="185" name="Rectangle 184">
+            <a:extLst>
+              <a:ext uri="{FF2B5EF4-FFF2-40B4-BE49-F238E27FC236}">
+                <a16:creationId xmlns:a16="http://schemas.microsoft.com/office/drawing/2014/main" id="{3D25EF7B-4C3A-475F-B354-0EBE48AC6391}"/>
+              </a:ext>
+            </a:extLst>
+          </p:cNvPr>
+          <p:cNvSpPr/>
+          <p:nvPr/>
+        </p:nvSpPr>
+        <p:spPr>
+          <a:xfrm>
+            <a:off x="5936615" y="3079908"/>
+            <a:ext cx="372564" cy="320372"/>
           </a:xfrm>
           <a:prstGeom prst="rect">
             <a:avLst/>
           </a:prstGeom>
         </p:spPr>
-      </p:pic>
-      <p:cxnSp>
-        <p:nvCxnSpPr>
-          <p:cNvPr id="81" name="Straight Connector 80">
-            <a:extLst>
-              <a:ext uri="{FF2B5EF4-FFF2-40B4-BE49-F238E27FC236}">
-                <a16:creationId xmlns:a16="http://schemas.microsoft.com/office/drawing/2014/main" id="{3F50B300-9788-4603-BA6C-ED7CCD138DE7}"/>
-              </a:ext>
-            </a:extLst>
-          </p:cNvPr>
-          <p:cNvCxnSpPr/>
-          <p:nvPr/>
-        </p:nvCxnSpPr>
-        <p:spPr>
-          <a:xfrm>
-            <a:off x="1639957" y="1103819"/>
-            <a:ext cx="8999869" cy="18544"/>
-          </a:xfrm>
-          <a:prstGeom prst="line">
-            <a:avLst/>
-          </a:prstGeom>
-        </p:spPr>
-        <p:style>
-          <a:lnRef idx="1">
-            <a:schemeClr val="accent1"/>
-          </a:lnRef>
-          <a:fillRef idx="0">
-            <a:schemeClr val="accent1"/>
-          </a:fillRef>
-          <a:effectRef idx="0">
-            <a:schemeClr val="accent1"/>
-          </a:effectRef>
-          <a:fontRef idx="minor">
-            <a:schemeClr val="tx1"/>
-          </a:fontRef>
-        </p:style>
-      </p:cxnSp>
-      <p:sp>
-        <p:nvSpPr>
-          <p:cNvPr id="82" name="Rectangle 81">
-            <a:extLst>
-              <a:ext uri="{FF2B5EF4-FFF2-40B4-BE49-F238E27FC236}">
-                <a16:creationId xmlns:a16="http://schemas.microsoft.com/office/drawing/2014/main" id="{241B494F-5D9E-49A6-9593-802EFC975F20}"/>
-              </a:ext>
-            </a:extLst>
-          </p:cNvPr>
-          <p:cNvSpPr/>
-          <p:nvPr/>
-        </p:nvSpPr>
-        <p:spPr>
-          <a:xfrm>
-            <a:off x="2042948" y="763843"/>
-            <a:ext cx="1260000" cy="262248"/>
-          </a:xfrm>
-          <a:prstGeom prst="rect">
-            <a:avLst/>
-          </a:prstGeom>
-          <a:solidFill>
-            <a:schemeClr val="tx2"/>
-          </a:solidFill>
-          <a:ln>
-            <a:solidFill>
-              <a:schemeClr val="accent3"/>
-            </a:solidFill>
-          </a:ln>
-        </p:spPr>
         <p:style>
           <a:lnRef idx="2">
-            <a:schemeClr val="dk1"/>
+            <a:schemeClr val="accent5"/>
           </a:lnRef>
           <a:fillRef idx="1">
             <a:schemeClr val="lt1"/>
           </a:fillRef>
           <a:effectRef idx="0">
-            <a:schemeClr val="dk1"/>
+            <a:schemeClr val="accent5"/>
           </a:effectRef>
           <a:fontRef idx="minor">
             <a:schemeClr val="dk1"/>
@@ -15885,27 +16108,19 @@
           <a:p>
             <a:pPr algn="ctr"/>
             <a:r>
-              <a:rPr lang="en-MY" dirty="0">
-                <a:solidFill>
-                  <a:schemeClr val="bg1"/>
-                </a:solidFill>
-              </a:rPr>
-              <a:t>Home</a:t>
+              <a:rPr lang="en-MY" sz="600" dirty="0"/>
+              <a:t>image</a:t>
             </a:r>
-            <a:endParaRPr lang="en-US" dirty="0">
-              <a:solidFill>
-                <a:schemeClr val="bg1"/>
-              </a:solidFill>
-            </a:endParaRPr>
+            <a:endParaRPr lang="en-US" sz="600" dirty="0"/>
           </a:p>
         </p:txBody>
       </p:sp>
       <p:sp>
         <p:nvSpPr>
-          <p:cNvPr id="83" name="Rectangle 82">
-            <a:extLst>
-              <a:ext uri="{FF2B5EF4-FFF2-40B4-BE49-F238E27FC236}">
-                <a16:creationId xmlns:a16="http://schemas.microsoft.com/office/drawing/2014/main" id="{8C6DBF56-8089-42C1-ABFD-3D4DAA8B181F}"/>
+          <p:cNvPr id="189" name="Rectangle: Diagonal Corners Snipped 188">
+            <a:extLst>
+              <a:ext uri="{FF2B5EF4-FFF2-40B4-BE49-F238E27FC236}">
+                <a16:creationId xmlns:a16="http://schemas.microsoft.com/office/drawing/2014/main" id="{D0CEE956-76B4-453D-8F04-BC48451DF34D}"/>
               </a:ext>
             </a:extLst>
           </p:cNvPr>
@@ -15914,30 +16129,126 @@
         </p:nvSpPr>
         <p:spPr>
           <a:xfrm>
-            <a:off x="3333089" y="760643"/>
-            <a:ext cx="1260000" cy="262800"/>
+            <a:off x="3660439" y="3870810"/>
+            <a:ext cx="4981110" cy="656101"/>
           </a:xfrm>
-          <a:prstGeom prst="rect">
+          <a:prstGeom prst="snip2DiagRect">
             <a:avLst/>
           </a:prstGeom>
-          <a:solidFill>
-            <a:schemeClr val="tx2"/>
-          </a:solidFill>
-          <a:ln>
-            <a:solidFill>
-              <a:schemeClr val="accent3"/>
-            </a:solidFill>
-          </a:ln>
         </p:spPr>
         <p:style>
           <a:lnRef idx="2">
-            <a:schemeClr val="dk1"/>
+            <a:schemeClr val="accent3"/>
           </a:lnRef>
           <a:fillRef idx="1">
             <a:schemeClr val="lt1"/>
           </a:fillRef>
           <a:effectRef idx="0">
+            <a:schemeClr val="accent3"/>
+          </a:effectRef>
+          <a:fontRef idx="minor">
             <a:schemeClr val="dk1"/>
+          </a:fontRef>
+        </p:style>
+        <p:txBody>
+          <a:bodyPr rtlCol="0" anchor="t"/>
+          <a:lstStyle/>
+          <a:p>
+            <a:pPr algn="ctr"/>
+            <a:r>
+              <a:rPr lang="en-MY" sz="1200" dirty="0"/>
+              <a:t>(Contents)</a:t>
+            </a:r>
+            <a:endParaRPr lang="en-MY" sz="1400" dirty="0"/>
+          </a:p>
+          <a:p>
+            <a:pPr algn="ctr"/>
+            <a:endParaRPr lang="en-MY" sz="1400" dirty="0"/>
+          </a:p>
+        </p:txBody>
+      </p:sp>
+      <p:sp>
+        <p:nvSpPr>
+          <p:cNvPr id="191" name="Rectangle: Diagonal Corners Snipped 190">
+            <a:extLst>
+              <a:ext uri="{FF2B5EF4-FFF2-40B4-BE49-F238E27FC236}">
+                <a16:creationId xmlns:a16="http://schemas.microsoft.com/office/drawing/2014/main" id="{F25638A4-5F30-4497-9674-C3862E4F52FF}"/>
+              </a:ext>
+            </a:extLst>
+          </p:cNvPr>
+          <p:cNvSpPr/>
+          <p:nvPr/>
+        </p:nvSpPr>
+        <p:spPr>
+          <a:xfrm>
+            <a:off x="3660439" y="4853321"/>
+            <a:ext cx="4981110" cy="656101"/>
+          </a:xfrm>
+          <a:prstGeom prst="snip2DiagRect">
+            <a:avLst/>
+          </a:prstGeom>
+        </p:spPr>
+        <p:style>
+          <a:lnRef idx="2">
+            <a:schemeClr val="accent3"/>
+          </a:lnRef>
+          <a:fillRef idx="1">
+            <a:schemeClr val="lt1"/>
+          </a:fillRef>
+          <a:effectRef idx="0">
+            <a:schemeClr val="accent3"/>
+          </a:effectRef>
+          <a:fontRef idx="minor">
+            <a:schemeClr val="dk1"/>
+          </a:fontRef>
+        </p:style>
+        <p:txBody>
+          <a:bodyPr rtlCol="0" anchor="t"/>
+          <a:lstStyle/>
+          <a:p>
+            <a:pPr algn="ctr"/>
+            <a:r>
+              <a:rPr lang="en-MY" sz="1200" dirty="0"/>
+              <a:t>(Contents)</a:t>
+            </a:r>
+            <a:endParaRPr lang="en-MY" sz="1400" dirty="0"/>
+          </a:p>
+          <a:p>
+            <a:pPr algn="ctr"/>
+            <a:endParaRPr lang="en-MY" sz="1400" dirty="0"/>
+          </a:p>
+        </p:txBody>
+      </p:sp>
+      <p:sp>
+        <p:nvSpPr>
+          <p:cNvPr id="192" name="Rectangle 191">
+            <a:extLst>
+              <a:ext uri="{FF2B5EF4-FFF2-40B4-BE49-F238E27FC236}">
+                <a16:creationId xmlns:a16="http://schemas.microsoft.com/office/drawing/2014/main" id="{17C967AC-5A43-482A-9A76-49471B7663DB}"/>
+              </a:ext>
+            </a:extLst>
+          </p:cNvPr>
+          <p:cNvSpPr/>
+          <p:nvPr/>
+        </p:nvSpPr>
+        <p:spPr>
+          <a:xfrm>
+            <a:off x="5944112" y="5141634"/>
+            <a:ext cx="372564" cy="320372"/>
+          </a:xfrm>
+          <a:prstGeom prst="rect">
+            <a:avLst/>
+          </a:prstGeom>
+        </p:spPr>
+        <p:style>
+          <a:lnRef idx="2">
+            <a:schemeClr val="accent5"/>
+          </a:lnRef>
+          <a:fillRef idx="1">
+            <a:schemeClr val="lt1"/>
+          </a:fillRef>
+          <a:effectRef idx="0">
+            <a:schemeClr val="accent5"/>
           </a:effectRef>
           <a:fontRef idx="minor">
             <a:schemeClr val="dk1"/>
@@ -15949,27 +16260,19 @@
           <a:p>
             <a:pPr algn="ctr"/>
             <a:r>
-              <a:rPr lang="en-MY" dirty="0">
-                <a:solidFill>
-                  <a:schemeClr val="bg1"/>
-                </a:solidFill>
-              </a:rPr>
-              <a:t>About</a:t>
+              <a:rPr lang="en-MY" sz="600" dirty="0"/>
+              <a:t>image</a:t>
             </a:r>
-            <a:endParaRPr lang="en-US" dirty="0">
-              <a:solidFill>
-                <a:schemeClr val="bg1"/>
-              </a:solidFill>
-            </a:endParaRPr>
+            <a:endParaRPr lang="en-US" sz="600" dirty="0"/>
           </a:p>
         </p:txBody>
       </p:sp>
       <p:sp>
         <p:nvSpPr>
-          <p:cNvPr id="84" name="Rectangle 83">
-            <a:extLst>
-              <a:ext uri="{FF2B5EF4-FFF2-40B4-BE49-F238E27FC236}">
-                <a16:creationId xmlns:a16="http://schemas.microsoft.com/office/drawing/2014/main" id="{B155529F-4621-4799-BF53-409ACD8F6BF7}"/>
+          <p:cNvPr id="193" name="Rectangle 192">
+            <a:extLst>
+              <a:ext uri="{FF2B5EF4-FFF2-40B4-BE49-F238E27FC236}">
+                <a16:creationId xmlns:a16="http://schemas.microsoft.com/office/drawing/2014/main" id="{FDFD17EE-F27A-4585-A362-62FE985C8E58}"/>
               </a:ext>
             </a:extLst>
           </p:cNvPr>
@@ -15978,30 +16281,22 @@
         </p:nvSpPr>
         <p:spPr>
           <a:xfrm>
-            <a:off x="4621263" y="753989"/>
-            <a:ext cx="1260000" cy="262800"/>
+            <a:off x="6289349" y="4159123"/>
+            <a:ext cx="372564" cy="320372"/>
           </a:xfrm>
           <a:prstGeom prst="rect">
             <a:avLst/>
           </a:prstGeom>
-          <a:solidFill>
-            <a:schemeClr val="tx2"/>
-          </a:solidFill>
-          <a:ln>
-            <a:solidFill>
-              <a:schemeClr val="accent3"/>
-            </a:solidFill>
-          </a:ln>
         </p:spPr>
         <p:style>
           <a:lnRef idx="2">
-            <a:schemeClr val="dk1"/>
+            <a:schemeClr val="accent5"/>
           </a:lnRef>
           <a:fillRef idx="1">
             <a:schemeClr val="lt1"/>
           </a:fillRef>
           <a:effectRef idx="0">
-            <a:schemeClr val="dk1"/>
+            <a:schemeClr val="accent5"/>
           </a:effectRef>
           <a:fontRef idx="minor">
             <a:schemeClr val="dk1"/>
@@ -16011,28 +16306,21 @@
           <a:bodyPr rtlCol="0" anchor="ctr"/>
           <a:lstStyle/>
           <a:p>
+            <a:pPr algn="ctr"/>
             <a:r>
-              <a:rPr lang="en-MY" dirty="0">
-                <a:solidFill>
-                  <a:schemeClr val="bg1"/>
-                </a:solidFill>
-              </a:rPr>
-              <a:t>Beginner</a:t>
+              <a:rPr lang="en-MY" sz="600" dirty="0"/>
+              <a:t>image</a:t>
             </a:r>
-            <a:endParaRPr lang="en-US" dirty="0">
-              <a:solidFill>
-                <a:schemeClr val="bg1"/>
-              </a:solidFill>
-            </a:endParaRPr>
+            <a:endParaRPr lang="en-US" sz="600" dirty="0"/>
           </a:p>
         </p:txBody>
       </p:sp>
       <p:sp>
         <p:nvSpPr>
-          <p:cNvPr id="85" name="Rectangle 84">
-            <a:extLst>
-              <a:ext uri="{FF2B5EF4-FFF2-40B4-BE49-F238E27FC236}">
-                <a16:creationId xmlns:a16="http://schemas.microsoft.com/office/drawing/2014/main" id="{F98C3080-B3B2-49F7-8843-63D8F274457E}"/>
+          <p:cNvPr id="194" name="Rectangle 193">
+            <a:extLst>
+              <a:ext uri="{FF2B5EF4-FFF2-40B4-BE49-F238E27FC236}">
+                <a16:creationId xmlns:a16="http://schemas.microsoft.com/office/drawing/2014/main" id="{1027FD49-0D93-4D9A-AF6E-8523505D0193}"/>
               </a:ext>
             </a:extLst>
           </p:cNvPr>
@@ -16041,30 +16329,22 @@
         </p:nvSpPr>
         <p:spPr>
           <a:xfrm>
-            <a:off x="5926314" y="760643"/>
-            <a:ext cx="1512000" cy="262800"/>
+            <a:off x="5631621" y="4159123"/>
+            <a:ext cx="372564" cy="320372"/>
           </a:xfrm>
           <a:prstGeom prst="rect">
             <a:avLst/>
           </a:prstGeom>
-          <a:solidFill>
-            <a:schemeClr val="tx2"/>
-          </a:solidFill>
-          <a:ln>
-            <a:solidFill>
-              <a:schemeClr val="accent3"/>
-            </a:solidFill>
-          </a:ln>
         </p:spPr>
         <p:style>
           <a:lnRef idx="2">
-            <a:schemeClr val="dk1"/>
+            <a:schemeClr val="accent5"/>
           </a:lnRef>
           <a:fillRef idx="1">
             <a:schemeClr val="lt1"/>
           </a:fillRef>
           <a:effectRef idx="0">
-            <a:schemeClr val="dk1"/>
+            <a:schemeClr val="accent5"/>
           </a:effectRef>
           <a:fontRef idx="minor">
             <a:schemeClr val="dk1"/>
@@ -16074,351 +16354,12 @@
           <a:bodyPr rtlCol="0" anchor="ctr"/>
           <a:lstStyle/>
           <a:p>
-            <a:r>
-              <a:rPr lang="en-MY" dirty="0">
-                <a:solidFill>
-                  <a:schemeClr val="bg1"/>
-                </a:solidFill>
-              </a:rPr>
-              <a:t>Intermediate</a:t>
-            </a:r>
-            <a:endParaRPr lang="en-US" dirty="0">
-              <a:solidFill>
-                <a:schemeClr val="bg1"/>
-              </a:solidFill>
-            </a:endParaRPr>
-          </a:p>
-        </p:txBody>
-      </p:sp>
-      <p:sp>
-        <p:nvSpPr>
-          <p:cNvPr id="87" name="Rectangle 86">
-            <a:extLst>
-              <a:ext uri="{FF2B5EF4-FFF2-40B4-BE49-F238E27FC236}">
-                <a16:creationId xmlns:a16="http://schemas.microsoft.com/office/drawing/2014/main" id="{51915AE4-C7C1-48A6-A666-6183C887B39A}"/>
-              </a:ext>
-            </a:extLst>
-          </p:cNvPr>
-          <p:cNvSpPr/>
-          <p:nvPr/>
-        </p:nvSpPr>
-        <p:spPr>
-          <a:xfrm>
-            <a:off x="7491289" y="760643"/>
-            <a:ext cx="1260000" cy="262800"/>
-          </a:xfrm>
-          <a:prstGeom prst="rect">
-            <a:avLst/>
-          </a:prstGeom>
-          <a:solidFill>
-            <a:schemeClr val="tx2"/>
-          </a:solidFill>
-          <a:ln>
-            <a:solidFill>
-              <a:schemeClr val="accent3"/>
-            </a:solidFill>
-          </a:ln>
-        </p:spPr>
-        <p:style>
-          <a:lnRef idx="2">
-            <a:schemeClr val="dk1"/>
-          </a:lnRef>
-          <a:fillRef idx="1">
-            <a:schemeClr val="lt1"/>
-          </a:fillRef>
-          <a:effectRef idx="0">
-            <a:schemeClr val="dk1"/>
-          </a:effectRef>
-          <a:fontRef idx="minor">
-            <a:schemeClr val="dk1"/>
-          </a:fontRef>
-        </p:style>
-        <p:txBody>
-          <a:bodyPr rtlCol="0" anchor="ctr"/>
-          <a:lstStyle/>
-          <a:p>
-            <a:r>
-              <a:rPr lang="en-MY" dirty="0">
-                <a:solidFill>
-                  <a:schemeClr val="bg1"/>
-                </a:solidFill>
-              </a:rPr>
-              <a:t>Advanced</a:t>
-            </a:r>
-            <a:endParaRPr lang="en-US" dirty="0">
-              <a:solidFill>
-                <a:schemeClr val="bg1"/>
-              </a:solidFill>
-            </a:endParaRPr>
-          </a:p>
-        </p:txBody>
-      </p:sp>
-      <p:pic>
-        <p:nvPicPr>
-          <p:cNvPr id="88" name="Picture 87">
-            <a:extLst>
-              <a:ext uri="{FF2B5EF4-FFF2-40B4-BE49-F238E27FC236}">
-                <a16:creationId xmlns:a16="http://schemas.microsoft.com/office/drawing/2014/main" id="{D9FB8D95-97E9-4921-9D1D-0BE96126069A}"/>
-              </a:ext>
-            </a:extLst>
-          </p:cNvPr>
-          <p:cNvPicPr>
-            <a:picLocks noChangeAspect="1"/>
-          </p:cNvPicPr>
-          <p:nvPr/>
-        </p:nvPicPr>
-        <p:blipFill>
-          <a:blip r:embed="rId14">
-            <a:duotone>
-              <a:prstClr val="black"/>
-              <a:schemeClr val="accent3">
-                <a:tint val="45000"/>
-                <a:satMod val="400000"/>
-              </a:schemeClr>
-            </a:duotone>
-            <a:extLst>
-              <a:ext uri="{28A0092B-C50C-407E-A947-70E740481C1C}">
-                <a14:useLocalDpi xmlns:a14="http://schemas.microsoft.com/office/drawing/2010/main" val="0"/>
-              </a:ext>
-            </a:extLst>
-          </a:blip>
-          <a:stretch>
-            <a:fillRect/>
-          </a:stretch>
-        </p:blipFill>
-        <p:spPr>
-          <a:xfrm>
-            <a:off x="10206324" y="730108"/>
-            <a:ext cx="334514" cy="334514"/>
-          </a:xfrm>
-          <a:prstGeom prst="rect">
-            <a:avLst/>
-          </a:prstGeom>
-        </p:spPr>
-      </p:pic>
-      <p:sp>
-        <p:nvSpPr>
-          <p:cNvPr id="89" name="Flowchart: Merge 88">
-            <a:extLst>
-              <a:ext uri="{FF2B5EF4-FFF2-40B4-BE49-F238E27FC236}">
-                <a16:creationId xmlns:a16="http://schemas.microsoft.com/office/drawing/2014/main" id="{AC5FF8E4-E7F7-4297-8310-A9316FF832FA}"/>
-              </a:ext>
-            </a:extLst>
-          </p:cNvPr>
-          <p:cNvSpPr/>
-          <p:nvPr/>
-        </p:nvSpPr>
-        <p:spPr>
-          <a:xfrm>
-            <a:off x="5622337" y="869689"/>
-            <a:ext cx="89124" cy="77524"/>
-          </a:xfrm>
-          <a:prstGeom prst="flowChartMerge">
-            <a:avLst/>
-          </a:prstGeom>
-          <a:solidFill>
-            <a:schemeClr val="bg1"/>
-          </a:solidFill>
-          <a:ln>
-            <a:solidFill>
-              <a:schemeClr val="accent3"/>
-            </a:solidFill>
-          </a:ln>
-        </p:spPr>
-        <p:style>
-          <a:lnRef idx="2">
-            <a:schemeClr val="accent1">
-              <a:shade val="50000"/>
-            </a:schemeClr>
-          </a:lnRef>
-          <a:fillRef idx="1">
-            <a:schemeClr val="accent1"/>
-          </a:fillRef>
-          <a:effectRef idx="0">
-            <a:schemeClr val="accent1"/>
-          </a:effectRef>
-          <a:fontRef idx="minor">
-            <a:schemeClr val="lt1"/>
-          </a:fontRef>
-        </p:style>
-        <p:txBody>
-          <a:bodyPr rtlCol="0" anchor="ctr"/>
-          <a:lstStyle/>
-          <a:p>
-            <a:pPr algn="ctr"/>
-            <a:endParaRPr lang="en-US"/>
-          </a:p>
-        </p:txBody>
-      </p:sp>
-      <p:sp>
-        <p:nvSpPr>
-          <p:cNvPr id="90" name="Flowchart: Merge 89">
-            <a:extLst>
-              <a:ext uri="{FF2B5EF4-FFF2-40B4-BE49-F238E27FC236}">
-                <a16:creationId xmlns:a16="http://schemas.microsoft.com/office/drawing/2014/main" id="{D8D02A38-1594-4C3A-BE2D-368BA7D62636}"/>
-              </a:ext>
-            </a:extLst>
-          </p:cNvPr>
-          <p:cNvSpPr/>
-          <p:nvPr/>
-        </p:nvSpPr>
-        <p:spPr>
-          <a:xfrm>
-            <a:off x="8580813" y="870338"/>
-            <a:ext cx="89124" cy="77524"/>
-          </a:xfrm>
-          <a:prstGeom prst="flowChartMerge">
-            <a:avLst/>
-          </a:prstGeom>
-          <a:solidFill>
-            <a:schemeClr val="bg1"/>
-          </a:solidFill>
-          <a:ln>
-            <a:solidFill>
-              <a:schemeClr val="accent3"/>
-            </a:solidFill>
-          </a:ln>
-        </p:spPr>
-        <p:style>
-          <a:lnRef idx="2">
-            <a:schemeClr val="accent1">
-              <a:shade val="50000"/>
-            </a:schemeClr>
-          </a:lnRef>
-          <a:fillRef idx="1">
-            <a:schemeClr val="accent1"/>
-          </a:fillRef>
-          <a:effectRef idx="0">
-            <a:schemeClr val="accent1"/>
-          </a:effectRef>
-          <a:fontRef idx="minor">
-            <a:schemeClr val="lt1"/>
-          </a:fontRef>
-        </p:style>
-        <p:txBody>
-          <a:bodyPr rtlCol="0" anchor="ctr"/>
-          <a:lstStyle/>
-          <a:p>
-            <a:pPr algn="ctr"/>
-            <a:endParaRPr lang="en-US"/>
-          </a:p>
-        </p:txBody>
-      </p:sp>
-      <p:sp>
-        <p:nvSpPr>
-          <p:cNvPr id="91" name="Flowchart: Merge 90">
-            <a:extLst>
-              <a:ext uri="{FF2B5EF4-FFF2-40B4-BE49-F238E27FC236}">
-                <a16:creationId xmlns:a16="http://schemas.microsoft.com/office/drawing/2014/main" id="{0F62FB44-2BAF-4885-A346-FCBB671F5A18}"/>
-              </a:ext>
-            </a:extLst>
-          </p:cNvPr>
-          <p:cNvSpPr/>
-          <p:nvPr/>
-        </p:nvSpPr>
-        <p:spPr>
-          <a:xfrm>
-            <a:off x="7282772" y="867749"/>
-            <a:ext cx="89124" cy="77524"/>
-          </a:xfrm>
-          <a:prstGeom prst="flowChartMerge">
-            <a:avLst/>
-          </a:prstGeom>
-          <a:solidFill>
-            <a:schemeClr val="bg1"/>
-          </a:solidFill>
-          <a:ln>
-            <a:solidFill>
-              <a:schemeClr val="accent3"/>
-            </a:solidFill>
-          </a:ln>
-        </p:spPr>
-        <p:style>
-          <a:lnRef idx="2">
-            <a:schemeClr val="accent1">
-              <a:shade val="50000"/>
-            </a:schemeClr>
-          </a:lnRef>
-          <a:fillRef idx="1">
-            <a:schemeClr val="accent1"/>
-          </a:fillRef>
-          <a:effectRef idx="0">
-            <a:schemeClr val="accent1"/>
-          </a:effectRef>
-          <a:fontRef idx="minor">
-            <a:schemeClr val="lt1"/>
-          </a:fontRef>
-        </p:style>
-        <p:txBody>
-          <a:bodyPr rtlCol="0" anchor="ctr"/>
-          <a:lstStyle/>
-          <a:p>
-            <a:pPr algn="ctr"/>
-            <a:endParaRPr lang="en-US"/>
-          </a:p>
-        </p:txBody>
-      </p:sp>
-      <p:sp>
-        <p:nvSpPr>
-          <p:cNvPr id="92" name="Rectangle 91">
-            <a:extLst>
-              <a:ext uri="{FF2B5EF4-FFF2-40B4-BE49-F238E27FC236}">
-                <a16:creationId xmlns:a16="http://schemas.microsoft.com/office/drawing/2014/main" id="{325306D2-DC29-412C-85C6-FE827E252182}"/>
-              </a:ext>
-            </a:extLst>
-          </p:cNvPr>
-          <p:cNvSpPr/>
-          <p:nvPr/>
-        </p:nvSpPr>
-        <p:spPr>
-          <a:xfrm>
-            <a:off x="8784350" y="765583"/>
-            <a:ext cx="1260000" cy="262248"/>
-          </a:xfrm>
-          <a:prstGeom prst="rect">
-            <a:avLst/>
-          </a:prstGeom>
-          <a:solidFill>
-            <a:schemeClr val="tx2"/>
-          </a:solidFill>
-          <a:ln>
-            <a:solidFill>
-              <a:schemeClr val="accent3"/>
-            </a:solidFill>
-          </a:ln>
-        </p:spPr>
-        <p:style>
-          <a:lnRef idx="2">
-            <a:schemeClr val="dk1"/>
-          </a:lnRef>
-          <a:fillRef idx="1">
-            <a:schemeClr val="lt1"/>
-          </a:fillRef>
-          <a:effectRef idx="0">
-            <a:schemeClr val="dk1"/>
-          </a:effectRef>
-          <a:fontRef idx="minor">
-            <a:schemeClr val="dk1"/>
-          </a:fontRef>
-        </p:style>
-        <p:txBody>
-          <a:bodyPr rtlCol="0" anchor="ctr"/>
-          <a:lstStyle/>
-          <a:p>
             <a:pPr algn="ctr"/>
             <a:r>
-              <a:rPr lang="en-MY" dirty="0">
-                <a:solidFill>
-                  <a:schemeClr val="bg1"/>
-                </a:solidFill>
-              </a:rPr>
-              <a:t>Forum</a:t>
+              <a:rPr lang="en-MY" sz="600" dirty="0"/>
+              <a:t>image</a:t>
             </a:r>
-            <a:endParaRPr lang="en-US" dirty="0">
-              <a:solidFill>
-                <a:schemeClr val="bg1"/>
-              </a:solidFill>
-            </a:endParaRPr>
+            <a:endParaRPr lang="en-US" sz="600" dirty="0"/>
           </a:p>
         </p:txBody>
       </p:sp>
@@ -20691,8 +20632,8 @@
             <a:r>
               <a:rPr lang="en-MY" sz="1600" dirty="0">
                 <a:solidFill>
-                  <a:schemeClr val="accent1">
-                    <a:lumMod val="75000"/>
+                  <a:schemeClr val="tx2">
+                    <a:lumMod val="50000"/>
                   </a:schemeClr>
                 </a:solidFill>
               </a:rPr>
@@ -20700,8 +20641,8 @@
             </a:r>
             <a:endParaRPr lang="en-US" sz="1600" dirty="0">
               <a:solidFill>
-                <a:schemeClr val="accent1">
-                  <a:lumMod val="75000"/>
+                <a:schemeClr val="tx2">
+                  <a:lumMod val="50000"/>
                 </a:schemeClr>
               </a:solidFill>
             </a:endParaRPr>
@@ -22628,7 +22569,7 @@
 
 <file path=customXml/item10.xml><?xml version="1.0" encoding="utf-8"?>
 <Control xmlns="http://schemas.microsoft.com/VisualStudio/2011/storyboarding/control">
-  <Id Name="System.Storyboarding.Icons.Video" Revision="1" Stencil="System.Storyboarding.Icons" StencilVersion="0.1"/>
+  <Id Name="System.Storyboarding.Backgrounds.WebBrowser" Revision="1" Stencil="System.Storyboarding.Backgrounds" StencilVersion="0.1"/>
 </Control>
 </file>
 
@@ -22640,25 +22581,25 @@
 
 <file path=customXml/item12.xml><?xml version="1.0" encoding="utf-8"?>
 <Control xmlns="http://schemas.microsoft.com/VisualStudio/2011/storyboarding/control">
-  <Id Name="System.Storyboarding.Media.Image" Revision="1" Stencil="System.Storyboarding.Media" StencilVersion="0.1"/>
+  <Id Name="System.Storyboarding.Common.Hyperlink" Revision="1" Stencil="System.Storyboarding.Common" StencilVersion="0.1"/>
 </Control>
 </file>
 
 <file path=customXml/item13.xml><?xml version="1.0" encoding="utf-8"?>
 <Control xmlns="http://schemas.microsoft.com/VisualStudio/2011/storyboarding/control">
-  <Id Name="System.Storyboarding.Media.Image" Revision="1" Stencil="System.Storyboarding.Media" StencilVersion="0.1"/>
+  <Id Name="System.Storyboarding.Backgrounds.WebBrowser" Revision="1" Stencil="System.Storyboarding.Backgrounds" StencilVersion="0.1"/>
 </Control>
 </file>
 
 <file path=customXml/item14.xml><?xml version="1.0" encoding="utf-8"?>
 <Control xmlns="http://schemas.microsoft.com/VisualStudio/2011/storyboarding/control">
-  <Id Name="System.Storyboarding.Backgrounds.WebBrowser" Revision="1" Stencil="System.Storyboarding.Backgrounds" StencilVersion="0.1"/>
+  <Id Name="System.Storyboarding.Icons.Video" Revision="1" Stencil="System.Storyboarding.Icons" StencilVersion="0.1"/>
 </Control>
 </file>
 
 <file path=customXml/item15.xml><?xml version="1.0" encoding="utf-8"?>
 <Control xmlns="http://schemas.microsoft.com/VisualStudio/2011/storyboarding/control">
-  <Id Name="System.Storyboarding.Icons.Video" Revision="1" Stencil="System.Storyboarding.Icons" StencilVersion="0.1"/>
+  <Id Name="System.Storyboarding.Backgrounds.WebBrowser" Revision="1" Stencil="System.Storyboarding.Backgrounds" StencilVersion="0.1"/>
 </Control>
 </file>
 
@@ -22670,31 +22611,31 @@
 
 <file path=customXml/item17.xml><?xml version="1.0" encoding="utf-8"?>
 <Control xmlns="http://schemas.microsoft.com/VisualStudio/2011/storyboarding/control">
-  <Id Name="System.Storyboarding.Media.Image" Revision="1" Stencil="System.Storyboarding.Media" StencilVersion="0.1"/>
+  <Id Name="System.Storyboarding.Icons.Video" Revision="1" Stencil="System.Storyboarding.Icons" StencilVersion="0.1"/>
 </Control>
 </file>
 
 <file path=customXml/item18.xml><?xml version="1.0" encoding="utf-8"?>
 <Control xmlns="http://schemas.microsoft.com/VisualStudio/2011/storyboarding/control">
-  <Id Name="System.Storyboarding.Media.Image" Revision="1" Stencil="System.Storyboarding.Media" StencilVersion="0.1"/>
+  <Id Name="System.Storyboarding.Backgrounds.WebBrowser" Revision="1" Stencil="System.Storyboarding.Backgrounds" StencilVersion="0.1"/>
 </Control>
 </file>
 
 <file path=customXml/item19.xml><?xml version="1.0" encoding="utf-8"?>
 <Control xmlns="http://schemas.microsoft.com/VisualStudio/2011/storyboarding/control">
-  <Id Name="System.Storyboarding.Backgrounds.WebBrowser" Revision="1" Stencil="System.Storyboarding.Backgrounds" StencilVersion="0.1"/>
+  <Id Name="System.Storyboarding.Media.Image" Revision="1" Stencil="System.Storyboarding.Media" StencilVersion="0.1"/>
 </Control>
 </file>
 
 <file path=customXml/item2.xml><?xml version="1.0" encoding="utf-8"?>
 <Control xmlns="http://schemas.microsoft.com/VisualStudio/2011/storyboarding/control">
-  <Id Name="System.Storyboarding.Backgrounds.WebBrowser" Revision="1" Stencil="System.Storyboarding.Backgrounds" StencilVersion="0.1"/>
+  <Id Name="System.Storyboarding.Media.Image" Revision="1" Stencil="System.Storyboarding.Media" StencilVersion="0.1"/>
 </Control>
 </file>
 
 <file path=customXml/item20.xml><?xml version="1.0" encoding="utf-8"?>
 <Control xmlns="http://schemas.microsoft.com/VisualStudio/2011/storyboarding/control">
-  <Id Name="System.Storyboarding.Media.Image" Revision="1" Stencil="System.Storyboarding.Media" StencilVersion="0.1"/>
+  <Id Name="System.Storyboarding.Backgrounds.WebBrowser" Revision="1" Stencil="System.Storyboarding.Backgrounds" StencilVersion="0.1"/>
 </Control>
 </file>
 
@@ -22712,25 +22653,25 @@
 
 <file path=customXml/item23.xml><?xml version="1.0" encoding="utf-8"?>
 <Control xmlns="http://schemas.microsoft.com/VisualStudio/2011/storyboarding/control">
-  <Id Name="System.Storyboarding.Backgrounds.WebBrowser" Revision="1" Stencil="System.Storyboarding.Backgrounds" StencilVersion="0.1"/>
+  <Id Name="System.Storyboarding.Media.Image" Revision="1" Stencil="System.Storyboarding.Media" StencilVersion="0.1"/>
 </Control>
 </file>
 
 <file path=customXml/item24.xml><?xml version="1.0" encoding="utf-8"?>
 <Control xmlns="http://schemas.microsoft.com/VisualStudio/2011/storyboarding/control">
-  <Id Name="System.Storyboarding.Common.Hyperlink" Revision="1" Stencil="System.Storyboarding.Common" StencilVersion="0.1"/>
+  <Id Name="System.Storyboarding.Media.VideoPlayer" Revision="1" Stencil="System.Storyboarding.Media" StencilVersion="0.1"/>
 </Control>
 </file>
 
 <file path=customXml/item25.xml><?xml version="1.0" encoding="utf-8"?>
 <Control xmlns="http://schemas.microsoft.com/VisualStudio/2011/storyboarding/control">
-  <Id Name="System.Storyboarding.Backgrounds.WebBrowser" Revision="1" Stencil="System.Storyboarding.Backgrounds" StencilVersion="0.1"/>
+  <Id Name="System.Storyboarding.Media.VideoPlayer" Revision="1" Stencil="System.Storyboarding.Media" StencilVersion="0.1"/>
 </Control>
 </file>
 
 <file path=customXml/item26.xml><?xml version="1.0" encoding="utf-8"?>
 <Control xmlns="http://schemas.microsoft.com/VisualStudio/2011/storyboarding/control">
-  <Id Name="System.Storyboarding.Backgrounds.WebBrowser" Revision="1" Stencil="System.Storyboarding.Backgrounds" StencilVersion="0.1"/>
+  <Id Name="System.Storyboarding.Media.Image" Revision="1" Stencil="System.Storyboarding.Media" StencilVersion="0.1"/>
 </Control>
 </file>
 
@@ -22742,7 +22683,7 @@
 
 <file path=customXml/item28.xml><?xml version="1.0" encoding="utf-8"?>
 <Control xmlns="http://schemas.microsoft.com/VisualStudio/2011/storyboarding/control">
-  <Id Name="System.Storyboarding.Media.Image" Revision="1" Stencil="System.Storyboarding.Media" StencilVersion="0.1"/>
+  <Id Name="System.Storyboarding.Backgrounds.WebBrowser" Revision="1" Stencil="System.Storyboarding.Backgrounds" StencilVersion="0.1"/>
 </Control>
 </file>
 
@@ -22760,11 +22701,71 @@
 
 <file path=customXml/item30.xml><?xml version="1.0" encoding="utf-8"?>
 <Control xmlns="http://schemas.microsoft.com/VisualStudio/2011/storyboarding/control">
+  <Id Name="System.Storyboarding.Backgrounds.WebBrowser" Revision="1" Stencil="System.Storyboarding.Backgrounds" StencilVersion="0.1"/>
+</Control>
+</file>
+
+<file path=customXml/item31.xml><?xml version="1.0" encoding="utf-8"?>
+<Control xmlns="http://schemas.microsoft.com/VisualStudio/2011/storyboarding/control">
+  <Id Name="System.Storyboarding.Media.Image" Revision="1" Stencil="System.Storyboarding.Media" StencilVersion="0.1"/>
+</Control>
+</file>
+
+<file path=customXml/item32.xml><?xml version="1.0" encoding="utf-8"?>
+<Control xmlns="http://schemas.microsoft.com/VisualStudio/2011/storyboarding/control">
+  <Id Name="System.Storyboarding.Media.Image" Revision="1" Stencil="System.Storyboarding.Media" StencilVersion="0.1"/>
+</Control>
+</file>
+
+<file path=customXml/item33.xml><?xml version="1.0" encoding="utf-8"?>
+<Control xmlns="http://schemas.microsoft.com/VisualStudio/2011/storyboarding/control">
+  <Id Name="System.Storyboarding.Media.Image" Revision="1" Stencil="System.Storyboarding.Media" StencilVersion="0.1"/>
+</Control>
+</file>
+
+<file path=customXml/item34.xml><?xml version="1.0" encoding="utf-8"?>
+<Control xmlns="http://schemas.microsoft.com/VisualStudio/2011/storyboarding/control">
+  <Id Name="System.Storyboarding.Media.Image" Revision="1" Stencil="System.Storyboarding.Media" StencilVersion="0.1"/>
+</Control>
+</file>
+
+<file path=customXml/item35.xml><?xml version="1.0" encoding="utf-8"?>
+<Control xmlns="http://schemas.microsoft.com/VisualStudio/2011/storyboarding/control">
+  <Id Name="System.Storyboarding.Media.Image" Revision="1" Stencil="System.Storyboarding.Media" StencilVersion="0.1"/>
+</Control>
+</file>
+
+<file path=customXml/item36.xml><?xml version="1.0" encoding="utf-8"?>
+<Control xmlns="http://schemas.microsoft.com/VisualStudio/2011/storyboarding/control">
+  <Id Name="System.Storyboarding.Media.Image" Revision="1" Stencil="System.Storyboarding.Media" StencilVersion="0.1"/>
+</Control>
+</file>
+
+<file path=customXml/item37.xml><?xml version="1.0" encoding="utf-8"?>
+<Control xmlns="http://schemas.microsoft.com/VisualStudio/2011/storyboarding/control">
   <Id Name="System.Storyboarding.Media.VideoPlayer" Revision="1" Stencil="System.Storyboarding.Media" StencilVersion="0.1"/>
 </Control>
 </file>
 
+<file path=customXml/item38.xml><?xml version="1.0" encoding="utf-8"?>
+<Control xmlns="http://schemas.microsoft.com/VisualStudio/2011/storyboarding/control">
+  <Id Name="System.Storyboarding.Media.Image" Revision="1" Stencil="System.Storyboarding.Media" StencilVersion="0.1"/>
+</Control>
+</file>
+
+<file path=customXml/item39.xml><?xml version="1.0" encoding="utf-8"?>
+<Control xmlns="http://schemas.microsoft.com/VisualStudio/2011/storyboarding/control">
+  <Id Name="System.Storyboarding.Media.Image" Revision="1" Stencil="System.Storyboarding.Media" StencilVersion="0.1"/>
+</Control>
+</file>
+
 <file path=customXml/item4.xml><?xml version="1.0" encoding="utf-8"?>
+<Control xmlns="http://schemas.microsoft.com/VisualStudio/2011/storyboarding/control">
+  <Id Name="System.Storyboarding.Backgrounds.WebBrowser" Revision="1" Stencil="System.Storyboarding.Backgrounds" StencilVersion="0.1"/>
+</Control>
+</file>
+
+<file path=customXml/item40.xml><?xml version="1.0" encoding="utf-8"?>
 <Control xmlns="http://schemas.microsoft.com/VisualStudio/2011/storyboarding/control">
   <Id Name="System.Storyboarding.Media.Image" Revision="1" Stencil="System.Storyboarding.Media" StencilVersion="0.1"/>
 </Control>
@@ -22778,7 +22779,7 @@
 
 <file path=customXml/item6.xml><?xml version="1.0" encoding="utf-8"?>
 <Control xmlns="http://schemas.microsoft.com/VisualStudio/2011/storyboarding/control">
-  <Id Name="System.Storyboarding.Backgrounds.WebBrowser" Revision="1" Stencil="System.Storyboarding.Backgrounds" StencilVersion="0.1"/>
+  <Id Name="System.Storyboarding.Media.Image" Revision="1" Stencil="System.Storyboarding.Media" StencilVersion="0.1"/>
 </Control>
 </file>
 
@@ -22790,18 +22791,18 @@
 
 <file path=customXml/item8.xml><?xml version="1.0" encoding="utf-8"?>
 <Control xmlns="http://schemas.microsoft.com/VisualStudio/2011/storyboarding/control">
-  <Id Name="System.Storyboarding.Media.VideoPlayer" Revision="1" Stencil="System.Storyboarding.Media" StencilVersion="0.1"/>
+  <Id Name="System.Storyboarding.Media.Image" Revision="1" Stencil="System.Storyboarding.Media" StencilVersion="0.1"/>
 </Control>
 </file>
 
 <file path=customXml/item9.xml><?xml version="1.0" encoding="utf-8"?>
 <Control xmlns="http://schemas.microsoft.com/VisualStudio/2011/storyboarding/control">
-  <Id Name="System.Storyboarding.Backgrounds.WebBrowser" Revision="1" Stencil="System.Storyboarding.Backgrounds" StencilVersion="0.1"/>
+  <Id Name="System.Storyboarding.Media.Image" Revision="1" Stencil="System.Storyboarding.Media" StencilVersion="0.1"/>
 </Control>
 </file>
 
 <file path=customXml/itemProps1.xml><?xml version="1.0" encoding="utf-8"?>
-<ds:datastoreItem xmlns:ds="http://schemas.openxmlformats.org/officeDocument/2006/customXml" ds:itemID="{C842E20C-432C-451A-AE0E-C7E855C2AFCF}">
+<ds:datastoreItem xmlns:ds="http://schemas.openxmlformats.org/officeDocument/2006/customXml" ds:itemID="{3D643F78-E0A3-46B2-8B54-C93DDD1681AA}">
   <ds:schemaRefs>
     <ds:schemaRef ds:uri="http://schemas.microsoft.com/VisualStudio/2011/storyboarding/control"/>
   </ds:schemaRefs>
@@ -22809,7 +22810,7 @@
 </file>
 
 <file path=customXml/itemProps10.xml><?xml version="1.0" encoding="utf-8"?>
-<ds:datastoreItem xmlns:ds="http://schemas.openxmlformats.org/officeDocument/2006/customXml" ds:itemID="{C5C73473-097D-484F-8509-E34C676B7419}">
+<ds:datastoreItem xmlns:ds="http://schemas.openxmlformats.org/officeDocument/2006/customXml" ds:itemID="{9D8EF030-FA73-4B98-A018-298A8DDF963B}">
   <ds:schemaRefs>
     <ds:schemaRef ds:uri="http://schemas.microsoft.com/VisualStudio/2011/storyboarding/control"/>
   </ds:schemaRefs>
@@ -22825,6 +22826,70 @@
 </file>
 
 <file path=customXml/itemProps12.xml><?xml version="1.0" encoding="utf-8"?>
+<ds:datastoreItem xmlns:ds="http://schemas.openxmlformats.org/officeDocument/2006/customXml" ds:itemID="{B5ED5634-6014-462D-A0A5-CC79B1CDC500}">
+  <ds:schemaRefs>
+    <ds:schemaRef ds:uri="http://schemas.microsoft.com/VisualStudio/2011/storyboarding/control"/>
+  </ds:schemaRefs>
+</ds:datastoreItem>
+</file>
+
+<file path=customXml/itemProps13.xml><?xml version="1.0" encoding="utf-8"?>
+<ds:datastoreItem xmlns:ds="http://schemas.openxmlformats.org/officeDocument/2006/customXml" ds:itemID="{D1DC2745-19BD-4507-A4A5-421FE9A2C514}">
+  <ds:schemaRefs>
+    <ds:schemaRef ds:uri="http://schemas.microsoft.com/VisualStudio/2011/storyboarding/control"/>
+  </ds:schemaRefs>
+</ds:datastoreItem>
+</file>
+
+<file path=customXml/itemProps14.xml><?xml version="1.0" encoding="utf-8"?>
+<ds:datastoreItem xmlns:ds="http://schemas.openxmlformats.org/officeDocument/2006/customXml" ds:itemID="{EB45B69F-D2E7-40C5-91A0-CB2FF7608FD6}">
+  <ds:schemaRefs>
+    <ds:schemaRef ds:uri="http://schemas.microsoft.com/VisualStudio/2011/storyboarding/control"/>
+  </ds:schemaRefs>
+</ds:datastoreItem>
+</file>
+
+<file path=customXml/itemProps15.xml><?xml version="1.0" encoding="utf-8"?>
+<ds:datastoreItem xmlns:ds="http://schemas.openxmlformats.org/officeDocument/2006/customXml" ds:itemID="{C8927EC2-C743-40C5-A9CE-08F61DF6F6A7}">
+  <ds:schemaRefs>
+    <ds:schemaRef ds:uri="http://schemas.microsoft.com/VisualStudio/2011/storyboarding/control"/>
+  </ds:schemaRefs>
+</ds:datastoreItem>
+</file>
+
+<file path=customXml/itemProps16.xml><?xml version="1.0" encoding="utf-8"?>
+<ds:datastoreItem xmlns:ds="http://schemas.openxmlformats.org/officeDocument/2006/customXml" ds:itemID="{368DEAFA-5272-43F8-8B38-2D3F947B9001}">
+  <ds:schemaRefs>
+    <ds:schemaRef ds:uri="http://schemas.microsoft.com/VisualStudio/2011/storyboarding/control"/>
+  </ds:schemaRefs>
+</ds:datastoreItem>
+</file>
+
+<file path=customXml/itemProps17.xml><?xml version="1.0" encoding="utf-8"?>
+<ds:datastoreItem xmlns:ds="http://schemas.openxmlformats.org/officeDocument/2006/customXml" ds:itemID="{C5C73473-097D-484F-8509-E34C676B7419}">
+  <ds:schemaRefs>
+    <ds:schemaRef ds:uri="http://schemas.microsoft.com/VisualStudio/2011/storyboarding/control"/>
+  </ds:schemaRefs>
+</ds:datastoreItem>
+</file>
+
+<file path=customXml/itemProps18.xml><?xml version="1.0" encoding="utf-8"?>
+<ds:datastoreItem xmlns:ds="http://schemas.openxmlformats.org/officeDocument/2006/customXml" ds:itemID="{F0367AB8-8505-47C7-B951-08F5208E6166}">
+  <ds:schemaRefs>
+    <ds:schemaRef ds:uri="http://schemas.microsoft.com/VisualStudio/2011/storyboarding/control"/>
+  </ds:schemaRefs>
+</ds:datastoreItem>
+</file>
+
+<file path=customXml/itemProps19.xml><?xml version="1.0" encoding="utf-8"?>
+<ds:datastoreItem xmlns:ds="http://schemas.openxmlformats.org/officeDocument/2006/customXml" ds:itemID="{D44BCB6F-386A-4356-8789-408B63451AE3}">
+  <ds:schemaRefs>
+    <ds:schemaRef ds:uri="http://schemas.microsoft.com/VisualStudio/2011/storyboarding/control"/>
+  </ds:schemaRefs>
+</ds:datastoreItem>
+</file>
+
+<file path=customXml/itemProps2.xml><?xml version="1.0" encoding="utf-8"?>
 <ds:datastoreItem xmlns:ds="http://schemas.openxmlformats.org/officeDocument/2006/customXml" ds:itemID="{B5E94D9A-FCEE-417A-BDD4-8C4F293D4B08}">
   <ds:schemaRefs>
     <ds:schemaRef ds:uri="http://schemas.microsoft.com/VisualStudio/2011/storyboarding/control"/>
@@ -22832,72 +22897,8 @@
 </ds:datastoreItem>
 </file>
 
-<file path=customXml/itemProps13.xml><?xml version="1.0" encoding="utf-8"?>
-<ds:datastoreItem xmlns:ds="http://schemas.openxmlformats.org/officeDocument/2006/customXml" ds:itemID="{95B9B5A4-F6AB-4D6B-B881-8D7D3EDB0D5A}">
-  <ds:schemaRefs>
-    <ds:schemaRef ds:uri="http://schemas.microsoft.com/VisualStudio/2011/storyboarding/control"/>
-  </ds:schemaRefs>
-</ds:datastoreItem>
-</file>
-
-<file path=customXml/itemProps14.xml><?xml version="1.0" encoding="utf-8"?>
-<ds:datastoreItem xmlns:ds="http://schemas.openxmlformats.org/officeDocument/2006/customXml" ds:itemID="{7BEA3A35-C822-4D3B-8EE7-82F30C08CE6B}">
-  <ds:schemaRefs>
-    <ds:schemaRef ds:uri="http://schemas.microsoft.com/VisualStudio/2011/storyboarding/control"/>
-  </ds:schemaRefs>
-</ds:datastoreItem>
-</file>
-
-<file path=customXml/itemProps15.xml><?xml version="1.0" encoding="utf-8"?>
-<ds:datastoreItem xmlns:ds="http://schemas.openxmlformats.org/officeDocument/2006/customXml" ds:itemID="{EB45B69F-D2E7-40C5-91A0-CB2FF7608FD6}">
-  <ds:schemaRefs>
-    <ds:schemaRef ds:uri="http://schemas.microsoft.com/VisualStudio/2011/storyboarding/control"/>
-  </ds:schemaRefs>
-</ds:datastoreItem>
-</file>
-
-<file path=customXml/itemProps16.xml><?xml version="1.0" encoding="utf-8"?>
-<ds:datastoreItem xmlns:ds="http://schemas.openxmlformats.org/officeDocument/2006/customXml" ds:itemID="{0F51DA41-0ACF-491F-9832-FC065834599D}">
-  <ds:schemaRefs>
-    <ds:schemaRef ds:uri="http://schemas.microsoft.com/VisualStudio/2011/storyboarding/control"/>
-  </ds:schemaRefs>
-</ds:datastoreItem>
-</file>
-
-<file path=customXml/itemProps17.xml><?xml version="1.0" encoding="utf-8"?>
-<ds:datastoreItem xmlns:ds="http://schemas.openxmlformats.org/officeDocument/2006/customXml" ds:itemID="{5BCE40C6-9142-4589-98A9-743E2CE2BF59}">
-  <ds:schemaRefs>
-    <ds:schemaRef ds:uri="http://schemas.microsoft.com/VisualStudio/2011/storyboarding/control"/>
-  </ds:schemaRefs>
-</ds:datastoreItem>
-</file>
-
-<file path=customXml/itemProps18.xml><?xml version="1.0" encoding="utf-8"?>
-<ds:datastoreItem xmlns:ds="http://schemas.openxmlformats.org/officeDocument/2006/customXml" ds:itemID="{2B9C71F9-2C68-4136-88CD-EB6EB797D7F4}">
-  <ds:schemaRefs>
-    <ds:schemaRef ds:uri="http://schemas.microsoft.com/VisualStudio/2011/storyboarding/control"/>
-  </ds:schemaRefs>
-</ds:datastoreItem>
-</file>
-
-<file path=customXml/itemProps19.xml><?xml version="1.0" encoding="utf-8"?>
-<ds:datastoreItem xmlns:ds="http://schemas.openxmlformats.org/officeDocument/2006/customXml" ds:itemID="{F0367AB8-8505-47C7-B951-08F5208E6166}">
-  <ds:schemaRefs>
-    <ds:schemaRef ds:uri="http://schemas.microsoft.com/VisualStudio/2011/storyboarding/control"/>
-  </ds:schemaRefs>
-</ds:datastoreItem>
-</file>
-
-<file path=customXml/itemProps2.xml><?xml version="1.0" encoding="utf-8"?>
-<ds:datastoreItem xmlns:ds="http://schemas.openxmlformats.org/officeDocument/2006/customXml" ds:itemID="{27EAAAEC-41D7-4B33-806D-D1425F0A3258}">
-  <ds:schemaRefs>
-    <ds:schemaRef ds:uri="http://schemas.microsoft.com/VisualStudio/2011/storyboarding/control"/>
-  </ds:schemaRefs>
-</ds:datastoreItem>
-</file>
-
 <file path=customXml/itemProps20.xml><?xml version="1.0" encoding="utf-8"?>
-<ds:datastoreItem xmlns:ds="http://schemas.openxmlformats.org/officeDocument/2006/customXml" ds:itemID="{177BF8A6-2405-4575-A98A-C268FE8D3343}">
+<ds:datastoreItem xmlns:ds="http://schemas.openxmlformats.org/officeDocument/2006/customXml" ds:itemID="{52C7C681-2342-4AFD-955C-001ED1D7DE3E}">
   <ds:schemaRefs>
     <ds:schemaRef ds:uri="http://schemas.microsoft.com/VisualStudio/2011/storyboarding/control"/>
   </ds:schemaRefs>
@@ -22905,7 +22906,7 @@
 </file>
 
 <file path=customXml/itemProps21.xml><?xml version="1.0" encoding="utf-8"?>
-<ds:datastoreItem xmlns:ds="http://schemas.openxmlformats.org/officeDocument/2006/customXml" ds:itemID="{EEED2006-B8F1-437E-9BC5-8ED66E947AA8}">
+<ds:datastoreItem xmlns:ds="http://schemas.openxmlformats.org/officeDocument/2006/customXml" ds:itemID="{7BEA3A35-C822-4D3B-8EE7-82F30C08CE6B}">
   <ds:schemaRefs>
     <ds:schemaRef ds:uri="http://schemas.microsoft.com/VisualStudio/2011/storyboarding/control"/>
   </ds:schemaRefs>
@@ -22921,7 +22922,7 @@
 </file>
 
 <file path=customXml/itemProps23.xml><?xml version="1.0" encoding="utf-8"?>
-<ds:datastoreItem xmlns:ds="http://schemas.openxmlformats.org/officeDocument/2006/customXml" ds:itemID="{C8927EC2-C743-40C5-A9CE-08F61DF6F6A7}">
+<ds:datastoreItem xmlns:ds="http://schemas.openxmlformats.org/officeDocument/2006/customXml" ds:itemID="{0F82B1B8-00A9-42C5-90DB-E5F3C69B6586}">
   <ds:schemaRefs>
     <ds:schemaRef ds:uri="http://schemas.microsoft.com/VisualStudio/2011/storyboarding/control"/>
   </ds:schemaRefs>
@@ -22929,7 +22930,7 @@
 </file>
 
 <file path=customXml/itemProps24.xml><?xml version="1.0" encoding="utf-8"?>
-<ds:datastoreItem xmlns:ds="http://schemas.openxmlformats.org/officeDocument/2006/customXml" ds:itemID="{B5ED5634-6014-462D-A0A5-CC79B1CDC500}">
+<ds:datastoreItem xmlns:ds="http://schemas.openxmlformats.org/officeDocument/2006/customXml" ds:itemID="{CF88F997-738B-4A4E-A60C-D344E1A58E41}">
   <ds:schemaRefs>
     <ds:schemaRef ds:uri="http://schemas.microsoft.com/VisualStudio/2011/storyboarding/control"/>
   </ds:schemaRefs>
@@ -22937,6 +22938,134 @@
 </file>
 
 <file path=customXml/itemProps25.xml><?xml version="1.0" encoding="utf-8"?>
+<ds:datastoreItem xmlns:ds="http://schemas.openxmlformats.org/officeDocument/2006/customXml" ds:itemID="{5663C9DB-B93C-4ED1-B172-59E8000C45C6}">
+  <ds:schemaRefs>
+    <ds:schemaRef ds:uri="http://schemas.microsoft.com/VisualStudio/2011/storyboarding/control"/>
+  </ds:schemaRefs>
+</ds:datastoreItem>
+</file>
+
+<file path=customXml/itemProps26.xml><?xml version="1.0" encoding="utf-8"?>
+<ds:datastoreItem xmlns:ds="http://schemas.openxmlformats.org/officeDocument/2006/customXml" ds:itemID="{95B9B5A4-F6AB-4D6B-B881-8D7D3EDB0D5A}">
+  <ds:schemaRefs>
+    <ds:schemaRef ds:uri="http://schemas.microsoft.com/VisualStudio/2011/storyboarding/control"/>
+  </ds:schemaRefs>
+</ds:datastoreItem>
+</file>
+
+<file path=customXml/itemProps27.xml><?xml version="1.0" encoding="utf-8"?>
+<ds:datastoreItem xmlns:ds="http://schemas.openxmlformats.org/officeDocument/2006/customXml" ds:itemID="{2B9C71F9-2C68-4136-88CD-EB6EB797D7F4}">
+  <ds:schemaRefs>
+    <ds:schemaRef ds:uri="http://schemas.microsoft.com/VisualStudio/2011/storyboarding/control"/>
+  </ds:schemaRefs>
+</ds:datastoreItem>
+</file>
+
+<file path=customXml/itemProps28.xml><?xml version="1.0" encoding="utf-8"?>
+<ds:datastoreItem xmlns:ds="http://schemas.openxmlformats.org/officeDocument/2006/customXml" ds:itemID="{19FD4B37-CED0-44A5-96B4-573BA67AD5A3}">
+  <ds:schemaRefs>
+    <ds:schemaRef ds:uri="http://schemas.microsoft.com/VisualStudio/2011/storyboarding/control"/>
+  </ds:schemaRefs>
+</ds:datastoreItem>
+</file>
+
+<file path=customXml/itemProps29.xml><?xml version="1.0" encoding="utf-8"?>
+<ds:datastoreItem xmlns:ds="http://schemas.openxmlformats.org/officeDocument/2006/customXml" ds:itemID="{3E9382A3-3CC7-439E-A5DC-5953E851BD6C}">
+  <ds:schemaRefs>
+    <ds:schemaRef ds:uri="http://schemas.microsoft.com/VisualStudio/2011/storyboarding/control"/>
+  </ds:schemaRefs>
+</ds:datastoreItem>
+</file>
+
+<file path=customXml/itemProps3.xml><?xml version="1.0" encoding="utf-8"?>
+<ds:datastoreItem xmlns:ds="http://schemas.openxmlformats.org/officeDocument/2006/customXml" ds:itemID="{5BCE40C6-9142-4589-98A9-743E2CE2BF59}">
+  <ds:schemaRefs>
+    <ds:schemaRef ds:uri="http://schemas.microsoft.com/VisualStudio/2011/storyboarding/control"/>
+  </ds:schemaRefs>
+</ds:datastoreItem>
+</file>
+
+<file path=customXml/itemProps30.xml><?xml version="1.0" encoding="utf-8"?>
+<ds:datastoreItem xmlns:ds="http://schemas.openxmlformats.org/officeDocument/2006/customXml" ds:itemID="{EEED2006-B8F1-437E-9BC5-8ED66E947AA8}">
+  <ds:schemaRefs>
+    <ds:schemaRef ds:uri="http://schemas.microsoft.com/VisualStudio/2011/storyboarding/control"/>
+  </ds:schemaRefs>
+</ds:datastoreItem>
+</file>
+
+<file path=customXml/itemProps31.xml><?xml version="1.0" encoding="utf-8"?>
+<ds:datastoreItem xmlns:ds="http://schemas.openxmlformats.org/officeDocument/2006/customXml" ds:itemID="{66E5303D-EE5A-430C-91C3-16C58C32CE53}">
+  <ds:schemaRefs>
+    <ds:schemaRef ds:uri="http://schemas.microsoft.com/VisualStudio/2011/storyboarding/control"/>
+  </ds:schemaRefs>
+</ds:datastoreItem>
+</file>
+
+<file path=customXml/itemProps32.xml><?xml version="1.0" encoding="utf-8"?>
+<ds:datastoreItem xmlns:ds="http://schemas.openxmlformats.org/officeDocument/2006/customXml" ds:itemID="{9CB6DEE3-A6E1-434C-A7D7-38D99367EF3B}">
+  <ds:schemaRefs>
+    <ds:schemaRef ds:uri="http://schemas.microsoft.com/VisualStudio/2011/storyboarding/control"/>
+  </ds:schemaRefs>
+</ds:datastoreItem>
+</file>
+
+<file path=customXml/itemProps33.xml><?xml version="1.0" encoding="utf-8"?>
+<ds:datastoreItem xmlns:ds="http://schemas.openxmlformats.org/officeDocument/2006/customXml" ds:itemID="{F6659787-5A43-4227-AA93-075F41A21F25}">
+  <ds:schemaRefs>
+    <ds:schemaRef ds:uri="http://schemas.microsoft.com/VisualStudio/2011/storyboarding/control"/>
+  </ds:schemaRefs>
+</ds:datastoreItem>
+</file>
+
+<file path=customXml/itemProps34.xml><?xml version="1.0" encoding="utf-8"?>
+<ds:datastoreItem xmlns:ds="http://schemas.openxmlformats.org/officeDocument/2006/customXml" ds:itemID="{A64A3E2C-EA24-4D03-98A6-6794EB8E14C4}">
+  <ds:schemaRefs>
+    <ds:schemaRef ds:uri="http://schemas.microsoft.com/VisualStudio/2011/storyboarding/control"/>
+  </ds:schemaRefs>
+</ds:datastoreItem>
+</file>
+
+<file path=customXml/itemProps35.xml><?xml version="1.0" encoding="utf-8"?>
+<ds:datastoreItem xmlns:ds="http://schemas.openxmlformats.org/officeDocument/2006/customXml" ds:itemID="{BCE90A3B-4889-4389-A316-1E0548A772DC}">
+  <ds:schemaRefs>
+    <ds:schemaRef ds:uri="http://schemas.microsoft.com/VisualStudio/2011/storyboarding/control"/>
+  </ds:schemaRefs>
+</ds:datastoreItem>
+</file>
+
+<file path=customXml/itemProps36.xml><?xml version="1.0" encoding="utf-8"?>
+<ds:datastoreItem xmlns:ds="http://schemas.openxmlformats.org/officeDocument/2006/customXml" ds:itemID="{62E19E1C-9A7D-415A-8ED8-2C0D4963EA05}">
+  <ds:schemaRefs>
+    <ds:schemaRef ds:uri="http://schemas.microsoft.com/VisualStudio/2011/storyboarding/control"/>
+  </ds:schemaRefs>
+</ds:datastoreItem>
+</file>
+
+<file path=customXml/itemProps37.xml><?xml version="1.0" encoding="utf-8"?>
+<ds:datastoreItem xmlns:ds="http://schemas.openxmlformats.org/officeDocument/2006/customXml" ds:itemID="{5B0B6E88-BFC4-4BCD-A4EE-24F4CA973C21}">
+  <ds:schemaRefs>
+    <ds:schemaRef ds:uri="http://schemas.microsoft.com/VisualStudio/2011/storyboarding/control"/>
+  </ds:schemaRefs>
+</ds:datastoreItem>
+</file>
+
+<file path=customXml/itemProps38.xml><?xml version="1.0" encoding="utf-8"?>
+<ds:datastoreItem xmlns:ds="http://schemas.openxmlformats.org/officeDocument/2006/customXml" ds:itemID="{8B1CA83E-4769-4D32-B6EC-9A9AD14CB339}">
+  <ds:schemaRefs>
+    <ds:schemaRef ds:uri="http://schemas.microsoft.com/VisualStudio/2011/storyboarding/control"/>
+  </ds:schemaRefs>
+</ds:datastoreItem>
+</file>
+
+<file path=customXml/itemProps39.xml><?xml version="1.0" encoding="utf-8"?>
+<ds:datastoreItem xmlns:ds="http://schemas.openxmlformats.org/officeDocument/2006/customXml" ds:itemID="{31A9CDB0-82D7-4AAA-AAC0-54B52957E5D3}">
+  <ds:schemaRefs>
+    <ds:schemaRef ds:uri="http://schemas.microsoft.com/VisualStudio/2011/storyboarding/control"/>
+  </ds:schemaRefs>
+</ds:datastoreItem>
+</file>
+
+<file path=customXml/itemProps4.xml><?xml version="1.0" encoding="utf-8"?>
 <ds:datastoreItem xmlns:ds="http://schemas.openxmlformats.org/officeDocument/2006/customXml" ds:itemID="{EA546BB4-0E8B-443B-9044-628FF8ABF7EE}">
   <ds:schemaRefs>
     <ds:schemaRef ds:uri="http://schemas.microsoft.com/VisualStudio/2011/storyboarding/control"/>
@@ -22944,31 +23073,39 @@
 </ds:datastoreItem>
 </file>
 
-<file path=customXml/itemProps26.xml><?xml version="1.0" encoding="utf-8"?>
-<ds:datastoreItem xmlns:ds="http://schemas.openxmlformats.org/officeDocument/2006/customXml" ds:itemID="{19FD4B37-CED0-44A5-96B4-573BA67AD5A3}">
+<file path=customXml/itemProps40.xml><?xml version="1.0" encoding="utf-8"?>
+<ds:datastoreItem xmlns:ds="http://schemas.openxmlformats.org/officeDocument/2006/customXml" ds:itemID="{93870016-F241-4E8A-AF27-9BC00C68A638}">
   <ds:schemaRefs>
     <ds:schemaRef ds:uri="http://schemas.microsoft.com/VisualStudio/2011/storyboarding/control"/>
   </ds:schemaRefs>
 </ds:datastoreItem>
 </file>
 
-<file path=customXml/itemProps27.xml><?xml version="1.0" encoding="utf-8"?>
-<ds:datastoreItem xmlns:ds="http://schemas.openxmlformats.org/officeDocument/2006/customXml" ds:itemID="{0F82B1B8-00A9-42C5-90DB-E5F3C69B6586}">
+<file path=customXml/itemProps5.xml><?xml version="1.0" encoding="utf-8"?>
+<ds:datastoreItem xmlns:ds="http://schemas.openxmlformats.org/officeDocument/2006/customXml" ds:itemID="{27EAAAEC-41D7-4B33-806D-D1425F0A3258}">
   <ds:schemaRefs>
     <ds:schemaRef ds:uri="http://schemas.microsoft.com/VisualStudio/2011/storyboarding/control"/>
   </ds:schemaRefs>
 </ds:datastoreItem>
 </file>
 
-<file path=customXml/itemProps28.xml><?xml version="1.0" encoding="utf-8"?>
-<ds:datastoreItem xmlns:ds="http://schemas.openxmlformats.org/officeDocument/2006/customXml" ds:itemID="{368DEAFA-5272-43F8-8B38-2D3F947B9001}">
+<file path=customXml/itemProps6.xml><?xml version="1.0" encoding="utf-8"?>
+<ds:datastoreItem xmlns:ds="http://schemas.openxmlformats.org/officeDocument/2006/customXml" ds:itemID="{0F51DA41-0ACF-491F-9832-FC065834599D}">
   <ds:schemaRefs>
     <ds:schemaRef ds:uri="http://schemas.microsoft.com/VisualStudio/2011/storyboarding/control"/>
   </ds:schemaRefs>
 </ds:datastoreItem>
 </file>
 
-<file path=customXml/itemProps29.xml><?xml version="1.0" encoding="utf-8"?>
+<file path=customXml/itemProps7.xml><?xml version="1.0" encoding="utf-8"?>
+<ds:datastoreItem xmlns:ds="http://schemas.openxmlformats.org/officeDocument/2006/customXml" ds:itemID="{177BF8A6-2405-4575-A98A-C268FE8D3343}">
+  <ds:schemaRefs>
+    <ds:schemaRef ds:uri="http://schemas.microsoft.com/VisualStudio/2011/storyboarding/control"/>
+  </ds:schemaRefs>
+</ds:datastoreItem>
+</file>
+
+<file path=customXml/itemProps8.xml><?xml version="1.0" encoding="utf-8"?>
 <ds:datastoreItem xmlns:ds="http://schemas.openxmlformats.org/officeDocument/2006/customXml" ds:itemID="{1C5E54E0-AE3A-48F6-8652-6365D2D5B440}">
   <ds:schemaRefs>
     <ds:schemaRef ds:uri="http://schemas.microsoft.com/VisualStudio/2011/storyboarding/control"/>
@@ -22976,64 +23113,8 @@
 </ds:datastoreItem>
 </file>
 
-<file path=customXml/itemProps3.xml><?xml version="1.0" encoding="utf-8"?>
-<ds:datastoreItem xmlns:ds="http://schemas.openxmlformats.org/officeDocument/2006/customXml" ds:itemID="{3E9382A3-3CC7-439E-A5DC-5953E851BD6C}">
-  <ds:schemaRefs>
-    <ds:schemaRef ds:uri="http://schemas.microsoft.com/VisualStudio/2011/storyboarding/control"/>
-  </ds:schemaRefs>
-</ds:datastoreItem>
-</file>
-
-<file path=customXml/itemProps30.xml><?xml version="1.0" encoding="utf-8"?>
-<ds:datastoreItem xmlns:ds="http://schemas.openxmlformats.org/officeDocument/2006/customXml" ds:itemID="{CF88F997-738B-4A4E-A60C-D344E1A58E41}">
-  <ds:schemaRefs>
-    <ds:schemaRef ds:uri="http://schemas.microsoft.com/VisualStudio/2011/storyboarding/control"/>
-  </ds:schemaRefs>
-</ds:datastoreItem>
-</file>
-
-<file path=customXml/itemProps4.xml><?xml version="1.0" encoding="utf-8"?>
-<ds:datastoreItem xmlns:ds="http://schemas.openxmlformats.org/officeDocument/2006/customXml" ds:itemID="{D44BCB6F-386A-4356-8789-408B63451AE3}">
-  <ds:schemaRefs>
-    <ds:schemaRef ds:uri="http://schemas.microsoft.com/VisualStudio/2011/storyboarding/control"/>
-  </ds:schemaRefs>
-</ds:datastoreItem>
-</file>
-
-<file path=customXml/itemProps5.xml><?xml version="1.0" encoding="utf-8"?>
-<ds:datastoreItem xmlns:ds="http://schemas.openxmlformats.org/officeDocument/2006/customXml" ds:itemID="{D1DC2745-19BD-4507-A4A5-421FE9A2C514}">
-  <ds:schemaRefs>
-    <ds:schemaRef ds:uri="http://schemas.microsoft.com/VisualStudio/2011/storyboarding/control"/>
-  </ds:schemaRefs>
-</ds:datastoreItem>
-</file>
-
-<file path=customXml/itemProps6.xml><?xml version="1.0" encoding="utf-8"?>
-<ds:datastoreItem xmlns:ds="http://schemas.openxmlformats.org/officeDocument/2006/customXml" ds:itemID="{9D8EF030-FA73-4B98-A018-298A8DDF963B}">
-  <ds:schemaRefs>
-    <ds:schemaRef ds:uri="http://schemas.microsoft.com/VisualStudio/2011/storyboarding/control"/>
-  </ds:schemaRefs>
-</ds:datastoreItem>
-</file>
-
-<file path=customXml/itemProps7.xml><?xml version="1.0" encoding="utf-8"?>
-<ds:datastoreItem xmlns:ds="http://schemas.openxmlformats.org/officeDocument/2006/customXml" ds:itemID="{3D643F78-E0A3-46B2-8B54-C93DDD1681AA}">
-  <ds:schemaRefs>
-    <ds:schemaRef ds:uri="http://schemas.microsoft.com/VisualStudio/2011/storyboarding/control"/>
-  </ds:schemaRefs>
-</ds:datastoreItem>
-</file>
-
-<file path=customXml/itemProps8.xml><?xml version="1.0" encoding="utf-8"?>
-<ds:datastoreItem xmlns:ds="http://schemas.openxmlformats.org/officeDocument/2006/customXml" ds:itemID="{5663C9DB-B93C-4ED1-B172-59E8000C45C6}">
-  <ds:schemaRefs>
-    <ds:schemaRef ds:uri="http://schemas.microsoft.com/VisualStudio/2011/storyboarding/control"/>
-  </ds:schemaRefs>
-</ds:datastoreItem>
-</file>
-
 <file path=customXml/itemProps9.xml><?xml version="1.0" encoding="utf-8"?>
-<ds:datastoreItem xmlns:ds="http://schemas.openxmlformats.org/officeDocument/2006/customXml" ds:itemID="{52C7C681-2342-4AFD-955C-001ED1D7DE3E}">
+<ds:datastoreItem xmlns:ds="http://schemas.openxmlformats.org/officeDocument/2006/customXml" ds:itemID="{C842E20C-432C-451A-AE0E-C7E855C2AFCF}">
   <ds:schemaRefs>
     <ds:schemaRef ds:uri="http://schemas.microsoft.com/VisualStudio/2011/storyboarding/control"/>
   </ds:schemaRefs>
